--- a/Диплом/Магистратура.Ибакаева.pptx
+++ b/Диплом/Магистратура.Ибакаева.pptx
@@ -577,19 +577,27 @@
             </a:r>
             <a:r>
               <a:rPr lang="ru-RU" dirty="0" smtClean="0"/>
-              <a:t> А.А.. Мой научный</a:t>
+              <a:t> </a:t>
+            </a:r>
+            <a:r>
+              <a:rPr lang="ru-RU" dirty="0" err="1" smtClean="0"/>
+              <a:t>А.А</a:t>
+            </a:r>
+            <a:r>
+              <a:rPr lang="ru-RU" dirty="0" err="1" smtClean="0"/>
+              <a:t>..</a:t>
+            </a:r>
+            <a:r>
+              <a:rPr lang="ru-RU" baseline="0" dirty="0" err="1" smtClean="0"/>
+              <a:t>Тема</a:t>
             </a:r>
             <a:r>
               <a:rPr lang="ru-RU" baseline="0" dirty="0" smtClean="0"/>
-              <a:t> руководитель </a:t>
-            </a:r>
-            <a:r>
-              <a:rPr lang="ru-RU" baseline="0" dirty="0" err="1" smtClean="0"/>
-              <a:t>Мокрушин</a:t>
+              <a:t> </a:t>
             </a:r>
             <a:r>
               <a:rPr lang="ru-RU" baseline="0" dirty="0" smtClean="0"/>
-              <a:t> А.А. Тема моего исследования </a:t>
+              <a:t>моего исследования </a:t>
             </a:r>
             <a:r>
               <a:rPr lang="mr-IN" baseline="0" dirty="0" smtClean="0"/>
@@ -6314,8 +6322,8 @@
         </p:nvSpPr>
         <p:spPr>
           <a:xfrm>
-            <a:off x="3911067" y="1013827"/>
-            <a:ext cx="4405349" cy="830997"/>
+            <a:off x="3419872" y="1013827"/>
+            <a:ext cx="4896545" cy="1200329"/>
           </a:xfrm>
           <a:prstGeom prst="rect">
             <a:avLst/>
@@ -6337,8 +6345,45 @@
                 <a:latin typeface="Arial" panose="020B0604020202020204" pitchFamily="34" charset="0"/>
                 <a:cs typeface="Arial" panose="020B0604020202020204" pitchFamily="34" charset="0"/>
               </a:rPr>
-              <a:t>Студентка: Ибакаева А.А</a:t>
-            </a:r>
+              <a:t>Студентка: </a:t>
+            </a:r>
+            <a:r>
+              <a:rPr lang="ru-RU" sz="2400" dirty="0" err="1" smtClean="0">
+                <a:solidFill>
+                  <a:schemeClr val="bg1"/>
+                </a:solidFill>
+                <a:latin typeface="Arial" panose="020B0604020202020204" pitchFamily="34" charset="0"/>
+                <a:cs typeface="Arial" panose="020B0604020202020204" pitchFamily="34" charset="0"/>
+              </a:rPr>
+              <a:t>Ибакаева</a:t>
+            </a:r>
+            <a:r>
+              <a:rPr lang="ru-RU" sz="2400" dirty="0" smtClean="0">
+                <a:solidFill>
+                  <a:schemeClr val="bg1"/>
+                </a:solidFill>
+                <a:latin typeface="Arial" panose="020B0604020202020204" pitchFamily="34" charset="0"/>
+                <a:cs typeface="Arial" panose="020B0604020202020204" pitchFamily="34" charset="0"/>
+              </a:rPr>
+              <a:t> </a:t>
+            </a:r>
+            <a:r>
+              <a:rPr lang="ru-RU" sz="2400" dirty="0" smtClean="0">
+                <a:solidFill>
+                  <a:schemeClr val="bg1"/>
+                </a:solidFill>
+                <a:latin typeface="Arial" panose="020B0604020202020204" pitchFamily="34" charset="0"/>
+                <a:cs typeface="Arial" panose="020B0604020202020204" pitchFamily="34" charset="0"/>
+              </a:rPr>
+              <a:t>А.А.</a:t>
+            </a:r>
+            <a:endParaRPr lang="en-US" sz="2400" dirty="0" smtClean="0">
+              <a:solidFill>
+                <a:schemeClr val="bg1"/>
+              </a:solidFill>
+              <a:latin typeface="Arial" panose="020B0604020202020204" pitchFamily="34" charset="0"/>
+              <a:cs typeface="Arial" panose="020B0604020202020204" pitchFamily="34" charset="0"/>
+            </a:endParaRPr>
           </a:p>
           <a:p>
             <a:pPr algn="r"/>
@@ -6360,7 +6405,7 @@
                 <a:latin typeface="Arial" panose="020B0604020202020204" pitchFamily="34" charset="0"/>
                 <a:cs typeface="Arial" panose="020B0604020202020204" pitchFamily="34" charset="0"/>
               </a:rPr>
-              <a:t>Мокрушин</a:t>
+              <a:t>Лимановская</a:t>
             </a:r>
             <a:r>
               <a:rPr lang="ru-RU" sz="2400" dirty="0" smtClean="0">
@@ -6370,7 +6415,57 @@
                 <a:latin typeface="Arial" panose="020B0604020202020204" pitchFamily="34" charset="0"/>
                 <a:cs typeface="Arial" panose="020B0604020202020204" pitchFamily="34" charset="0"/>
               </a:rPr>
-              <a:t> А.А</a:t>
+              <a:t> О.В.</a:t>
+            </a:r>
+            <a:endParaRPr lang="ru-RU" sz="2400" dirty="0" smtClean="0">
+              <a:solidFill>
+                <a:schemeClr val="bg1"/>
+              </a:solidFill>
+              <a:latin typeface="Arial" panose="020B0604020202020204" pitchFamily="34" charset="0"/>
+              <a:cs typeface="Arial" panose="020B0604020202020204" pitchFamily="34" charset="0"/>
+            </a:endParaRPr>
+          </a:p>
+          <a:p>
+            <a:pPr algn="r"/>
+            <a:r>
+              <a:rPr lang="ru-RU" sz="2400" dirty="0" smtClean="0">
+                <a:solidFill>
+                  <a:schemeClr val="bg1"/>
+                </a:solidFill>
+                <a:latin typeface="Arial" panose="020B0604020202020204" pitchFamily="34" charset="0"/>
+                <a:cs typeface="Arial" panose="020B0604020202020204" pitchFamily="34" charset="0"/>
+              </a:rPr>
+              <a:t>Консультант: </a:t>
+            </a:r>
+            <a:r>
+              <a:rPr lang="ru-RU" sz="2400" dirty="0" err="1" smtClean="0">
+                <a:solidFill>
+                  <a:schemeClr val="bg1"/>
+                </a:solidFill>
+                <a:latin typeface="Arial" panose="020B0604020202020204" pitchFamily="34" charset="0"/>
+                <a:cs typeface="Arial" panose="020B0604020202020204" pitchFamily="34" charset="0"/>
+              </a:rPr>
+              <a:t>Мокрушин</a:t>
+            </a:r>
+            <a:r>
+              <a:rPr lang="ru-RU" sz="2400" dirty="0" smtClean="0">
+                <a:solidFill>
+                  <a:schemeClr val="bg1"/>
+                </a:solidFill>
+                <a:latin typeface="Arial" panose="020B0604020202020204" pitchFamily="34" charset="0"/>
+                <a:cs typeface="Arial" panose="020B0604020202020204" pitchFamily="34" charset="0"/>
+              </a:rPr>
+              <a:t> </a:t>
+            </a:r>
+            <a:r>
+              <a:rPr lang="ru-RU" sz="2400" dirty="0" smtClean="0">
+                <a:solidFill>
+                  <a:schemeClr val="bg1"/>
+                </a:solidFill>
+                <a:latin typeface="Arial" panose="020B0604020202020204" pitchFamily="34" charset="0"/>
+                <a:cs typeface="Arial" panose="020B0604020202020204" pitchFamily="34" charset="0"/>
+              </a:rPr>
+              <a:t>А.А.</a:t>
             </a:r>
             <a:endParaRPr lang="ru-RU" sz="2400" dirty="0">
               <a:solidFill>
@@ -12642,14 +12737,7 @@
                 <a:latin typeface="Arial" panose="020B0604020202020204" pitchFamily="34" charset="0"/>
                 <a:cs typeface="Arial" panose="020B0604020202020204" pitchFamily="34" charset="0"/>
               </a:rPr>
-              <a:t>построение признаков для </a:t>
-            </a:r>
-            <a:r>
-              <a:rPr lang="ru-RU" sz="4000" dirty="0" smtClean="0">
-                <a:latin typeface="Arial" panose="020B0604020202020204" pitchFamily="34" charset="0"/>
-                <a:cs typeface="Arial" panose="020B0604020202020204" pitchFamily="34" charset="0"/>
-              </a:rPr>
-              <a:t>улучшения</a:t>
+              <a:t>построение признаков для улучшения</a:t>
             </a:r>
             <a:r>
               <a:rPr lang="en-US" sz="4000" dirty="0" smtClean="0">
@@ -12663,14 +12751,7 @@
                 <a:latin typeface="Arial" panose="020B0604020202020204" pitchFamily="34" charset="0"/>
                 <a:cs typeface="Arial" panose="020B0604020202020204" pitchFamily="34" charset="0"/>
               </a:rPr>
-              <a:t>точности </a:t>
-            </a:r>
-            <a:r>
-              <a:rPr lang="ru-RU" sz="4000" dirty="0" smtClean="0">
-                <a:latin typeface="Arial" panose="020B0604020202020204" pitchFamily="34" charset="0"/>
-                <a:cs typeface="Arial" panose="020B0604020202020204" pitchFamily="34" charset="0"/>
-              </a:rPr>
-              <a:t>классификации.</a:t>
+              <a:t>точности классификации.</a:t>
             </a:r>
           </a:p>
         </p:txBody>

--- a/Диплом/Магистратура.Ибакаева.pptx
+++ b/Диплом/Магистратура.Ибакаева.pptx
@@ -5,29 +5,30 @@
     <p:sldMasterId id="2147484260" r:id="rId1"/>
   </p:sldMasterIdLst>
   <p:notesMasterIdLst>
-    <p:notesMasterId r:id="rId22"/>
+    <p:notesMasterId r:id="rId23"/>
   </p:notesMasterIdLst>
   <p:sldIdLst>
     <p:sldId id="256" r:id="rId2"/>
     <p:sldId id="272" r:id="rId3"/>
     <p:sldId id="291" r:id="rId4"/>
-    <p:sldId id="292" r:id="rId5"/>
-    <p:sldId id="278" r:id="rId6"/>
-    <p:sldId id="274" r:id="rId7"/>
-    <p:sldId id="283" r:id="rId8"/>
-    <p:sldId id="257" r:id="rId9"/>
-    <p:sldId id="271" r:id="rId10"/>
-    <p:sldId id="285" r:id="rId11"/>
-    <p:sldId id="286" r:id="rId12"/>
-    <p:sldId id="279" r:id="rId13"/>
-    <p:sldId id="259" r:id="rId14"/>
-    <p:sldId id="261" r:id="rId15"/>
-    <p:sldId id="288" r:id="rId16"/>
-    <p:sldId id="270" r:id="rId17"/>
-    <p:sldId id="282" r:id="rId18"/>
-    <p:sldId id="289" r:id="rId19"/>
-    <p:sldId id="290" r:id="rId20"/>
-    <p:sldId id="277" r:id="rId21"/>
+    <p:sldId id="293" r:id="rId5"/>
+    <p:sldId id="292" r:id="rId6"/>
+    <p:sldId id="278" r:id="rId7"/>
+    <p:sldId id="274" r:id="rId8"/>
+    <p:sldId id="283" r:id="rId9"/>
+    <p:sldId id="257" r:id="rId10"/>
+    <p:sldId id="271" r:id="rId11"/>
+    <p:sldId id="285" r:id="rId12"/>
+    <p:sldId id="286" r:id="rId13"/>
+    <p:sldId id="279" r:id="rId14"/>
+    <p:sldId id="259" r:id="rId15"/>
+    <p:sldId id="261" r:id="rId16"/>
+    <p:sldId id="288" r:id="rId17"/>
+    <p:sldId id="270" r:id="rId18"/>
+    <p:sldId id="282" r:id="rId19"/>
+    <p:sldId id="289" r:id="rId20"/>
+    <p:sldId id="290" r:id="rId21"/>
+    <p:sldId id="277" r:id="rId22"/>
   </p:sldIdLst>
   <p:sldSz cx="9144000" cy="6858000" type="screen4x3"/>
   <p:notesSz cx="6858000" cy="9144000"/>
@@ -134,6 +135,7 @@
             <p14:sldId id="256"/>
             <p14:sldId id="272"/>
             <p14:sldId id="291"/>
+            <p14:sldId id="293"/>
             <p14:sldId id="292"/>
             <p14:sldId id="278"/>
             <p14:sldId id="274"/>
@@ -255,7 +257,7 @@
           <a:p>
             <a:fld id="{7B7B9815-AEE5-4F4C-8445-8ECE3DD7735C}" type="datetimeFigureOut">
               <a:rPr lang="ru-RU" smtClean="0"/>
-              <a:t>08.06.17</a:t>
+              <a:t>09.06.17</a:t>
             </a:fld>
             <a:endParaRPr lang="ru-RU"/>
           </a:p>
@@ -581,11 +583,7 @@
             </a:r>
             <a:r>
               <a:rPr lang="ru-RU" dirty="0" err="1" smtClean="0"/>
-              <a:t>А.А</a:t>
-            </a:r>
-            <a:r>
-              <a:rPr lang="ru-RU" dirty="0" err="1" smtClean="0"/>
-              <a:t>..</a:t>
+              <a:t>А.А..</a:t>
             </a:r>
             <a:r>
               <a:rPr lang="ru-RU" baseline="0" dirty="0" err="1" smtClean="0"/>
@@ -593,11 +591,7 @@
             </a:r>
             <a:r>
               <a:rPr lang="ru-RU" baseline="0" dirty="0" smtClean="0"/>
-              <a:t> </a:t>
-            </a:r>
-            <a:r>
-              <a:rPr lang="ru-RU" baseline="0" dirty="0" smtClean="0"/>
-              <a:t>моего исследования </a:t>
+              <a:t> моего исследования </a:t>
             </a:r>
             <a:r>
               <a:rPr lang="mr-IN" baseline="0" dirty="0" smtClean="0"/>
@@ -691,23 +685,6 @@
           <a:bodyPr/>
           <a:lstStyle/>
           <a:p>
-            <a:pPr marL="0" marR="0" lvl="0" indent="0" algn="l" defTabSz="914400" rtl="0" eaLnBrk="1" fontAlgn="auto" latinLnBrk="0" hangingPunct="1">
-              <a:lnSpc>
-                <a:spcPct val="100000"/>
-              </a:lnSpc>
-              <a:spcBef>
-                <a:spcPts val="0"/>
-              </a:spcBef>
-              <a:spcAft>
-                <a:spcPts val="0"/>
-              </a:spcAft>
-              <a:buClrTx/>
-              <a:buSzTx/>
-              <a:buFontTx/>
-              <a:buNone/>
-              <a:tabLst/>
-              <a:defRPr/>
-            </a:pPr>
             <a:r>
               <a:rPr lang="ru-RU" sz="1200" kern="1200" dirty="0" smtClean="0">
                 <a:solidFill>
@@ -718,7 +695,82 @@
                 <a:ea typeface="+mn-ea"/>
                 <a:cs typeface="+mn-cs"/>
               </a:rPr>
-              <a:t>Классификация заключается в прогнозировании значения категориального атрибута (класса) на основе значений признаков объекта при известном множестве обучающих примеров.</a:t>
+              <a:t>Для достижения поставленной цели необходимо выполнить следующие задачи:</a:t>
+            </a:r>
+          </a:p>
+          <a:p>
+            <a:pPr lvl="0"/>
+            <a:r>
+              <a:rPr lang="ru-RU" sz="1200" kern="1200" dirty="0" smtClean="0">
+                <a:solidFill>
+                  <a:schemeClr val="tx1"/>
+                </a:solidFill>
+                <a:effectLst/>
+                <a:latin typeface="+mn-lt"/>
+                <a:ea typeface="+mn-ea"/>
+                <a:cs typeface="+mn-cs"/>
+              </a:rPr>
+              <a:t>изучить соответствующую литературу;</a:t>
+            </a:r>
+          </a:p>
+          <a:p>
+            <a:pPr lvl="0"/>
+            <a:r>
+              <a:rPr lang="ru-RU" sz="1200" kern="1200" dirty="0" smtClean="0">
+                <a:solidFill>
+                  <a:schemeClr val="tx1"/>
+                </a:solidFill>
+                <a:effectLst/>
+                <a:latin typeface="+mn-lt"/>
+                <a:ea typeface="+mn-ea"/>
+                <a:cs typeface="+mn-cs"/>
+              </a:rPr>
+              <a:t>разработать алгоритм построения признаков;</a:t>
+            </a:r>
+          </a:p>
+          <a:p>
+            <a:pPr lvl="0"/>
+            <a:r>
+              <a:rPr lang="ru-RU" sz="1200" kern="1200" dirty="0" smtClean="0">
+                <a:solidFill>
+                  <a:schemeClr val="tx1"/>
+                </a:solidFill>
+                <a:effectLst/>
+                <a:latin typeface="+mn-lt"/>
+                <a:ea typeface="+mn-ea"/>
+                <a:cs typeface="+mn-cs"/>
+              </a:rPr>
+              <a:t>И реализовать программу по данному алгоритму;</a:t>
+            </a:r>
+          </a:p>
+          <a:p>
+            <a:pPr lvl="0"/>
+            <a:r>
+              <a:rPr lang="ru-RU" sz="1200" kern="1200" dirty="0" smtClean="0">
+                <a:solidFill>
+                  <a:schemeClr val="tx1"/>
+                </a:solidFill>
+                <a:effectLst/>
+                <a:latin typeface="+mn-lt"/>
+                <a:ea typeface="+mn-ea"/>
+                <a:cs typeface="+mn-cs"/>
+              </a:rPr>
+              <a:t>оценить эффективность работы алгоритма и сравнить с результатами классификации без построения признаков;</a:t>
+            </a:r>
+          </a:p>
+          <a:p>
+            <a:pPr lvl="0"/>
+            <a:r>
+              <a:rPr lang="ru-RU" sz="1200" kern="1200" dirty="0" smtClean="0">
+                <a:solidFill>
+                  <a:schemeClr val="tx1"/>
+                </a:solidFill>
+                <a:effectLst/>
+                <a:latin typeface="+mn-lt"/>
+                <a:ea typeface="+mn-ea"/>
+                <a:cs typeface="+mn-cs"/>
+              </a:rPr>
+              <a:t>обобщить полученные результаты и сделать соответствующие выводы.</a:t>
             </a:r>
           </a:p>
           <a:p>
@@ -752,7 +804,7 @@
     </p:spTree>
     <p:extLst>
       <p:ext uri="{BB962C8B-B14F-4D97-AF65-F5344CB8AC3E}">
-        <p14:creationId xmlns:p14="http://schemas.microsoft.com/office/powerpoint/2010/main" val="3309953773"/>
+        <p14:creationId xmlns:p14="http://schemas.microsoft.com/office/powerpoint/2010/main" val="1185179588"/>
       </p:ext>
     </p:extLst>
   </p:cSld>
@@ -806,6 +858,23 @@
           <a:bodyPr/>
           <a:lstStyle/>
           <a:p>
+            <a:pPr marL="0" marR="0" lvl="0" indent="0" algn="l" defTabSz="914400" rtl="0" eaLnBrk="1" fontAlgn="auto" latinLnBrk="0" hangingPunct="1">
+              <a:lnSpc>
+                <a:spcPct val="100000"/>
+              </a:lnSpc>
+              <a:spcBef>
+                <a:spcPts val="0"/>
+              </a:spcBef>
+              <a:spcAft>
+                <a:spcPts val="0"/>
+              </a:spcAft>
+              <a:buClrTx/>
+              <a:buSzTx/>
+              <a:buFontTx/>
+              <a:buNone/>
+              <a:tabLst/>
+              <a:defRPr/>
+            </a:pPr>
             <a:r>
               <a:rPr lang="ru-RU" sz="1200" kern="1200" dirty="0" smtClean="0">
                 <a:solidFill>
@@ -816,211 +885,7 @@
                 <a:ea typeface="+mn-ea"/>
                 <a:cs typeface="+mn-cs"/>
               </a:rPr>
-              <a:t>Концептуально любой метод построения признака можно рассматривать как выполнение следующих действий:</a:t>
-            </a:r>
-          </a:p>
-          <a:p>
-            <a:r>
-              <a:rPr lang="ru-RU" sz="1200" kern="1200" dirty="0" smtClean="0">
-                <a:solidFill>
-                  <a:schemeClr val="tx1"/>
-                </a:solidFill>
-                <a:effectLst/>
-                <a:latin typeface="+mn-lt"/>
-                <a:ea typeface="+mn-ea"/>
-                <a:cs typeface="+mn-cs"/>
-              </a:rPr>
-              <a:t>1) Выбор начального пространства признаков F0.</a:t>
-            </a:r>
-          </a:p>
-          <a:p>
-            <a:r>
-              <a:rPr lang="ru-RU" sz="1200" kern="1200" dirty="0" smtClean="0">
-                <a:solidFill>
-                  <a:schemeClr val="tx1"/>
-                </a:solidFill>
-                <a:effectLst/>
-                <a:latin typeface="+mn-lt"/>
-                <a:ea typeface="+mn-ea"/>
-                <a:cs typeface="+mn-cs"/>
-              </a:rPr>
-              <a:t>2) Преобразование F0 для построения нового пространства признаков FN </a:t>
-            </a:r>
-          </a:p>
-          <a:p>
-            <a:r>
-              <a:rPr lang="ru-RU" sz="1200" kern="1200" dirty="0" smtClean="0">
-                <a:solidFill>
-                  <a:schemeClr val="tx1"/>
-                </a:solidFill>
-                <a:effectLst/>
-                <a:latin typeface="+mn-lt"/>
-                <a:ea typeface="+mn-ea"/>
-                <a:cs typeface="+mn-cs"/>
-              </a:rPr>
-              <a:t>3) Выбор подмножества признаков </a:t>
-            </a:r>
-            <a:r>
-              <a:rPr lang="ru-RU" sz="1200" kern="1200" dirty="0" err="1" smtClean="0">
-                <a:solidFill>
-                  <a:schemeClr val="tx1"/>
-                </a:solidFill>
-                <a:effectLst/>
-                <a:latin typeface="+mn-lt"/>
-                <a:ea typeface="+mn-ea"/>
-                <a:cs typeface="+mn-cs"/>
-              </a:rPr>
-              <a:t>Fi</a:t>
-            </a:r>
-            <a:r>
-              <a:rPr lang="ru-RU" sz="1200" kern="1200" dirty="0" smtClean="0">
-                <a:solidFill>
-                  <a:schemeClr val="tx1"/>
-                </a:solidFill>
-                <a:effectLst/>
-                <a:latin typeface="+mn-lt"/>
-                <a:ea typeface="+mn-ea"/>
-                <a:cs typeface="+mn-cs"/>
-              </a:rPr>
-              <a:t> из FN </a:t>
-            </a:r>
-            <a:r>
-              <a:rPr lang="ru-RU" sz="1200" kern="1200" baseline="0" dirty="0" smtClean="0">
-                <a:solidFill>
-                  <a:schemeClr val="tx1"/>
-                </a:solidFill>
-                <a:effectLst/>
-                <a:latin typeface="+mn-lt"/>
-                <a:ea typeface="+mn-ea"/>
-                <a:cs typeface="+mn-cs"/>
-              </a:rPr>
-              <a:t>на основании</a:t>
-            </a:r>
-            <a:r>
-              <a:rPr lang="ru-RU" sz="1200" kern="1200" dirty="0" smtClean="0">
-                <a:solidFill>
-                  <a:schemeClr val="tx1"/>
-                </a:solidFill>
-                <a:effectLst/>
-                <a:latin typeface="+mn-lt"/>
-                <a:ea typeface="+mn-ea"/>
-                <a:cs typeface="+mn-cs"/>
-              </a:rPr>
-              <a:t> определения полезности </a:t>
-            </a:r>
-            <a:r>
-              <a:rPr lang="ru-RU" sz="1200" kern="1200" dirty="0" err="1" smtClean="0">
-                <a:solidFill>
-                  <a:schemeClr val="tx1"/>
-                </a:solidFill>
-                <a:effectLst/>
-                <a:latin typeface="+mn-lt"/>
-                <a:ea typeface="+mn-ea"/>
-                <a:cs typeface="+mn-cs"/>
-              </a:rPr>
-              <a:t>Fi</a:t>
-            </a:r>
-            <a:r>
-              <a:rPr lang="ru-RU" sz="1200" kern="1200" dirty="0" smtClean="0">
-                <a:solidFill>
-                  <a:schemeClr val="tx1"/>
-                </a:solidFill>
-                <a:effectLst/>
-                <a:latin typeface="+mn-lt"/>
-                <a:ea typeface="+mn-ea"/>
-                <a:cs typeface="+mn-cs"/>
-              </a:rPr>
-              <a:t> для задачи классификации.</a:t>
-            </a:r>
-          </a:p>
-          <a:p>
-            <a:r>
-              <a:rPr lang="ru-RU" sz="1200" kern="1200" dirty="0" smtClean="0">
-                <a:solidFill>
-                  <a:schemeClr val="tx1"/>
-                </a:solidFill>
-                <a:effectLst/>
-                <a:latin typeface="+mn-lt"/>
-                <a:ea typeface="+mn-ea"/>
-                <a:cs typeface="+mn-cs"/>
-              </a:rPr>
-              <a:t>b. Если некоторые критерии завершения не достигнуты,</a:t>
-            </a:r>
-            <a:r>
-              <a:rPr lang="ru-RU" sz="1200" kern="1200" baseline="0" dirty="0" smtClean="0">
-                <a:solidFill>
-                  <a:schemeClr val="tx1"/>
-                </a:solidFill>
-                <a:effectLst/>
-                <a:latin typeface="+mn-lt"/>
-                <a:ea typeface="+mn-ea"/>
-                <a:cs typeface="+mn-cs"/>
-              </a:rPr>
-              <a:t> то возвращаемся</a:t>
-            </a:r>
-            <a:r>
-              <a:rPr lang="ru-RU" sz="1200" kern="1200" dirty="0" smtClean="0">
-                <a:solidFill>
-                  <a:schemeClr val="tx1"/>
-                </a:solidFill>
-                <a:effectLst/>
-                <a:latin typeface="+mn-lt"/>
-                <a:ea typeface="+mn-ea"/>
-                <a:cs typeface="+mn-cs"/>
-              </a:rPr>
-              <a:t> к шагу 3.</a:t>
-            </a:r>
-          </a:p>
-          <a:p>
-            <a:r>
-              <a:rPr lang="ru-RU" sz="1200" kern="1200" dirty="0" smtClean="0">
-                <a:solidFill>
-                  <a:schemeClr val="tx1"/>
-                </a:solidFill>
-                <a:effectLst/>
-                <a:latin typeface="+mn-lt"/>
-                <a:ea typeface="+mn-ea"/>
-                <a:cs typeface="+mn-cs"/>
-              </a:rPr>
-              <a:t>c. Иначе множество FT = </a:t>
-            </a:r>
-            <a:r>
-              <a:rPr lang="ru-RU" sz="1200" kern="1200" dirty="0" err="1" smtClean="0">
-                <a:solidFill>
-                  <a:schemeClr val="tx1"/>
-                </a:solidFill>
-                <a:effectLst/>
-                <a:latin typeface="+mn-lt"/>
-                <a:ea typeface="+mn-ea"/>
-                <a:cs typeface="+mn-cs"/>
-              </a:rPr>
-              <a:t>Fi</a:t>
-            </a:r>
-            <a:r>
-              <a:rPr lang="ru-RU" sz="1200" kern="1200" dirty="0" smtClean="0">
-                <a:solidFill>
-                  <a:schemeClr val="tx1"/>
-                </a:solidFill>
-                <a:effectLst/>
-                <a:latin typeface="+mn-lt"/>
-                <a:ea typeface="+mn-ea"/>
-                <a:cs typeface="+mn-cs"/>
-              </a:rPr>
-              <a:t>.</a:t>
-            </a:r>
-          </a:p>
-          <a:p>
-            <a:r>
-              <a:rPr lang="ru-RU" sz="1200" kern="1200" dirty="0" smtClean="0">
-                <a:solidFill>
-                  <a:schemeClr val="tx1"/>
-                </a:solidFill>
-                <a:effectLst/>
-                <a:latin typeface="+mn-lt"/>
-                <a:ea typeface="+mn-ea"/>
-                <a:cs typeface="+mn-cs"/>
-              </a:rPr>
-              <a:t>4) FT – это сконструированное пространство признаков.</a:t>
+              <a:t>Классификация заключается в прогнозировании значения категориального атрибута (класса) на основе значений признаков объекта при известном множестве обучающих примеров.</a:t>
             </a:r>
           </a:p>
           <a:p>
@@ -1054,7 +919,7 @@
     </p:spTree>
     <p:extLst>
       <p:ext uri="{BB962C8B-B14F-4D97-AF65-F5344CB8AC3E}">
-        <p14:creationId xmlns:p14="http://schemas.microsoft.com/office/powerpoint/2010/main" val="3324260502"/>
+        <p14:creationId xmlns:p14="http://schemas.microsoft.com/office/powerpoint/2010/main" val="3309953773"/>
       </p:ext>
     </p:extLst>
   </p:cSld>
@@ -1118,17 +983,215 @@
                 <a:ea typeface="+mn-ea"/>
                 <a:cs typeface="+mn-cs"/>
               </a:rPr>
-              <a:t>Для автоматического построения признаков можно использовать деревья решений, индуктивное логическое программирование, аннотации и генетическое программирование. Деревья решений обладают гибкой настройкой операторов, но не учитывают взаимодействия и отношения признаков, а также не имеют возможности добавления дополнительных знаний об области. В то же время индуктивное логическое программирование и аннотации удовлетворяют последним двум критериям, но не позволяют настраивать свои операторы. Генетическое обладает свойствами всех названных критериев, поэтому было выбрано в качестве метода для построения признаков медицинских изображений.</a:t>
-            </a:r>
-            <a:endParaRPr lang="ru-RU" sz="1200" kern="1200" dirty="0">
-              <a:solidFill>
-                <a:schemeClr val="tx1"/>
-              </a:solidFill>
-              <a:effectLst/>
-              <a:latin typeface="+mn-lt"/>
-              <a:ea typeface="+mn-ea"/>
-              <a:cs typeface="+mn-cs"/>
-            </a:endParaRPr>
+              <a:t>Концептуально любой метод построения признака можно рассматривать как выполнение следующих действий:</a:t>
+            </a:r>
+          </a:p>
+          <a:p>
+            <a:r>
+              <a:rPr lang="ru-RU" sz="1200" kern="1200" dirty="0" smtClean="0">
+                <a:solidFill>
+                  <a:schemeClr val="tx1"/>
+                </a:solidFill>
+                <a:effectLst/>
+                <a:latin typeface="+mn-lt"/>
+                <a:ea typeface="+mn-ea"/>
+                <a:cs typeface="+mn-cs"/>
+              </a:rPr>
+              <a:t>1) Выбор начального пространства признаков F0.</a:t>
+            </a:r>
+          </a:p>
+          <a:p>
+            <a:r>
+              <a:rPr lang="ru-RU" sz="1200" kern="1200" dirty="0" smtClean="0">
+                <a:solidFill>
+                  <a:schemeClr val="tx1"/>
+                </a:solidFill>
+                <a:effectLst/>
+                <a:latin typeface="+mn-lt"/>
+                <a:ea typeface="+mn-ea"/>
+                <a:cs typeface="+mn-cs"/>
+              </a:rPr>
+              <a:t>2) Преобразование F0 для построения нового пространства признаков FN </a:t>
+            </a:r>
+          </a:p>
+          <a:p>
+            <a:r>
+              <a:rPr lang="ru-RU" sz="1200" kern="1200" dirty="0" smtClean="0">
+                <a:solidFill>
+                  <a:schemeClr val="tx1"/>
+                </a:solidFill>
+                <a:effectLst/>
+                <a:latin typeface="+mn-lt"/>
+                <a:ea typeface="+mn-ea"/>
+                <a:cs typeface="+mn-cs"/>
+              </a:rPr>
+              <a:t>3) Выбор подмножества признаков </a:t>
+            </a:r>
+            <a:r>
+              <a:rPr lang="ru-RU" sz="1200" kern="1200" dirty="0" err="1" smtClean="0">
+                <a:solidFill>
+                  <a:schemeClr val="tx1"/>
+                </a:solidFill>
+                <a:effectLst/>
+                <a:latin typeface="+mn-lt"/>
+                <a:ea typeface="+mn-ea"/>
+                <a:cs typeface="+mn-cs"/>
+              </a:rPr>
+              <a:t>Fi</a:t>
+            </a:r>
+            <a:r>
+              <a:rPr lang="ru-RU" sz="1200" kern="1200" dirty="0" smtClean="0">
+                <a:solidFill>
+                  <a:schemeClr val="tx1"/>
+                </a:solidFill>
+                <a:effectLst/>
+                <a:latin typeface="+mn-lt"/>
+                <a:ea typeface="+mn-ea"/>
+                <a:cs typeface="+mn-cs"/>
+              </a:rPr>
+              <a:t> из FN </a:t>
+            </a:r>
+            <a:r>
+              <a:rPr lang="ru-RU" sz="1200" kern="1200" baseline="0" dirty="0" smtClean="0">
+                <a:solidFill>
+                  <a:schemeClr val="tx1"/>
+                </a:solidFill>
+                <a:effectLst/>
+                <a:latin typeface="+mn-lt"/>
+                <a:ea typeface="+mn-ea"/>
+                <a:cs typeface="+mn-cs"/>
+              </a:rPr>
+              <a:t>на основании</a:t>
+            </a:r>
+            <a:r>
+              <a:rPr lang="ru-RU" sz="1200" kern="1200" dirty="0" smtClean="0">
+                <a:solidFill>
+                  <a:schemeClr val="tx1"/>
+                </a:solidFill>
+                <a:effectLst/>
+                <a:latin typeface="+mn-lt"/>
+                <a:ea typeface="+mn-ea"/>
+                <a:cs typeface="+mn-cs"/>
+              </a:rPr>
+              <a:t> определения полезности </a:t>
+            </a:r>
+            <a:r>
+              <a:rPr lang="ru-RU" sz="1200" kern="1200" dirty="0" err="1" smtClean="0">
+                <a:solidFill>
+                  <a:schemeClr val="tx1"/>
+                </a:solidFill>
+                <a:effectLst/>
+                <a:latin typeface="+mn-lt"/>
+                <a:ea typeface="+mn-ea"/>
+                <a:cs typeface="+mn-cs"/>
+              </a:rPr>
+              <a:t>Fi</a:t>
+            </a:r>
+            <a:r>
+              <a:rPr lang="ru-RU" sz="1200" kern="1200" dirty="0" smtClean="0">
+                <a:solidFill>
+                  <a:schemeClr val="tx1"/>
+                </a:solidFill>
+                <a:effectLst/>
+                <a:latin typeface="+mn-lt"/>
+                <a:ea typeface="+mn-ea"/>
+                <a:cs typeface="+mn-cs"/>
+              </a:rPr>
+              <a:t> для задачи классификации.</a:t>
+            </a:r>
+          </a:p>
+          <a:p>
+            <a:r>
+              <a:rPr lang="ru-RU" sz="1200" kern="1200" dirty="0" smtClean="0">
+                <a:solidFill>
+                  <a:schemeClr val="tx1"/>
+                </a:solidFill>
+                <a:effectLst/>
+                <a:latin typeface="+mn-lt"/>
+                <a:ea typeface="+mn-ea"/>
+                <a:cs typeface="+mn-cs"/>
+              </a:rPr>
+              <a:t>b. Если некоторые критерии завершения не достигнуты,</a:t>
+            </a:r>
+            <a:r>
+              <a:rPr lang="ru-RU" sz="1200" kern="1200" baseline="0" dirty="0" smtClean="0">
+                <a:solidFill>
+                  <a:schemeClr val="tx1"/>
+                </a:solidFill>
+                <a:effectLst/>
+                <a:latin typeface="+mn-lt"/>
+                <a:ea typeface="+mn-ea"/>
+                <a:cs typeface="+mn-cs"/>
+              </a:rPr>
+              <a:t> то возвращаемся</a:t>
+            </a:r>
+            <a:r>
+              <a:rPr lang="ru-RU" sz="1200" kern="1200" dirty="0" smtClean="0">
+                <a:solidFill>
+                  <a:schemeClr val="tx1"/>
+                </a:solidFill>
+                <a:effectLst/>
+                <a:latin typeface="+mn-lt"/>
+                <a:ea typeface="+mn-ea"/>
+                <a:cs typeface="+mn-cs"/>
+              </a:rPr>
+              <a:t> к шагу 3.</a:t>
+            </a:r>
+          </a:p>
+          <a:p>
+            <a:r>
+              <a:rPr lang="ru-RU" sz="1200" kern="1200" dirty="0" smtClean="0">
+                <a:solidFill>
+                  <a:schemeClr val="tx1"/>
+                </a:solidFill>
+                <a:effectLst/>
+                <a:latin typeface="+mn-lt"/>
+                <a:ea typeface="+mn-ea"/>
+                <a:cs typeface="+mn-cs"/>
+              </a:rPr>
+              <a:t>c. Иначе множество FT = </a:t>
+            </a:r>
+            <a:r>
+              <a:rPr lang="ru-RU" sz="1200" kern="1200" dirty="0" err="1" smtClean="0">
+                <a:solidFill>
+                  <a:schemeClr val="tx1"/>
+                </a:solidFill>
+                <a:effectLst/>
+                <a:latin typeface="+mn-lt"/>
+                <a:ea typeface="+mn-ea"/>
+                <a:cs typeface="+mn-cs"/>
+              </a:rPr>
+              <a:t>Fi</a:t>
+            </a:r>
+            <a:r>
+              <a:rPr lang="ru-RU" sz="1200" kern="1200" dirty="0" smtClean="0">
+                <a:solidFill>
+                  <a:schemeClr val="tx1"/>
+                </a:solidFill>
+                <a:effectLst/>
+                <a:latin typeface="+mn-lt"/>
+                <a:ea typeface="+mn-ea"/>
+                <a:cs typeface="+mn-cs"/>
+              </a:rPr>
+              <a:t>.</a:t>
+            </a:r>
+          </a:p>
+          <a:p>
+            <a:r>
+              <a:rPr lang="ru-RU" sz="1200" kern="1200" dirty="0" smtClean="0">
+                <a:solidFill>
+                  <a:schemeClr val="tx1"/>
+                </a:solidFill>
+                <a:effectLst/>
+                <a:latin typeface="+mn-lt"/>
+                <a:ea typeface="+mn-ea"/>
+                <a:cs typeface="+mn-cs"/>
+              </a:rPr>
+              <a:t>4) FT – это сконструированное пространство признаков.</a:t>
+            </a:r>
+          </a:p>
+          <a:p>
+            <a:endParaRPr lang="ru-RU" dirty="0"/>
           </a:p>
         </p:txBody>
       </p:sp>
@@ -1158,7 +1221,7 @@
     </p:spTree>
     <p:extLst>
       <p:ext uri="{BB962C8B-B14F-4D97-AF65-F5344CB8AC3E}">
-        <p14:creationId xmlns:p14="http://schemas.microsoft.com/office/powerpoint/2010/main" val="1128376069"/>
+        <p14:creationId xmlns:p14="http://schemas.microsoft.com/office/powerpoint/2010/main" val="3324260502"/>
       </p:ext>
     </p:extLst>
   </p:cSld>
@@ -1222,8 +1285,17 @@
                 <a:ea typeface="+mn-ea"/>
                 <a:cs typeface="+mn-cs"/>
               </a:rPr>
-              <a:t>Генетическое программирование основывается на принципах биологической эволюции, таких как: естественный отбор, скрещивание и мутация.</a:t>
-            </a:r>
+              <a:t>Для автоматического построения признаков можно использовать деревья решений, индуктивное логическое программирование, аннотации и генетическое программирование. Деревья решений обладают гибкой настройкой операторов, но не учитывают взаимодействия и отношения признаков, а также не имеют возможности добавления дополнительных знаний об области. В то же время индуктивное логическое программирование и аннотации удовлетворяют последним двум критериям, но не позволяют настраивать свои операторы. Генетическое обладает свойствами всех названных критериев, поэтому было выбрано в качестве метода для построения признаков медицинских изображений.</a:t>
+            </a:r>
+            <a:endParaRPr lang="ru-RU" sz="1200" kern="1200" dirty="0">
+              <a:solidFill>
+                <a:schemeClr val="tx1"/>
+              </a:solidFill>
+              <a:effectLst/>
+              <a:latin typeface="+mn-lt"/>
+              <a:ea typeface="+mn-ea"/>
+              <a:cs typeface="+mn-cs"/>
+            </a:endParaRPr>
           </a:p>
         </p:txBody>
       </p:sp>
@@ -1253,7 +1325,7 @@
     </p:spTree>
     <p:extLst>
       <p:ext uri="{BB962C8B-B14F-4D97-AF65-F5344CB8AC3E}">
-        <p14:creationId xmlns:p14="http://schemas.microsoft.com/office/powerpoint/2010/main" val="1850196944"/>
+        <p14:creationId xmlns:p14="http://schemas.microsoft.com/office/powerpoint/2010/main" val="1128376069"/>
       </p:ext>
     </p:extLst>
   </p:cSld>
@@ -1307,23 +1379,6 @@
           <a:bodyPr/>
           <a:lstStyle/>
           <a:p>
-            <a:pPr marL="0" marR="0" lvl="0" indent="0" algn="l" defTabSz="914400" rtl="0" eaLnBrk="1" fontAlgn="auto" latinLnBrk="0" hangingPunct="1">
-              <a:lnSpc>
-                <a:spcPct val="100000"/>
-              </a:lnSpc>
-              <a:spcBef>
-                <a:spcPts val="0"/>
-              </a:spcBef>
-              <a:spcAft>
-                <a:spcPts val="0"/>
-              </a:spcAft>
-              <a:buClrTx/>
-              <a:buSzTx/>
-              <a:buFontTx/>
-              <a:buNone/>
-              <a:tabLst/>
-              <a:defRPr/>
-            </a:pPr>
             <a:r>
               <a:rPr lang="ru-RU" sz="1200" kern="1200" dirty="0" smtClean="0">
                 <a:solidFill>
@@ -1334,11 +1389,8 @@
                 <a:ea typeface="+mn-ea"/>
                 <a:cs typeface="+mn-cs"/>
               </a:rPr>
-              <a:t>В качестве популяции будут выступать леса – наборы признаков. Каждое дерево леса представляет собой один сконструированный признак, состоящий из функций, исходных признаков и констант.</a:t>
-            </a:r>
-          </a:p>
-          <a:p>
-            <a:endParaRPr lang="ru-RU" dirty="0"/>
+              <a:t>Генетическое программирование основывается на принципах биологической эволюции, таких как: естественный отбор, скрещивание и мутация.</a:t>
+            </a:r>
           </a:p>
         </p:txBody>
       </p:sp>
@@ -1368,7 +1420,7 @@
     </p:spTree>
     <p:extLst>
       <p:ext uri="{BB962C8B-B14F-4D97-AF65-F5344CB8AC3E}">
-        <p14:creationId xmlns:p14="http://schemas.microsoft.com/office/powerpoint/2010/main" val="1075396099"/>
+        <p14:creationId xmlns:p14="http://schemas.microsoft.com/office/powerpoint/2010/main" val="1850196944"/>
       </p:ext>
     </p:extLst>
   </p:cSld>
@@ -1422,6 +1474,23 @@
           <a:bodyPr/>
           <a:lstStyle/>
           <a:p>
+            <a:pPr marL="0" marR="0" lvl="0" indent="0" algn="l" defTabSz="914400" rtl="0" eaLnBrk="1" fontAlgn="auto" latinLnBrk="0" hangingPunct="1">
+              <a:lnSpc>
+                <a:spcPct val="100000"/>
+              </a:lnSpc>
+              <a:spcBef>
+                <a:spcPts val="0"/>
+              </a:spcBef>
+              <a:spcAft>
+                <a:spcPts val="0"/>
+              </a:spcAft>
+              <a:buClrTx/>
+              <a:buSzTx/>
+              <a:buFontTx/>
+              <a:buNone/>
+              <a:tabLst/>
+              <a:defRPr/>
+            </a:pPr>
             <a:r>
               <a:rPr lang="ru-RU" sz="1200" kern="1200" dirty="0" smtClean="0">
                 <a:solidFill>
@@ -1432,7 +1501,7 @@
                 <a:ea typeface="+mn-ea"/>
                 <a:cs typeface="+mn-cs"/>
               </a:rPr>
-              <a:t>Будем параллельно развивать несколько наборов лесов. Каждому такому набору назначим свой уникальный классификатор, с помощью которого будем оценивать пригодность данного набора признаков.</a:t>
+              <a:t>В качестве популяции будут выступать леса – наборы признаков. Каждое дерево леса представляет собой один сконструированный признак, состоящий из функций, исходных признаков и констант.</a:t>
             </a:r>
           </a:p>
           <a:p>
@@ -1466,7 +1535,7 @@
     </p:spTree>
     <p:extLst>
       <p:ext uri="{BB962C8B-B14F-4D97-AF65-F5344CB8AC3E}">
-        <p14:creationId xmlns:p14="http://schemas.microsoft.com/office/powerpoint/2010/main" val="2236421988"/>
+        <p14:creationId xmlns:p14="http://schemas.microsoft.com/office/powerpoint/2010/main" val="1075396099"/>
       </p:ext>
     </p:extLst>
   </p:cSld>
@@ -1530,32 +1599,11 @@
                 <a:ea typeface="+mn-ea"/>
                 <a:cs typeface="+mn-cs"/>
               </a:rPr>
-              <a:t>Оценивать приспособленности особей будем через ошибку классификации. Подаем классификатору набор сконструированных признаков и вычисляем отношение неправильно предсказанных значений класса к числу всех объектов</a:t>
-            </a:r>
-            <a:r>
-              <a:rPr lang="ru-RU" sz="1200" kern="1200" baseline="0" dirty="0" smtClean="0">
-                <a:solidFill>
-                  <a:schemeClr val="tx1"/>
-                </a:solidFill>
-                <a:effectLst/>
-                <a:latin typeface="+mn-lt"/>
-                <a:ea typeface="+mn-ea"/>
-                <a:cs typeface="+mn-cs"/>
-              </a:rPr>
-              <a:t> </a:t>
-            </a:r>
-            <a:r>
-              <a:rPr lang="ru-RU" sz="1200" kern="1200" dirty="0" smtClean="0">
-                <a:solidFill>
-                  <a:schemeClr val="tx1"/>
-                </a:solidFill>
-                <a:effectLst/>
-                <a:latin typeface="+mn-lt"/>
-                <a:ea typeface="+mn-ea"/>
-                <a:cs typeface="+mn-cs"/>
-              </a:rPr>
-              <a:t>и нормализуем его.</a:t>
-            </a:r>
+              <a:t>Будем параллельно развивать несколько наборов лесов. Каждому такому набору назначим свой уникальный классификатор, с помощью которого будем оценивать пригодность данного набора признаков.</a:t>
+            </a:r>
+          </a:p>
+          <a:p>
+            <a:endParaRPr lang="ru-RU" dirty="0"/>
           </a:p>
         </p:txBody>
       </p:sp>
@@ -1585,7 +1633,7 @@
     </p:spTree>
     <p:extLst>
       <p:ext uri="{BB962C8B-B14F-4D97-AF65-F5344CB8AC3E}">
-        <p14:creationId xmlns:p14="http://schemas.microsoft.com/office/powerpoint/2010/main" val="2133192863"/>
+        <p14:creationId xmlns:p14="http://schemas.microsoft.com/office/powerpoint/2010/main" val="2236421988"/>
       </p:ext>
     </p:extLst>
   </p:cSld>
@@ -1649,10 +1697,20 @@
                 <a:ea typeface="+mn-ea"/>
                 <a:cs typeface="+mn-cs"/>
               </a:rPr>
-              <a:t>Результаты. Была разработана программа, которая позволяет получить набор построенных признаков данных посредством генетического программирования. Для проверки ее работы был проведен эксперимент. </a:t>
-            </a:r>
-          </a:p>
-          <a:p>
+              <a:t>Оценивать приспособленности особей будем через ошибку классификации. Подаем классификатору набор сконструированных признаков и вычисляем отношение неправильно предсказанных значений класса к числу всех объектов</a:t>
+            </a:r>
+            <a:r>
+              <a:rPr lang="ru-RU" sz="1200" kern="1200" baseline="0" dirty="0" smtClean="0">
+                <a:solidFill>
+                  <a:schemeClr val="tx1"/>
+                </a:solidFill>
+                <a:effectLst/>
+                <a:latin typeface="+mn-lt"/>
+                <a:ea typeface="+mn-ea"/>
+                <a:cs typeface="+mn-cs"/>
+              </a:rPr>
+              <a:t> </a:t>
+            </a:r>
             <a:r>
               <a:rPr lang="ru-RU" sz="1200" kern="1200" dirty="0" smtClean="0">
                 <a:solidFill>
@@ -1663,11 +1721,8 @@
                 <a:ea typeface="+mn-ea"/>
                 <a:cs typeface="+mn-cs"/>
               </a:rPr>
-              <a:t>Заданы обучающая и тестовая выборки медицинских изображений. Они были получены из доступного в интернете ресурса и представляют собой КТ снимки легких с отмеченными областями поражения.</a:t>
-            </a:r>
-          </a:p>
-          <a:p>
-            <a:endParaRPr lang="ru-RU" dirty="0"/>
+              <a:t>и нормализуем его.</a:t>
+            </a:r>
           </a:p>
         </p:txBody>
       </p:sp>
@@ -1697,7 +1752,7 @@
     </p:spTree>
     <p:extLst>
       <p:ext uri="{BB962C8B-B14F-4D97-AF65-F5344CB8AC3E}">
-        <p14:creationId xmlns:p14="http://schemas.microsoft.com/office/powerpoint/2010/main" val="2685789095"/>
+        <p14:creationId xmlns:p14="http://schemas.microsoft.com/office/powerpoint/2010/main" val="2133192863"/>
       </p:ext>
     </p:extLst>
   </p:cSld>
@@ -1761,20 +1816,10 @@
                 <a:ea typeface="+mn-ea"/>
                 <a:cs typeface="+mn-cs"/>
               </a:rPr>
-              <a:t>Определен набор классификаторов: классификатор ближайшего соседа, метод опорных векторов, алгоритм </a:t>
-            </a:r>
-            <a:r>
-              <a:rPr lang="en-US" sz="1200" kern="1200" dirty="0" smtClean="0">
-                <a:solidFill>
-                  <a:schemeClr val="tx1"/>
-                </a:solidFill>
-                <a:effectLst/>
-                <a:latin typeface="+mn-lt"/>
-                <a:ea typeface="+mn-ea"/>
-                <a:cs typeface="+mn-cs"/>
-              </a:rPr>
-              <a:t>C</a:t>
-            </a:r>
+              <a:t>Результаты. Была разработана программа, которая позволяет получить набор построенных признаков данных посредством генетического программирования. Для проверки ее работы был проведен эксперимент. </a:t>
+            </a:r>
+          </a:p>
+          <a:p>
             <a:r>
               <a:rPr lang="ru-RU" sz="1200" kern="1200" dirty="0" smtClean="0">
                 <a:solidFill>
@@ -1785,7 +1830,7 @@
                 <a:ea typeface="+mn-ea"/>
                 <a:cs typeface="+mn-cs"/>
               </a:rPr>
-              <a:t>4.5 деревьев решений, наивный байесовский классификатор, искусственная нейронная сеть. И задано множество исходных признаков. Максимальная ошибка классификации для прекращения работы программы была выбрана равной 0.1.</a:t>
+              <a:t>Заданы обучающая и тестовая выборки медицинских изображений. Они были получены из доступного в интернете ресурса и представляют собой КТ снимки легких с отмеченными областями поражения.</a:t>
             </a:r>
           </a:p>
           <a:p>
@@ -1819,7 +1864,7 @@
     </p:spTree>
     <p:extLst>
       <p:ext uri="{BB962C8B-B14F-4D97-AF65-F5344CB8AC3E}">
-        <p14:creationId xmlns:p14="http://schemas.microsoft.com/office/powerpoint/2010/main" val="3681463401"/>
+        <p14:creationId xmlns:p14="http://schemas.microsoft.com/office/powerpoint/2010/main" val="2685789095"/>
       </p:ext>
     </p:extLst>
   </p:cSld>
@@ -1873,23 +1918,6 @@
           <a:bodyPr/>
           <a:lstStyle/>
           <a:p>
-            <a:pPr marL="0" marR="0" lvl="0" indent="0" algn="l" defTabSz="914400" rtl="0" eaLnBrk="1" fontAlgn="auto" latinLnBrk="0" hangingPunct="1">
-              <a:lnSpc>
-                <a:spcPct val="100000"/>
-              </a:lnSpc>
-              <a:spcBef>
-                <a:spcPts val="0"/>
-              </a:spcBef>
-              <a:spcAft>
-                <a:spcPts val="0"/>
-              </a:spcAft>
-              <a:buClrTx/>
-              <a:buSzTx/>
-              <a:buFontTx/>
-              <a:buNone/>
-              <a:tabLst/>
-              <a:defRPr/>
-            </a:pPr>
             <a:r>
               <a:rPr lang="ru-RU" sz="1200" kern="1200" dirty="0" smtClean="0">
                 <a:solidFill>
@@ -1900,8 +1928,35 @@
                 <a:ea typeface="+mn-ea"/>
                 <a:cs typeface="+mn-cs"/>
               </a:rPr>
-              <a:t>Результаты работы программы можно продемонстрировать в виде таблицы. Каждый классификатор сначала предсказывал значение класса по оригинальному набору признаков. Видно, что точность предсказания равна приблизительно 80%. Затем классификаторы использовали свой лучший набор построенных признаков для прогнозирования класса. Можно увидеть, что средняя точность предсказания стала более 90%. Следовательно, цель работы – увеличение точности классификации – была достигнута.</a:t>
-            </a:r>
+              <a:t>Определен набор классификаторов: классификатор ближайшего соседа, метод опорных векторов, алгоритм </a:t>
+            </a:r>
+            <a:r>
+              <a:rPr lang="en-US" sz="1200" kern="1200" dirty="0" smtClean="0">
+                <a:solidFill>
+                  <a:schemeClr val="tx1"/>
+                </a:solidFill>
+                <a:effectLst/>
+                <a:latin typeface="+mn-lt"/>
+                <a:ea typeface="+mn-ea"/>
+                <a:cs typeface="+mn-cs"/>
+              </a:rPr>
+              <a:t>C</a:t>
+            </a:r>
+            <a:r>
+              <a:rPr lang="ru-RU" sz="1200" kern="1200" dirty="0" smtClean="0">
+                <a:solidFill>
+                  <a:schemeClr val="tx1"/>
+                </a:solidFill>
+                <a:effectLst/>
+                <a:latin typeface="+mn-lt"/>
+                <a:ea typeface="+mn-ea"/>
+                <a:cs typeface="+mn-cs"/>
+              </a:rPr>
+              <a:t>4.5 деревьев решений, наивный байесовский классификатор, искусственная нейронная сеть. И задано множество исходных признаков. Максимальная ошибка классификации для прекращения работы программы была выбрана равной 0.1.</a:t>
+            </a:r>
+          </a:p>
+          <a:p>
+            <a:endParaRPr lang="ru-RU" dirty="0"/>
           </a:p>
         </p:txBody>
       </p:sp>
@@ -1931,7 +1986,7 @@
     </p:spTree>
     <p:extLst>
       <p:ext uri="{BB962C8B-B14F-4D97-AF65-F5344CB8AC3E}">
-        <p14:creationId xmlns:p14="http://schemas.microsoft.com/office/powerpoint/2010/main" val="2366140943"/>
+        <p14:creationId xmlns:p14="http://schemas.microsoft.com/office/powerpoint/2010/main" val="3681463401"/>
       </p:ext>
     </p:extLst>
   </p:cSld>
@@ -2036,6 +2091,118 @@
     <p:extLst>
       <p:ext uri="{BB962C8B-B14F-4D97-AF65-F5344CB8AC3E}">
         <p14:creationId xmlns:p14="http://schemas.microsoft.com/office/powerpoint/2010/main" val="3885654255"/>
+      </p:ext>
+    </p:extLst>
+  </p:cSld>
+  <p:clrMapOvr>
+    <a:masterClrMapping/>
+  </p:clrMapOvr>
+</p:notes>
+</file>
+
+<file path=ppt/notesSlides/notesSlide20.xml><?xml version="1.0" encoding="utf-8"?>
+<p:notes xmlns:a="http://schemas.openxmlformats.org/drawingml/2006/main" xmlns:r="http://schemas.openxmlformats.org/officeDocument/2006/relationships" xmlns:p="http://schemas.openxmlformats.org/presentationml/2006/main">
+  <p:cSld>
+    <p:spTree>
+      <p:nvGrpSpPr>
+        <p:cNvPr id="1" name=""/>
+        <p:cNvGrpSpPr/>
+        <p:nvPr/>
+      </p:nvGrpSpPr>
+      <p:grpSpPr>
+        <a:xfrm>
+          <a:off x="0" y="0"/>
+          <a:ext cx="0" cy="0"/>
+          <a:chOff x="0" y="0"/>
+          <a:chExt cx="0" cy="0"/>
+        </a:xfrm>
+      </p:grpSpPr>
+      <p:sp>
+        <p:nvSpPr>
+          <p:cNvPr id="2" name="Образ слайда 1"/>
+          <p:cNvSpPr>
+            <a:spLocks noGrp="1" noRot="1" noChangeAspect="1"/>
+          </p:cNvSpPr>
+          <p:nvPr>
+            <p:ph type="sldImg"/>
+          </p:nvPr>
+        </p:nvSpPr>
+        <p:spPr/>
+      </p:sp>
+      <p:sp>
+        <p:nvSpPr>
+          <p:cNvPr id="3" name="Заметки 2"/>
+          <p:cNvSpPr>
+            <a:spLocks noGrp="1"/>
+          </p:cNvSpPr>
+          <p:nvPr>
+            <p:ph type="body" idx="1"/>
+          </p:nvPr>
+        </p:nvSpPr>
+        <p:spPr/>
+        <p:txBody>
+          <a:bodyPr/>
+          <a:lstStyle/>
+          <a:p>
+            <a:pPr marL="0" marR="0" lvl="0" indent="0" algn="l" defTabSz="914400" rtl="0" eaLnBrk="1" fontAlgn="auto" latinLnBrk="0" hangingPunct="1">
+              <a:lnSpc>
+                <a:spcPct val="100000"/>
+              </a:lnSpc>
+              <a:spcBef>
+                <a:spcPts val="0"/>
+              </a:spcBef>
+              <a:spcAft>
+                <a:spcPts val="0"/>
+              </a:spcAft>
+              <a:buClrTx/>
+              <a:buSzTx/>
+              <a:buFontTx/>
+              <a:buNone/>
+              <a:tabLst/>
+              <a:defRPr/>
+            </a:pPr>
+            <a:r>
+              <a:rPr lang="ru-RU" sz="1200" kern="1200" dirty="0" smtClean="0">
+                <a:solidFill>
+                  <a:schemeClr val="tx1"/>
+                </a:solidFill>
+                <a:effectLst/>
+                <a:latin typeface="+mn-lt"/>
+                <a:ea typeface="+mn-ea"/>
+                <a:cs typeface="+mn-cs"/>
+              </a:rPr>
+              <a:t>Результаты работы программы можно продемонстрировать в виде таблицы. Каждый классификатор сначала предсказывал значение класса по оригинальному набору признаков. Видно, что точность предсказания равна приблизительно 80%. Затем классификаторы использовали свой лучший набор построенных признаков для прогнозирования класса. Можно увидеть, что средняя точность предсказания стала более 90%. Следовательно, цель работы – увеличение точности классификации – была достигнута.</a:t>
+            </a:r>
+          </a:p>
+        </p:txBody>
+      </p:sp>
+      <p:sp>
+        <p:nvSpPr>
+          <p:cNvPr id="4" name="Номер слайда 3"/>
+          <p:cNvSpPr>
+            <a:spLocks noGrp="1"/>
+          </p:cNvSpPr>
+          <p:nvPr>
+            <p:ph type="sldNum" sz="quarter" idx="10"/>
+          </p:nvPr>
+        </p:nvSpPr>
+        <p:spPr/>
+        <p:txBody>
+          <a:bodyPr/>
+          <a:lstStyle/>
+          <a:p>
+            <a:fld id="{067F537F-45F3-8142-965F-E742B23B0064}" type="slidenum">
+              <a:rPr lang="ru-RU" smtClean="0"/>
+              <a:t>20</a:t>
+            </a:fld>
+            <a:endParaRPr lang="ru-RU"/>
+          </a:p>
+        </p:txBody>
+      </p:sp>
+    </p:spTree>
+    <p:extLst>
+      <p:ext uri="{BB962C8B-B14F-4D97-AF65-F5344CB8AC3E}">
+        <p14:creationId xmlns:p14="http://schemas.microsoft.com/office/powerpoint/2010/main" val="2366140943"/>
       </p:ext>
     </p:extLst>
   </p:cSld>
@@ -2181,30 +2348,61 @@
           <a:bodyPr/>
           <a:lstStyle/>
           <a:p>
-            <a:r>
-              <a:rPr lang="ru-RU" dirty="0" smtClean="0"/>
-              <a:t>Для</a:t>
-            </a:r>
-            <a:r>
-              <a:rPr lang="ru-RU" baseline="0" dirty="0" smtClean="0"/>
-              <a:t> разделения объектов на классы используются классификаторы. Они используют признаки </a:t>
-            </a:r>
-            <a:r>
-              <a:rPr lang="mr-IN" baseline="0" dirty="0" smtClean="0"/>
-              <a:t>–</a:t>
-            </a:r>
-            <a:r>
-              <a:rPr lang="ru-RU" baseline="0" dirty="0" smtClean="0"/>
-              <a:t> отличительные особенности изображения </a:t>
-            </a:r>
-            <a:r>
-              <a:rPr lang="mr-IN" baseline="0" dirty="0" smtClean="0"/>
-              <a:t>–</a:t>
-            </a:r>
-            <a:r>
-              <a:rPr lang="ru-RU" baseline="0" dirty="0" smtClean="0"/>
-              <a:t> для предсказания. Точность предсказания сильно зависит от входного множества признаков.</a:t>
-            </a:r>
+            <a:pPr marL="0" marR="0" indent="0" algn="l" defTabSz="914400" rtl="0" eaLnBrk="1" fontAlgn="auto" latinLnBrk="0" hangingPunct="1">
+              <a:lnSpc>
+                <a:spcPct val="100000"/>
+              </a:lnSpc>
+              <a:spcBef>
+                <a:spcPts val="0"/>
+              </a:spcBef>
+              <a:spcAft>
+                <a:spcPts val="0"/>
+              </a:spcAft>
+              <a:buClrTx/>
+              <a:buSzTx/>
+              <a:buFontTx/>
+              <a:buNone/>
+              <a:tabLst/>
+              <a:defRPr/>
+            </a:pPr>
+            <a:r>
+              <a:rPr lang="ru-RU" sz="1200" kern="1200" dirty="0" smtClean="0">
+                <a:solidFill>
+                  <a:schemeClr val="tx1"/>
+                </a:solidFill>
+                <a:effectLst/>
+                <a:latin typeface="+mn-lt"/>
+                <a:ea typeface="+mn-ea"/>
+                <a:cs typeface="+mn-cs"/>
+              </a:rPr>
+              <a:t>Изображение можно описать набором признаков – отличительных особенностей для различения. Для такого объекта как медицинское изображение количество признаков</a:t>
+            </a:r>
+            <a:r>
+              <a:rPr lang="en-US" sz="1200" kern="1200" dirty="0" smtClean="0">
+                <a:solidFill>
+                  <a:schemeClr val="tx1"/>
+                </a:solidFill>
+                <a:effectLst/>
+                <a:latin typeface="+mn-lt"/>
+                <a:ea typeface="+mn-ea"/>
+                <a:cs typeface="+mn-cs"/>
+              </a:rPr>
+              <a:t> </a:t>
+            </a:r>
+            <a:r>
+              <a:rPr lang="ru-RU" sz="1200" kern="1200" dirty="0" smtClean="0">
+                <a:solidFill>
+                  <a:schemeClr val="tx1"/>
+                </a:solidFill>
+                <a:effectLst/>
+                <a:latin typeface="+mn-lt"/>
+                <a:ea typeface="+mn-ea"/>
+                <a:cs typeface="+mn-cs"/>
+              </a:rPr>
+              <a:t>может превышает 20. </a:t>
+            </a:r>
+          </a:p>
+          <a:p>
             <a:endParaRPr lang="ru-RU" dirty="0"/>
           </a:p>
         </p:txBody>
@@ -2235,7 +2433,7 @@
     </p:spTree>
     <p:extLst>
       <p:ext uri="{BB962C8B-B14F-4D97-AF65-F5344CB8AC3E}">
-        <p14:creationId xmlns:p14="http://schemas.microsoft.com/office/powerpoint/2010/main" val="1896983729"/>
+        <p14:creationId xmlns:p14="http://schemas.microsoft.com/office/powerpoint/2010/main" val="185982275"/>
       </p:ext>
     </p:extLst>
   </p:cSld>
@@ -2299,7 +2497,7 @@
                 <a:ea typeface="+mn-ea"/>
                 <a:cs typeface="+mn-cs"/>
               </a:rPr>
-              <a:t>Актуальность выбранной темы обосновывается тем, что своевременное распознавание патологических процессов в организме человека приведет к оказанию необходимой медицинской помощи. Проблема классификации патологий по данным медицинских изображений не может быть правильно решена, если важные взаимодействия между оригинальными признаками, не принимаются во внимание.</a:t>
+              <a:t>Точность классификации сильно зависит от входного набора признаков. Т.е. при изменении множества признаков получается другая точность классификации.</a:t>
             </a:r>
             <a:endParaRPr lang="ru-RU" sz="1200" kern="1200" dirty="0">
               <a:solidFill>
@@ -2339,7 +2537,7 @@
     </p:spTree>
     <p:extLst>
       <p:ext uri="{BB962C8B-B14F-4D97-AF65-F5344CB8AC3E}">
-        <p14:creationId xmlns:p14="http://schemas.microsoft.com/office/powerpoint/2010/main" val="1976350138"/>
+        <p14:creationId xmlns:p14="http://schemas.microsoft.com/office/powerpoint/2010/main" val="1896983729"/>
       </p:ext>
     </p:extLst>
   </p:cSld>
@@ -2403,7 +2601,7 @@
                 <a:ea typeface="+mn-ea"/>
                 <a:cs typeface="+mn-cs"/>
               </a:rPr>
-              <a:t>Проблема исследования. Эффективность работы классификатора сильно зависит от входного множества признаков. Как выбрать оптимальное множество признаков для классификатора?</a:t>
+              <a:t>Актуальность выбранной темы обосновывается тем, что своевременное распознавание патологических процессов в организме человека приведет к оказанию необходимой медицинской помощи. Проблема классификации патологий не может быть решена, с достаточной точностью, если важные взаимодействия между оригинальными признаками, не принимаются во внимание.</a:t>
             </a:r>
             <a:endParaRPr lang="ru-RU" sz="1200" kern="1200" dirty="0">
               <a:solidFill>
@@ -2443,7 +2641,7 @@
     </p:spTree>
     <p:extLst>
       <p:ext uri="{BB962C8B-B14F-4D97-AF65-F5344CB8AC3E}">
-        <p14:creationId xmlns:p14="http://schemas.microsoft.com/office/powerpoint/2010/main" val="1928512890"/>
+        <p14:creationId xmlns:p14="http://schemas.microsoft.com/office/powerpoint/2010/main" val="1976350138"/>
       </p:ext>
     </p:extLst>
   </p:cSld>
@@ -2497,23 +2695,6 @@
           <a:bodyPr/>
           <a:lstStyle/>
           <a:p>
-            <a:pPr marL="0" marR="0" indent="0" algn="l" defTabSz="914400" rtl="0" eaLnBrk="1" fontAlgn="auto" latinLnBrk="0" hangingPunct="1">
-              <a:lnSpc>
-                <a:spcPct val="100000"/>
-              </a:lnSpc>
-              <a:spcBef>
-                <a:spcPts val="0"/>
-              </a:spcBef>
-              <a:spcAft>
-                <a:spcPts val="0"/>
-              </a:spcAft>
-              <a:buClrTx/>
-              <a:buSzTx/>
-              <a:buFontTx/>
-              <a:buNone/>
-              <a:tabLst/>
-              <a:defRPr/>
-            </a:pPr>
             <a:r>
               <a:rPr lang="ru-RU" sz="1200" kern="1200" dirty="0" smtClean="0">
                 <a:solidFill>
@@ -2524,8 +2705,17 @@
                 <a:ea typeface="+mn-ea"/>
                 <a:cs typeface="+mn-cs"/>
               </a:rPr>
-              <a:t>Объектом исследования выступает классификация изображений. Предметом исследования является алгоритм построения признаков для классификации.</a:t>
-            </a:r>
+              <a:t>Проблема исследования. Эффективность работы классификатора сильно зависит от входного множества признаков. Как выбрать оптимальное множество признаков для классификатора?</a:t>
+            </a:r>
+            <a:endParaRPr lang="ru-RU" sz="1200" kern="1200" dirty="0">
+              <a:solidFill>
+                <a:schemeClr val="tx1"/>
+              </a:solidFill>
+              <a:effectLst/>
+              <a:latin typeface="+mn-lt"/>
+              <a:ea typeface="+mn-ea"/>
+              <a:cs typeface="+mn-cs"/>
+            </a:endParaRPr>
           </a:p>
         </p:txBody>
       </p:sp>
@@ -2555,7 +2745,7 @@
     </p:spTree>
     <p:extLst>
       <p:ext uri="{BB962C8B-B14F-4D97-AF65-F5344CB8AC3E}">
-        <p14:creationId xmlns:p14="http://schemas.microsoft.com/office/powerpoint/2010/main" val="1471852056"/>
+        <p14:creationId xmlns:p14="http://schemas.microsoft.com/office/powerpoint/2010/main" val="1928512890"/>
       </p:ext>
     </p:extLst>
   </p:cSld>
@@ -2636,7 +2826,7 @@
                 <a:ea typeface="+mn-ea"/>
                 <a:cs typeface="+mn-cs"/>
               </a:rPr>
-              <a:t>Цель – нахождение и отработка методики построения признаков для решения задачи классификации.</a:t>
+              <a:t>Объектом исследования выступает классификация изображений. Предметом исследования является алгоритм построения признаков для классификации.</a:t>
             </a:r>
           </a:p>
         </p:txBody>
@@ -2667,7 +2857,7 @@
     </p:spTree>
     <p:extLst>
       <p:ext uri="{BB962C8B-B14F-4D97-AF65-F5344CB8AC3E}">
-        <p14:creationId xmlns:p14="http://schemas.microsoft.com/office/powerpoint/2010/main" val="4073162046"/>
+        <p14:creationId xmlns:p14="http://schemas.microsoft.com/office/powerpoint/2010/main" val="1471852056"/>
       </p:ext>
     </p:extLst>
   </p:cSld>
@@ -2721,6 +2911,23 @@
           <a:bodyPr/>
           <a:lstStyle/>
           <a:p>
+            <a:pPr marL="0" marR="0" indent="0" algn="l" defTabSz="914400" rtl="0" eaLnBrk="1" fontAlgn="auto" latinLnBrk="0" hangingPunct="1">
+              <a:lnSpc>
+                <a:spcPct val="100000"/>
+              </a:lnSpc>
+              <a:spcBef>
+                <a:spcPts val="0"/>
+              </a:spcBef>
+              <a:spcAft>
+                <a:spcPts val="0"/>
+              </a:spcAft>
+              <a:buClrTx/>
+              <a:buSzTx/>
+              <a:buFontTx/>
+              <a:buNone/>
+              <a:tabLst/>
+              <a:defRPr/>
+            </a:pPr>
             <a:r>
               <a:rPr lang="ru-RU" sz="1200" kern="1200" dirty="0" smtClean="0">
                 <a:solidFill>
@@ -2731,86 +2938,8 @@
                 <a:ea typeface="+mn-ea"/>
                 <a:cs typeface="+mn-cs"/>
               </a:rPr>
-              <a:t>Для достижения поставленной цели необходимо выполнить следующие задачи:</a:t>
-            </a:r>
-          </a:p>
-          <a:p>
-            <a:pPr lvl="0"/>
-            <a:r>
-              <a:rPr lang="ru-RU" sz="1200" kern="1200" dirty="0" smtClean="0">
-                <a:solidFill>
-                  <a:schemeClr val="tx1"/>
-                </a:solidFill>
-                <a:effectLst/>
-                <a:latin typeface="+mn-lt"/>
-                <a:ea typeface="+mn-ea"/>
-                <a:cs typeface="+mn-cs"/>
-              </a:rPr>
-              <a:t>изучить соответствующую литературу;</a:t>
-            </a:r>
-          </a:p>
-          <a:p>
-            <a:pPr lvl="0"/>
-            <a:r>
-              <a:rPr lang="ru-RU" sz="1200" kern="1200" dirty="0" smtClean="0">
-                <a:solidFill>
-                  <a:schemeClr val="tx1"/>
-                </a:solidFill>
-                <a:effectLst/>
-                <a:latin typeface="+mn-lt"/>
-                <a:ea typeface="+mn-ea"/>
-                <a:cs typeface="+mn-cs"/>
-              </a:rPr>
-              <a:t>разработать алгоритм построения признаков;</a:t>
-            </a:r>
-          </a:p>
-          <a:p>
-            <a:pPr lvl="0"/>
-            <a:r>
-              <a:rPr lang="ru-RU" sz="1200" kern="1200" dirty="0" smtClean="0">
-                <a:solidFill>
-                  <a:schemeClr val="tx1"/>
-                </a:solidFill>
-                <a:effectLst/>
-                <a:latin typeface="+mn-lt"/>
-                <a:ea typeface="+mn-ea"/>
-                <a:cs typeface="+mn-cs"/>
-              </a:rPr>
-              <a:t>И реализовать программу по данному алгоритму;</a:t>
-            </a:r>
-          </a:p>
-          <a:p>
-            <a:pPr lvl="0"/>
-            <a:r>
-              <a:rPr lang="ru-RU" sz="1200" kern="1200" dirty="0" smtClean="0">
-                <a:solidFill>
-                  <a:schemeClr val="tx1"/>
-                </a:solidFill>
-                <a:effectLst/>
-                <a:latin typeface="+mn-lt"/>
-                <a:ea typeface="+mn-ea"/>
-                <a:cs typeface="+mn-cs"/>
-              </a:rPr>
-              <a:t>оценить эффективность работы алгоритма и сравнить с результатами классификации без построения признаков;</a:t>
-            </a:r>
-          </a:p>
-          <a:p>
-            <a:pPr lvl="0"/>
-            <a:r>
-              <a:rPr lang="ru-RU" sz="1200" kern="1200" dirty="0" smtClean="0">
-                <a:solidFill>
-                  <a:schemeClr val="tx1"/>
-                </a:solidFill>
-                <a:effectLst/>
-                <a:latin typeface="+mn-lt"/>
-                <a:ea typeface="+mn-ea"/>
-                <a:cs typeface="+mn-cs"/>
-              </a:rPr>
-              <a:t>обобщить полученные результаты и сделать соответствующие выводы.</a:t>
-            </a:r>
-          </a:p>
-          <a:p>
-            <a:endParaRPr lang="ru-RU" dirty="0"/>
+              <a:t>Цель – нахождение и отработка методики построения признаков для решения задачи классификации.</a:t>
+            </a:r>
           </a:p>
         </p:txBody>
       </p:sp>
@@ -2840,7 +2969,7 @@
     </p:spTree>
     <p:extLst>
       <p:ext uri="{BB962C8B-B14F-4D97-AF65-F5344CB8AC3E}">
-        <p14:creationId xmlns:p14="http://schemas.microsoft.com/office/powerpoint/2010/main" val="1185179588"/>
+        <p14:creationId xmlns:p14="http://schemas.microsoft.com/office/powerpoint/2010/main" val="4073162046"/>
       </p:ext>
     </p:extLst>
   </p:cSld>
@@ -3080,7 +3209,7 @@
           <a:p>
             <a:fld id="{3A437E1B-BF00-41EC-9089-A3D2CF1C3BF5}" type="datetimeFigureOut">
               <a:rPr lang="ru-RU" smtClean="0"/>
-              <a:t>08.06.17</a:t>
+              <a:t>09.06.17</a:t>
             </a:fld>
             <a:endParaRPr lang="ru-RU" dirty="0"/>
           </a:p>
@@ -3293,7 +3422,7 @@
           <a:p>
             <a:fld id="{3A437E1B-BF00-41EC-9089-A3D2CF1C3BF5}" type="datetimeFigureOut">
               <a:rPr lang="ru-RU" smtClean="0"/>
-              <a:t>08.06.17</a:t>
+              <a:t>09.06.17</a:t>
             </a:fld>
             <a:endParaRPr lang="ru-RU" dirty="0"/>
           </a:p>
@@ -3468,7 +3597,7 @@
           <a:p>
             <a:fld id="{3A437E1B-BF00-41EC-9089-A3D2CF1C3BF5}" type="datetimeFigureOut">
               <a:rPr lang="ru-RU" smtClean="0"/>
-              <a:t>08.06.17</a:t>
+              <a:t>09.06.17</a:t>
             </a:fld>
             <a:endParaRPr lang="ru-RU" dirty="0"/>
           </a:p>
@@ -3633,7 +3762,7 @@
           <a:p>
             <a:fld id="{3A437E1B-BF00-41EC-9089-A3D2CF1C3BF5}" type="datetimeFigureOut">
               <a:rPr lang="ru-RU" smtClean="0"/>
-              <a:t>08.06.17</a:t>
+              <a:t>09.06.17</a:t>
             </a:fld>
             <a:endParaRPr lang="ru-RU" dirty="0"/>
           </a:p>
@@ -3917,7 +4046,7 @@
           <a:p>
             <a:fld id="{3A437E1B-BF00-41EC-9089-A3D2CF1C3BF5}" type="datetimeFigureOut">
               <a:rPr lang="ru-RU" smtClean="0"/>
-              <a:t>08.06.17</a:t>
+              <a:t>09.06.17</a:t>
             </a:fld>
             <a:endParaRPr lang="ru-RU" dirty="0"/>
           </a:p>
@@ -4243,7 +4372,7 @@
           <a:p>
             <a:fld id="{3A437E1B-BF00-41EC-9089-A3D2CF1C3BF5}" type="datetimeFigureOut">
               <a:rPr lang="ru-RU" smtClean="0"/>
-              <a:t>08.06.17</a:t>
+              <a:t>09.06.17</a:t>
             </a:fld>
             <a:endParaRPr lang="ru-RU" dirty="0"/>
           </a:p>
@@ -4668,7 +4797,7 @@
           <a:p>
             <a:fld id="{3A437E1B-BF00-41EC-9089-A3D2CF1C3BF5}" type="datetimeFigureOut">
               <a:rPr lang="ru-RU" smtClean="0"/>
-              <a:t>08.06.17</a:t>
+              <a:t>09.06.17</a:t>
             </a:fld>
             <a:endParaRPr lang="ru-RU" dirty="0"/>
           </a:p>
@@ -4841,7 +4970,7 @@
           <a:p>
             <a:fld id="{3A437E1B-BF00-41EC-9089-A3D2CF1C3BF5}" type="datetimeFigureOut">
               <a:rPr lang="ru-RU" smtClean="0"/>
-              <a:t>08.06.17</a:t>
+              <a:t>09.06.17</a:t>
             </a:fld>
             <a:endParaRPr lang="ru-RU" dirty="0"/>
           </a:p>
@@ -4931,7 +5060,7 @@
           <a:p>
             <a:fld id="{3A437E1B-BF00-41EC-9089-A3D2CF1C3BF5}" type="datetimeFigureOut">
               <a:rPr lang="ru-RU" smtClean="0"/>
-              <a:t>08.06.17</a:t>
+              <a:t>09.06.17</a:t>
             </a:fld>
             <a:endParaRPr lang="ru-RU" dirty="0"/>
           </a:p>
@@ -5211,7 +5340,7 @@
           <a:p>
             <a:fld id="{3A437E1B-BF00-41EC-9089-A3D2CF1C3BF5}" type="datetimeFigureOut">
               <a:rPr lang="ru-RU" smtClean="0"/>
-              <a:t>08.06.17</a:t>
+              <a:t>09.06.17</a:t>
             </a:fld>
             <a:endParaRPr lang="ru-RU" dirty="0"/>
           </a:p>
@@ -5510,7 +5639,7 @@
           <a:p>
             <a:fld id="{3A437E1B-BF00-41EC-9089-A3D2CF1C3BF5}" type="datetimeFigureOut">
               <a:rPr lang="ru-RU" smtClean="0"/>
-              <a:t>08.06.17</a:t>
+              <a:t>09.06.17</a:t>
             </a:fld>
             <a:endParaRPr lang="ru-RU" dirty="0"/>
           </a:p>
@@ -5720,7 +5849,7 @@
           <a:p>
             <a:fld id="{3A437E1B-BF00-41EC-9089-A3D2CF1C3BF5}" type="datetimeFigureOut">
               <a:rPr lang="ru-RU" smtClean="0"/>
-              <a:t>08.06.17</a:t>
+              <a:t>09.06.17</a:t>
             </a:fld>
             <a:endParaRPr lang="ru-RU" dirty="0"/>
           </a:p>
@@ -6365,17 +6494,7 @@
                 <a:latin typeface="Arial" panose="020B0604020202020204" pitchFamily="34" charset="0"/>
                 <a:cs typeface="Arial" panose="020B0604020202020204" pitchFamily="34" charset="0"/>
               </a:rPr>
-              <a:t> </a:t>
-            </a:r>
-            <a:r>
-              <a:rPr lang="ru-RU" sz="2400" dirty="0" smtClean="0">
-                <a:solidFill>
-                  <a:schemeClr val="bg1"/>
-                </a:solidFill>
-                <a:latin typeface="Arial" panose="020B0604020202020204" pitchFamily="34" charset="0"/>
-                <a:cs typeface="Arial" panose="020B0604020202020204" pitchFamily="34" charset="0"/>
-              </a:rPr>
-              <a:t>А.А.</a:t>
+              <a:t> А.А.</a:t>
             </a:r>
             <a:endParaRPr lang="en-US" sz="2400" dirty="0" smtClean="0">
               <a:solidFill>
@@ -6417,13 +6536,6 @@
               </a:rPr>
               <a:t> О.В.</a:t>
             </a:r>
-            <a:endParaRPr lang="ru-RU" sz="2400" dirty="0" smtClean="0">
-              <a:solidFill>
-                <a:schemeClr val="bg1"/>
-              </a:solidFill>
-              <a:latin typeface="Arial" panose="020B0604020202020204" pitchFamily="34" charset="0"/>
-              <a:cs typeface="Arial" panose="020B0604020202020204" pitchFamily="34" charset="0"/>
-            </a:endParaRPr>
           </a:p>
           <a:p>
             <a:pPr algn="r"/>
@@ -6455,17 +6567,7 @@
                 <a:latin typeface="Arial" panose="020B0604020202020204" pitchFamily="34" charset="0"/>
                 <a:cs typeface="Arial" panose="020B0604020202020204" pitchFamily="34" charset="0"/>
               </a:rPr>
-              <a:t> </a:t>
-            </a:r>
-            <a:r>
-              <a:rPr lang="ru-RU" sz="2400" dirty="0" smtClean="0">
-                <a:solidFill>
-                  <a:schemeClr val="bg1"/>
-                </a:solidFill>
-                <a:latin typeface="Arial" panose="020B0604020202020204" pitchFamily="34" charset="0"/>
-                <a:cs typeface="Arial" panose="020B0604020202020204" pitchFamily="34" charset="0"/>
-              </a:rPr>
-              <a:t>А.А.</a:t>
+              <a:t> А.А.</a:t>
             </a:r>
             <a:endParaRPr lang="ru-RU" sz="2400" dirty="0">
               <a:solidFill>
@@ -6498,6 +6600,185 @@
 </file>
 
 <file path=ppt/slides/slide10.xml><?xml version="1.0" encoding="utf-8"?>
+<p:sld xmlns:a="http://schemas.openxmlformats.org/drawingml/2006/main" xmlns:r="http://schemas.openxmlformats.org/officeDocument/2006/relationships" xmlns:p="http://schemas.openxmlformats.org/presentationml/2006/main">
+  <p:cSld>
+    <p:spTree>
+      <p:nvGrpSpPr>
+        <p:cNvPr id="1" name=""/>
+        <p:cNvGrpSpPr/>
+        <p:nvPr/>
+      </p:nvGrpSpPr>
+      <p:grpSpPr>
+        <a:xfrm>
+          <a:off x="0" y="0"/>
+          <a:ext cx="0" cy="0"/>
+          <a:chOff x="0" y="0"/>
+          <a:chExt cx="0" cy="0"/>
+        </a:xfrm>
+      </p:grpSpPr>
+      <p:sp>
+        <p:nvSpPr>
+          <p:cNvPr id="2" name="Заголовок 1"/>
+          <p:cNvSpPr>
+            <a:spLocks noGrp="1"/>
+          </p:cNvSpPr>
+          <p:nvPr>
+            <p:ph type="title"/>
+          </p:nvPr>
+        </p:nvSpPr>
+        <p:spPr>
+          <a:xfrm>
+            <a:off x="1043608" y="-27384"/>
+            <a:ext cx="6781800" cy="1600200"/>
+          </a:xfrm>
+        </p:spPr>
+        <p:txBody>
+          <a:bodyPr/>
+          <a:lstStyle/>
+          <a:p>
+            <a:pPr algn="ctr"/>
+            <a:r>
+              <a:rPr lang="ru-RU" dirty="0" smtClean="0"/>
+              <a:t>Задачи</a:t>
+            </a:r>
+            <a:endParaRPr lang="ru-RU" dirty="0"/>
+          </a:p>
+        </p:txBody>
+      </p:sp>
+      <p:sp>
+        <p:nvSpPr>
+          <p:cNvPr id="3" name="Объект 2"/>
+          <p:cNvSpPr>
+            <a:spLocks noGrp="1"/>
+          </p:cNvSpPr>
+          <p:nvPr>
+            <p:ph idx="1"/>
+          </p:nvPr>
+        </p:nvSpPr>
+        <p:spPr>
+          <a:xfrm>
+            <a:off x="539552" y="1772816"/>
+            <a:ext cx="8280920" cy="4536504"/>
+          </a:xfrm>
+        </p:spPr>
+        <p:txBody>
+          <a:bodyPr>
+            <a:normAutofit lnSpcReduction="10000"/>
+          </a:bodyPr>
+          <a:lstStyle/>
+          <a:p>
+            <a:pPr lvl="0"/>
+            <a:r>
+              <a:rPr lang="ru-RU" sz="3500" dirty="0" smtClean="0">
+                <a:latin typeface="Arial" panose="020B0604020202020204" pitchFamily="34" charset="0"/>
+                <a:cs typeface="Arial" panose="020B0604020202020204" pitchFamily="34" charset="0"/>
+              </a:rPr>
+              <a:t>Изучить </a:t>
+            </a:r>
+            <a:r>
+              <a:rPr lang="ru-RU" sz="3500" dirty="0">
+                <a:latin typeface="Arial" panose="020B0604020202020204" pitchFamily="34" charset="0"/>
+                <a:cs typeface="Arial" panose="020B0604020202020204" pitchFamily="34" charset="0"/>
+              </a:rPr>
+              <a:t>соответствующую литературу.</a:t>
+            </a:r>
+          </a:p>
+          <a:p>
+            <a:pPr lvl="0"/>
+            <a:r>
+              <a:rPr lang="ru-RU" sz="3500" dirty="0" smtClean="0">
+                <a:latin typeface="Arial" panose="020B0604020202020204" pitchFamily="34" charset="0"/>
+                <a:cs typeface="Arial" panose="020B0604020202020204" pitchFamily="34" charset="0"/>
+              </a:rPr>
+              <a:t>Разработать </a:t>
+            </a:r>
+            <a:r>
+              <a:rPr lang="ru-RU" sz="3500" dirty="0" smtClean="0">
+                <a:latin typeface="Arial" panose="020B0604020202020204" pitchFamily="34" charset="0"/>
+                <a:cs typeface="Arial" panose="020B0604020202020204" pitchFamily="34" charset="0"/>
+              </a:rPr>
+              <a:t>алгоритм </a:t>
+            </a:r>
+            <a:r>
+              <a:rPr lang="ru-RU" sz="3500" dirty="0" smtClean="0">
+                <a:latin typeface="Arial" panose="020B0604020202020204" pitchFamily="34" charset="0"/>
+                <a:cs typeface="Arial" panose="020B0604020202020204" pitchFamily="34" charset="0"/>
+              </a:rPr>
+              <a:t>построения признаков.</a:t>
+            </a:r>
+            <a:endParaRPr lang="ru-RU" sz="3500" dirty="0">
+              <a:latin typeface="Arial" panose="020B0604020202020204" pitchFamily="34" charset="0"/>
+              <a:cs typeface="Arial" panose="020B0604020202020204" pitchFamily="34" charset="0"/>
+            </a:endParaRPr>
+          </a:p>
+          <a:p>
+            <a:pPr lvl="0"/>
+            <a:r>
+              <a:rPr lang="ru-RU" sz="3500" dirty="0">
+                <a:latin typeface="Arial" panose="020B0604020202020204" pitchFamily="34" charset="0"/>
+                <a:cs typeface="Arial" panose="020B0604020202020204" pitchFamily="34" charset="0"/>
+              </a:rPr>
+              <a:t>С</a:t>
+            </a:r>
+            <a:r>
+              <a:rPr lang="ru-RU" sz="3500" dirty="0" smtClean="0">
+                <a:latin typeface="Arial" panose="020B0604020202020204" pitchFamily="34" charset="0"/>
+                <a:cs typeface="Arial" panose="020B0604020202020204" pitchFamily="34" charset="0"/>
+              </a:rPr>
+              <a:t>равнить с </a:t>
+            </a:r>
+            <a:r>
+              <a:rPr lang="ru-RU" sz="3500" dirty="0" smtClean="0">
+                <a:latin typeface="Arial" panose="020B0604020202020204" pitchFamily="34" charset="0"/>
+                <a:cs typeface="Arial" panose="020B0604020202020204" pitchFamily="34" charset="0"/>
+              </a:rPr>
+              <a:t>классификацией без построения признаков.</a:t>
+            </a:r>
+            <a:endParaRPr lang="ru-RU" sz="3500" dirty="0">
+              <a:latin typeface="Arial" panose="020B0604020202020204" pitchFamily="34" charset="0"/>
+              <a:cs typeface="Arial" panose="020B0604020202020204" pitchFamily="34" charset="0"/>
+            </a:endParaRPr>
+          </a:p>
+          <a:p>
+            <a:pPr lvl="0">
+              <a:lnSpc>
+                <a:spcPct val="110000"/>
+              </a:lnSpc>
+            </a:pPr>
+            <a:r>
+              <a:rPr lang="ru-RU" sz="3500" dirty="0">
+                <a:latin typeface="Arial" panose="020B0604020202020204" pitchFamily="34" charset="0"/>
+                <a:cs typeface="Arial" panose="020B0604020202020204" pitchFamily="34" charset="0"/>
+              </a:rPr>
+              <a:t>Обобщить полученные результаты и сделать соответствующие выводы.</a:t>
+            </a:r>
+          </a:p>
+          <a:p>
+            <a:endParaRPr lang="ru-RU" dirty="0"/>
+          </a:p>
+        </p:txBody>
+      </p:sp>
+    </p:spTree>
+    <p:extLst>
+      <p:ext uri="{BB962C8B-B14F-4D97-AF65-F5344CB8AC3E}">
+        <p14:creationId xmlns:p14="http://schemas.microsoft.com/office/powerpoint/2010/main" val="1538788640"/>
+      </p:ext>
+    </p:extLst>
+  </p:cSld>
+  <p:clrMapOvr>
+    <a:masterClrMapping/>
+  </p:clrMapOvr>
+  <p:timing>
+    <p:tnLst>
+      <p:par>
+        <p:cTn id="1" dur="indefinite" restart="never" nodeType="tmRoot"/>
+      </p:par>
+    </p:tnLst>
+  </p:timing>
+</p:sld>
+</file>
+
+<file path=ppt/slides/slide11.xml><?xml version="1.0" encoding="utf-8"?>
 <p:sld xmlns:a="http://schemas.openxmlformats.org/drawingml/2006/main" xmlns:r="http://schemas.openxmlformats.org/officeDocument/2006/relationships" xmlns:p="http://schemas.openxmlformats.org/presentationml/2006/main">
   <p:cSld>
     <p:spTree>
@@ -6945,7 +7226,7 @@
 </p:sld>
 </file>
 
-<file path=ppt/slides/slide11.xml><?xml version="1.0" encoding="utf-8"?>
+<file path=ppt/slides/slide12.xml><?xml version="1.0" encoding="utf-8"?>
 <p:sld xmlns:a="http://schemas.openxmlformats.org/drawingml/2006/main" xmlns:r="http://schemas.openxmlformats.org/officeDocument/2006/relationships" xmlns:p="http://schemas.openxmlformats.org/presentationml/2006/main">
   <p:cSld>
     <p:spTree>
@@ -7463,7 +7744,7 @@
 </p:sld>
 </file>
 
-<file path=ppt/slides/slide12.xml><?xml version="1.0" encoding="utf-8"?>
+<file path=ppt/slides/slide13.xml><?xml version="1.0" encoding="utf-8"?>
 <p:sld xmlns:a="http://schemas.openxmlformats.org/drawingml/2006/main" xmlns:r="http://schemas.openxmlformats.org/officeDocument/2006/relationships" xmlns:p="http://schemas.openxmlformats.org/presentationml/2006/main">
   <p:cSld>
     <p:spTree>
@@ -8001,7 +8282,7 @@
 </p:sld>
 </file>
 
-<file path=ppt/slides/slide13.xml><?xml version="1.0" encoding="utf-8"?>
+<file path=ppt/slides/slide14.xml><?xml version="1.0" encoding="utf-8"?>
 <p:sld xmlns:a="http://schemas.openxmlformats.org/drawingml/2006/main" xmlns:r="http://schemas.openxmlformats.org/officeDocument/2006/relationships" xmlns:p="http://schemas.openxmlformats.org/presentationml/2006/main">
   <p:cSld>
     <p:spTree>
@@ -8123,7 +8404,7 @@
 </p:sld>
 </file>
 
-<file path=ppt/slides/slide14.xml><?xml version="1.0" encoding="utf-8"?>
+<file path=ppt/slides/slide15.xml><?xml version="1.0" encoding="utf-8"?>
 <p:sld xmlns:a="http://schemas.openxmlformats.org/drawingml/2006/main" xmlns:r="http://schemas.openxmlformats.org/officeDocument/2006/relationships" xmlns:p="http://schemas.openxmlformats.org/presentationml/2006/main">
   <p:cSld>
     <p:spTree>
@@ -9206,7 +9487,7 @@
 </p:sld>
 </file>
 
-<file path=ppt/slides/slide15.xml><?xml version="1.0" encoding="utf-8"?>
+<file path=ppt/slides/slide16.xml><?xml version="1.0" encoding="utf-8"?>
 <p:sld xmlns:a="http://schemas.openxmlformats.org/drawingml/2006/main" xmlns:r="http://schemas.openxmlformats.org/officeDocument/2006/relationships" xmlns:p="http://schemas.openxmlformats.org/presentationml/2006/main">
   <p:cSld>
     <p:spTree>
@@ -9862,7 +10143,7 @@
 </p:sld>
 </file>
 
-<file path=ppt/slides/slide16.xml><?xml version="1.0" encoding="utf-8"?>
+<file path=ppt/slides/slide17.xml><?xml version="1.0" encoding="utf-8"?>
 <p:sld xmlns:a="http://schemas.openxmlformats.org/drawingml/2006/main" xmlns:r="http://schemas.openxmlformats.org/officeDocument/2006/relationships" xmlns:p="http://schemas.openxmlformats.org/presentationml/2006/main">
   <p:cSld>
     <p:spTree>
@@ -9980,7 +10261,7 @@
 </p:sld>
 </file>
 
-<file path=ppt/slides/slide17.xml><?xml version="1.0" encoding="utf-8"?>
+<file path=ppt/slides/slide18.xml><?xml version="1.0" encoding="utf-8"?>
 <p:sld xmlns:a="http://schemas.openxmlformats.org/drawingml/2006/main" xmlns:r="http://schemas.openxmlformats.org/officeDocument/2006/relationships" xmlns:p="http://schemas.openxmlformats.org/presentationml/2006/main">
   <p:cSld>
     <p:spTree>
@@ -10155,7 +10436,7 @@
 </p:sld>
 </file>
 
-<file path=ppt/slides/slide18.xml><?xml version="1.0" encoding="utf-8"?>
+<file path=ppt/slides/slide19.xml><?xml version="1.0" encoding="utf-8"?>
 <p:sld xmlns:a="http://schemas.openxmlformats.org/drawingml/2006/main" xmlns:r="http://schemas.openxmlformats.org/officeDocument/2006/relationships" xmlns:p="http://schemas.openxmlformats.org/presentationml/2006/main">
   <p:cSld>
     <p:spTree>
@@ -10318,7 +10599,157 @@
 </p:sld>
 </file>
 
-<file path=ppt/slides/slide19.xml><?xml version="1.0" encoding="utf-8"?>
+<file path=ppt/slides/slide2.xml><?xml version="1.0" encoding="utf-8"?>
+<p:sld xmlns:a="http://schemas.openxmlformats.org/drawingml/2006/main" xmlns:r="http://schemas.openxmlformats.org/officeDocument/2006/relationships" xmlns:p="http://schemas.openxmlformats.org/presentationml/2006/main">
+  <p:cSld>
+    <p:spTree>
+      <p:nvGrpSpPr>
+        <p:cNvPr id="1" name=""/>
+        <p:cNvGrpSpPr/>
+        <p:nvPr/>
+      </p:nvGrpSpPr>
+      <p:grpSpPr>
+        <a:xfrm>
+          <a:off x="0" y="0"/>
+          <a:ext cx="0" cy="0"/>
+          <a:chOff x="0" y="0"/>
+          <a:chExt cx="0" cy="0"/>
+        </a:xfrm>
+      </p:grpSpPr>
+      <p:sp>
+        <p:nvSpPr>
+          <p:cNvPr id="2" name="Заголовок 1"/>
+          <p:cNvSpPr>
+            <a:spLocks noGrp="1"/>
+          </p:cNvSpPr>
+          <p:nvPr>
+            <p:ph type="title"/>
+          </p:nvPr>
+        </p:nvSpPr>
+        <p:spPr>
+          <a:xfrm>
+            <a:off x="1187624" y="0"/>
+            <a:ext cx="6781800" cy="1600200"/>
+          </a:xfrm>
+        </p:spPr>
+        <p:txBody>
+          <a:bodyPr/>
+          <a:lstStyle/>
+          <a:p>
+            <a:pPr algn="ctr"/>
+            <a:r>
+              <a:rPr lang="ru-RU" dirty="0" smtClean="0"/>
+              <a:t>Введение</a:t>
+            </a:r>
+            <a:endParaRPr lang="ru-RU" dirty="0"/>
+          </a:p>
+        </p:txBody>
+      </p:sp>
+      <p:sp>
+        <p:nvSpPr>
+          <p:cNvPr id="3" name="Объект 2"/>
+          <p:cNvSpPr>
+            <a:spLocks noGrp="1"/>
+          </p:cNvSpPr>
+          <p:nvPr>
+            <p:ph idx="1"/>
+          </p:nvPr>
+        </p:nvSpPr>
+        <p:spPr>
+          <a:xfrm>
+            <a:off x="539552" y="1556792"/>
+            <a:ext cx="4032448" cy="4392488"/>
+          </a:xfrm>
+        </p:spPr>
+        <p:txBody>
+          <a:bodyPr>
+            <a:normAutofit/>
+          </a:bodyPr>
+          <a:lstStyle/>
+          <a:p>
+            <a:pPr algn="just"/>
+            <a:r>
+              <a:rPr lang="ru-RU" sz="3600" dirty="0" smtClean="0">
+                <a:latin typeface="Arial" panose="020B0604020202020204" pitchFamily="34" charset="0"/>
+                <a:cs typeface="Arial" panose="020B0604020202020204" pitchFamily="34" charset="0"/>
+              </a:rPr>
+              <a:t>Медицинское изображение </a:t>
+            </a:r>
+            <a:r>
+              <a:rPr lang="ru-RU" sz="3600" dirty="0">
+                <a:latin typeface="Arial" panose="020B0604020202020204" pitchFamily="34" charset="0"/>
+                <a:cs typeface="Arial" panose="020B0604020202020204" pitchFamily="34" charset="0"/>
+              </a:rPr>
+              <a:t>– образ органов </a:t>
+            </a:r>
+            <a:r>
+              <a:rPr lang="ru-RU" sz="3600" dirty="0" smtClean="0">
+                <a:latin typeface="Arial" panose="020B0604020202020204" pitchFamily="34" charset="0"/>
+                <a:cs typeface="Arial" panose="020B0604020202020204" pitchFamily="34" charset="0"/>
+              </a:rPr>
+              <a:t>человека для диагностики заболевания.</a:t>
+            </a:r>
+          </a:p>
+          <a:p>
+            <a:pPr algn="just"/>
+            <a:endParaRPr lang="ru-RU" sz="3200" dirty="0" smtClean="0">
+              <a:latin typeface="Arial" panose="020B0604020202020204" pitchFamily="34" charset="0"/>
+              <a:cs typeface="Arial" panose="020B0604020202020204" pitchFamily="34" charset="0"/>
+            </a:endParaRPr>
+          </a:p>
+        </p:txBody>
+      </p:sp>
+      <p:pic>
+        <p:nvPicPr>
+          <p:cNvPr id="5" name="Рисунок 4"/>
+          <p:cNvPicPr>
+            <a:picLocks noChangeAspect="1"/>
+          </p:cNvPicPr>
+          <p:nvPr/>
+        </p:nvPicPr>
+        <p:blipFill>
+          <a:blip r:embed="rId3">
+            <a:extLst>
+              <a:ext uri="{28A0092B-C50C-407E-A947-70E740481C1C}">
+                <a14:useLocalDpi xmlns:a14="http://schemas.microsoft.com/office/drawing/2010/main" val="0"/>
+              </a:ext>
+            </a:extLst>
+          </a:blip>
+          <a:stretch>
+            <a:fillRect/>
+          </a:stretch>
+        </p:blipFill>
+        <p:spPr>
+          <a:xfrm>
+            <a:off x="4843264" y="1844824"/>
+            <a:ext cx="4265240" cy="4265240"/>
+          </a:xfrm>
+          <a:prstGeom prst="rect">
+            <a:avLst/>
+          </a:prstGeom>
+        </p:spPr>
+      </p:pic>
+    </p:spTree>
+    <p:extLst>
+      <p:ext uri="{BB962C8B-B14F-4D97-AF65-F5344CB8AC3E}">
+        <p14:creationId xmlns:p14="http://schemas.microsoft.com/office/powerpoint/2010/main" val="3190763605"/>
+      </p:ext>
+    </p:extLst>
+  </p:cSld>
+  <p:clrMapOvr>
+    <a:masterClrMapping/>
+  </p:clrMapOvr>
+  <p:timing>
+    <p:tnLst>
+      <p:par>
+        <p:cTn id="1" dur="indefinite" restart="never" nodeType="tmRoot"/>
+      </p:par>
+    </p:tnLst>
+  </p:timing>
+</p:sld>
+</file>
+
+<file path=ppt/slides/slide20.xml><?xml version="1.0" encoding="utf-8"?>
 <p:sld xmlns:a="http://schemas.openxmlformats.org/drawingml/2006/main" xmlns:r="http://schemas.openxmlformats.org/officeDocument/2006/relationships" xmlns:p="http://schemas.openxmlformats.org/presentationml/2006/main">
   <p:cSld>
     <p:spTree>
@@ -10822,157 +11253,7 @@
 </p:sld>
 </file>
 
-<file path=ppt/slides/slide2.xml><?xml version="1.0" encoding="utf-8"?>
-<p:sld xmlns:a="http://schemas.openxmlformats.org/drawingml/2006/main" xmlns:r="http://schemas.openxmlformats.org/officeDocument/2006/relationships" xmlns:p="http://schemas.openxmlformats.org/presentationml/2006/main">
-  <p:cSld>
-    <p:spTree>
-      <p:nvGrpSpPr>
-        <p:cNvPr id="1" name=""/>
-        <p:cNvGrpSpPr/>
-        <p:nvPr/>
-      </p:nvGrpSpPr>
-      <p:grpSpPr>
-        <a:xfrm>
-          <a:off x="0" y="0"/>
-          <a:ext cx="0" cy="0"/>
-          <a:chOff x="0" y="0"/>
-          <a:chExt cx="0" cy="0"/>
-        </a:xfrm>
-      </p:grpSpPr>
-      <p:sp>
-        <p:nvSpPr>
-          <p:cNvPr id="2" name="Заголовок 1"/>
-          <p:cNvSpPr>
-            <a:spLocks noGrp="1"/>
-          </p:cNvSpPr>
-          <p:nvPr>
-            <p:ph type="title"/>
-          </p:nvPr>
-        </p:nvSpPr>
-        <p:spPr>
-          <a:xfrm>
-            <a:off x="1187624" y="0"/>
-            <a:ext cx="6781800" cy="1600200"/>
-          </a:xfrm>
-        </p:spPr>
-        <p:txBody>
-          <a:bodyPr/>
-          <a:lstStyle/>
-          <a:p>
-            <a:pPr algn="ctr"/>
-            <a:r>
-              <a:rPr lang="ru-RU" dirty="0" smtClean="0"/>
-              <a:t>Введение</a:t>
-            </a:r>
-            <a:endParaRPr lang="ru-RU" dirty="0"/>
-          </a:p>
-        </p:txBody>
-      </p:sp>
-      <p:sp>
-        <p:nvSpPr>
-          <p:cNvPr id="3" name="Объект 2"/>
-          <p:cNvSpPr>
-            <a:spLocks noGrp="1"/>
-          </p:cNvSpPr>
-          <p:nvPr>
-            <p:ph idx="1"/>
-          </p:nvPr>
-        </p:nvSpPr>
-        <p:spPr>
-          <a:xfrm>
-            <a:off x="539552" y="1556792"/>
-            <a:ext cx="4032448" cy="4392488"/>
-          </a:xfrm>
-        </p:spPr>
-        <p:txBody>
-          <a:bodyPr>
-            <a:normAutofit/>
-          </a:bodyPr>
-          <a:lstStyle/>
-          <a:p>
-            <a:pPr algn="just"/>
-            <a:r>
-              <a:rPr lang="ru-RU" sz="3600" dirty="0" smtClean="0">
-                <a:latin typeface="Arial" panose="020B0604020202020204" pitchFamily="34" charset="0"/>
-                <a:cs typeface="Arial" panose="020B0604020202020204" pitchFamily="34" charset="0"/>
-              </a:rPr>
-              <a:t>Медицинское изображение </a:t>
-            </a:r>
-            <a:r>
-              <a:rPr lang="ru-RU" sz="3600" dirty="0">
-                <a:latin typeface="Arial" panose="020B0604020202020204" pitchFamily="34" charset="0"/>
-                <a:cs typeface="Arial" panose="020B0604020202020204" pitchFamily="34" charset="0"/>
-              </a:rPr>
-              <a:t>– образ органов </a:t>
-            </a:r>
-            <a:r>
-              <a:rPr lang="ru-RU" sz="3600" dirty="0" smtClean="0">
-                <a:latin typeface="Arial" panose="020B0604020202020204" pitchFamily="34" charset="0"/>
-                <a:cs typeface="Arial" panose="020B0604020202020204" pitchFamily="34" charset="0"/>
-              </a:rPr>
-              <a:t>человека для диагностики заболевания.</a:t>
-            </a:r>
-          </a:p>
-          <a:p>
-            <a:pPr algn="just"/>
-            <a:endParaRPr lang="ru-RU" sz="3200" dirty="0" smtClean="0">
-              <a:latin typeface="Arial" panose="020B0604020202020204" pitchFamily="34" charset="0"/>
-              <a:cs typeface="Arial" panose="020B0604020202020204" pitchFamily="34" charset="0"/>
-            </a:endParaRPr>
-          </a:p>
-        </p:txBody>
-      </p:sp>
-      <p:pic>
-        <p:nvPicPr>
-          <p:cNvPr id="5" name="Рисунок 4"/>
-          <p:cNvPicPr>
-            <a:picLocks noChangeAspect="1"/>
-          </p:cNvPicPr>
-          <p:nvPr/>
-        </p:nvPicPr>
-        <p:blipFill>
-          <a:blip r:embed="rId3">
-            <a:extLst>
-              <a:ext uri="{28A0092B-C50C-407E-A947-70E740481C1C}">
-                <a14:useLocalDpi xmlns:a14="http://schemas.microsoft.com/office/drawing/2010/main" val="0"/>
-              </a:ext>
-            </a:extLst>
-          </a:blip>
-          <a:stretch>
-            <a:fillRect/>
-          </a:stretch>
-        </p:blipFill>
-        <p:spPr>
-          <a:xfrm>
-            <a:off x="4843264" y="1844824"/>
-            <a:ext cx="4265240" cy="4265240"/>
-          </a:xfrm>
-          <a:prstGeom prst="rect">
-            <a:avLst/>
-          </a:prstGeom>
-        </p:spPr>
-      </p:pic>
-    </p:spTree>
-    <p:extLst>
-      <p:ext uri="{BB962C8B-B14F-4D97-AF65-F5344CB8AC3E}">
-        <p14:creationId xmlns:p14="http://schemas.microsoft.com/office/powerpoint/2010/main" val="3190763605"/>
-      </p:ext>
-    </p:extLst>
-  </p:cSld>
-  <p:clrMapOvr>
-    <a:masterClrMapping/>
-  </p:clrMapOvr>
-  <p:timing>
-    <p:tnLst>
-      <p:par>
-        <p:cTn id="1" dur="indefinite" restart="never" nodeType="tmRoot"/>
-      </p:par>
-    </p:tnLst>
-  </p:timing>
-</p:sld>
-</file>
-
-<file path=ppt/slides/slide20.xml><?xml version="1.0" encoding="utf-8"?>
+<file path=ppt/slides/slide21.xml><?xml version="1.0" encoding="utf-8"?>
 <p:sld xmlns:a="http://schemas.openxmlformats.org/drawingml/2006/main" xmlns:r="http://schemas.openxmlformats.org/officeDocument/2006/relationships" xmlns:p="http://schemas.openxmlformats.org/presentationml/2006/main">
   <p:cSld>
     <p:spTree>
@@ -11424,6 +11705,474 @@
           <a:chExt cx="0" cy="0"/>
         </a:xfrm>
       </p:grpSpPr>
+      <p:pic>
+        <p:nvPicPr>
+          <p:cNvPr id="4" name="Рисунок 3"/>
+          <p:cNvPicPr>
+            <a:picLocks noChangeAspect="1"/>
+          </p:cNvPicPr>
+          <p:nvPr/>
+        </p:nvPicPr>
+        <p:blipFill>
+          <a:blip r:embed="rId3">
+            <a:extLst>
+              <a:ext uri="{28A0092B-C50C-407E-A947-70E740481C1C}">
+                <a14:useLocalDpi xmlns:a14="http://schemas.microsoft.com/office/drawing/2010/main" val="0"/>
+              </a:ext>
+            </a:extLst>
+          </a:blip>
+          <a:stretch>
+            <a:fillRect/>
+          </a:stretch>
+        </p:blipFill>
+        <p:spPr>
+          <a:xfrm>
+            <a:off x="323529" y="2237357"/>
+            <a:ext cx="2232248" cy="2232248"/>
+          </a:xfrm>
+          <a:prstGeom prst="rect">
+            <a:avLst/>
+          </a:prstGeom>
+        </p:spPr>
+      </p:pic>
+      <p:sp>
+        <p:nvSpPr>
+          <p:cNvPr id="7" name="Стрелка вправо 6"/>
+          <p:cNvSpPr/>
+          <p:nvPr/>
+        </p:nvSpPr>
+        <p:spPr>
+          <a:xfrm>
+            <a:off x="3059832" y="3114875"/>
+            <a:ext cx="1643729" cy="477212"/>
+          </a:xfrm>
+          <a:prstGeom prst="rightArrow">
+            <a:avLst>
+              <a:gd name="adj1" fmla="val 50000"/>
+              <a:gd name="adj2" fmla="val 74925"/>
+            </a:avLst>
+          </a:prstGeom>
+        </p:spPr>
+        <p:style>
+          <a:lnRef idx="2">
+            <a:schemeClr val="accent1">
+              <a:shade val="50000"/>
+            </a:schemeClr>
+          </a:lnRef>
+          <a:fillRef idx="1">
+            <a:schemeClr val="accent1"/>
+          </a:fillRef>
+          <a:effectRef idx="0">
+            <a:schemeClr val="accent1"/>
+          </a:effectRef>
+          <a:fontRef idx="minor">
+            <a:schemeClr val="lt1"/>
+          </a:fontRef>
+        </p:style>
+        <p:txBody>
+          <a:bodyPr rtlCol="0" anchor="ctr"/>
+          <a:lstStyle/>
+          <a:p>
+            <a:pPr algn="ctr"/>
+            <a:endParaRPr lang="ru-RU"/>
+          </a:p>
+        </p:txBody>
+      </p:sp>
+      <p:sp>
+        <p:nvSpPr>
+          <p:cNvPr id="9" name="Овал 8"/>
+          <p:cNvSpPr/>
+          <p:nvPr/>
+        </p:nvSpPr>
+        <p:spPr>
+          <a:xfrm>
+            <a:off x="4932039" y="1805309"/>
+            <a:ext cx="2383019" cy="3096344"/>
+          </a:xfrm>
+          <a:prstGeom prst="ellipse">
+            <a:avLst/>
+          </a:prstGeom>
+          <a:noFill/>
+        </p:spPr>
+        <p:style>
+          <a:lnRef idx="2">
+            <a:schemeClr val="accent5"/>
+          </a:lnRef>
+          <a:fillRef idx="1">
+            <a:schemeClr val="lt1"/>
+          </a:fillRef>
+          <a:effectRef idx="0">
+            <a:schemeClr val="accent5"/>
+          </a:effectRef>
+          <a:fontRef idx="minor">
+            <a:schemeClr val="dk1"/>
+          </a:fontRef>
+        </p:style>
+        <p:txBody>
+          <a:bodyPr rtlCol="0" anchor="ctr"/>
+          <a:lstStyle/>
+          <a:p>
+            <a:pPr algn="ctr"/>
+            <a:endParaRPr lang="ru-RU"/>
+          </a:p>
+        </p:txBody>
+      </p:sp>
+      <p:sp>
+        <p:nvSpPr>
+          <p:cNvPr id="10" name="Прямоугольник 9"/>
+          <p:cNvSpPr/>
+          <p:nvPr/>
+        </p:nvSpPr>
+        <p:spPr>
+          <a:xfrm>
+            <a:off x="4572000" y="908720"/>
+            <a:ext cx="2743059" cy="830997"/>
+          </a:xfrm>
+          <a:prstGeom prst="rect">
+            <a:avLst/>
+          </a:prstGeom>
+          <a:noFill/>
+        </p:spPr>
+        <p:txBody>
+          <a:bodyPr wrap="none" lIns="91440" tIns="45720" rIns="91440" bIns="45720">
+            <a:spAutoFit/>
+          </a:bodyPr>
+          <a:lstStyle/>
+          <a:p>
+            <a:pPr algn="ctr"/>
+            <a:r>
+              <a:rPr lang="ru-RU" sz="4800" dirty="0" smtClean="0">
+                <a:ln w="0"/>
+                <a:effectLst>
+                  <a:outerShdw blurRad="38100" dist="19050" dir="2700000" algn="tl" rotWithShape="0">
+                    <a:schemeClr val="dk1">
+                      <a:alpha val="40000"/>
+                    </a:schemeClr>
+                  </a:outerShdw>
+                </a:effectLst>
+              </a:rPr>
+              <a:t>Признаки</a:t>
+            </a:r>
+            <a:endParaRPr lang="en-US" sz="4800" b="0" cap="none" spc="0" dirty="0">
+              <a:ln w="0"/>
+              <a:solidFill>
+                <a:schemeClr val="tx1"/>
+              </a:solidFill>
+              <a:effectLst>
+                <a:outerShdw blurRad="38100" dist="19050" dir="2700000" algn="tl" rotWithShape="0">
+                  <a:schemeClr val="dk1">
+                    <a:alpha val="40000"/>
+                  </a:schemeClr>
+                </a:outerShdw>
+              </a:effectLst>
+            </a:endParaRPr>
+          </a:p>
+        </p:txBody>
+      </p:sp>
+      <p:sp>
+        <p:nvSpPr>
+          <p:cNvPr id="11" name="Прямоугольник 10"/>
+          <p:cNvSpPr/>
+          <p:nvPr/>
+        </p:nvSpPr>
+        <p:spPr>
+          <a:xfrm>
+            <a:off x="7524328" y="2937982"/>
+            <a:ext cx="1301959" cy="830997"/>
+          </a:xfrm>
+          <a:prstGeom prst="rect">
+            <a:avLst/>
+          </a:prstGeom>
+          <a:noFill/>
+        </p:spPr>
+        <p:txBody>
+          <a:bodyPr wrap="none" lIns="91440" tIns="45720" rIns="91440" bIns="45720">
+            <a:spAutoFit/>
+          </a:bodyPr>
+          <a:lstStyle/>
+          <a:p>
+            <a:pPr algn="ctr"/>
+            <a:r>
+              <a:rPr lang="en-US" sz="4800" smtClean="0">
+                <a:ln w="0"/>
+                <a:effectLst>
+                  <a:outerShdw blurRad="38100" dist="19050" dir="2700000" algn="tl" rotWithShape="0">
+                    <a:schemeClr val="dk1">
+                      <a:alpha val="40000"/>
+                    </a:schemeClr>
+                  </a:outerShdw>
+                </a:effectLst>
+              </a:rPr>
+              <a:t>&gt; 20</a:t>
+            </a:r>
+            <a:endParaRPr lang="en-US" sz="4800" b="0" cap="none" spc="0" dirty="0">
+              <a:ln w="0"/>
+              <a:solidFill>
+                <a:schemeClr val="tx1"/>
+              </a:solidFill>
+              <a:effectLst>
+                <a:outerShdw blurRad="38100" dist="19050" dir="2700000" algn="tl" rotWithShape="0">
+                  <a:schemeClr val="dk1">
+                    <a:alpha val="40000"/>
+                  </a:schemeClr>
+                </a:outerShdw>
+              </a:effectLst>
+            </a:endParaRPr>
+          </a:p>
+        </p:txBody>
+      </p:sp>
+      <mc:AlternateContent xmlns:mc="http://schemas.openxmlformats.org/markup-compatibility/2006">
+        <mc:Choice xmlns:a14="http://schemas.microsoft.com/office/drawing/2010/main" Requires="a14">
+          <p:sp>
+            <p:nvSpPr>
+              <p:cNvPr id="13" name="TextBox 12"/>
+              <p:cNvSpPr txBox="1"/>
+              <p:nvPr/>
+            </p:nvSpPr>
+            <p:spPr>
+              <a:xfrm>
+                <a:off x="5148064" y="2492896"/>
+                <a:ext cx="582150" cy="2095702"/>
+              </a:xfrm>
+              <a:prstGeom prst="rect">
+                <a:avLst/>
+              </a:prstGeom>
+              <a:noFill/>
+            </p:spPr>
+            <p:txBody>
+              <a:bodyPr wrap="square" lIns="0" tIns="0" rIns="0" bIns="0" rtlCol="0">
+                <a:spAutoFit/>
+              </a:bodyPr>
+              <a:lstStyle/>
+              <a:p>
+                <a14:m>
+                  <m:oMathPara xmlns:m="http://schemas.openxmlformats.org/officeDocument/2006/math">
+                    <m:oMathParaPr>
+                      <m:jc m:val="centerGroup"/>
+                    </m:oMathParaPr>
+                    <m:oMath xmlns:m="http://schemas.openxmlformats.org/officeDocument/2006/math">
+                      <m:m>
+                        <m:mPr>
+                          <m:mcs>
+                            <m:mc>
+                              <m:mcPr>
+                                <m:count m:val="1"/>
+                                <m:mcJc m:val="center"/>
+                              </m:mcPr>
+                            </m:mc>
+                          </m:mcs>
+                          <m:ctrlPr>
+                            <a:rPr lang="mr-IN" sz="2000" i="1" smtClean="0">
+                              <a:latin typeface="Arial" charset="0"/>
+                              <a:ea typeface="Arial" charset="0"/>
+                              <a:cs typeface="Arial" charset="0"/>
+                            </a:rPr>
+                          </m:ctrlPr>
+                        </m:mPr>
+                        <m:mr>
+                          <m:e>
+                            <m:r>
+                              <m:rPr>
+                                <m:brk m:alnAt="7"/>
+                              </m:rPr>
+                              <a:rPr lang="ru-RU" sz="2000" b="0" i="1" smtClean="0">
+                                <a:latin typeface="Arial" charset="0"/>
+                                <a:ea typeface="Arial" charset="0"/>
+                                <a:cs typeface="Arial" charset="0"/>
+                              </a:rPr>
+                              <m:t>Центр тяжести</m:t>
+                            </m:r>
+                          </m:e>
+                        </m:mr>
+                        <m:mr>
+                          <m:e>
+                            <m:r>
+                              <a:rPr lang="ru-RU" sz="2000" b="0" i="1" smtClean="0">
+                                <a:latin typeface="Arial" charset="0"/>
+                                <a:ea typeface="Arial" charset="0"/>
+                                <a:cs typeface="Arial" charset="0"/>
+                              </a:rPr>
+                              <m:t>Ассиметрия</m:t>
+                            </m:r>
+                          </m:e>
+                        </m:mr>
+                        <m:mr>
+                          <m:e>
+                            <m:m>
+                              <m:mPr>
+                                <m:mcs>
+                                  <m:mc>
+                                    <m:mcPr>
+                                      <m:count m:val="1"/>
+                                      <m:mcJc m:val="center"/>
+                                    </m:mcPr>
+                                  </m:mc>
+                                </m:mcs>
+                                <m:ctrlPr>
+                                  <a:rPr lang="mr-IN" sz="2000" i="1" smtClean="0">
+                                    <a:latin typeface="Arial" charset="0"/>
+                                    <a:ea typeface="Arial" charset="0"/>
+                                    <a:cs typeface="Arial" charset="0"/>
+                                  </a:rPr>
+                                </m:ctrlPr>
+                              </m:mPr>
+                              <m:mr>
+                                <m:e>
+                                  <m:r>
+                                    <m:rPr>
+                                      <m:brk m:alnAt="7"/>
+                                    </m:rPr>
+                                    <a:rPr lang="ru-RU" sz="2000" b="0" i="1" smtClean="0">
+                                      <a:latin typeface="Arial" charset="0"/>
+                                      <a:ea typeface="Arial" charset="0"/>
+                                      <a:cs typeface="Arial" charset="0"/>
+                                    </a:rPr>
+                                    <m:t>Центроид</m:t>
+                                  </m:r>
+                                </m:e>
+                              </m:mr>
+                              <m:mr>
+                                <m:e>
+                                  <m:r>
+                                    <a:rPr lang="ru-RU" sz="2000" b="0" i="1" smtClean="0">
+                                      <a:latin typeface="Arial" charset="0"/>
+                                      <a:ea typeface="Arial" charset="0"/>
+                                      <a:cs typeface="Arial" charset="0"/>
+                                    </a:rPr>
+                                    <m:t>Размытие Гаусса</m:t>
+                                  </m:r>
+                                </m:e>
+                              </m:mr>
+                              <m:mr>
+                                <m:e>
+                                  <m:eqArr>
+                                    <m:eqArrPr>
+                                      <m:ctrlPr>
+                                        <a:rPr lang="ru-RU" sz="2000" b="0" i="1" smtClean="0">
+                                          <a:latin typeface="Cambria Math" charset="0"/>
+                                          <a:ea typeface="Arial" charset="0"/>
+                                          <a:cs typeface="Arial" charset="0"/>
+                                        </a:rPr>
+                                      </m:ctrlPr>
+                                    </m:eqArrPr>
+                                    <m:e>
+                                      <m:r>
+                                        <a:rPr lang="ru-RU" sz="2000" b="0" i="1" smtClean="0">
+                                          <a:latin typeface="Arial" charset="0"/>
+                                          <a:ea typeface="Arial" charset="0"/>
+                                          <a:cs typeface="Arial" charset="0"/>
+                                        </a:rPr>
+                                        <m:t>Преобразование </m:t>
+                                      </m:r>
+                                    </m:e>
+                                    <m:e>
+                                      <m:r>
+                                        <a:rPr lang="ru-RU" sz="2000" b="0" i="1" smtClean="0">
+                                          <a:latin typeface="Arial" charset="0"/>
+                                          <a:ea typeface="Arial" charset="0"/>
+                                          <a:cs typeface="Arial" charset="0"/>
+                                        </a:rPr>
+                                        <m:t>Фурье</m:t>
+                                      </m:r>
+                                    </m:e>
+                                    <m:e>
+                                      <m:r>
+                                        <a:rPr lang="ru-RU" sz="2000" b="0" i="1" smtClean="0">
+                                          <a:latin typeface="Cambria Math" charset="0"/>
+                                          <a:ea typeface="Arial" charset="0"/>
+                                          <a:cs typeface="Arial" charset="0"/>
+                                        </a:rPr>
+                                        <m:t>…</m:t>
+                                      </m:r>
+                                    </m:e>
+                                  </m:eqArr>
+                                </m:e>
+                              </m:mr>
+                            </m:m>
+                          </m:e>
+                        </m:mr>
+                      </m:m>
+                    </m:oMath>
+                  </m:oMathPara>
+                </a14:m>
+                <a:endParaRPr lang="ru-RU" dirty="0">
+                  <a:latin typeface="Arial" charset="0"/>
+                  <a:ea typeface="Arial" charset="0"/>
+                  <a:cs typeface="Arial" charset="0"/>
+                </a:endParaRPr>
+              </a:p>
+            </p:txBody>
+          </p:sp>
+        </mc:Choice>
+        <mc:Fallback>
+          <p:sp>
+            <p:nvSpPr>
+              <p:cNvPr id="13" name="TextBox 12"/>
+              <p:cNvSpPr txBox="1">
+                <a:spLocks noRot="1" noChangeAspect="1" noMove="1" noResize="1" noEditPoints="1" noAdjustHandles="1" noChangeArrowheads="1" noChangeShapeType="1" noTextEdit="1"/>
+              </p:cNvSpPr>
+              <p:nvPr/>
+            </p:nvSpPr>
+            <p:spPr>
+              <a:xfrm>
+                <a:off x="5148064" y="2492896"/>
+                <a:ext cx="582150" cy="2095702"/>
+              </a:xfrm>
+              <a:prstGeom prst="rect">
+                <a:avLst/>
+              </a:prstGeom>
+              <a:blipFill rotWithShape="0">
+                <a:blip r:embed="rId4"/>
+                <a:stretch>
+                  <a:fillRect r="-234375"/>
+                </a:stretch>
+              </a:blipFill>
+            </p:spPr>
+            <p:txBody>
+              <a:bodyPr/>
+              <a:lstStyle/>
+              <a:p>
+                <a:r>
+                  <a:rPr lang="ru-RU">
+                    <a:noFill/>
+                  </a:rPr>
+                  <a:t> </a:t>
+                </a:r>
+              </a:p>
+            </p:txBody>
+          </p:sp>
+        </mc:Fallback>
+      </mc:AlternateContent>
+    </p:spTree>
+    <p:extLst>
+      <p:ext uri="{BB962C8B-B14F-4D97-AF65-F5344CB8AC3E}">
+        <p14:creationId xmlns:p14="http://schemas.microsoft.com/office/powerpoint/2010/main" val="602969189"/>
+      </p:ext>
+    </p:extLst>
+  </p:cSld>
+  <p:clrMapOvr>
+    <a:masterClrMapping/>
+  </p:clrMapOvr>
+</p:sld>
+</file>
+
+<file path=ppt/slides/slide5.xml><?xml version="1.0" encoding="utf-8"?>
+<p:sld xmlns:a="http://schemas.openxmlformats.org/drawingml/2006/main" xmlns:r="http://schemas.openxmlformats.org/officeDocument/2006/relationships" xmlns:p="http://schemas.openxmlformats.org/presentationml/2006/main">
+  <p:cSld>
+    <p:spTree>
+      <p:nvGrpSpPr>
+        <p:cNvPr id="1" name=""/>
+        <p:cNvGrpSpPr/>
+        <p:nvPr/>
+      </p:nvGrpSpPr>
+      <p:grpSpPr>
+        <a:xfrm>
+          <a:off x="0" y="0"/>
+          <a:ext cx="0" cy="0"/>
+          <a:chOff x="0" y="0"/>
+          <a:chExt cx="0" cy="0"/>
+        </a:xfrm>
+      </p:grpSpPr>
       <p:sp>
         <p:nvSpPr>
           <p:cNvPr id="2" name="Заголовок 1"/>
@@ -11491,9 +12240,13 @@
             <a:pPr algn="ctr"/>
             <a:r>
               <a:rPr lang="en-US" sz="4400" dirty="0" smtClean="0"/>
-              <a:t>A</a:t>
-            </a:r>
-            <a:endParaRPr lang="ru-RU" dirty="0"/>
+              <a:t>F</a:t>
+            </a:r>
+            <a:r>
+              <a:rPr lang="en-US" sz="4400" baseline="-25000" dirty="0" smtClean="0"/>
+              <a:t>1</a:t>
+            </a:r>
+            <a:endParaRPr lang="ru-RU" baseline="-25000" dirty="0"/>
           </a:p>
         </p:txBody>
       </p:sp>
@@ -11744,9 +12497,13 @@
             <a:pPr algn="ctr"/>
             <a:r>
               <a:rPr lang="en-US" sz="4400" dirty="0" smtClean="0"/>
-              <a:t>B</a:t>
-            </a:r>
-            <a:endParaRPr lang="ru-RU" dirty="0"/>
+              <a:t>F</a:t>
+            </a:r>
+            <a:r>
+              <a:rPr lang="en-US" sz="4400" baseline="-25000" dirty="0" smtClean="0"/>
+              <a:t>2</a:t>
+            </a:r>
+            <a:endParaRPr lang="ru-RU" sz="4400" baseline="-25000" dirty="0"/>
           </a:p>
         </p:txBody>
       </p:sp>
@@ -11996,10 +12753,14 @@
           <a:p>
             <a:pPr algn="ctr"/>
             <a:r>
-              <a:rPr lang="en-US" sz="4400" dirty="0"/>
-              <a:t>C</a:t>
-            </a:r>
-            <a:endParaRPr lang="ru-RU" dirty="0"/>
+              <a:rPr lang="en-US" sz="4400" dirty="0" smtClean="0"/>
+              <a:t>F</a:t>
+            </a:r>
+            <a:r>
+              <a:rPr lang="en-US" sz="4400" baseline="-25000" dirty="0" smtClean="0"/>
+              <a:t>3</a:t>
+            </a:r>
+            <a:endParaRPr lang="ru-RU" sz="4400" baseline="-25000" dirty="0"/>
           </a:p>
         </p:txBody>
       </p:sp>
@@ -12216,161 +12977,6 @@
     <p:extLst>
       <p:ext uri="{BB962C8B-B14F-4D97-AF65-F5344CB8AC3E}">
         <p14:creationId xmlns:p14="http://schemas.microsoft.com/office/powerpoint/2010/main" val="457913782"/>
-      </p:ext>
-    </p:extLst>
-  </p:cSld>
-  <p:clrMapOvr>
-    <a:masterClrMapping/>
-  </p:clrMapOvr>
-  <p:timing>
-    <p:tnLst>
-      <p:par>
-        <p:cTn id="1" dur="indefinite" restart="never" nodeType="tmRoot"/>
-      </p:par>
-    </p:tnLst>
-  </p:timing>
-</p:sld>
-</file>
-
-<file path=ppt/slides/slide5.xml><?xml version="1.0" encoding="utf-8"?>
-<p:sld xmlns:a="http://schemas.openxmlformats.org/drawingml/2006/main" xmlns:r="http://schemas.openxmlformats.org/officeDocument/2006/relationships" xmlns:p="http://schemas.openxmlformats.org/presentationml/2006/main">
-  <p:cSld>
-    <p:spTree>
-      <p:nvGrpSpPr>
-        <p:cNvPr id="1" name=""/>
-        <p:cNvGrpSpPr/>
-        <p:nvPr/>
-      </p:nvGrpSpPr>
-      <p:grpSpPr>
-        <a:xfrm>
-          <a:off x="0" y="0"/>
-          <a:ext cx="0" cy="0"/>
-          <a:chOff x="0" y="0"/>
-          <a:chExt cx="0" cy="0"/>
-        </a:xfrm>
-      </p:grpSpPr>
-      <p:sp>
-        <p:nvSpPr>
-          <p:cNvPr id="2" name="Заголовок 1"/>
-          <p:cNvSpPr>
-            <a:spLocks noGrp="1"/>
-          </p:cNvSpPr>
-          <p:nvPr>
-            <p:ph type="title"/>
-          </p:nvPr>
-        </p:nvSpPr>
-        <p:spPr>
-          <a:xfrm>
-            <a:off x="1259632" y="27581"/>
-            <a:ext cx="6781800" cy="1600200"/>
-          </a:xfrm>
-        </p:spPr>
-        <p:txBody>
-          <a:bodyPr/>
-          <a:lstStyle/>
-          <a:p>
-            <a:pPr algn="ctr"/>
-            <a:r>
-              <a:rPr lang="ru-RU" dirty="0" smtClean="0"/>
-              <a:t>Актуальность</a:t>
-            </a:r>
-            <a:endParaRPr lang="ru-RU" dirty="0"/>
-          </a:p>
-        </p:txBody>
-      </p:sp>
-      <p:sp>
-        <p:nvSpPr>
-          <p:cNvPr id="3" name="Объект 2"/>
-          <p:cNvSpPr>
-            <a:spLocks noGrp="1"/>
-          </p:cNvSpPr>
-          <p:nvPr>
-            <p:ph idx="1"/>
-          </p:nvPr>
-        </p:nvSpPr>
-        <p:spPr>
-          <a:xfrm>
-            <a:off x="683568" y="1772816"/>
-            <a:ext cx="7776864" cy="4174232"/>
-          </a:xfrm>
-        </p:spPr>
-        <p:txBody>
-          <a:bodyPr>
-            <a:noAutofit/>
-          </a:bodyPr>
-          <a:lstStyle/>
-          <a:p>
-            <a:pPr algn="just"/>
-            <a:r>
-              <a:rPr lang="ru-RU" sz="3600" dirty="0" smtClean="0">
-                <a:solidFill>
-                  <a:schemeClr val="tx1"/>
-                </a:solidFill>
-                <a:latin typeface="Arial" panose="020B0604020202020204" pitchFamily="34" charset="0"/>
-                <a:ea typeface="Arial" charset="0"/>
-                <a:cs typeface="Arial" panose="020B0604020202020204" pitchFamily="34" charset="0"/>
-              </a:rPr>
-              <a:t>Распознавание патологий приведет к своевременному лечению.</a:t>
-            </a:r>
-          </a:p>
-          <a:p>
-            <a:pPr algn="just"/>
-            <a:r>
-              <a:rPr lang="ru-RU" sz="3600" dirty="0">
-                <a:solidFill>
-                  <a:schemeClr val="tx1"/>
-                </a:solidFill>
-                <a:latin typeface="Arial" panose="020B0604020202020204" pitchFamily="34" charset="0"/>
-                <a:ea typeface="Arial" charset="0"/>
-                <a:cs typeface="Arial" panose="020B0604020202020204" pitchFamily="34" charset="0"/>
-              </a:rPr>
-              <a:t>В</a:t>
-            </a:r>
-            <a:r>
-              <a:rPr lang="ru-RU" sz="3600" dirty="0" smtClean="0">
-                <a:solidFill>
-                  <a:schemeClr val="tx1"/>
-                </a:solidFill>
-                <a:latin typeface="Arial" panose="020B0604020202020204" pitchFamily="34" charset="0"/>
-                <a:ea typeface="Arial" charset="0"/>
-                <a:cs typeface="Arial" panose="020B0604020202020204" pitchFamily="34" charset="0"/>
-              </a:rPr>
-              <a:t>заимодействия </a:t>
-            </a:r>
-            <a:r>
-              <a:rPr lang="ru-RU" sz="3600" dirty="0">
-                <a:solidFill>
-                  <a:schemeClr val="tx1"/>
-                </a:solidFill>
-                <a:latin typeface="Arial" panose="020B0604020202020204" pitchFamily="34" charset="0"/>
-                <a:ea typeface="Arial" charset="0"/>
-                <a:cs typeface="Arial" panose="020B0604020202020204" pitchFamily="34" charset="0"/>
-              </a:rPr>
-              <a:t>и отношения между оригинальными </a:t>
-            </a:r>
-            <a:r>
-              <a:rPr lang="ru-RU" sz="3600" dirty="0" smtClean="0">
-                <a:solidFill>
-                  <a:schemeClr val="tx1"/>
-                </a:solidFill>
-                <a:latin typeface="Arial" panose="020B0604020202020204" pitchFamily="34" charset="0"/>
-                <a:ea typeface="Arial" charset="0"/>
-                <a:cs typeface="Arial" panose="020B0604020202020204" pitchFamily="34" charset="0"/>
-              </a:rPr>
-              <a:t>признаками должны учитываться для успешной классификации.</a:t>
-            </a:r>
-            <a:endParaRPr lang="ru-RU" sz="3600" dirty="0">
-              <a:latin typeface="Arial" panose="020B0604020202020204" pitchFamily="34" charset="0"/>
-              <a:ea typeface="Arial" charset="0"/>
-              <a:cs typeface="Arial" panose="020B0604020202020204" pitchFamily="34" charset="0"/>
-            </a:endParaRPr>
-          </a:p>
-        </p:txBody>
-      </p:sp>
-    </p:spTree>
-    <p:extLst>
-      <p:ext uri="{BB962C8B-B14F-4D97-AF65-F5344CB8AC3E}">
-        <p14:creationId xmlns:p14="http://schemas.microsoft.com/office/powerpoint/2010/main" val="2881067731"/>
       </p:ext>
     </p:extLst>
   </p:cSld>
@@ -12416,7 +13022,7 @@
         </p:nvSpPr>
         <p:spPr>
           <a:xfrm>
-            <a:off x="1187624" y="0"/>
+            <a:off x="1259632" y="27581"/>
             <a:ext cx="6781800" cy="1600200"/>
           </a:xfrm>
         </p:spPr>
@@ -12427,7 +13033,7 @@
             <a:pPr algn="ctr"/>
             <a:r>
               <a:rPr lang="ru-RU" dirty="0" smtClean="0"/>
-              <a:t>Проблема</a:t>
+              <a:t>Актуальность</a:t>
             </a:r>
             <a:endParaRPr lang="ru-RU" dirty="0"/>
           </a:p>
@@ -12445,8 +13051,8 @@
         </p:nvSpPr>
         <p:spPr>
           <a:xfrm>
-            <a:off x="395536" y="1628800"/>
-            <a:ext cx="8496944" cy="4392488"/>
+            <a:off x="683568" y="1772816"/>
+            <a:ext cx="7776864" cy="4174232"/>
           </a:xfrm>
         </p:spPr>
         <p:txBody>
@@ -12457,26 +13063,97 @@
           <a:p>
             <a:pPr algn="just"/>
             <a:r>
-              <a:rPr lang="ru-RU" sz="4400" dirty="0" smtClean="0">
+              <a:rPr lang="ru-RU" sz="3600" dirty="0" smtClean="0">
+                <a:solidFill>
+                  <a:schemeClr val="tx1"/>
+                </a:solidFill>
                 <a:latin typeface="Arial" panose="020B0604020202020204" pitchFamily="34" charset="0"/>
+                <a:ea typeface="Arial" charset="0"/>
                 <a:cs typeface="Arial" panose="020B0604020202020204" pitchFamily="34" charset="0"/>
               </a:rPr>
-              <a:t>Как </a:t>
-            </a:r>
-            <a:r>
-              <a:rPr lang="ru-RU" sz="4400" dirty="0">
+              <a:t>Распознавание патологий приведет к своевременному лечению.</a:t>
+            </a:r>
+          </a:p>
+          <a:p>
+            <a:pPr algn="just"/>
+            <a:r>
+              <a:rPr lang="ru-RU" sz="3600" dirty="0">
+                <a:solidFill>
+                  <a:schemeClr val="tx1"/>
+                </a:solidFill>
                 <a:latin typeface="Arial" panose="020B0604020202020204" pitchFamily="34" charset="0"/>
+                <a:ea typeface="Arial" charset="0"/>
                 <a:cs typeface="Arial" panose="020B0604020202020204" pitchFamily="34" charset="0"/>
               </a:rPr>
-              <a:t>выбрать оптимальное множество признаков для классификатора? </a:t>
-            </a:r>
+              <a:t>В</a:t>
+            </a:r>
+            <a:r>
+              <a:rPr lang="ru-RU" sz="3600" dirty="0" smtClean="0">
+                <a:solidFill>
+                  <a:schemeClr val="tx1"/>
+                </a:solidFill>
+                <a:latin typeface="Arial" panose="020B0604020202020204" pitchFamily="34" charset="0"/>
+                <a:ea typeface="Arial" charset="0"/>
+                <a:cs typeface="Arial" panose="020B0604020202020204" pitchFamily="34" charset="0"/>
+              </a:rPr>
+              <a:t>заимодействия </a:t>
+            </a:r>
+            <a:r>
+              <a:rPr lang="ru-RU" sz="3600" dirty="0">
+                <a:solidFill>
+                  <a:schemeClr val="tx1"/>
+                </a:solidFill>
+                <a:latin typeface="Arial" panose="020B0604020202020204" pitchFamily="34" charset="0"/>
+                <a:ea typeface="Arial" charset="0"/>
+                <a:cs typeface="Arial" panose="020B0604020202020204" pitchFamily="34" charset="0"/>
+              </a:rPr>
+              <a:t>и отношения между оригинальными </a:t>
+            </a:r>
+            <a:r>
+              <a:rPr lang="ru-RU" sz="3600" dirty="0" smtClean="0">
+                <a:solidFill>
+                  <a:schemeClr val="tx1"/>
+                </a:solidFill>
+                <a:latin typeface="Arial" panose="020B0604020202020204" pitchFamily="34" charset="0"/>
+                <a:ea typeface="Arial" charset="0"/>
+                <a:cs typeface="Arial" panose="020B0604020202020204" pitchFamily="34" charset="0"/>
+              </a:rPr>
+              <a:t>признаками должны учитываться для </a:t>
+            </a:r>
+            <a:r>
+              <a:rPr lang="ru-RU" sz="3600" dirty="0" smtClean="0">
+                <a:solidFill>
+                  <a:schemeClr val="tx1"/>
+                </a:solidFill>
+                <a:latin typeface="Arial" panose="020B0604020202020204" pitchFamily="34" charset="0"/>
+                <a:ea typeface="Arial" charset="0"/>
+                <a:cs typeface="Arial" panose="020B0604020202020204" pitchFamily="34" charset="0"/>
+              </a:rPr>
+              <a:t>точной классификации</a:t>
+            </a:r>
+            <a:r>
+              <a:rPr lang="ru-RU" sz="3600" dirty="0" smtClean="0">
+                <a:solidFill>
+                  <a:schemeClr val="tx1"/>
+                </a:solidFill>
+                <a:latin typeface="Arial" panose="020B0604020202020204" pitchFamily="34" charset="0"/>
+                <a:ea typeface="Arial" charset="0"/>
+                <a:cs typeface="Arial" panose="020B0604020202020204" pitchFamily="34" charset="0"/>
+              </a:rPr>
+              <a:t>.</a:t>
+            </a:r>
+            <a:endParaRPr lang="ru-RU" sz="3600" dirty="0">
+              <a:latin typeface="Arial" panose="020B0604020202020204" pitchFamily="34" charset="0"/>
+              <a:ea typeface="Arial" charset="0"/>
+              <a:cs typeface="Arial" panose="020B0604020202020204" pitchFamily="34" charset="0"/>
+            </a:endParaRPr>
           </a:p>
         </p:txBody>
       </p:sp>
     </p:spTree>
     <p:extLst>
       <p:ext uri="{BB962C8B-B14F-4D97-AF65-F5344CB8AC3E}">
-        <p14:creationId xmlns:p14="http://schemas.microsoft.com/office/powerpoint/2010/main" val="1305685532"/>
+        <p14:creationId xmlns:p14="http://schemas.microsoft.com/office/powerpoint/2010/main" val="2881067731"/>
       </p:ext>
     </p:extLst>
   </p:cSld>
@@ -12522,8 +13199,8 @@
         </p:nvSpPr>
         <p:spPr>
           <a:xfrm>
-            <a:off x="762000" y="685800"/>
-            <a:ext cx="7543800" cy="1015008"/>
+            <a:off x="1187624" y="0"/>
+            <a:ext cx="6781800" cy="1600200"/>
           </a:xfrm>
         </p:spPr>
         <p:txBody>
@@ -12533,7 +13210,7 @@
             <a:pPr algn="ctr"/>
             <a:r>
               <a:rPr lang="ru-RU" dirty="0" smtClean="0"/>
-              <a:t>Объект и предмет</a:t>
+              <a:t>Проблема</a:t>
             </a:r>
             <a:endParaRPr lang="ru-RU" dirty="0"/>
           </a:p>
@@ -12551,88 +13228,38 @@
         </p:nvSpPr>
         <p:spPr>
           <a:xfrm>
-            <a:off x="762000" y="2258552"/>
-            <a:ext cx="7543800" cy="3886200"/>
+            <a:off x="395536" y="1628800"/>
+            <a:ext cx="8496944" cy="4392488"/>
           </a:xfrm>
         </p:spPr>
         <p:txBody>
-          <a:bodyPr/>
+          <a:bodyPr>
+            <a:noAutofit/>
+          </a:bodyPr>
           <a:lstStyle/>
           <a:p>
             <a:pPr algn="just"/>
             <a:r>
-              <a:rPr lang="ru-RU" sz="3600" dirty="0" smtClean="0">
+              <a:rPr lang="ru-RU" sz="4400" dirty="0" smtClean="0">
                 <a:latin typeface="Arial" panose="020B0604020202020204" pitchFamily="34" charset="0"/>
                 <a:cs typeface="Arial" panose="020B0604020202020204" pitchFamily="34" charset="0"/>
               </a:rPr>
-              <a:t>Объект исследования </a:t>
-            </a:r>
-            <a:r>
-              <a:rPr lang="mr-IN" sz="3600" dirty="0" smtClean="0">
+              <a:t>Как </a:t>
+            </a:r>
+            <a:r>
+              <a:rPr lang="ru-RU" sz="4400" dirty="0">
                 <a:latin typeface="Arial" panose="020B0604020202020204" pitchFamily="34" charset="0"/>
                 <a:cs typeface="Arial" panose="020B0604020202020204" pitchFamily="34" charset="0"/>
               </a:rPr>
-              <a:t>–</a:t>
-            </a:r>
-            <a:r>
-              <a:rPr lang="ru-RU" sz="3600" dirty="0" smtClean="0">
-                <a:latin typeface="Arial" panose="020B0604020202020204" pitchFamily="34" charset="0"/>
-                <a:cs typeface="Arial" panose="020B0604020202020204" pitchFamily="34" charset="0"/>
-              </a:rPr>
-              <a:t> классификация изображений.</a:t>
-            </a:r>
-          </a:p>
-          <a:p>
-            <a:pPr algn="just"/>
-            <a:r>
-              <a:rPr lang="ru-RU" sz="3600" dirty="0" smtClean="0">
-                <a:latin typeface="Arial" panose="020B0604020202020204" pitchFamily="34" charset="0"/>
-                <a:cs typeface="Arial" panose="020B0604020202020204" pitchFamily="34" charset="0"/>
-              </a:rPr>
-              <a:t>Предмет исследования </a:t>
-            </a:r>
-            <a:r>
-              <a:rPr lang="mr-IN" sz="3600" dirty="0" smtClean="0">
-                <a:latin typeface="Arial" panose="020B0604020202020204" pitchFamily="34" charset="0"/>
-                <a:cs typeface="Arial" panose="020B0604020202020204" pitchFamily="34" charset="0"/>
-              </a:rPr>
-              <a:t>–</a:t>
-            </a:r>
-            <a:r>
-              <a:rPr lang="ru-RU" sz="3600" dirty="0" smtClean="0">
-                <a:latin typeface="Arial" panose="020B0604020202020204" pitchFamily="34" charset="0"/>
-                <a:cs typeface="Arial" panose="020B0604020202020204" pitchFamily="34" charset="0"/>
-              </a:rPr>
-              <a:t> алгоритм </a:t>
-            </a:r>
-            <a:r>
-              <a:rPr lang="ru-RU" sz="3600" dirty="0">
-                <a:latin typeface="Arial" panose="020B0604020202020204" pitchFamily="34" charset="0"/>
-                <a:cs typeface="Arial" panose="020B0604020202020204" pitchFamily="34" charset="0"/>
-              </a:rPr>
-              <a:t>построения признаков для </a:t>
-            </a:r>
-            <a:r>
-              <a:rPr lang="ru-RU" sz="3600" dirty="0" smtClean="0">
-                <a:latin typeface="Arial" panose="020B0604020202020204" pitchFamily="34" charset="0"/>
-                <a:cs typeface="Arial" panose="020B0604020202020204" pitchFamily="34" charset="0"/>
-              </a:rPr>
-              <a:t>классификации.</a:t>
-            </a:r>
-            <a:endParaRPr lang="ru-RU" sz="3600" dirty="0">
-              <a:latin typeface="Arial" panose="020B0604020202020204" pitchFamily="34" charset="0"/>
-              <a:cs typeface="Arial" panose="020B0604020202020204" pitchFamily="34" charset="0"/>
-            </a:endParaRPr>
-          </a:p>
-          <a:p>
-            <a:endParaRPr lang="ru-RU" dirty="0"/>
+              <a:t>выбрать оптимальное множество признаков для классификатора? </a:t>
+            </a:r>
           </a:p>
         </p:txBody>
       </p:sp>
     </p:spTree>
     <p:extLst>
       <p:ext uri="{BB962C8B-B14F-4D97-AF65-F5344CB8AC3E}">
-        <p14:creationId xmlns:p14="http://schemas.microsoft.com/office/powerpoint/2010/main" val="554496113"/>
+        <p14:creationId xmlns:p14="http://schemas.microsoft.com/office/powerpoint/2010/main" val="1305685532"/>
       </p:ext>
     </p:extLst>
   </p:cSld>
@@ -12678,8 +13305,8 @@
         </p:nvSpPr>
         <p:spPr>
           <a:xfrm>
-            <a:off x="1043608" y="188640"/>
-            <a:ext cx="6781800" cy="1600200"/>
+            <a:off x="762000" y="685800"/>
+            <a:ext cx="7543800" cy="1015008"/>
           </a:xfrm>
         </p:spPr>
         <p:txBody>
@@ -12689,7 +13316,7 @@
             <a:pPr algn="ctr"/>
             <a:r>
               <a:rPr lang="ru-RU" dirty="0" smtClean="0"/>
-              <a:t>Цель</a:t>
+              <a:t>Объект и предмет</a:t>
             </a:r>
             <a:endParaRPr lang="ru-RU" dirty="0"/>
           </a:p>
@@ -12707,59 +13334,88 @@
         </p:nvSpPr>
         <p:spPr>
           <a:xfrm>
-            <a:off x="755576" y="1772816"/>
-            <a:ext cx="7560840" cy="3886200"/>
+            <a:off x="762000" y="2258552"/>
+            <a:ext cx="7543800" cy="3886200"/>
           </a:xfrm>
         </p:spPr>
         <p:txBody>
-          <a:bodyPr>
-            <a:normAutofit/>
-          </a:bodyPr>
+          <a:bodyPr/>
           <a:lstStyle/>
           <a:p>
             <a:pPr algn="just"/>
             <a:r>
-              <a:rPr lang="ru-RU" sz="4000" dirty="0" smtClean="0">
+              <a:rPr lang="ru-RU" sz="3600" dirty="0" smtClean="0">
                 <a:latin typeface="Arial" panose="020B0604020202020204" pitchFamily="34" charset="0"/>
                 <a:cs typeface="Arial" panose="020B0604020202020204" pitchFamily="34" charset="0"/>
               </a:rPr>
-              <a:t>Нахождение </a:t>
-            </a:r>
-            <a:r>
-              <a:rPr lang="ru-RU" sz="4000" dirty="0">
+              <a:t>Объект исследования </a:t>
+            </a:r>
+            <a:r>
+              <a:rPr lang="mr-IN" sz="3600" dirty="0" smtClean="0">
                 <a:latin typeface="Arial" panose="020B0604020202020204" pitchFamily="34" charset="0"/>
                 <a:cs typeface="Arial" panose="020B0604020202020204" pitchFamily="34" charset="0"/>
               </a:rPr>
-              <a:t>и отработка методики </a:t>
-            </a:r>
-            <a:r>
-              <a:rPr lang="ru-RU" sz="4000" dirty="0" smtClean="0">
+              <a:t>–</a:t>
+            </a:r>
+            <a:r>
+              <a:rPr lang="ru-RU" sz="3600" dirty="0" smtClean="0">
                 <a:latin typeface="Arial" panose="020B0604020202020204" pitchFamily="34" charset="0"/>
                 <a:cs typeface="Arial" panose="020B0604020202020204" pitchFamily="34" charset="0"/>
               </a:rPr>
-              <a:t>построение признаков для улучшения</a:t>
-            </a:r>
-            <a:r>
-              <a:rPr lang="en-US" sz="4000" dirty="0" smtClean="0">
+              <a:t> классификация изображений.</a:t>
+            </a:r>
+          </a:p>
+          <a:p>
+            <a:pPr algn="just"/>
+            <a:r>
+              <a:rPr lang="ru-RU" sz="3600" dirty="0" smtClean="0">
                 <a:latin typeface="Arial" panose="020B0604020202020204" pitchFamily="34" charset="0"/>
                 <a:cs typeface="Arial" panose="020B0604020202020204" pitchFamily="34" charset="0"/>
               </a:rPr>
-              <a:t> </a:t>
-            </a:r>
-            <a:r>
-              <a:rPr lang="ru-RU" sz="4000" dirty="0" smtClean="0">
+              <a:t>Предмет исследования </a:t>
+            </a:r>
+            <a:r>
+              <a:rPr lang="mr-IN" sz="3600" dirty="0" smtClean="0">
                 <a:latin typeface="Arial" panose="020B0604020202020204" pitchFamily="34" charset="0"/>
                 <a:cs typeface="Arial" panose="020B0604020202020204" pitchFamily="34" charset="0"/>
               </a:rPr>
-              <a:t>точности классификации.</a:t>
-            </a:r>
+              <a:t>–</a:t>
+            </a:r>
+            <a:r>
+              <a:rPr lang="ru-RU" sz="3600" dirty="0" smtClean="0">
+                <a:latin typeface="Arial" panose="020B0604020202020204" pitchFamily="34" charset="0"/>
+                <a:cs typeface="Arial" panose="020B0604020202020204" pitchFamily="34" charset="0"/>
+              </a:rPr>
+              <a:t> алгоритм </a:t>
+            </a:r>
+            <a:r>
+              <a:rPr lang="ru-RU" sz="3600" dirty="0">
+                <a:latin typeface="Arial" panose="020B0604020202020204" pitchFamily="34" charset="0"/>
+                <a:cs typeface="Arial" panose="020B0604020202020204" pitchFamily="34" charset="0"/>
+              </a:rPr>
+              <a:t>построения признаков для </a:t>
+            </a:r>
+            <a:r>
+              <a:rPr lang="ru-RU" sz="3600" dirty="0" smtClean="0">
+                <a:latin typeface="Arial" panose="020B0604020202020204" pitchFamily="34" charset="0"/>
+                <a:cs typeface="Arial" panose="020B0604020202020204" pitchFamily="34" charset="0"/>
+              </a:rPr>
+              <a:t>классификации.</a:t>
+            </a:r>
+            <a:endParaRPr lang="ru-RU" sz="3600" dirty="0">
+              <a:latin typeface="Arial" panose="020B0604020202020204" pitchFamily="34" charset="0"/>
+              <a:cs typeface="Arial" panose="020B0604020202020204" pitchFamily="34" charset="0"/>
+            </a:endParaRPr>
+          </a:p>
+          <a:p>
+            <a:endParaRPr lang="ru-RU" dirty="0"/>
           </a:p>
         </p:txBody>
       </p:sp>
     </p:spTree>
     <p:extLst>
       <p:ext uri="{BB962C8B-B14F-4D97-AF65-F5344CB8AC3E}">
-        <p14:creationId xmlns:p14="http://schemas.microsoft.com/office/powerpoint/2010/main" val="648323079"/>
+        <p14:creationId xmlns:p14="http://schemas.microsoft.com/office/powerpoint/2010/main" val="554496113"/>
       </p:ext>
     </p:extLst>
   </p:cSld>
@@ -12805,7 +13461,7 @@
         </p:nvSpPr>
         <p:spPr>
           <a:xfrm>
-            <a:off x="1043608" y="-27384"/>
+            <a:off x="1043608" y="188640"/>
             <a:ext cx="6781800" cy="1600200"/>
           </a:xfrm>
         </p:spPr>
@@ -12816,7 +13472,7 @@
             <a:pPr algn="ctr"/>
             <a:r>
               <a:rPr lang="ru-RU" dirty="0" smtClean="0"/>
-              <a:t>Задачи</a:t>
+              <a:t>Цель</a:t>
             </a:r>
             <a:endParaRPr lang="ru-RU" dirty="0"/>
           </a:p>
@@ -12834,83 +13490,80 @@
         </p:nvSpPr>
         <p:spPr>
           <a:xfrm>
-            <a:off x="539552" y="1772816"/>
-            <a:ext cx="8280920" cy="4536504"/>
+            <a:off x="755576" y="1772816"/>
+            <a:ext cx="7560840" cy="3886200"/>
           </a:xfrm>
         </p:spPr>
         <p:txBody>
           <a:bodyPr>
-            <a:normAutofit fontScale="92500" lnSpcReduction="10000"/>
+            <a:normAutofit/>
           </a:bodyPr>
           <a:lstStyle/>
           <a:p>
-            <a:pPr lvl="0"/>
-            <a:r>
-              <a:rPr lang="ru-RU" sz="3500" dirty="0" smtClean="0">
+            <a:pPr algn="just"/>
+            <a:r>
+              <a:rPr lang="ru-RU" sz="4000" dirty="0" smtClean="0">
                 <a:latin typeface="Arial" panose="020B0604020202020204" pitchFamily="34" charset="0"/>
                 <a:cs typeface="Arial" panose="020B0604020202020204" pitchFamily="34" charset="0"/>
               </a:rPr>
-              <a:t>Изучить </a:t>
-            </a:r>
-            <a:r>
-              <a:rPr lang="ru-RU" sz="3500" dirty="0">
+              <a:t>Нахождение </a:t>
+            </a:r>
+            <a:r>
+              <a:rPr lang="ru-RU" sz="4000" dirty="0">
                 <a:latin typeface="Arial" panose="020B0604020202020204" pitchFamily="34" charset="0"/>
                 <a:cs typeface="Arial" panose="020B0604020202020204" pitchFamily="34" charset="0"/>
               </a:rPr>
-              <a:t>соответствующую литературу.</a:t>
-            </a:r>
-          </a:p>
-          <a:p>
-            <a:pPr lvl="0"/>
-            <a:r>
-              <a:rPr lang="ru-RU" sz="3500" dirty="0" smtClean="0">
+              <a:t>и отработка методики </a:t>
+            </a:r>
+            <a:r>
+              <a:rPr lang="ru-RU" sz="4000" dirty="0" smtClean="0">
                 <a:latin typeface="Arial" panose="020B0604020202020204" pitchFamily="34" charset="0"/>
                 <a:cs typeface="Arial" panose="020B0604020202020204" pitchFamily="34" charset="0"/>
               </a:rPr>
-              <a:t>Разработать и реализовать алгоритм построения признаков.</a:t>
-            </a:r>
-            <a:endParaRPr lang="ru-RU" sz="3500" dirty="0">
-              <a:latin typeface="Arial" panose="020B0604020202020204" pitchFamily="34" charset="0"/>
-              <a:cs typeface="Arial" panose="020B0604020202020204" pitchFamily="34" charset="0"/>
-            </a:endParaRPr>
-          </a:p>
-          <a:p>
-            <a:pPr lvl="0"/>
-            <a:r>
-              <a:rPr lang="ru-RU" sz="3500" dirty="0" smtClean="0">
+              <a:t>построени</a:t>
+            </a:r>
+            <a:r>
+              <a:rPr lang="ru-RU" sz="4000" dirty="0">
                 <a:latin typeface="Arial" panose="020B0604020202020204" pitchFamily="34" charset="0"/>
                 <a:cs typeface="Arial" panose="020B0604020202020204" pitchFamily="34" charset="0"/>
               </a:rPr>
-              <a:t>Оценить эффективность работы алгоритма и сравнить результаты с классификацией без построения признаков.</a:t>
-            </a:r>
-            <a:endParaRPr lang="ru-RU" sz="3500" dirty="0">
-              <a:latin typeface="Arial" panose="020B0604020202020204" pitchFamily="34" charset="0"/>
-              <a:cs typeface="Arial" panose="020B0604020202020204" pitchFamily="34" charset="0"/>
-            </a:endParaRPr>
-          </a:p>
-          <a:p>
-            <a:pPr lvl="0">
-              <a:lnSpc>
-                <a:spcPct val="110000"/>
-              </a:lnSpc>
-            </a:pPr>
-            <a:r>
-              <a:rPr lang="ru-RU" sz="3500" dirty="0">
+              <a:t>я</a:t>
+            </a:r>
+            <a:r>
+              <a:rPr lang="ru-RU" sz="4000" dirty="0" smtClean="0">
                 <a:latin typeface="Arial" panose="020B0604020202020204" pitchFamily="34" charset="0"/>
                 <a:cs typeface="Arial" panose="020B0604020202020204" pitchFamily="34" charset="0"/>
               </a:rPr>
-              <a:t>Обобщить полученные результаты и сделать соответствующие выводы.</a:t>
-            </a:r>
-          </a:p>
-          <a:p>
-            <a:endParaRPr lang="ru-RU" dirty="0"/>
+              <a:t> </a:t>
+            </a:r>
+            <a:r>
+              <a:rPr lang="ru-RU" sz="4000" dirty="0" smtClean="0">
+                <a:latin typeface="Arial" panose="020B0604020202020204" pitchFamily="34" charset="0"/>
+                <a:cs typeface="Arial" panose="020B0604020202020204" pitchFamily="34" charset="0"/>
+              </a:rPr>
+              <a:t>признаков для улучшения</a:t>
+            </a:r>
+            <a:r>
+              <a:rPr lang="en-US" sz="4000" dirty="0" smtClean="0">
+                <a:latin typeface="Arial" panose="020B0604020202020204" pitchFamily="34" charset="0"/>
+                <a:cs typeface="Arial" panose="020B0604020202020204" pitchFamily="34" charset="0"/>
+              </a:rPr>
+              <a:t> </a:t>
+            </a:r>
+            <a:r>
+              <a:rPr lang="ru-RU" sz="4000" dirty="0" smtClean="0">
+                <a:latin typeface="Arial" panose="020B0604020202020204" pitchFamily="34" charset="0"/>
+                <a:cs typeface="Arial" panose="020B0604020202020204" pitchFamily="34" charset="0"/>
+              </a:rPr>
+              <a:t>точности классификации.</a:t>
+            </a:r>
           </a:p>
         </p:txBody>
       </p:sp>
     </p:spTree>
     <p:extLst>
       <p:ext uri="{BB962C8B-B14F-4D97-AF65-F5344CB8AC3E}">
-        <p14:creationId xmlns:p14="http://schemas.microsoft.com/office/powerpoint/2010/main" val="1538788640"/>
+        <p14:creationId xmlns:p14="http://schemas.microsoft.com/office/powerpoint/2010/main" val="648323079"/>
       </p:ext>
     </p:extLst>
   </p:cSld>

--- a/Диплом/Магистратура.Ибакаева.pptx
+++ b/Диплом/Магистратура.Ибакаева.pptx
@@ -5,7 +5,7 @@
     <p:sldMasterId id="2147484260" r:id="rId1"/>
   </p:sldMasterIdLst>
   <p:notesMasterIdLst>
-    <p:notesMasterId r:id="rId23"/>
+    <p:notesMasterId r:id="rId24"/>
   </p:notesMasterIdLst>
   <p:sldIdLst>
     <p:sldId id="256" r:id="rId2"/>
@@ -19,16 +19,17 @@
     <p:sldId id="257" r:id="rId10"/>
     <p:sldId id="271" r:id="rId11"/>
     <p:sldId id="285" r:id="rId12"/>
-    <p:sldId id="286" r:id="rId13"/>
-    <p:sldId id="279" r:id="rId14"/>
-    <p:sldId id="259" r:id="rId15"/>
-    <p:sldId id="261" r:id="rId16"/>
-    <p:sldId id="288" r:id="rId17"/>
-    <p:sldId id="270" r:id="rId18"/>
-    <p:sldId id="282" r:id="rId19"/>
-    <p:sldId id="289" r:id="rId20"/>
-    <p:sldId id="290" r:id="rId21"/>
-    <p:sldId id="277" r:id="rId22"/>
+    <p:sldId id="294" r:id="rId13"/>
+    <p:sldId id="286" r:id="rId14"/>
+    <p:sldId id="279" r:id="rId15"/>
+    <p:sldId id="259" r:id="rId16"/>
+    <p:sldId id="261" r:id="rId17"/>
+    <p:sldId id="288" r:id="rId18"/>
+    <p:sldId id="270" r:id="rId19"/>
+    <p:sldId id="282" r:id="rId20"/>
+    <p:sldId id="289" r:id="rId21"/>
+    <p:sldId id="290" r:id="rId22"/>
+    <p:sldId id="277" r:id="rId23"/>
   </p:sldIdLst>
   <p:sldSz cx="9144000" cy="6858000" type="screen4x3"/>
   <p:notesSz cx="6858000" cy="9144000"/>
@@ -143,6 +144,7 @@
             <p14:sldId id="257"/>
             <p14:sldId id="271"/>
             <p14:sldId id="285"/>
+            <p14:sldId id="294"/>
             <p14:sldId id="286"/>
             <p14:sldId id="279"/>
             <p14:sldId id="259"/>
@@ -257,7 +259,7 @@
           <a:p>
             <a:fld id="{7B7B9815-AEE5-4F4C-8445-8ECE3DD7735C}" type="datetimeFigureOut">
               <a:rPr lang="ru-RU" smtClean="0"/>
-              <a:t>09.06.17</a:t>
+              <a:t>11.06.2017</a:t>
             </a:fld>
             <a:endParaRPr lang="ru-RU"/>
           </a:p>
@@ -973,6 +975,23 @@
           <a:bodyPr/>
           <a:lstStyle/>
           <a:p>
+            <a:pPr marL="0" marR="0" lvl="0" indent="0" algn="l" defTabSz="914400" rtl="0" eaLnBrk="1" fontAlgn="auto" latinLnBrk="0" hangingPunct="1">
+              <a:lnSpc>
+                <a:spcPct val="100000"/>
+              </a:lnSpc>
+              <a:spcBef>
+                <a:spcPts val="0"/>
+              </a:spcBef>
+              <a:spcAft>
+                <a:spcPts val="0"/>
+              </a:spcAft>
+              <a:buClrTx/>
+              <a:buSzTx/>
+              <a:buFontTx/>
+              <a:buNone/>
+              <a:tabLst/>
+              <a:defRPr/>
+            </a:pPr>
             <a:r>
               <a:rPr lang="ru-RU" sz="1200" kern="1200" dirty="0" smtClean="0">
                 <a:solidFill>
@@ -983,211 +1002,7 @@
                 <a:ea typeface="+mn-ea"/>
                 <a:cs typeface="+mn-cs"/>
               </a:rPr>
-              <a:t>Концептуально любой метод построения признака можно рассматривать как выполнение следующих действий:</a:t>
-            </a:r>
-          </a:p>
-          <a:p>
-            <a:r>
-              <a:rPr lang="ru-RU" sz="1200" kern="1200" dirty="0" smtClean="0">
-                <a:solidFill>
-                  <a:schemeClr val="tx1"/>
-                </a:solidFill>
-                <a:effectLst/>
-                <a:latin typeface="+mn-lt"/>
-                <a:ea typeface="+mn-ea"/>
-                <a:cs typeface="+mn-cs"/>
-              </a:rPr>
-              <a:t>1) Выбор начального пространства признаков F0.</a:t>
-            </a:r>
-          </a:p>
-          <a:p>
-            <a:r>
-              <a:rPr lang="ru-RU" sz="1200" kern="1200" dirty="0" smtClean="0">
-                <a:solidFill>
-                  <a:schemeClr val="tx1"/>
-                </a:solidFill>
-                <a:effectLst/>
-                <a:latin typeface="+mn-lt"/>
-                <a:ea typeface="+mn-ea"/>
-                <a:cs typeface="+mn-cs"/>
-              </a:rPr>
-              <a:t>2) Преобразование F0 для построения нового пространства признаков FN </a:t>
-            </a:r>
-          </a:p>
-          <a:p>
-            <a:r>
-              <a:rPr lang="ru-RU" sz="1200" kern="1200" dirty="0" smtClean="0">
-                <a:solidFill>
-                  <a:schemeClr val="tx1"/>
-                </a:solidFill>
-                <a:effectLst/>
-                <a:latin typeface="+mn-lt"/>
-                <a:ea typeface="+mn-ea"/>
-                <a:cs typeface="+mn-cs"/>
-              </a:rPr>
-              <a:t>3) Выбор подмножества признаков </a:t>
-            </a:r>
-            <a:r>
-              <a:rPr lang="ru-RU" sz="1200" kern="1200" dirty="0" err="1" smtClean="0">
-                <a:solidFill>
-                  <a:schemeClr val="tx1"/>
-                </a:solidFill>
-                <a:effectLst/>
-                <a:latin typeface="+mn-lt"/>
-                <a:ea typeface="+mn-ea"/>
-                <a:cs typeface="+mn-cs"/>
-              </a:rPr>
-              <a:t>Fi</a:t>
-            </a:r>
-            <a:r>
-              <a:rPr lang="ru-RU" sz="1200" kern="1200" dirty="0" smtClean="0">
-                <a:solidFill>
-                  <a:schemeClr val="tx1"/>
-                </a:solidFill>
-                <a:effectLst/>
-                <a:latin typeface="+mn-lt"/>
-                <a:ea typeface="+mn-ea"/>
-                <a:cs typeface="+mn-cs"/>
-              </a:rPr>
-              <a:t> из FN </a:t>
-            </a:r>
-            <a:r>
-              <a:rPr lang="ru-RU" sz="1200" kern="1200" baseline="0" dirty="0" smtClean="0">
-                <a:solidFill>
-                  <a:schemeClr val="tx1"/>
-                </a:solidFill>
-                <a:effectLst/>
-                <a:latin typeface="+mn-lt"/>
-                <a:ea typeface="+mn-ea"/>
-                <a:cs typeface="+mn-cs"/>
-              </a:rPr>
-              <a:t>на основании</a:t>
-            </a:r>
-            <a:r>
-              <a:rPr lang="ru-RU" sz="1200" kern="1200" dirty="0" smtClean="0">
-                <a:solidFill>
-                  <a:schemeClr val="tx1"/>
-                </a:solidFill>
-                <a:effectLst/>
-                <a:latin typeface="+mn-lt"/>
-                <a:ea typeface="+mn-ea"/>
-                <a:cs typeface="+mn-cs"/>
-              </a:rPr>
-              <a:t> определения полезности </a:t>
-            </a:r>
-            <a:r>
-              <a:rPr lang="ru-RU" sz="1200" kern="1200" dirty="0" err="1" smtClean="0">
-                <a:solidFill>
-                  <a:schemeClr val="tx1"/>
-                </a:solidFill>
-                <a:effectLst/>
-                <a:latin typeface="+mn-lt"/>
-                <a:ea typeface="+mn-ea"/>
-                <a:cs typeface="+mn-cs"/>
-              </a:rPr>
-              <a:t>Fi</a:t>
-            </a:r>
-            <a:r>
-              <a:rPr lang="ru-RU" sz="1200" kern="1200" dirty="0" smtClean="0">
-                <a:solidFill>
-                  <a:schemeClr val="tx1"/>
-                </a:solidFill>
-                <a:effectLst/>
-                <a:latin typeface="+mn-lt"/>
-                <a:ea typeface="+mn-ea"/>
-                <a:cs typeface="+mn-cs"/>
-              </a:rPr>
-              <a:t> для задачи классификации.</a:t>
-            </a:r>
-          </a:p>
-          <a:p>
-            <a:r>
-              <a:rPr lang="ru-RU" sz="1200" kern="1200" dirty="0" smtClean="0">
-                <a:solidFill>
-                  <a:schemeClr val="tx1"/>
-                </a:solidFill>
-                <a:effectLst/>
-                <a:latin typeface="+mn-lt"/>
-                <a:ea typeface="+mn-ea"/>
-                <a:cs typeface="+mn-cs"/>
-              </a:rPr>
-              <a:t>b. Если некоторые критерии завершения не достигнуты,</a:t>
-            </a:r>
-            <a:r>
-              <a:rPr lang="ru-RU" sz="1200" kern="1200" baseline="0" dirty="0" smtClean="0">
-                <a:solidFill>
-                  <a:schemeClr val="tx1"/>
-                </a:solidFill>
-                <a:effectLst/>
-                <a:latin typeface="+mn-lt"/>
-                <a:ea typeface="+mn-ea"/>
-                <a:cs typeface="+mn-cs"/>
-              </a:rPr>
-              <a:t> то возвращаемся</a:t>
-            </a:r>
-            <a:r>
-              <a:rPr lang="ru-RU" sz="1200" kern="1200" dirty="0" smtClean="0">
-                <a:solidFill>
-                  <a:schemeClr val="tx1"/>
-                </a:solidFill>
-                <a:effectLst/>
-                <a:latin typeface="+mn-lt"/>
-                <a:ea typeface="+mn-ea"/>
-                <a:cs typeface="+mn-cs"/>
-              </a:rPr>
-              <a:t> к шагу 3.</a:t>
-            </a:r>
-          </a:p>
-          <a:p>
-            <a:r>
-              <a:rPr lang="ru-RU" sz="1200" kern="1200" dirty="0" smtClean="0">
-                <a:solidFill>
-                  <a:schemeClr val="tx1"/>
-                </a:solidFill>
-                <a:effectLst/>
-                <a:latin typeface="+mn-lt"/>
-                <a:ea typeface="+mn-ea"/>
-                <a:cs typeface="+mn-cs"/>
-              </a:rPr>
-              <a:t>c. Иначе множество FT = </a:t>
-            </a:r>
-            <a:r>
-              <a:rPr lang="ru-RU" sz="1200" kern="1200" dirty="0" err="1" smtClean="0">
-                <a:solidFill>
-                  <a:schemeClr val="tx1"/>
-                </a:solidFill>
-                <a:effectLst/>
-                <a:latin typeface="+mn-lt"/>
-                <a:ea typeface="+mn-ea"/>
-                <a:cs typeface="+mn-cs"/>
-              </a:rPr>
-              <a:t>Fi</a:t>
-            </a:r>
-            <a:r>
-              <a:rPr lang="ru-RU" sz="1200" kern="1200" dirty="0" smtClean="0">
-                <a:solidFill>
-                  <a:schemeClr val="tx1"/>
-                </a:solidFill>
-                <a:effectLst/>
-                <a:latin typeface="+mn-lt"/>
-                <a:ea typeface="+mn-ea"/>
-                <a:cs typeface="+mn-cs"/>
-              </a:rPr>
-              <a:t>.</a:t>
-            </a:r>
-          </a:p>
-          <a:p>
-            <a:r>
-              <a:rPr lang="ru-RU" sz="1200" kern="1200" dirty="0" smtClean="0">
-                <a:solidFill>
-                  <a:schemeClr val="tx1"/>
-                </a:solidFill>
-                <a:effectLst/>
-                <a:latin typeface="+mn-lt"/>
-                <a:ea typeface="+mn-ea"/>
-                <a:cs typeface="+mn-cs"/>
-              </a:rPr>
-              <a:t>4) FT – это сконструированное пространство признаков.</a:t>
+              <a:t>Классификация заключается в прогнозировании значения категориального атрибута (класса) на основе значений признаков объекта при известном множестве обучающих примеров.</a:t>
             </a:r>
           </a:p>
           <a:p>
@@ -1221,7 +1036,7 @@
     </p:spTree>
     <p:extLst>
       <p:ext uri="{BB962C8B-B14F-4D97-AF65-F5344CB8AC3E}">
-        <p14:creationId xmlns:p14="http://schemas.microsoft.com/office/powerpoint/2010/main" val="3324260502"/>
+        <p14:creationId xmlns:p14="http://schemas.microsoft.com/office/powerpoint/2010/main" val="3151628616"/>
       </p:ext>
     </p:extLst>
   </p:cSld>
@@ -1285,17 +1100,215 @@
                 <a:ea typeface="+mn-ea"/>
                 <a:cs typeface="+mn-cs"/>
               </a:rPr>
-              <a:t>Для автоматического построения признаков можно использовать деревья решений, индуктивное логическое программирование, аннотации и генетическое программирование. Деревья решений обладают гибкой настройкой операторов, но не учитывают взаимодействия и отношения признаков, а также не имеют возможности добавления дополнительных знаний об области. В то же время индуктивное логическое программирование и аннотации удовлетворяют последним двум критериям, но не позволяют настраивать свои операторы. Генетическое обладает свойствами всех названных критериев, поэтому было выбрано в качестве метода для построения признаков медицинских изображений.</a:t>
-            </a:r>
-            <a:endParaRPr lang="ru-RU" sz="1200" kern="1200" dirty="0">
-              <a:solidFill>
-                <a:schemeClr val="tx1"/>
-              </a:solidFill>
-              <a:effectLst/>
-              <a:latin typeface="+mn-lt"/>
-              <a:ea typeface="+mn-ea"/>
-              <a:cs typeface="+mn-cs"/>
-            </a:endParaRPr>
+              <a:t>Концептуально любой метод построения признака можно рассматривать как выполнение следующих действий:</a:t>
+            </a:r>
+          </a:p>
+          <a:p>
+            <a:r>
+              <a:rPr lang="ru-RU" sz="1200" kern="1200" dirty="0" smtClean="0">
+                <a:solidFill>
+                  <a:schemeClr val="tx1"/>
+                </a:solidFill>
+                <a:effectLst/>
+                <a:latin typeface="+mn-lt"/>
+                <a:ea typeface="+mn-ea"/>
+                <a:cs typeface="+mn-cs"/>
+              </a:rPr>
+              <a:t>1) Выбор начального пространства признаков F0.</a:t>
+            </a:r>
+          </a:p>
+          <a:p>
+            <a:r>
+              <a:rPr lang="ru-RU" sz="1200" kern="1200" dirty="0" smtClean="0">
+                <a:solidFill>
+                  <a:schemeClr val="tx1"/>
+                </a:solidFill>
+                <a:effectLst/>
+                <a:latin typeface="+mn-lt"/>
+                <a:ea typeface="+mn-ea"/>
+                <a:cs typeface="+mn-cs"/>
+              </a:rPr>
+              <a:t>2) Преобразование F0 для построения нового пространства признаков FN </a:t>
+            </a:r>
+          </a:p>
+          <a:p>
+            <a:r>
+              <a:rPr lang="ru-RU" sz="1200" kern="1200" dirty="0" smtClean="0">
+                <a:solidFill>
+                  <a:schemeClr val="tx1"/>
+                </a:solidFill>
+                <a:effectLst/>
+                <a:latin typeface="+mn-lt"/>
+                <a:ea typeface="+mn-ea"/>
+                <a:cs typeface="+mn-cs"/>
+              </a:rPr>
+              <a:t>3) Выбор подмножества признаков </a:t>
+            </a:r>
+            <a:r>
+              <a:rPr lang="ru-RU" sz="1200" kern="1200" dirty="0" err="1" smtClean="0">
+                <a:solidFill>
+                  <a:schemeClr val="tx1"/>
+                </a:solidFill>
+                <a:effectLst/>
+                <a:latin typeface="+mn-lt"/>
+                <a:ea typeface="+mn-ea"/>
+                <a:cs typeface="+mn-cs"/>
+              </a:rPr>
+              <a:t>Fi</a:t>
+            </a:r>
+            <a:r>
+              <a:rPr lang="ru-RU" sz="1200" kern="1200" dirty="0" smtClean="0">
+                <a:solidFill>
+                  <a:schemeClr val="tx1"/>
+                </a:solidFill>
+                <a:effectLst/>
+                <a:latin typeface="+mn-lt"/>
+                <a:ea typeface="+mn-ea"/>
+                <a:cs typeface="+mn-cs"/>
+              </a:rPr>
+              <a:t> из FN </a:t>
+            </a:r>
+            <a:r>
+              <a:rPr lang="ru-RU" sz="1200" kern="1200" baseline="0" dirty="0" smtClean="0">
+                <a:solidFill>
+                  <a:schemeClr val="tx1"/>
+                </a:solidFill>
+                <a:effectLst/>
+                <a:latin typeface="+mn-lt"/>
+                <a:ea typeface="+mn-ea"/>
+                <a:cs typeface="+mn-cs"/>
+              </a:rPr>
+              <a:t>на основании</a:t>
+            </a:r>
+            <a:r>
+              <a:rPr lang="ru-RU" sz="1200" kern="1200" dirty="0" smtClean="0">
+                <a:solidFill>
+                  <a:schemeClr val="tx1"/>
+                </a:solidFill>
+                <a:effectLst/>
+                <a:latin typeface="+mn-lt"/>
+                <a:ea typeface="+mn-ea"/>
+                <a:cs typeface="+mn-cs"/>
+              </a:rPr>
+              <a:t> определения полезности </a:t>
+            </a:r>
+            <a:r>
+              <a:rPr lang="ru-RU" sz="1200" kern="1200" dirty="0" err="1" smtClean="0">
+                <a:solidFill>
+                  <a:schemeClr val="tx1"/>
+                </a:solidFill>
+                <a:effectLst/>
+                <a:latin typeface="+mn-lt"/>
+                <a:ea typeface="+mn-ea"/>
+                <a:cs typeface="+mn-cs"/>
+              </a:rPr>
+              <a:t>Fi</a:t>
+            </a:r>
+            <a:r>
+              <a:rPr lang="ru-RU" sz="1200" kern="1200" dirty="0" smtClean="0">
+                <a:solidFill>
+                  <a:schemeClr val="tx1"/>
+                </a:solidFill>
+                <a:effectLst/>
+                <a:latin typeface="+mn-lt"/>
+                <a:ea typeface="+mn-ea"/>
+                <a:cs typeface="+mn-cs"/>
+              </a:rPr>
+              <a:t> для задачи классификации.</a:t>
+            </a:r>
+          </a:p>
+          <a:p>
+            <a:r>
+              <a:rPr lang="ru-RU" sz="1200" kern="1200" dirty="0" smtClean="0">
+                <a:solidFill>
+                  <a:schemeClr val="tx1"/>
+                </a:solidFill>
+                <a:effectLst/>
+                <a:latin typeface="+mn-lt"/>
+                <a:ea typeface="+mn-ea"/>
+                <a:cs typeface="+mn-cs"/>
+              </a:rPr>
+              <a:t>b. Если некоторые критерии завершения не достигнуты,</a:t>
+            </a:r>
+            <a:r>
+              <a:rPr lang="ru-RU" sz="1200" kern="1200" baseline="0" dirty="0" smtClean="0">
+                <a:solidFill>
+                  <a:schemeClr val="tx1"/>
+                </a:solidFill>
+                <a:effectLst/>
+                <a:latin typeface="+mn-lt"/>
+                <a:ea typeface="+mn-ea"/>
+                <a:cs typeface="+mn-cs"/>
+              </a:rPr>
+              <a:t> то возвращаемся</a:t>
+            </a:r>
+            <a:r>
+              <a:rPr lang="ru-RU" sz="1200" kern="1200" dirty="0" smtClean="0">
+                <a:solidFill>
+                  <a:schemeClr val="tx1"/>
+                </a:solidFill>
+                <a:effectLst/>
+                <a:latin typeface="+mn-lt"/>
+                <a:ea typeface="+mn-ea"/>
+                <a:cs typeface="+mn-cs"/>
+              </a:rPr>
+              <a:t> к шагу 3.</a:t>
+            </a:r>
+          </a:p>
+          <a:p>
+            <a:r>
+              <a:rPr lang="ru-RU" sz="1200" kern="1200" dirty="0" smtClean="0">
+                <a:solidFill>
+                  <a:schemeClr val="tx1"/>
+                </a:solidFill>
+                <a:effectLst/>
+                <a:latin typeface="+mn-lt"/>
+                <a:ea typeface="+mn-ea"/>
+                <a:cs typeface="+mn-cs"/>
+              </a:rPr>
+              <a:t>c. Иначе множество FT = </a:t>
+            </a:r>
+            <a:r>
+              <a:rPr lang="ru-RU" sz="1200" kern="1200" dirty="0" err="1" smtClean="0">
+                <a:solidFill>
+                  <a:schemeClr val="tx1"/>
+                </a:solidFill>
+                <a:effectLst/>
+                <a:latin typeface="+mn-lt"/>
+                <a:ea typeface="+mn-ea"/>
+                <a:cs typeface="+mn-cs"/>
+              </a:rPr>
+              <a:t>Fi</a:t>
+            </a:r>
+            <a:r>
+              <a:rPr lang="ru-RU" sz="1200" kern="1200" dirty="0" smtClean="0">
+                <a:solidFill>
+                  <a:schemeClr val="tx1"/>
+                </a:solidFill>
+                <a:effectLst/>
+                <a:latin typeface="+mn-lt"/>
+                <a:ea typeface="+mn-ea"/>
+                <a:cs typeface="+mn-cs"/>
+              </a:rPr>
+              <a:t>.</a:t>
+            </a:r>
+          </a:p>
+          <a:p>
+            <a:r>
+              <a:rPr lang="ru-RU" sz="1200" kern="1200" dirty="0" smtClean="0">
+                <a:solidFill>
+                  <a:schemeClr val="tx1"/>
+                </a:solidFill>
+                <a:effectLst/>
+                <a:latin typeface="+mn-lt"/>
+                <a:ea typeface="+mn-ea"/>
+                <a:cs typeface="+mn-cs"/>
+              </a:rPr>
+              <a:t>4) FT – это сконструированное пространство признаков.</a:t>
+            </a:r>
+          </a:p>
+          <a:p>
+            <a:endParaRPr lang="ru-RU" dirty="0"/>
           </a:p>
         </p:txBody>
       </p:sp>
@@ -1325,7 +1338,7 @@
     </p:spTree>
     <p:extLst>
       <p:ext uri="{BB962C8B-B14F-4D97-AF65-F5344CB8AC3E}">
-        <p14:creationId xmlns:p14="http://schemas.microsoft.com/office/powerpoint/2010/main" val="1128376069"/>
+        <p14:creationId xmlns:p14="http://schemas.microsoft.com/office/powerpoint/2010/main" val="3324260502"/>
       </p:ext>
     </p:extLst>
   </p:cSld>
@@ -1389,8 +1402,17 @@
                 <a:ea typeface="+mn-ea"/>
                 <a:cs typeface="+mn-cs"/>
               </a:rPr>
-              <a:t>Генетическое программирование основывается на принципах биологической эволюции, таких как: естественный отбор, скрещивание и мутация.</a:t>
-            </a:r>
+              <a:t>Для автоматического построения признаков можно использовать деревья решений, индуктивное логическое программирование, аннотации и генетическое программирование. Деревья решений обладают гибкой настройкой операторов, но не учитывают взаимодействия и отношения признаков, а также не имеют возможности добавления дополнительных знаний об области. В то же время индуктивное логическое программирование и аннотации удовлетворяют последним двум критериям, но не позволяют настраивать свои операторы. Генетическое обладает свойствами всех названных критериев, поэтому было выбрано в качестве метода для построения признаков медицинских изображений.</a:t>
+            </a:r>
+            <a:endParaRPr lang="ru-RU" sz="1200" kern="1200" dirty="0">
+              <a:solidFill>
+                <a:schemeClr val="tx1"/>
+              </a:solidFill>
+              <a:effectLst/>
+              <a:latin typeface="+mn-lt"/>
+              <a:ea typeface="+mn-ea"/>
+              <a:cs typeface="+mn-cs"/>
+            </a:endParaRPr>
           </a:p>
         </p:txBody>
       </p:sp>
@@ -1420,7 +1442,7 @@
     </p:spTree>
     <p:extLst>
       <p:ext uri="{BB962C8B-B14F-4D97-AF65-F5344CB8AC3E}">
-        <p14:creationId xmlns:p14="http://schemas.microsoft.com/office/powerpoint/2010/main" val="1850196944"/>
+        <p14:creationId xmlns:p14="http://schemas.microsoft.com/office/powerpoint/2010/main" val="1128376069"/>
       </p:ext>
     </p:extLst>
   </p:cSld>
@@ -1474,23 +1496,6 @@
           <a:bodyPr/>
           <a:lstStyle/>
           <a:p>
-            <a:pPr marL="0" marR="0" lvl="0" indent="0" algn="l" defTabSz="914400" rtl="0" eaLnBrk="1" fontAlgn="auto" latinLnBrk="0" hangingPunct="1">
-              <a:lnSpc>
-                <a:spcPct val="100000"/>
-              </a:lnSpc>
-              <a:spcBef>
-                <a:spcPts val="0"/>
-              </a:spcBef>
-              <a:spcAft>
-                <a:spcPts val="0"/>
-              </a:spcAft>
-              <a:buClrTx/>
-              <a:buSzTx/>
-              <a:buFontTx/>
-              <a:buNone/>
-              <a:tabLst/>
-              <a:defRPr/>
-            </a:pPr>
             <a:r>
               <a:rPr lang="ru-RU" sz="1200" kern="1200" dirty="0" smtClean="0">
                 <a:solidFill>
@@ -1501,11 +1506,8 @@
                 <a:ea typeface="+mn-ea"/>
                 <a:cs typeface="+mn-cs"/>
               </a:rPr>
-              <a:t>В качестве популяции будут выступать леса – наборы признаков. Каждое дерево леса представляет собой один сконструированный признак, состоящий из функций, исходных признаков и констант.</a:t>
-            </a:r>
-          </a:p>
-          <a:p>
-            <a:endParaRPr lang="ru-RU" dirty="0"/>
+              <a:t>Генетическое программирование основывается на принципах биологической эволюции, таких как: естественный отбор, скрещивание и мутация.</a:t>
+            </a:r>
           </a:p>
         </p:txBody>
       </p:sp>
@@ -1535,7 +1537,7 @@
     </p:spTree>
     <p:extLst>
       <p:ext uri="{BB962C8B-B14F-4D97-AF65-F5344CB8AC3E}">
-        <p14:creationId xmlns:p14="http://schemas.microsoft.com/office/powerpoint/2010/main" val="1075396099"/>
+        <p14:creationId xmlns:p14="http://schemas.microsoft.com/office/powerpoint/2010/main" val="1850196944"/>
       </p:ext>
     </p:extLst>
   </p:cSld>
@@ -1589,6 +1591,23 @@
           <a:bodyPr/>
           <a:lstStyle/>
           <a:p>
+            <a:pPr marL="0" marR="0" lvl="0" indent="0" algn="l" defTabSz="914400" rtl="0" eaLnBrk="1" fontAlgn="auto" latinLnBrk="0" hangingPunct="1">
+              <a:lnSpc>
+                <a:spcPct val="100000"/>
+              </a:lnSpc>
+              <a:spcBef>
+                <a:spcPts val="0"/>
+              </a:spcBef>
+              <a:spcAft>
+                <a:spcPts val="0"/>
+              </a:spcAft>
+              <a:buClrTx/>
+              <a:buSzTx/>
+              <a:buFontTx/>
+              <a:buNone/>
+              <a:tabLst/>
+              <a:defRPr/>
+            </a:pPr>
             <a:r>
               <a:rPr lang="ru-RU" sz="1200" kern="1200" dirty="0" smtClean="0">
                 <a:solidFill>
@@ -1599,7 +1618,7 @@
                 <a:ea typeface="+mn-ea"/>
                 <a:cs typeface="+mn-cs"/>
               </a:rPr>
-              <a:t>Будем параллельно развивать несколько наборов лесов. Каждому такому набору назначим свой уникальный классификатор, с помощью которого будем оценивать пригодность данного набора признаков.</a:t>
+              <a:t>В качестве популяции будут выступать леса – наборы признаков. Каждое дерево леса представляет собой один сконструированный признак, состоящий из функций, исходных признаков и констант.</a:t>
             </a:r>
           </a:p>
           <a:p>
@@ -1633,7 +1652,7 @@
     </p:spTree>
     <p:extLst>
       <p:ext uri="{BB962C8B-B14F-4D97-AF65-F5344CB8AC3E}">
-        <p14:creationId xmlns:p14="http://schemas.microsoft.com/office/powerpoint/2010/main" val="2236421988"/>
+        <p14:creationId xmlns:p14="http://schemas.microsoft.com/office/powerpoint/2010/main" val="1075396099"/>
       </p:ext>
     </p:extLst>
   </p:cSld>
@@ -1697,32 +1716,11 @@
                 <a:ea typeface="+mn-ea"/>
                 <a:cs typeface="+mn-cs"/>
               </a:rPr>
-              <a:t>Оценивать приспособленности особей будем через ошибку классификации. Подаем классификатору набор сконструированных признаков и вычисляем отношение неправильно предсказанных значений класса к числу всех объектов</a:t>
-            </a:r>
-            <a:r>
-              <a:rPr lang="ru-RU" sz="1200" kern="1200" baseline="0" dirty="0" smtClean="0">
-                <a:solidFill>
-                  <a:schemeClr val="tx1"/>
-                </a:solidFill>
-                <a:effectLst/>
-                <a:latin typeface="+mn-lt"/>
-                <a:ea typeface="+mn-ea"/>
-                <a:cs typeface="+mn-cs"/>
-              </a:rPr>
-              <a:t> </a:t>
-            </a:r>
-            <a:r>
-              <a:rPr lang="ru-RU" sz="1200" kern="1200" dirty="0" smtClean="0">
-                <a:solidFill>
-                  <a:schemeClr val="tx1"/>
-                </a:solidFill>
-                <a:effectLst/>
-                <a:latin typeface="+mn-lt"/>
-                <a:ea typeface="+mn-ea"/>
-                <a:cs typeface="+mn-cs"/>
-              </a:rPr>
-              <a:t>и нормализуем его.</a:t>
-            </a:r>
+              <a:t>Будем параллельно развивать несколько наборов лесов. Каждому такому набору назначим свой уникальный классификатор, с помощью которого будем оценивать пригодность данного набора признаков.</a:t>
+            </a:r>
+          </a:p>
+          <a:p>
+            <a:endParaRPr lang="ru-RU" dirty="0"/>
           </a:p>
         </p:txBody>
       </p:sp>
@@ -1752,7 +1750,7 @@
     </p:spTree>
     <p:extLst>
       <p:ext uri="{BB962C8B-B14F-4D97-AF65-F5344CB8AC3E}">
-        <p14:creationId xmlns:p14="http://schemas.microsoft.com/office/powerpoint/2010/main" val="2133192863"/>
+        <p14:creationId xmlns:p14="http://schemas.microsoft.com/office/powerpoint/2010/main" val="2236421988"/>
       </p:ext>
     </p:extLst>
   </p:cSld>
@@ -1816,10 +1814,20 @@
                 <a:ea typeface="+mn-ea"/>
                 <a:cs typeface="+mn-cs"/>
               </a:rPr>
-              <a:t>Результаты. Была разработана программа, которая позволяет получить набор построенных признаков данных посредством генетического программирования. Для проверки ее работы был проведен эксперимент. </a:t>
-            </a:r>
-          </a:p>
-          <a:p>
+              <a:t>Оценивать приспособленности особей будем через ошибку классификации. Подаем классификатору набор сконструированных признаков и вычисляем отношение неправильно предсказанных значений класса к числу всех объектов</a:t>
+            </a:r>
+            <a:r>
+              <a:rPr lang="ru-RU" sz="1200" kern="1200" baseline="0" dirty="0" smtClean="0">
+                <a:solidFill>
+                  <a:schemeClr val="tx1"/>
+                </a:solidFill>
+                <a:effectLst/>
+                <a:latin typeface="+mn-lt"/>
+                <a:ea typeface="+mn-ea"/>
+                <a:cs typeface="+mn-cs"/>
+              </a:rPr>
+              <a:t> </a:t>
+            </a:r>
             <a:r>
               <a:rPr lang="ru-RU" sz="1200" kern="1200" dirty="0" smtClean="0">
                 <a:solidFill>
@@ -1830,11 +1838,8 @@
                 <a:ea typeface="+mn-ea"/>
                 <a:cs typeface="+mn-cs"/>
               </a:rPr>
-              <a:t>Заданы обучающая и тестовая выборки медицинских изображений. Они были получены из доступного в интернете ресурса и представляют собой КТ снимки легких с отмеченными областями поражения.</a:t>
-            </a:r>
-          </a:p>
-          <a:p>
-            <a:endParaRPr lang="ru-RU" dirty="0"/>
+              <a:t>и нормализуем его.</a:t>
+            </a:r>
           </a:p>
         </p:txBody>
       </p:sp>
@@ -1864,7 +1869,7 @@
     </p:spTree>
     <p:extLst>
       <p:ext uri="{BB962C8B-B14F-4D97-AF65-F5344CB8AC3E}">
-        <p14:creationId xmlns:p14="http://schemas.microsoft.com/office/powerpoint/2010/main" val="2685789095"/>
+        <p14:creationId xmlns:p14="http://schemas.microsoft.com/office/powerpoint/2010/main" val="2133192863"/>
       </p:ext>
     </p:extLst>
   </p:cSld>
@@ -1928,20 +1933,10 @@
                 <a:ea typeface="+mn-ea"/>
                 <a:cs typeface="+mn-cs"/>
               </a:rPr>
-              <a:t>Определен набор классификаторов: классификатор ближайшего соседа, метод опорных векторов, алгоритм </a:t>
-            </a:r>
-            <a:r>
-              <a:rPr lang="en-US" sz="1200" kern="1200" dirty="0" smtClean="0">
-                <a:solidFill>
-                  <a:schemeClr val="tx1"/>
-                </a:solidFill>
-                <a:effectLst/>
-                <a:latin typeface="+mn-lt"/>
-                <a:ea typeface="+mn-ea"/>
-                <a:cs typeface="+mn-cs"/>
-              </a:rPr>
-              <a:t>C</a:t>
-            </a:r>
+              <a:t>Результаты. Была разработана программа, которая позволяет получить набор построенных признаков данных посредством генетического программирования. Для проверки ее работы был проведен эксперимент. </a:t>
+            </a:r>
+          </a:p>
+          <a:p>
             <a:r>
               <a:rPr lang="ru-RU" sz="1200" kern="1200" dirty="0" smtClean="0">
                 <a:solidFill>
@@ -1952,7 +1947,7 @@
                 <a:ea typeface="+mn-ea"/>
                 <a:cs typeface="+mn-cs"/>
               </a:rPr>
-              <a:t>4.5 деревьев решений, наивный байесовский классификатор, искусственная нейронная сеть. И задано множество исходных признаков. Максимальная ошибка классификации для прекращения работы программы была выбрана равной 0.1.</a:t>
+              <a:t>Заданы обучающая и тестовая выборки медицинских изображений. Они были получены из доступного в интернете ресурса и представляют собой КТ снимки легких с отмеченными областями поражения.</a:t>
             </a:r>
           </a:p>
           <a:p>
@@ -1986,7 +1981,7 @@
     </p:spTree>
     <p:extLst>
       <p:ext uri="{BB962C8B-B14F-4D97-AF65-F5344CB8AC3E}">
-        <p14:creationId xmlns:p14="http://schemas.microsoft.com/office/powerpoint/2010/main" val="3681463401"/>
+        <p14:creationId xmlns:p14="http://schemas.microsoft.com/office/powerpoint/2010/main" val="2685789095"/>
       </p:ext>
     </p:extLst>
   </p:cSld>
@@ -2144,6 +2139,128 @@
           <a:bodyPr/>
           <a:lstStyle/>
           <a:p>
+            <a:r>
+              <a:rPr lang="ru-RU" sz="1200" kern="1200" dirty="0" smtClean="0">
+                <a:solidFill>
+                  <a:schemeClr val="tx1"/>
+                </a:solidFill>
+                <a:effectLst/>
+                <a:latin typeface="+mn-lt"/>
+                <a:ea typeface="+mn-ea"/>
+                <a:cs typeface="+mn-cs"/>
+              </a:rPr>
+              <a:t>Определен набор классификаторов: классификатор ближайшего соседа, метод опорных векторов, алгоритм </a:t>
+            </a:r>
+            <a:r>
+              <a:rPr lang="en-US" sz="1200" kern="1200" dirty="0" smtClean="0">
+                <a:solidFill>
+                  <a:schemeClr val="tx1"/>
+                </a:solidFill>
+                <a:effectLst/>
+                <a:latin typeface="+mn-lt"/>
+                <a:ea typeface="+mn-ea"/>
+                <a:cs typeface="+mn-cs"/>
+              </a:rPr>
+              <a:t>C</a:t>
+            </a:r>
+            <a:r>
+              <a:rPr lang="ru-RU" sz="1200" kern="1200" dirty="0" smtClean="0">
+                <a:solidFill>
+                  <a:schemeClr val="tx1"/>
+                </a:solidFill>
+                <a:effectLst/>
+                <a:latin typeface="+mn-lt"/>
+                <a:ea typeface="+mn-ea"/>
+                <a:cs typeface="+mn-cs"/>
+              </a:rPr>
+              <a:t>4.5 деревьев решений, наивный байесовский классификатор, искусственная нейронная сеть. И задано множество исходных признаков. Максимальная ошибка классификации для прекращения работы программы была выбрана равной 0.1.</a:t>
+            </a:r>
+          </a:p>
+          <a:p>
+            <a:endParaRPr lang="ru-RU" dirty="0"/>
+          </a:p>
+        </p:txBody>
+      </p:sp>
+      <p:sp>
+        <p:nvSpPr>
+          <p:cNvPr id="4" name="Номер слайда 3"/>
+          <p:cNvSpPr>
+            <a:spLocks noGrp="1"/>
+          </p:cNvSpPr>
+          <p:nvPr>
+            <p:ph type="sldNum" sz="quarter" idx="10"/>
+          </p:nvPr>
+        </p:nvSpPr>
+        <p:spPr/>
+        <p:txBody>
+          <a:bodyPr/>
+          <a:lstStyle/>
+          <a:p>
+            <a:fld id="{067F537F-45F3-8142-965F-E742B23B0064}" type="slidenum">
+              <a:rPr lang="ru-RU" smtClean="0"/>
+              <a:t>20</a:t>
+            </a:fld>
+            <a:endParaRPr lang="ru-RU"/>
+          </a:p>
+        </p:txBody>
+      </p:sp>
+    </p:spTree>
+    <p:extLst>
+      <p:ext uri="{BB962C8B-B14F-4D97-AF65-F5344CB8AC3E}">
+        <p14:creationId xmlns:p14="http://schemas.microsoft.com/office/powerpoint/2010/main" val="3681463401"/>
+      </p:ext>
+    </p:extLst>
+  </p:cSld>
+  <p:clrMapOvr>
+    <a:masterClrMapping/>
+  </p:clrMapOvr>
+</p:notes>
+</file>
+
+<file path=ppt/notesSlides/notesSlide21.xml><?xml version="1.0" encoding="utf-8"?>
+<p:notes xmlns:a="http://schemas.openxmlformats.org/drawingml/2006/main" xmlns:r="http://schemas.openxmlformats.org/officeDocument/2006/relationships" xmlns:p="http://schemas.openxmlformats.org/presentationml/2006/main">
+  <p:cSld>
+    <p:spTree>
+      <p:nvGrpSpPr>
+        <p:cNvPr id="1" name=""/>
+        <p:cNvGrpSpPr/>
+        <p:nvPr/>
+      </p:nvGrpSpPr>
+      <p:grpSpPr>
+        <a:xfrm>
+          <a:off x="0" y="0"/>
+          <a:ext cx="0" cy="0"/>
+          <a:chOff x="0" y="0"/>
+          <a:chExt cx="0" cy="0"/>
+        </a:xfrm>
+      </p:grpSpPr>
+      <p:sp>
+        <p:nvSpPr>
+          <p:cNvPr id="2" name="Образ слайда 1"/>
+          <p:cNvSpPr>
+            <a:spLocks noGrp="1" noRot="1" noChangeAspect="1"/>
+          </p:cNvSpPr>
+          <p:nvPr>
+            <p:ph type="sldImg"/>
+          </p:nvPr>
+        </p:nvSpPr>
+        <p:spPr/>
+      </p:sp>
+      <p:sp>
+        <p:nvSpPr>
+          <p:cNvPr id="3" name="Заметки 2"/>
+          <p:cNvSpPr>
+            <a:spLocks noGrp="1"/>
+          </p:cNvSpPr>
+          <p:nvPr>
+            <p:ph type="body" idx="1"/>
+          </p:nvPr>
+        </p:nvSpPr>
+        <p:spPr/>
+        <p:txBody>
+          <a:bodyPr/>
+          <a:lstStyle/>
+          <a:p>
             <a:pPr marL="0" marR="0" lvl="0" indent="0" algn="l" defTabSz="914400" rtl="0" eaLnBrk="1" fontAlgn="auto" latinLnBrk="0" hangingPunct="1">
               <a:lnSpc>
                 <a:spcPct val="100000"/>
@@ -2193,7 +2310,7 @@
           <a:p>
             <a:fld id="{067F537F-45F3-8142-965F-E742B23B0064}" type="slidenum">
               <a:rPr lang="ru-RU" smtClean="0"/>
-              <a:t>20</a:t>
+              <a:t>21</a:t>
             </a:fld>
             <a:endParaRPr lang="ru-RU"/>
           </a:p>
@@ -2348,23 +2465,6 @@
           <a:bodyPr/>
           <a:lstStyle/>
           <a:p>
-            <a:pPr marL="0" marR="0" indent="0" algn="l" defTabSz="914400" rtl="0" eaLnBrk="1" fontAlgn="auto" latinLnBrk="0" hangingPunct="1">
-              <a:lnSpc>
-                <a:spcPct val="100000"/>
-              </a:lnSpc>
-              <a:spcBef>
-                <a:spcPts val="0"/>
-              </a:spcBef>
-              <a:spcAft>
-                <a:spcPts val="0"/>
-              </a:spcAft>
-              <a:buClrTx/>
-              <a:buSzTx/>
-              <a:buFontTx/>
-              <a:buNone/>
-              <a:tabLst/>
-              <a:defRPr/>
-            </a:pPr>
             <a:r>
               <a:rPr lang="ru-RU" sz="1200" kern="1200" dirty="0" smtClean="0">
                 <a:solidFill>
@@ -2375,31 +2475,7 @@
                 <a:ea typeface="+mn-ea"/>
                 <a:cs typeface="+mn-cs"/>
               </a:rPr>
-              <a:t>Изображение можно описать набором признаков – отличительных особенностей для различения. Для такого объекта как медицинское изображение количество признаков</a:t>
-            </a:r>
-            <a:r>
-              <a:rPr lang="en-US" sz="1200" kern="1200" dirty="0" smtClean="0">
-                <a:solidFill>
-                  <a:schemeClr val="tx1"/>
-                </a:solidFill>
-                <a:effectLst/>
-                <a:latin typeface="+mn-lt"/>
-                <a:ea typeface="+mn-ea"/>
-                <a:cs typeface="+mn-cs"/>
-              </a:rPr>
-              <a:t> </a:t>
-            </a:r>
-            <a:r>
-              <a:rPr lang="ru-RU" sz="1200" kern="1200" dirty="0" smtClean="0">
-                <a:solidFill>
-                  <a:schemeClr val="tx1"/>
-                </a:solidFill>
-                <a:effectLst/>
-                <a:latin typeface="+mn-lt"/>
-                <a:ea typeface="+mn-ea"/>
-                <a:cs typeface="+mn-cs"/>
-              </a:rPr>
-              <a:t>может превышает 20. </a:t>
+              <a:t>Изображение можно описать набором признаков – отличительных особенностей для различения. Для такого объекта как медицинское изображение количество признаков может быть больше 20 . </a:t>
             </a:r>
           </a:p>
           <a:p>
@@ -2911,23 +2987,6 @@
           <a:bodyPr/>
           <a:lstStyle/>
           <a:p>
-            <a:pPr marL="0" marR="0" indent="0" algn="l" defTabSz="914400" rtl="0" eaLnBrk="1" fontAlgn="auto" latinLnBrk="0" hangingPunct="1">
-              <a:lnSpc>
-                <a:spcPct val="100000"/>
-              </a:lnSpc>
-              <a:spcBef>
-                <a:spcPts val="0"/>
-              </a:spcBef>
-              <a:spcAft>
-                <a:spcPts val="0"/>
-              </a:spcAft>
-              <a:buClrTx/>
-              <a:buSzTx/>
-              <a:buFontTx/>
-              <a:buNone/>
-              <a:tabLst/>
-              <a:defRPr/>
-            </a:pPr>
             <a:r>
               <a:rPr lang="ru-RU" sz="1200" kern="1200" dirty="0" smtClean="0">
                 <a:solidFill>
@@ -2938,8 +2997,17 @@
                 <a:ea typeface="+mn-ea"/>
                 <a:cs typeface="+mn-cs"/>
               </a:rPr>
-              <a:t>Цель – нахождение и отработка методики построения признаков для решения задачи классификации.</a:t>
-            </a:r>
+              <a:t>Цель – нахождение и отработка методики построения признаков для улучшения точности классификации.</a:t>
+            </a:r>
+            <a:endParaRPr lang="ru-RU" sz="1200" kern="1200" dirty="0">
+              <a:solidFill>
+                <a:schemeClr val="tx1"/>
+              </a:solidFill>
+              <a:effectLst/>
+              <a:latin typeface="+mn-lt"/>
+              <a:ea typeface="+mn-ea"/>
+              <a:cs typeface="+mn-cs"/>
+            </a:endParaRPr>
           </a:p>
         </p:txBody>
       </p:sp>
@@ -3209,7 +3277,7 @@
           <a:p>
             <a:fld id="{3A437E1B-BF00-41EC-9089-A3D2CF1C3BF5}" type="datetimeFigureOut">
               <a:rPr lang="ru-RU" smtClean="0"/>
-              <a:t>09.06.17</a:t>
+              <a:t>11.06.2017</a:t>
             </a:fld>
             <a:endParaRPr lang="ru-RU" dirty="0"/>
           </a:p>
@@ -3422,7 +3490,7 @@
           <a:p>
             <a:fld id="{3A437E1B-BF00-41EC-9089-A3D2CF1C3BF5}" type="datetimeFigureOut">
               <a:rPr lang="ru-RU" smtClean="0"/>
-              <a:t>09.06.17</a:t>
+              <a:t>11.06.2017</a:t>
             </a:fld>
             <a:endParaRPr lang="ru-RU" dirty="0"/>
           </a:p>
@@ -3597,7 +3665,7 @@
           <a:p>
             <a:fld id="{3A437E1B-BF00-41EC-9089-A3D2CF1C3BF5}" type="datetimeFigureOut">
               <a:rPr lang="ru-RU" smtClean="0"/>
-              <a:t>09.06.17</a:t>
+              <a:t>11.06.2017</a:t>
             </a:fld>
             <a:endParaRPr lang="ru-RU" dirty="0"/>
           </a:p>
@@ -3762,7 +3830,7 @@
           <a:p>
             <a:fld id="{3A437E1B-BF00-41EC-9089-A3D2CF1C3BF5}" type="datetimeFigureOut">
               <a:rPr lang="ru-RU" smtClean="0"/>
-              <a:t>09.06.17</a:t>
+              <a:t>11.06.2017</a:t>
             </a:fld>
             <a:endParaRPr lang="ru-RU" dirty="0"/>
           </a:p>
@@ -4046,7 +4114,7 @@
           <a:p>
             <a:fld id="{3A437E1B-BF00-41EC-9089-A3D2CF1C3BF5}" type="datetimeFigureOut">
               <a:rPr lang="ru-RU" smtClean="0"/>
-              <a:t>09.06.17</a:t>
+              <a:t>11.06.2017</a:t>
             </a:fld>
             <a:endParaRPr lang="ru-RU" dirty="0"/>
           </a:p>
@@ -4372,7 +4440,7 @@
           <a:p>
             <a:fld id="{3A437E1B-BF00-41EC-9089-A3D2CF1C3BF5}" type="datetimeFigureOut">
               <a:rPr lang="ru-RU" smtClean="0"/>
-              <a:t>09.06.17</a:t>
+              <a:t>11.06.2017</a:t>
             </a:fld>
             <a:endParaRPr lang="ru-RU" dirty="0"/>
           </a:p>
@@ -4797,7 +4865,7 @@
           <a:p>
             <a:fld id="{3A437E1B-BF00-41EC-9089-A3D2CF1C3BF5}" type="datetimeFigureOut">
               <a:rPr lang="ru-RU" smtClean="0"/>
-              <a:t>09.06.17</a:t>
+              <a:t>11.06.2017</a:t>
             </a:fld>
             <a:endParaRPr lang="ru-RU" dirty="0"/>
           </a:p>
@@ -4970,7 +5038,7 @@
           <a:p>
             <a:fld id="{3A437E1B-BF00-41EC-9089-A3D2CF1C3BF5}" type="datetimeFigureOut">
               <a:rPr lang="ru-RU" smtClean="0"/>
-              <a:t>09.06.17</a:t>
+              <a:t>11.06.2017</a:t>
             </a:fld>
             <a:endParaRPr lang="ru-RU" dirty="0"/>
           </a:p>
@@ -5060,7 +5128,7 @@
           <a:p>
             <a:fld id="{3A437E1B-BF00-41EC-9089-A3D2CF1C3BF5}" type="datetimeFigureOut">
               <a:rPr lang="ru-RU" smtClean="0"/>
-              <a:t>09.06.17</a:t>
+              <a:t>11.06.2017</a:t>
             </a:fld>
             <a:endParaRPr lang="ru-RU" dirty="0"/>
           </a:p>
@@ -5340,7 +5408,7 @@
           <a:p>
             <a:fld id="{3A437E1B-BF00-41EC-9089-A3D2CF1C3BF5}" type="datetimeFigureOut">
               <a:rPr lang="ru-RU" smtClean="0"/>
-              <a:t>09.06.17</a:t>
+              <a:t>11.06.2017</a:t>
             </a:fld>
             <a:endParaRPr lang="ru-RU" dirty="0"/>
           </a:p>
@@ -5639,7 +5707,7 @@
           <a:p>
             <a:fld id="{3A437E1B-BF00-41EC-9089-A3D2CF1C3BF5}" type="datetimeFigureOut">
               <a:rPr lang="ru-RU" smtClean="0"/>
-              <a:t>09.06.17</a:t>
+              <a:t>11.06.2017</a:t>
             </a:fld>
             <a:endParaRPr lang="ru-RU" dirty="0"/>
           </a:p>
@@ -5849,7 +5917,7 @@
           <a:p>
             <a:fld id="{3A437E1B-BF00-41EC-9089-A3D2CF1C3BF5}" type="datetimeFigureOut">
               <a:rPr lang="ru-RU" smtClean="0"/>
-              <a:t>09.06.17</a:t>
+              <a:t>11.06.2017</a:t>
             </a:fld>
             <a:endParaRPr lang="ru-RU" dirty="0"/>
           </a:p>
@@ -6690,21 +6758,7 @@
                 <a:latin typeface="Arial" panose="020B0604020202020204" pitchFamily="34" charset="0"/>
                 <a:cs typeface="Arial" panose="020B0604020202020204" pitchFamily="34" charset="0"/>
               </a:rPr>
-              <a:t>Разработать </a:t>
-            </a:r>
-            <a:r>
-              <a:rPr lang="ru-RU" sz="3500" dirty="0" smtClean="0">
-                <a:latin typeface="Arial" panose="020B0604020202020204" pitchFamily="34" charset="0"/>
-                <a:cs typeface="Arial" panose="020B0604020202020204" pitchFamily="34" charset="0"/>
-              </a:rPr>
-              <a:t>алгоритм </a:t>
-            </a:r>
-            <a:r>
-              <a:rPr lang="ru-RU" sz="3500" dirty="0" smtClean="0">
-                <a:latin typeface="Arial" panose="020B0604020202020204" pitchFamily="34" charset="0"/>
-                <a:cs typeface="Arial" panose="020B0604020202020204" pitchFamily="34" charset="0"/>
-              </a:rPr>
-              <a:t>построения признаков.</a:t>
+              <a:t>Разработать алгоритм построения признаков.</a:t>
             </a:r>
             <a:endParaRPr lang="ru-RU" sz="3500" dirty="0">
               <a:latin typeface="Arial" panose="020B0604020202020204" pitchFamily="34" charset="0"/>
@@ -6725,14 +6779,7 @@
                 <a:latin typeface="Arial" panose="020B0604020202020204" pitchFamily="34" charset="0"/>
                 <a:cs typeface="Arial" panose="020B0604020202020204" pitchFamily="34" charset="0"/>
               </a:rPr>
-              <a:t>равнить с </a:t>
-            </a:r>
-            <a:r>
-              <a:rPr lang="ru-RU" sz="3500" dirty="0" smtClean="0">
-                <a:latin typeface="Arial" panose="020B0604020202020204" pitchFamily="34" charset="0"/>
-                <a:cs typeface="Arial" panose="020B0604020202020204" pitchFamily="34" charset="0"/>
-              </a:rPr>
-              <a:t>классификацией без построения признаков.</a:t>
+              <a:t>равнить с классификацией без построения признаков.</a:t>
             </a:r>
             <a:endParaRPr lang="ru-RU" sz="3500" dirty="0">
               <a:latin typeface="Arial" panose="020B0604020202020204" pitchFamily="34" charset="0"/>
@@ -6902,7 +6949,7 @@
                       <m:sSupPr>
                         <m:ctrlPr>
                           <a:rPr lang="en-US" sz="4000" i="1" smtClean="0">
-                            <a:latin typeface="Cambria Math" charset="0"/>
+                            <a:latin typeface="Cambria Math" panose="02040503050406030204" pitchFamily="18" charset="0"/>
                           </a:rPr>
                         </m:ctrlPr>
                       </m:sSupPr>
@@ -6933,7 +6980,7 @@
                       <m:dPr>
                         <m:ctrlPr>
                           <a:rPr lang="en-US" sz="4000" b="0" i="1" smtClean="0">
-                            <a:latin typeface="Cambria Math" charset="0"/>
+                            <a:latin typeface="Cambria Math" panose="02040503050406030204" pitchFamily="18" charset="0"/>
                           </a:rPr>
                         </m:ctrlPr>
                       </m:dPr>
@@ -6942,7 +6989,7 @@
                           <m:sSubPr>
                             <m:ctrlPr>
                               <a:rPr lang="en-US" sz="4000" b="0" i="1" smtClean="0">
-                                <a:latin typeface="Cambria Math" charset="0"/>
+                                <a:latin typeface="Cambria Math" panose="02040503050406030204" pitchFamily="18" charset="0"/>
                               </a:rPr>
                             </m:ctrlPr>
                           </m:sSubPr>
@@ -6973,7 +7020,7 @@
                           <m:sSubPr>
                             <m:ctrlPr>
                               <a:rPr lang="en-US" sz="4000" b="0" i="1" smtClean="0">
-                                <a:latin typeface="Cambria Math" charset="0"/>
+                                <a:latin typeface="Cambria Math" panose="02040503050406030204" pitchFamily="18" charset="0"/>
                               </a:rPr>
                             </m:ctrlPr>
                           </m:sSubPr>
@@ -7006,7 +7053,7 @@
                       <m:sSubPr>
                         <m:ctrlPr>
                           <a:rPr lang="en-US" sz="4000" b="0" i="1" smtClean="0">
-                            <a:latin typeface="Cambria Math" charset="0"/>
+                            <a:latin typeface="Cambria Math" panose="02040503050406030204" pitchFamily="18" charset="0"/>
                           </a:rPr>
                         </m:ctrlPr>
                       </m:sSubPr>
@@ -7037,7 +7084,7 @@
                       <m:sSubPr>
                         <m:ctrlPr>
                           <a:rPr lang="en-US" sz="4000" b="0" i="1" smtClean="0">
-                            <a:latin typeface="Cambria Math" charset="0"/>
+                            <a:latin typeface="Cambria Math" panose="02040503050406030204" pitchFamily="18" charset="0"/>
                           </a:rPr>
                         </m:ctrlPr>
                       </m:sSubPr>
@@ -7266,6 +7313,408 @@
             <a:pPr algn="ctr"/>
             <a:r>
               <a:rPr lang="ru-RU" dirty="0" smtClean="0"/>
+              <a:t>Классификация</a:t>
+            </a:r>
+            <a:endParaRPr lang="ru-RU" dirty="0"/>
+          </a:p>
+        </p:txBody>
+      </p:sp>
+      <p:sp>
+        <p:nvSpPr>
+          <p:cNvPr id="5" name="Прямоугольник 4"/>
+          <p:cNvSpPr/>
+          <p:nvPr/>
+        </p:nvSpPr>
+        <p:spPr>
+          <a:xfrm>
+            <a:off x="467544" y="1866528"/>
+            <a:ext cx="2016224" cy="1944216"/>
+          </a:xfrm>
+          <a:prstGeom prst="rect">
+            <a:avLst/>
+          </a:prstGeom>
+        </p:spPr>
+        <p:style>
+          <a:lnRef idx="2">
+            <a:schemeClr val="accent1">
+              <a:shade val="50000"/>
+            </a:schemeClr>
+          </a:lnRef>
+          <a:fillRef idx="1">
+            <a:schemeClr val="accent1"/>
+          </a:fillRef>
+          <a:effectRef idx="0">
+            <a:schemeClr val="accent1"/>
+          </a:effectRef>
+          <a:fontRef idx="minor">
+            <a:schemeClr val="lt1"/>
+          </a:fontRef>
+        </p:style>
+        <p:txBody>
+          <a:bodyPr rtlCol="0" anchor="ctr"/>
+          <a:lstStyle/>
+          <a:p>
+            <a:pPr algn="ctr"/>
+            <a:r>
+              <a:rPr lang="ru-RU" dirty="0" smtClean="0"/>
+              <a:t>Обучающая</a:t>
+            </a:r>
+            <a:endParaRPr lang="ru-RU" dirty="0"/>
+          </a:p>
+        </p:txBody>
+      </p:sp>
+      <p:sp>
+        <p:nvSpPr>
+          <p:cNvPr id="6" name="Прямоугольник 5"/>
+          <p:cNvSpPr/>
+          <p:nvPr/>
+        </p:nvSpPr>
+        <p:spPr>
+          <a:xfrm>
+            <a:off x="467544" y="4221088"/>
+            <a:ext cx="2016224" cy="1944216"/>
+          </a:xfrm>
+          <a:prstGeom prst="rect">
+            <a:avLst/>
+          </a:prstGeom>
+        </p:spPr>
+        <p:style>
+          <a:lnRef idx="2">
+            <a:schemeClr val="accent1">
+              <a:shade val="50000"/>
+            </a:schemeClr>
+          </a:lnRef>
+          <a:fillRef idx="1">
+            <a:schemeClr val="accent1"/>
+          </a:fillRef>
+          <a:effectRef idx="0">
+            <a:schemeClr val="accent1"/>
+          </a:effectRef>
+          <a:fontRef idx="minor">
+            <a:schemeClr val="lt1"/>
+          </a:fontRef>
+        </p:style>
+        <p:txBody>
+          <a:bodyPr rtlCol="0" anchor="ctr"/>
+          <a:lstStyle/>
+          <a:p>
+            <a:pPr algn="ctr"/>
+            <a:r>
+              <a:rPr lang="ru-RU" dirty="0" smtClean="0"/>
+              <a:t>Проверочная</a:t>
+            </a:r>
+            <a:endParaRPr lang="ru-RU" dirty="0"/>
+          </a:p>
+        </p:txBody>
+      </p:sp>
+      <p:sp>
+        <p:nvSpPr>
+          <p:cNvPr id="7" name="Овал 6"/>
+          <p:cNvSpPr/>
+          <p:nvPr/>
+        </p:nvSpPr>
+        <p:spPr>
+          <a:xfrm>
+            <a:off x="3995936" y="1866528"/>
+            <a:ext cx="1656184" cy="4298776"/>
+          </a:xfrm>
+          <a:prstGeom prst="ellipse">
+            <a:avLst/>
+          </a:prstGeom>
+        </p:spPr>
+        <p:style>
+          <a:lnRef idx="2">
+            <a:schemeClr val="accent1">
+              <a:shade val="50000"/>
+            </a:schemeClr>
+          </a:lnRef>
+          <a:fillRef idx="1">
+            <a:schemeClr val="accent1"/>
+          </a:fillRef>
+          <a:effectRef idx="0">
+            <a:schemeClr val="accent1"/>
+          </a:effectRef>
+          <a:fontRef idx="minor">
+            <a:schemeClr val="lt1"/>
+          </a:fontRef>
+        </p:style>
+        <p:txBody>
+          <a:bodyPr rtlCol="0" anchor="ctr"/>
+          <a:lstStyle/>
+          <a:p>
+            <a:pPr algn="ctr"/>
+            <a:endParaRPr lang="ru-RU"/>
+          </a:p>
+        </p:txBody>
+      </p:sp>
+      <p:sp>
+        <p:nvSpPr>
+          <p:cNvPr id="8" name="Стрелка вправо 7"/>
+          <p:cNvSpPr/>
+          <p:nvPr/>
+        </p:nvSpPr>
+        <p:spPr>
+          <a:xfrm>
+            <a:off x="2830323" y="2586608"/>
+            <a:ext cx="1008112" cy="504056"/>
+          </a:xfrm>
+          <a:prstGeom prst="rightArrow">
+            <a:avLst/>
+          </a:prstGeom>
+        </p:spPr>
+        <p:style>
+          <a:lnRef idx="2">
+            <a:schemeClr val="accent1">
+              <a:shade val="50000"/>
+            </a:schemeClr>
+          </a:lnRef>
+          <a:fillRef idx="1">
+            <a:schemeClr val="accent1"/>
+          </a:fillRef>
+          <a:effectRef idx="0">
+            <a:schemeClr val="accent1"/>
+          </a:effectRef>
+          <a:fontRef idx="minor">
+            <a:schemeClr val="lt1"/>
+          </a:fontRef>
+        </p:style>
+        <p:txBody>
+          <a:bodyPr rtlCol="0" anchor="ctr"/>
+          <a:lstStyle/>
+          <a:p>
+            <a:pPr algn="ctr"/>
+            <a:endParaRPr lang="ru-RU"/>
+          </a:p>
+        </p:txBody>
+      </p:sp>
+      <p:sp>
+        <p:nvSpPr>
+          <p:cNvPr id="9" name="Стрелка вправо 8"/>
+          <p:cNvSpPr/>
+          <p:nvPr/>
+        </p:nvSpPr>
+        <p:spPr>
+          <a:xfrm>
+            <a:off x="2843808" y="4941168"/>
+            <a:ext cx="1008112" cy="504056"/>
+          </a:xfrm>
+          <a:prstGeom prst="rightArrow">
+            <a:avLst/>
+          </a:prstGeom>
+        </p:spPr>
+        <p:style>
+          <a:lnRef idx="2">
+            <a:schemeClr val="accent1">
+              <a:shade val="50000"/>
+            </a:schemeClr>
+          </a:lnRef>
+          <a:fillRef idx="1">
+            <a:schemeClr val="accent1"/>
+          </a:fillRef>
+          <a:effectRef idx="0">
+            <a:schemeClr val="accent1"/>
+          </a:effectRef>
+          <a:fontRef idx="minor">
+            <a:schemeClr val="lt1"/>
+          </a:fontRef>
+        </p:style>
+        <p:txBody>
+          <a:bodyPr rtlCol="0" anchor="ctr"/>
+          <a:lstStyle/>
+          <a:p>
+            <a:pPr algn="ctr"/>
+            <a:endParaRPr lang="ru-RU"/>
+          </a:p>
+        </p:txBody>
+      </p:sp>
+      <p:sp>
+        <p:nvSpPr>
+          <p:cNvPr id="10" name="Блок-схема: альтернативный процесс 9"/>
+          <p:cNvSpPr/>
+          <p:nvPr/>
+        </p:nvSpPr>
+        <p:spPr>
+          <a:xfrm>
+            <a:off x="6732240" y="3065512"/>
+            <a:ext cx="1944216" cy="1490464"/>
+          </a:xfrm>
+          <a:prstGeom prst="flowChartAlternateProcess">
+            <a:avLst/>
+          </a:prstGeom>
+        </p:spPr>
+        <p:style>
+          <a:lnRef idx="2">
+            <a:schemeClr val="accent1">
+              <a:shade val="50000"/>
+            </a:schemeClr>
+          </a:lnRef>
+          <a:fillRef idx="1">
+            <a:schemeClr val="accent1"/>
+          </a:fillRef>
+          <a:effectRef idx="0">
+            <a:schemeClr val="accent1"/>
+          </a:effectRef>
+          <a:fontRef idx="minor">
+            <a:schemeClr val="lt1"/>
+          </a:fontRef>
+        </p:style>
+        <p:txBody>
+          <a:bodyPr rtlCol="0" anchor="ctr"/>
+          <a:lstStyle/>
+          <a:p>
+            <a:pPr algn="ctr"/>
+            <a:endParaRPr lang="ru-RU"/>
+          </a:p>
+        </p:txBody>
+      </p:sp>
+      <p:sp>
+        <p:nvSpPr>
+          <p:cNvPr id="14" name="Выгнутая вверх стрелка 13"/>
+          <p:cNvSpPr/>
+          <p:nvPr/>
+        </p:nvSpPr>
+        <p:spPr>
+          <a:xfrm>
+            <a:off x="5687144" y="1988840"/>
+            <a:ext cx="1584176" cy="597768"/>
+          </a:xfrm>
+          <a:prstGeom prst="curvedDownArrow">
+            <a:avLst/>
+          </a:prstGeom>
+        </p:spPr>
+        <p:style>
+          <a:lnRef idx="2">
+            <a:schemeClr val="accent1">
+              <a:shade val="50000"/>
+            </a:schemeClr>
+          </a:lnRef>
+          <a:fillRef idx="1">
+            <a:schemeClr val="accent1"/>
+          </a:fillRef>
+          <a:effectRef idx="0">
+            <a:schemeClr val="accent1"/>
+          </a:effectRef>
+          <a:fontRef idx="minor">
+            <a:schemeClr val="lt1"/>
+          </a:fontRef>
+        </p:style>
+        <p:txBody>
+          <a:bodyPr rtlCol="0" anchor="ctr"/>
+          <a:lstStyle/>
+          <a:p>
+            <a:pPr algn="ctr"/>
+            <a:endParaRPr lang="ru-RU">
+              <a:solidFill>
+                <a:schemeClr val="tx1"/>
+              </a:solidFill>
+            </a:endParaRPr>
+          </a:p>
+        </p:txBody>
+      </p:sp>
+      <p:sp>
+        <p:nvSpPr>
+          <p:cNvPr id="15" name="Выгнутая вниз стрелка 14"/>
+          <p:cNvSpPr/>
+          <p:nvPr/>
+        </p:nvSpPr>
+        <p:spPr>
+          <a:xfrm>
+            <a:off x="5767371" y="5193196"/>
+            <a:ext cx="1440160" cy="684076"/>
+          </a:xfrm>
+          <a:prstGeom prst="curvedUpArrow">
+            <a:avLst/>
+          </a:prstGeom>
+        </p:spPr>
+        <p:style>
+          <a:lnRef idx="2">
+            <a:schemeClr val="accent1">
+              <a:shade val="50000"/>
+            </a:schemeClr>
+          </a:lnRef>
+          <a:fillRef idx="1">
+            <a:schemeClr val="accent1"/>
+          </a:fillRef>
+          <a:effectRef idx="0">
+            <a:schemeClr val="accent1"/>
+          </a:effectRef>
+          <a:fontRef idx="minor">
+            <a:schemeClr val="lt1"/>
+          </a:fontRef>
+        </p:style>
+        <p:txBody>
+          <a:bodyPr rtlCol="0" anchor="ctr"/>
+          <a:lstStyle/>
+          <a:p>
+            <a:pPr algn="ctr"/>
+            <a:endParaRPr lang="ru-RU">
+              <a:solidFill>
+                <a:schemeClr val="tx1"/>
+              </a:solidFill>
+            </a:endParaRPr>
+          </a:p>
+        </p:txBody>
+      </p:sp>
+    </p:spTree>
+    <p:extLst>
+      <p:ext uri="{BB962C8B-B14F-4D97-AF65-F5344CB8AC3E}">
+        <p14:creationId xmlns:p14="http://schemas.microsoft.com/office/powerpoint/2010/main" val="1451889585"/>
+      </p:ext>
+    </p:extLst>
+  </p:cSld>
+  <p:clrMapOvr>
+    <a:masterClrMapping/>
+  </p:clrMapOvr>
+  <p:timing>
+    <p:tnLst>
+      <p:par>
+        <p:cTn id="1" dur="indefinite" restart="never" nodeType="tmRoot"/>
+      </p:par>
+    </p:tnLst>
+  </p:timing>
+</p:sld>
+</file>
+
+<file path=ppt/slides/slide13.xml><?xml version="1.0" encoding="utf-8"?>
+<p:sld xmlns:a="http://schemas.openxmlformats.org/drawingml/2006/main" xmlns:r="http://schemas.openxmlformats.org/officeDocument/2006/relationships" xmlns:p="http://schemas.openxmlformats.org/presentationml/2006/main">
+  <p:cSld>
+    <p:spTree>
+      <p:nvGrpSpPr>
+        <p:cNvPr id="1" name=""/>
+        <p:cNvGrpSpPr/>
+        <p:nvPr/>
+      </p:nvGrpSpPr>
+      <p:grpSpPr>
+        <a:xfrm>
+          <a:off x="0" y="0"/>
+          <a:ext cx="0" cy="0"/>
+          <a:chOff x="0" y="0"/>
+          <a:chExt cx="0" cy="0"/>
+        </a:xfrm>
+      </p:grpSpPr>
+      <p:sp>
+        <p:nvSpPr>
+          <p:cNvPr id="2" name="Заголовок 1"/>
+          <p:cNvSpPr>
+            <a:spLocks noGrp="1"/>
+          </p:cNvSpPr>
+          <p:nvPr>
+            <p:ph type="title"/>
+          </p:nvPr>
+        </p:nvSpPr>
+        <p:spPr>
+          <a:xfrm>
+            <a:off x="790802" y="0"/>
+            <a:ext cx="7514997" cy="1600200"/>
+          </a:xfrm>
+        </p:spPr>
+        <p:txBody>
+          <a:bodyPr/>
+          <a:lstStyle/>
+          <a:p>
+            <a:pPr algn="ctr"/>
+            <a:r>
+              <a:rPr lang="ru-RU" dirty="0" smtClean="0"/>
               <a:t>Построение признаков</a:t>
             </a:r>
             <a:endParaRPr lang="ru-RU" dirty="0"/>
@@ -7334,7 +7783,7 @@
                       <m:sSubPr>
                         <m:ctrlPr>
                           <a:rPr lang="ru-RU" sz="3600" i="1" smtClean="0">
-                            <a:latin typeface="Cambria Math" charset="0"/>
+                            <a:latin typeface="Cambria Math" panose="02040503050406030204" pitchFamily="18" charset="0"/>
                             <a:cs typeface="Arial" panose="020B0604020202020204" pitchFamily="34" charset="0"/>
                           </a:rPr>
                         </m:ctrlPr>
@@ -7407,7 +7856,7 @@
                       <m:sSubPr>
                         <m:ctrlPr>
                           <a:rPr lang="en-US" sz="3600" b="0" i="1" smtClean="0">
-                            <a:latin typeface="Cambria Math" charset="0"/>
+                            <a:latin typeface="Cambria Math" panose="02040503050406030204" pitchFamily="18" charset="0"/>
                             <a:cs typeface="Arial" panose="020B0604020202020204" pitchFamily="34" charset="0"/>
                           </a:rPr>
                         </m:ctrlPr>
@@ -7443,7 +7892,7 @@
                       <m:sSubPr>
                         <m:ctrlPr>
                           <a:rPr lang="en-US" sz="3600" b="0" i="1" smtClean="0">
-                            <a:latin typeface="Cambria Math" charset="0"/>
+                            <a:latin typeface="Cambria Math" panose="02040503050406030204" pitchFamily="18" charset="0"/>
                             <a:ea typeface="Cambria Math" panose="02040503050406030204" pitchFamily="18" charset="0"/>
                             <a:cs typeface="Arial" panose="020B0604020202020204" pitchFamily="34" charset="0"/>
                           </a:rPr>
@@ -7503,7 +7952,7 @@
                       <m:sSubPr>
                         <m:ctrlPr>
                           <a:rPr lang="ru-RU" sz="3600" i="1" smtClean="0">
-                            <a:latin typeface="Cambria Math" charset="0"/>
+                            <a:latin typeface="Cambria Math" panose="02040503050406030204" pitchFamily="18" charset="0"/>
                             <a:cs typeface="Arial" panose="020B0604020202020204" pitchFamily="34" charset="0"/>
                           </a:rPr>
                         </m:ctrlPr>
@@ -7539,7 +7988,7 @@
                       <m:sSubPr>
                         <m:ctrlPr>
                           <a:rPr lang="ru-RU" sz="3600" i="1" smtClean="0">
-                            <a:latin typeface="Cambria Math" charset="0"/>
+                            <a:latin typeface="Cambria Math" panose="02040503050406030204" pitchFamily="18" charset="0"/>
                             <a:ea typeface="Cambria Math" panose="02040503050406030204" pitchFamily="18" charset="0"/>
                             <a:cs typeface="Arial" panose="020B0604020202020204" pitchFamily="34" charset="0"/>
                           </a:rPr>
@@ -7600,7 +8049,7 @@
                       <m:sSubPr>
                         <m:ctrlPr>
                           <a:rPr lang="ru-RU" sz="3600" i="1" smtClean="0">
-                            <a:latin typeface="Cambria Math" charset="0"/>
+                            <a:latin typeface="Cambria Math" panose="02040503050406030204" pitchFamily="18" charset="0"/>
                             <a:cs typeface="Arial" panose="020B0604020202020204" pitchFamily="34" charset="0"/>
                           </a:rPr>
                         </m:ctrlPr>
@@ -7635,7 +8084,7 @@
                       <m:sSubPr>
                         <m:ctrlPr>
                           <a:rPr lang="en-US" sz="3600" b="0" i="1" smtClean="0">
-                            <a:latin typeface="Cambria Math" charset="0"/>
+                            <a:latin typeface="Cambria Math" panose="02040503050406030204" pitchFamily="18" charset="0"/>
                             <a:cs typeface="Arial" panose="020B0604020202020204" pitchFamily="34" charset="0"/>
                           </a:rPr>
                         </m:ctrlPr>
@@ -7744,7 +8193,7 @@
 </p:sld>
 </file>
 
-<file path=ppt/slides/slide13.xml><?xml version="1.0" encoding="utf-8"?>
+<file path=ppt/slides/slide14.xml><?xml version="1.0" encoding="utf-8"?>
 <p:sld xmlns:a="http://schemas.openxmlformats.org/drawingml/2006/main" xmlns:r="http://schemas.openxmlformats.org/officeDocument/2006/relationships" xmlns:p="http://schemas.openxmlformats.org/presentationml/2006/main">
   <p:cSld>
     <p:spTree>
@@ -8282,7 +8731,7 @@
 </p:sld>
 </file>
 
-<file path=ppt/slides/slide14.xml><?xml version="1.0" encoding="utf-8"?>
+<file path=ppt/slides/slide15.xml><?xml version="1.0" encoding="utf-8"?>
 <p:sld xmlns:a="http://schemas.openxmlformats.org/drawingml/2006/main" xmlns:r="http://schemas.openxmlformats.org/officeDocument/2006/relationships" xmlns:p="http://schemas.openxmlformats.org/presentationml/2006/main">
   <p:cSld>
     <p:spTree>
@@ -8404,7 +8853,7 @@
 </p:sld>
 </file>
 
-<file path=ppt/slides/slide15.xml><?xml version="1.0" encoding="utf-8"?>
+<file path=ppt/slides/slide16.xml><?xml version="1.0" encoding="utf-8"?>
 <p:sld xmlns:a="http://schemas.openxmlformats.org/drawingml/2006/main" xmlns:r="http://schemas.openxmlformats.org/officeDocument/2006/relationships" xmlns:p="http://schemas.openxmlformats.org/presentationml/2006/main">
   <p:cSld>
     <p:spTree>
@@ -9487,7 +9936,7 @@
 </p:sld>
 </file>
 
-<file path=ppt/slides/slide16.xml><?xml version="1.0" encoding="utf-8"?>
+<file path=ppt/slides/slide17.xml><?xml version="1.0" encoding="utf-8"?>
 <p:sld xmlns:a="http://schemas.openxmlformats.org/drawingml/2006/main" xmlns:r="http://schemas.openxmlformats.org/officeDocument/2006/relationships" xmlns:p="http://schemas.openxmlformats.org/presentationml/2006/main">
   <p:cSld>
     <p:spTree>
@@ -9566,7 +10015,7 @@
                       <m:sSubPr>
                         <m:ctrlPr>
                           <a:rPr lang="en-US" sz="4800" i="1" smtClean="0">
-                            <a:latin typeface="Cambria Math" charset="0"/>
+                            <a:latin typeface="Cambria Math" panose="02040503050406030204" pitchFamily="18" charset="0"/>
                             <a:cs typeface="Arial" panose="020B0604020202020204" pitchFamily="34" charset="0"/>
                           </a:rPr>
                         </m:ctrlPr>
@@ -9615,7 +10064,7 @@
                       <m:sSubPr>
                         <m:ctrlPr>
                           <a:rPr lang="ru-RU" sz="4800" i="1" smtClean="0">
-                            <a:latin typeface="Cambria Math" charset="0"/>
+                            <a:latin typeface="Cambria Math" panose="02040503050406030204" pitchFamily="18" charset="0"/>
                             <a:cs typeface="Arial" panose="020B0604020202020204" pitchFamily="34" charset="0"/>
                           </a:rPr>
                         </m:ctrlPr>
@@ -9696,7 +10145,7 @@
                           </m:mcs>
                           <m:ctrlPr>
                             <a:rPr lang="ru-RU" sz="4800" i="1">
-                              <a:latin typeface="Cambria Math" charset="0"/>
+                              <a:latin typeface="Cambria Math" panose="02040503050406030204" pitchFamily="18" charset="0"/>
                               <a:cs typeface="Arial" panose="020B0604020202020204" pitchFamily="34" charset="0"/>
                             </a:rPr>
                           </m:ctrlPr>
@@ -9717,7 +10166,7 @@
                               <m:sSubPr>
                                 <m:ctrlPr>
                                   <a:rPr lang="ru-RU" sz="4800" i="1">
-                                    <a:latin typeface="Cambria Math" charset="0"/>
+                                    <a:latin typeface="Cambria Math" panose="02040503050406030204" pitchFamily="18" charset="0"/>
                                     <a:cs typeface="Arial" panose="020B0604020202020204" pitchFamily="34" charset="0"/>
                                   </a:rPr>
                                 </m:ctrlPr>
@@ -9755,7 +10204,7 @@
                               <m:sSubPr>
                                 <m:ctrlPr>
                                   <a:rPr lang="en-US" sz="4800" i="1">
-                                    <a:latin typeface="Cambria Math" charset="0"/>
+                                    <a:latin typeface="Cambria Math" panose="02040503050406030204" pitchFamily="18" charset="0"/>
                                     <a:cs typeface="Arial" panose="020B0604020202020204" pitchFamily="34" charset="0"/>
                                   </a:rPr>
                                 </m:ctrlPr>
@@ -9800,7 +10249,7 @@
                               <m:sSubPr>
                                 <m:ctrlPr>
                                   <a:rPr lang="en-US" sz="4800" i="1">
-                                    <a:latin typeface="Cambria Math" charset="0"/>
+                                    <a:latin typeface="Cambria Math" panose="02040503050406030204" pitchFamily="18" charset="0"/>
                                     <a:cs typeface="Arial" panose="020B0604020202020204" pitchFamily="34" charset="0"/>
                                   </a:rPr>
                                 </m:ctrlPr>
@@ -9845,7 +10294,7 @@
                               <m:sSubPr>
                                 <m:ctrlPr>
                                   <a:rPr lang="en-US" sz="4800" i="1">
-                                    <a:latin typeface="Cambria Math" charset="0"/>
+                                    <a:latin typeface="Cambria Math" panose="02040503050406030204" pitchFamily="18" charset="0"/>
                                     <a:cs typeface="Arial" panose="020B0604020202020204" pitchFamily="34" charset="0"/>
                                   </a:rPr>
                                 </m:ctrlPr>
@@ -9905,7 +10354,7 @@
                               <m:sSubPr>
                                 <m:ctrlPr>
                                   <a:rPr lang="ru-RU" sz="4800" i="1">
-                                    <a:latin typeface="Cambria Math" charset="0"/>
+                                    <a:latin typeface="Cambria Math" panose="02040503050406030204" pitchFamily="18" charset="0"/>
                                     <a:cs typeface="Arial" panose="020B0604020202020204" pitchFamily="34" charset="0"/>
                                   </a:rPr>
                                 </m:ctrlPr>
@@ -9950,7 +10399,7 @@
                               <m:sSubPr>
                                 <m:ctrlPr>
                                   <a:rPr lang="en-US" sz="4800" i="1">
-                                    <a:latin typeface="Cambria Math" charset="0"/>
+                                    <a:latin typeface="Cambria Math" panose="02040503050406030204" pitchFamily="18" charset="0"/>
                                     <a:cs typeface="Arial" panose="020B0604020202020204" pitchFamily="34" charset="0"/>
                                   </a:rPr>
                                 </m:ctrlPr>
@@ -10002,7 +10451,7 @@
                               <m:sSubPr>
                                 <m:ctrlPr>
                                   <a:rPr lang="en-US" sz="4800" i="1">
-                                    <a:latin typeface="Cambria Math" charset="0"/>
+                                    <a:latin typeface="Cambria Math" panose="02040503050406030204" pitchFamily="18" charset="0"/>
                                     <a:cs typeface="Arial" panose="020B0604020202020204" pitchFamily="34" charset="0"/>
                                   </a:rPr>
                                 </m:ctrlPr>
@@ -10040,7 +10489,7 @@
                               <m:sSubPr>
                                 <m:ctrlPr>
                                   <a:rPr lang="en-US" sz="4800" i="1">
-                                    <a:latin typeface="Cambria Math" charset="0"/>
+                                    <a:latin typeface="Cambria Math" panose="02040503050406030204" pitchFamily="18" charset="0"/>
                                     <a:cs typeface="Arial" panose="020B0604020202020204" pitchFamily="34" charset="0"/>
                                   </a:rPr>
                                 </m:ctrlPr>
@@ -10143,7 +10592,7 @@
 </p:sld>
 </file>
 
-<file path=ppt/slides/slide17.xml><?xml version="1.0" encoding="utf-8"?>
+<file path=ppt/slides/slide18.xml><?xml version="1.0" encoding="utf-8"?>
 <p:sld xmlns:a="http://schemas.openxmlformats.org/drawingml/2006/main" xmlns:r="http://schemas.openxmlformats.org/officeDocument/2006/relationships" xmlns:p="http://schemas.openxmlformats.org/presentationml/2006/main">
   <p:cSld>
     <p:spTree>
@@ -10261,7 +10710,7 @@
 </p:sld>
 </file>
 
-<file path=ppt/slides/slide18.xml><?xml version="1.0" encoding="utf-8"?>
+<file path=ppt/slides/slide19.xml><?xml version="1.0" encoding="utf-8"?>
 <p:sld xmlns:a="http://schemas.openxmlformats.org/drawingml/2006/main" xmlns:r="http://schemas.openxmlformats.org/officeDocument/2006/relationships" xmlns:p="http://schemas.openxmlformats.org/presentationml/2006/main">
   <p:cSld>
     <p:spTree>
@@ -10420,169 +10869,6 @@
     <p:extLst>
       <p:ext uri="{BB962C8B-B14F-4D97-AF65-F5344CB8AC3E}">
         <p14:creationId xmlns:p14="http://schemas.microsoft.com/office/powerpoint/2010/main" val="4275642513"/>
-      </p:ext>
-    </p:extLst>
-  </p:cSld>
-  <p:clrMapOvr>
-    <a:masterClrMapping/>
-  </p:clrMapOvr>
-  <p:timing>
-    <p:tnLst>
-      <p:par>
-        <p:cTn id="1" dur="indefinite" restart="never" nodeType="tmRoot"/>
-      </p:par>
-    </p:tnLst>
-  </p:timing>
-</p:sld>
-</file>
-
-<file path=ppt/slides/slide19.xml><?xml version="1.0" encoding="utf-8"?>
-<p:sld xmlns:a="http://schemas.openxmlformats.org/drawingml/2006/main" xmlns:r="http://schemas.openxmlformats.org/officeDocument/2006/relationships" xmlns:p="http://schemas.openxmlformats.org/presentationml/2006/main">
-  <p:cSld>
-    <p:spTree>
-      <p:nvGrpSpPr>
-        <p:cNvPr id="1" name=""/>
-        <p:cNvGrpSpPr/>
-        <p:nvPr/>
-      </p:nvGrpSpPr>
-      <p:grpSpPr>
-        <a:xfrm>
-          <a:off x="0" y="0"/>
-          <a:ext cx="0" cy="0"/>
-          <a:chOff x="0" y="0"/>
-          <a:chExt cx="0" cy="0"/>
-        </a:xfrm>
-      </p:grpSpPr>
-      <p:sp>
-        <p:nvSpPr>
-          <p:cNvPr id="2" name="Заголовок 1"/>
-          <p:cNvSpPr>
-            <a:spLocks noGrp="1"/>
-          </p:cNvSpPr>
-          <p:nvPr>
-            <p:ph type="title"/>
-          </p:nvPr>
-        </p:nvSpPr>
-        <p:spPr>
-          <a:xfrm>
-            <a:off x="1187624" y="22776"/>
-            <a:ext cx="6781800" cy="1600200"/>
-          </a:xfrm>
-        </p:spPr>
-        <p:txBody>
-          <a:bodyPr>
-            <a:normAutofit fontScale="90000"/>
-          </a:bodyPr>
-          <a:lstStyle/>
-          <a:p>
-            <a:pPr algn="ctr"/>
-            <a:r>
-              <a:rPr lang="ru-RU" dirty="0"/>
-              <a:t>Данные эксперимента</a:t>
-            </a:r>
-          </a:p>
-        </p:txBody>
-      </p:sp>
-      <p:sp>
-        <p:nvSpPr>
-          <p:cNvPr id="3" name="Объект 2"/>
-          <p:cNvSpPr>
-            <a:spLocks noGrp="1"/>
-          </p:cNvSpPr>
-          <p:nvPr>
-            <p:ph idx="1"/>
-          </p:nvPr>
-        </p:nvSpPr>
-        <p:spPr>
-          <a:xfrm>
-            <a:off x="395536" y="1844824"/>
-            <a:ext cx="8064896" cy="3886200"/>
-          </a:xfrm>
-        </p:spPr>
-        <p:txBody>
-          <a:bodyPr>
-            <a:noAutofit/>
-          </a:bodyPr>
-          <a:lstStyle/>
-          <a:p>
-            <a:r>
-              <a:rPr lang="ru-RU" sz="3600" dirty="0" smtClean="0">
-                <a:latin typeface="Arial" panose="020B0604020202020204" pitchFamily="34" charset="0"/>
-                <a:ea typeface="Cambria Math" panose="02040503050406030204" pitchFamily="18" charset="0"/>
-                <a:cs typeface="Arial" panose="020B0604020202020204" pitchFamily="34" charset="0"/>
-              </a:rPr>
-              <a:t>Классификаторы: </a:t>
-            </a:r>
-            <a:r>
-              <a:rPr lang="en-US" sz="3600" dirty="0" err="1">
-                <a:latin typeface="Arial" panose="020B0604020202020204" pitchFamily="34" charset="0"/>
-                <a:ea typeface="Cambria Math" panose="02040503050406030204" pitchFamily="18" charset="0"/>
-                <a:cs typeface="Arial" panose="020B0604020202020204" pitchFamily="34" charset="0"/>
-              </a:rPr>
-              <a:t>kNN</a:t>
-            </a:r>
-            <a:r>
-              <a:rPr lang="en-US" sz="3600" dirty="0">
-                <a:latin typeface="Arial" panose="020B0604020202020204" pitchFamily="34" charset="0"/>
-                <a:ea typeface="Cambria Math" panose="02040503050406030204" pitchFamily="18" charset="0"/>
-                <a:cs typeface="Arial" panose="020B0604020202020204" pitchFamily="34" charset="0"/>
-              </a:rPr>
-              <a:t>, SVM, C4.5, Naive Bayes, </a:t>
-            </a:r>
-            <a:r>
-              <a:rPr lang="en-US" sz="3600" dirty="0" smtClean="0">
-                <a:latin typeface="Arial" panose="020B0604020202020204" pitchFamily="34" charset="0"/>
-                <a:ea typeface="Cambria Math" panose="02040503050406030204" pitchFamily="18" charset="0"/>
-                <a:cs typeface="Arial" panose="020B0604020202020204" pitchFamily="34" charset="0"/>
-              </a:rPr>
-              <a:t>ANN</a:t>
-            </a:r>
-            <a:r>
-              <a:rPr lang="ru-RU" sz="3600" dirty="0" smtClean="0">
-                <a:latin typeface="Arial" panose="020B0604020202020204" pitchFamily="34" charset="0"/>
-                <a:ea typeface="Cambria Math" panose="02040503050406030204" pitchFamily="18" charset="0"/>
-                <a:cs typeface="Arial" panose="020B0604020202020204" pitchFamily="34" charset="0"/>
-              </a:rPr>
-              <a:t>.</a:t>
-            </a:r>
-          </a:p>
-          <a:p>
-            <a:r>
-              <a:rPr lang="ru-RU" sz="3600" dirty="0" smtClean="0">
-                <a:latin typeface="Arial" panose="020B0604020202020204" pitchFamily="34" charset="0"/>
-                <a:ea typeface="Cambria Math" panose="02040503050406030204" pitchFamily="18" charset="0"/>
-                <a:cs typeface="Arial" panose="020B0604020202020204" pitchFamily="34" charset="0"/>
-              </a:rPr>
-              <a:t>Множество исходных признаков.</a:t>
-            </a:r>
-          </a:p>
-          <a:p>
-            <a:r>
-              <a:rPr lang="ru-RU" sz="3600" dirty="0" smtClean="0">
-                <a:latin typeface="Arial" panose="020B0604020202020204" pitchFamily="34" charset="0"/>
-                <a:ea typeface="Cambria Math" panose="02040503050406030204" pitchFamily="18" charset="0"/>
-                <a:cs typeface="Arial" panose="020B0604020202020204" pitchFamily="34" charset="0"/>
-              </a:rPr>
-              <a:t>Максимальная ошибка классификации = 0.1.</a:t>
-            </a:r>
-            <a:endParaRPr lang="en-US" sz="3600" dirty="0">
-              <a:latin typeface="Arial" panose="020B0604020202020204" pitchFamily="34" charset="0"/>
-              <a:ea typeface="Cambria Math" panose="02040503050406030204" pitchFamily="18" charset="0"/>
-              <a:cs typeface="Arial" panose="020B0604020202020204" pitchFamily="34" charset="0"/>
-            </a:endParaRPr>
-          </a:p>
-          <a:p>
-            <a:endParaRPr lang="ru-RU" sz="2800" dirty="0">
-              <a:latin typeface="Cambria Math" panose="02040503050406030204" pitchFamily="18" charset="0"/>
-              <a:ea typeface="Cambria Math" panose="02040503050406030204" pitchFamily="18" charset="0"/>
-            </a:endParaRPr>
-          </a:p>
-        </p:txBody>
-      </p:sp>
-    </p:spTree>
-    <p:extLst>
-      <p:ext uri="{BB962C8B-B14F-4D97-AF65-F5344CB8AC3E}">
-        <p14:creationId xmlns:p14="http://schemas.microsoft.com/office/powerpoint/2010/main" val="65462477"/>
       </p:ext>
     </p:extLst>
   </p:cSld>
@@ -10750,6 +11036,169 @@
 </file>
 
 <file path=ppt/slides/slide20.xml><?xml version="1.0" encoding="utf-8"?>
+<p:sld xmlns:a="http://schemas.openxmlformats.org/drawingml/2006/main" xmlns:r="http://schemas.openxmlformats.org/officeDocument/2006/relationships" xmlns:p="http://schemas.openxmlformats.org/presentationml/2006/main">
+  <p:cSld>
+    <p:spTree>
+      <p:nvGrpSpPr>
+        <p:cNvPr id="1" name=""/>
+        <p:cNvGrpSpPr/>
+        <p:nvPr/>
+      </p:nvGrpSpPr>
+      <p:grpSpPr>
+        <a:xfrm>
+          <a:off x="0" y="0"/>
+          <a:ext cx="0" cy="0"/>
+          <a:chOff x="0" y="0"/>
+          <a:chExt cx="0" cy="0"/>
+        </a:xfrm>
+      </p:grpSpPr>
+      <p:sp>
+        <p:nvSpPr>
+          <p:cNvPr id="2" name="Заголовок 1"/>
+          <p:cNvSpPr>
+            <a:spLocks noGrp="1"/>
+          </p:cNvSpPr>
+          <p:nvPr>
+            <p:ph type="title"/>
+          </p:nvPr>
+        </p:nvSpPr>
+        <p:spPr>
+          <a:xfrm>
+            <a:off x="755576" y="22776"/>
+            <a:ext cx="7560840" cy="1600200"/>
+          </a:xfrm>
+        </p:spPr>
+        <p:txBody>
+          <a:bodyPr>
+            <a:normAutofit/>
+          </a:bodyPr>
+          <a:lstStyle/>
+          <a:p>
+            <a:pPr algn="ctr"/>
+            <a:r>
+              <a:rPr lang="ru-RU" dirty="0"/>
+              <a:t>Данные эксперимента</a:t>
+            </a:r>
+          </a:p>
+        </p:txBody>
+      </p:sp>
+      <p:sp>
+        <p:nvSpPr>
+          <p:cNvPr id="3" name="Объект 2"/>
+          <p:cNvSpPr>
+            <a:spLocks noGrp="1"/>
+          </p:cNvSpPr>
+          <p:nvPr>
+            <p:ph idx="1"/>
+          </p:nvPr>
+        </p:nvSpPr>
+        <p:spPr>
+          <a:xfrm>
+            <a:off x="395536" y="1844824"/>
+            <a:ext cx="8064896" cy="3886200"/>
+          </a:xfrm>
+        </p:spPr>
+        <p:txBody>
+          <a:bodyPr>
+            <a:noAutofit/>
+          </a:bodyPr>
+          <a:lstStyle/>
+          <a:p>
+            <a:r>
+              <a:rPr lang="ru-RU" sz="3600" dirty="0" smtClean="0">
+                <a:latin typeface="Arial" panose="020B0604020202020204" pitchFamily="34" charset="0"/>
+                <a:ea typeface="Cambria Math" panose="02040503050406030204" pitchFamily="18" charset="0"/>
+                <a:cs typeface="Arial" panose="020B0604020202020204" pitchFamily="34" charset="0"/>
+              </a:rPr>
+              <a:t>Классификаторы: </a:t>
+            </a:r>
+            <a:r>
+              <a:rPr lang="en-US" sz="3600" dirty="0" err="1">
+                <a:latin typeface="Arial" panose="020B0604020202020204" pitchFamily="34" charset="0"/>
+                <a:ea typeface="Cambria Math" panose="02040503050406030204" pitchFamily="18" charset="0"/>
+                <a:cs typeface="Arial" panose="020B0604020202020204" pitchFamily="34" charset="0"/>
+              </a:rPr>
+              <a:t>kNN</a:t>
+            </a:r>
+            <a:r>
+              <a:rPr lang="en-US" sz="3600" dirty="0">
+                <a:latin typeface="Arial" panose="020B0604020202020204" pitchFamily="34" charset="0"/>
+                <a:ea typeface="Cambria Math" panose="02040503050406030204" pitchFamily="18" charset="0"/>
+                <a:cs typeface="Arial" panose="020B0604020202020204" pitchFamily="34" charset="0"/>
+              </a:rPr>
+              <a:t>, SVM, C4.5, Naive Bayes, </a:t>
+            </a:r>
+            <a:r>
+              <a:rPr lang="en-US" sz="3600" dirty="0" smtClean="0">
+                <a:latin typeface="Arial" panose="020B0604020202020204" pitchFamily="34" charset="0"/>
+                <a:ea typeface="Cambria Math" panose="02040503050406030204" pitchFamily="18" charset="0"/>
+                <a:cs typeface="Arial" panose="020B0604020202020204" pitchFamily="34" charset="0"/>
+              </a:rPr>
+              <a:t>ANN</a:t>
+            </a:r>
+            <a:r>
+              <a:rPr lang="ru-RU" sz="3600" dirty="0" smtClean="0">
+                <a:latin typeface="Arial" panose="020B0604020202020204" pitchFamily="34" charset="0"/>
+                <a:ea typeface="Cambria Math" panose="02040503050406030204" pitchFamily="18" charset="0"/>
+                <a:cs typeface="Arial" panose="020B0604020202020204" pitchFamily="34" charset="0"/>
+              </a:rPr>
+              <a:t>.</a:t>
+            </a:r>
+          </a:p>
+          <a:p>
+            <a:r>
+              <a:rPr lang="ru-RU" sz="3600" dirty="0" smtClean="0">
+                <a:latin typeface="Arial" panose="020B0604020202020204" pitchFamily="34" charset="0"/>
+                <a:ea typeface="Cambria Math" panose="02040503050406030204" pitchFamily="18" charset="0"/>
+                <a:cs typeface="Arial" panose="020B0604020202020204" pitchFamily="34" charset="0"/>
+              </a:rPr>
+              <a:t>Множество исходных признаков.</a:t>
+            </a:r>
+          </a:p>
+          <a:p>
+            <a:r>
+              <a:rPr lang="ru-RU" sz="3600" dirty="0" smtClean="0">
+                <a:latin typeface="Arial" panose="020B0604020202020204" pitchFamily="34" charset="0"/>
+                <a:ea typeface="Cambria Math" panose="02040503050406030204" pitchFamily="18" charset="0"/>
+                <a:cs typeface="Arial" panose="020B0604020202020204" pitchFamily="34" charset="0"/>
+              </a:rPr>
+              <a:t>Максимальная ошибка классификации = 0.1.</a:t>
+            </a:r>
+            <a:endParaRPr lang="en-US" sz="3600" dirty="0">
+              <a:latin typeface="Arial" panose="020B0604020202020204" pitchFamily="34" charset="0"/>
+              <a:ea typeface="Cambria Math" panose="02040503050406030204" pitchFamily="18" charset="0"/>
+              <a:cs typeface="Arial" panose="020B0604020202020204" pitchFamily="34" charset="0"/>
+            </a:endParaRPr>
+          </a:p>
+          <a:p>
+            <a:endParaRPr lang="ru-RU" sz="2800" dirty="0">
+              <a:latin typeface="Cambria Math" panose="02040503050406030204" pitchFamily="18" charset="0"/>
+              <a:ea typeface="Cambria Math" panose="02040503050406030204" pitchFamily="18" charset="0"/>
+            </a:endParaRPr>
+          </a:p>
+        </p:txBody>
+      </p:sp>
+    </p:spTree>
+    <p:extLst>
+      <p:ext uri="{BB962C8B-B14F-4D97-AF65-F5344CB8AC3E}">
+        <p14:creationId xmlns:p14="http://schemas.microsoft.com/office/powerpoint/2010/main" val="65462477"/>
+      </p:ext>
+    </p:extLst>
+  </p:cSld>
+  <p:clrMapOvr>
+    <a:masterClrMapping/>
+  </p:clrMapOvr>
+  <p:timing>
+    <p:tnLst>
+      <p:par>
+        <p:cTn id="1" dur="indefinite" restart="never" nodeType="tmRoot"/>
+      </p:par>
+    </p:tnLst>
+  </p:timing>
+</p:sld>
+</file>
+
+<file path=ppt/slides/slide21.xml><?xml version="1.0" encoding="utf-8"?>
 <p:sld xmlns:a="http://schemas.openxmlformats.org/drawingml/2006/main" xmlns:r="http://schemas.openxmlformats.org/officeDocument/2006/relationships" xmlns:p="http://schemas.openxmlformats.org/presentationml/2006/main">
   <p:cSld>
     <p:spTree>
@@ -11253,7 +11702,7 @@
 </p:sld>
 </file>
 
-<file path=ppt/slides/slide21.xml><?xml version="1.0" encoding="utf-8"?>
+<file path=ppt/slides/slide22.xml><?xml version="1.0" encoding="utf-8"?>
 <p:sld xmlns:a="http://schemas.openxmlformats.org/drawingml/2006/main" xmlns:r="http://schemas.openxmlformats.org/officeDocument/2006/relationships" xmlns:p="http://schemas.openxmlformats.org/presentationml/2006/main">
   <p:cSld>
     <p:spTree>
@@ -11557,7 +12006,7 @@
           <p:nvPr/>
         </p:nvPicPr>
         <p:blipFill>
-          <a:blip r:embed="rId5">
+          <a:blip r:embed="rId5" cstate="print">
             <a:extLst>
               <a:ext uri="{28A0092B-C50C-407E-A947-70E740481C1C}">
                 <a14:useLocalDpi xmlns:a14="http://schemas.microsoft.com/office/drawing/2010/main" val="0"/>
@@ -11587,7 +12036,7 @@
           <p:nvPr/>
         </p:nvPicPr>
         <p:blipFill>
-          <a:blip r:embed="rId5">
+          <a:blip r:embed="rId6" cstate="print">
             <a:extLst>
               <a:ext uri="{28A0092B-C50C-407E-A947-70E740481C1C}">
                 <a14:useLocalDpi xmlns:a14="http://schemas.microsoft.com/office/drawing/2010/main" val="0"/>
@@ -11617,7 +12066,7 @@
           <p:nvPr/>
         </p:nvPicPr>
         <p:blipFill>
-          <a:blip r:embed="rId5">
+          <a:blip r:embed="rId6" cstate="print">
             <a:extLst>
               <a:ext uri="{28A0092B-C50C-407E-A947-70E740481C1C}">
                 <a14:useLocalDpi xmlns:a14="http://schemas.microsoft.com/office/drawing/2010/main" val="0"/>
@@ -11647,7 +12096,7 @@
           <p:nvPr/>
         </p:nvPicPr>
         <p:blipFill>
-          <a:blip r:embed="rId5">
+          <a:blip r:embed="rId6" cstate="print">
             <a:extLst>
               <a:ext uri="{28A0092B-C50C-407E-A947-70E740481C1C}">
                 <a14:useLocalDpi xmlns:a14="http://schemas.microsoft.com/office/drawing/2010/main" val="0"/>
@@ -11727,7 +12176,7 @@
         </p:blipFill>
         <p:spPr>
           <a:xfrm>
-            <a:off x="323529" y="2237357"/>
+            <a:off x="0" y="2905185"/>
             <a:ext cx="2232248" cy="2232248"/>
           </a:xfrm>
           <a:prstGeom prst="rect">
@@ -11743,7 +12192,7 @@
         </p:nvSpPr>
         <p:spPr>
           <a:xfrm>
-            <a:off x="3059832" y="3114875"/>
+            <a:off x="2329600" y="3783604"/>
             <a:ext cx="1643729" cy="477212"/>
           </a:xfrm>
           <a:prstGeom prst="rightArrow">
@@ -11786,8 +12235,8 @@
         </p:nvSpPr>
         <p:spPr>
           <a:xfrm>
-            <a:off x="4932039" y="1805309"/>
-            <a:ext cx="2383019" cy="3096344"/>
+            <a:off x="4070682" y="1877317"/>
+            <a:ext cx="3813686" cy="4287987"/>
           </a:xfrm>
           <a:prstGeom prst="ellipse">
             <a:avLst/>
@@ -11825,7 +12274,7 @@
         </p:nvSpPr>
         <p:spPr>
           <a:xfrm>
-            <a:off x="4572000" y="908720"/>
+            <a:off x="4605995" y="974615"/>
             <a:ext cx="2743059" cy="830997"/>
           </a:xfrm>
           <a:prstGeom prst="rect">
@@ -11877,7 +12326,7 @@
         </p:nvSpPr>
         <p:spPr>
           <a:xfrm>
-            <a:off x="7524328" y="2937982"/>
+            <a:off x="7890627" y="3605811"/>
             <a:ext cx="1301959" cy="830997"/>
           </a:xfrm>
           <a:prstGeom prst="rect">
@@ -11893,7 +12342,7 @@
           <a:p>
             <a:pPr algn="ctr"/>
             <a:r>
-              <a:rPr lang="en-US" sz="4800" smtClean="0">
+              <a:rPr lang="en-US" sz="4800" dirty="0" smtClean="0">
                 <a:ln w="0"/>
                 <a:effectLst>
                   <a:outerShdw blurRad="38100" dist="19050" dir="2700000" algn="tl" rotWithShape="0">
@@ -11921,8 +12370,8 @@
           </a:p>
         </p:txBody>
       </p:sp>
-      <mc:AlternateContent xmlns:mc="http://schemas.openxmlformats.org/markup-compatibility/2006">
-        <mc:Choice xmlns:a14="http://schemas.microsoft.com/office/drawing/2010/main" Requires="a14">
+      <mc:AlternateContent xmlns:mc="http://schemas.openxmlformats.org/markup-compatibility/2006" xmlns:a14="http://schemas.microsoft.com/office/drawing/2010/main">
+        <mc:Choice Requires="a14">
           <p:sp>
             <p:nvSpPr>
               <p:cNvPr id="13" name="TextBox 12"/>
@@ -11931,8 +12380,8 @@
             </p:nvSpPr>
             <p:spPr>
               <a:xfrm>
-                <a:off x="5148064" y="2492896"/>
-                <a:ext cx="582150" cy="2095702"/>
+                <a:off x="4419571" y="2564904"/>
+                <a:ext cx="582150" cy="3296608"/>
               </a:xfrm>
               <a:prstGeom prst="rect">
                 <a:avLst/>
@@ -11945,6 +12394,7 @@
               </a:bodyPr>
               <a:lstStyle/>
               <a:p>
+                <a:pPr/>
                 <a14:m>
                   <m:oMathPara xmlns:m="http://schemas.openxmlformats.org/officeDocument/2006/math">
                     <m:oMathParaPr>
@@ -11962,8 +12412,8 @@
                             </m:mc>
                           </m:mcs>
                           <m:ctrlPr>
-                            <a:rPr lang="mr-IN" sz="2000" i="1" smtClean="0">
-                              <a:latin typeface="Arial" charset="0"/>
+                            <a:rPr lang="mr-IN" sz="3200" i="1" smtClean="0">
+                              <a:latin typeface="Cambria Math" panose="02040503050406030204" pitchFamily="18" charset="0"/>
                               <a:ea typeface="Arial" charset="0"/>
                               <a:cs typeface="Arial" charset="0"/>
                             </a:rPr>
@@ -11975,20 +12425,28 @@
                               <m:rPr>
                                 <m:brk m:alnAt="7"/>
                               </m:rPr>
-                              <a:rPr lang="ru-RU" sz="2000" b="0" i="1" smtClean="0">
-                                <a:latin typeface="Arial" charset="0"/>
+                              <a:rPr lang="ru-RU" sz="3200" b="0" i="1" smtClean="0">
+                                <a:latin typeface="Cambria Math" panose="02040503050406030204" pitchFamily="18" charset="0"/>
                                 <a:ea typeface="Arial" charset="0"/>
                                 <a:cs typeface="Arial" charset="0"/>
                               </a:rPr>
-                              <m:t>Центр тяжести</m:t>
+                              <m:t>Ц</m:t>
+                            </m:r>
+                            <m:r>
+                              <a:rPr lang="ru-RU" sz="3200" b="0" i="1" smtClean="0">
+                                <a:latin typeface="Cambria Math" panose="02040503050406030204" pitchFamily="18" charset="0"/>
+                                <a:ea typeface="Arial" charset="0"/>
+                                <a:cs typeface="Arial" charset="0"/>
+                              </a:rPr>
+                              <m:t>ентр тяжести</m:t>
                             </m:r>
                           </m:e>
                         </m:mr>
                         <m:mr>
                           <m:e>
                             <m:r>
-                              <a:rPr lang="ru-RU" sz="2000" b="0" i="1" smtClean="0">
-                                <a:latin typeface="Arial" charset="0"/>
+                              <a:rPr lang="ru-RU" sz="3200" b="0" i="1" smtClean="0">
+                                <a:latin typeface="Cambria Math" panose="02040503050406030204" pitchFamily="18" charset="0"/>
                                 <a:ea typeface="Arial" charset="0"/>
                                 <a:cs typeface="Arial" charset="0"/>
                               </a:rPr>
@@ -12009,8 +12467,8 @@
                                   </m:mc>
                                 </m:mcs>
                                 <m:ctrlPr>
-                                  <a:rPr lang="mr-IN" sz="2000" i="1" smtClean="0">
-                                    <a:latin typeface="Arial" charset="0"/>
+                                  <a:rPr lang="mr-IN" sz="3200" i="1" smtClean="0">
+                                    <a:latin typeface="Cambria Math" panose="02040503050406030204" pitchFamily="18" charset="0"/>
                                     <a:ea typeface="Arial" charset="0"/>
                                     <a:cs typeface="Arial" charset="0"/>
                                   </a:rPr>
@@ -12022,20 +12480,28 @@
                                     <m:rPr>
                                       <m:brk m:alnAt="7"/>
                                     </m:rPr>
-                                    <a:rPr lang="ru-RU" sz="2000" b="0" i="1" smtClean="0">
-                                      <a:latin typeface="Arial" charset="0"/>
+                                    <a:rPr lang="ru-RU" sz="3200" b="0" i="1" smtClean="0">
+                                      <a:latin typeface="Cambria Math" panose="02040503050406030204" pitchFamily="18" charset="0"/>
                                       <a:ea typeface="Arial" charset="0"/>
                                       <a:cs typeface="Arial" charset="0"/>
                                     </a:rPr>
-                                    <m:t>Центроид</m:t>
+                                    <m:t>Ц</m:t>
+                                  </m:r>
+                                  <m:r>
+                                    <a:rPr lang="ru-RU" sz="3200" b="0" i="1" smtClean="0">
+                                      <a:latin typeface="Cambria Math" panose="02040503050406030204" pitchFamily="18" charset="0"/>
+                                      <a:ea typeface="Arial" charset="0"/>
+                                      <a:cs typeface="Arial" charset="0"/>
+                                    </a:rPr>
+                                    <m:t>ентроид</m:t>
                                   </m:r>
                                 </m:e>
                               </m:mr>
                               <m:mr>
                                 <m:e>
                                   <m:r>
-                                    <a:rPr lang="ru-RU" sz="2000" b="0" i="1" smtClean="0">
-                                      <a:latin typeface="Arial" charset="0"/>
+                                    <a:rPr lang="ru-RU" sz="3200" b="0" i="1" smtClean="0">
+                                      <a:latin typeface="Cambria Math" panose="02040503050406030204" pitchFamily="18" charset="0"/>
                                       <a:ea typeface="Arial" charset="0"/>
                                       <a:cs typeface="Arial" charset="0"/>
                                     </a:rPr>
@@ -12048,8 +12514,8 @@
                                   <m:eqArr>
                                     <m:eqArrPr>
                                       <m:ctrlPr>
-                                        <a:rPr lang="ru-RU" sz="2000" b="0" i="1" smtClean="0">
-                                          <a:latin typeface="Cambria Math" charset="0"/>
+                                        <a:rPr lang="ru-RU" sz="3200" b="0" i="1" smtClean="0">
+                                          <a:latin typeface="Cambria Math" panose="02040503050406030204" pitchFamily="18" charset="0"/>
                                           <a:ea typeface="Arial" charset="0"/>
                                           <a:cs typeface="Arial" charset="0"/>
                                         </a:rPr>
@@ -12057,8 +12523,8 @@
                                     </m:eqArrPr>
                                     <m:e>
                                       <m:r>
-                                        <a:rPr lang="ru-RU" sz="2000" b="0" i="1" smtClean="0">
-                                          <a:latin typeface="Arial" charset="0"/>
+                                        <a:rPr lang="ru-RU" sz="3200" b="0" i="1" smtClean="0">
+                                          <a:latin typeface="Cambria Math" panose="02040503050406030204" pitchFamily="18" charset="0"/>
                                           <a:ea typeface="Arial" charset="0"/>
                                           <a:cs typeface="Arial" charset="0"/>
                                         </a:rPr>
@@ -12067,8 +12533,8 @@
                                     </m:e>
                                     <m:e>
                                       <m:r>
-                                        <a:rPr lang="ru-RU" sz="2000" b="0" i="1" smtClean="0">
-                                          <a:latin typeface="Arial" charset="0"/>
+                                        <a:rPr lang="ru-RU" sz="3200" b="0" i="1" smtClean="0">
+                                          <a:latin typeface="Cambria Math" panose="02040503050406030204" pitchFamily="18" charset="0"/>
                                           <a:ea typeface="Arial" charset="0"/>
                                           <a:cs typeface="Arial" charset="0"/>
                                         </a:rPr>
@@ -12077,7 +12543,7 @@
                                     </m:e>
                                     <m:e>
                                       <m:r>
-                                        <a:rPr lang="ru-RU" sz="2000" b="0" i="1" smtClean="0">
+                                        <a:rPr lang="ru-RU" sz="3200" b="0" i="1" smtClean="0">
                                           <a:latin typeface="Cambria Math" charset="0"/>
                                           <a:ea typeface="Arial" charset="0"/>
                                           <a:cs typeface="Arial" charset="0"/>
@@ -12104,7 +12570,7 @@
             </p:txBody>
           </p:sp>
         </mc:Choice>
-        <mc:Fallback>
+        <mc:Fallback xmlns="">
           <p:sp>
             <p:nvSpPr>
               <p:cNvPr id="13" name="TextBox 12"/>
@@ -12115,8 +12581,8 @@
             </p:nvSpPr>
             <p:spPr>
               <a:xfrm>
-                <a:off x="5148064" y="2492896"/>
-                <a:ext cx="582150" cy="2095702"/>
+                <a:off x="4419571" y="2564904"/>
+                <a:ext cx="582150" cy="3296608"/>
               </a:xfrm>
               <a:prstGeom prst="rect">
                 <a:avLst/>
@@ -12124,7 +12590,7 @@
               <a:blipFill rotWithShape="0">
                 <a:blip r:embed="rId4"/>
                 <a:stretch>
-                  <a:fillRect r="-234375"/>
+                  <a:fillRect r="-435789"/>
                 </a:stretch>
               </a:blipFill>
             </p:spPr>
@@ -13118,29 +13584,7 @@
                 <a:ea typeface="Arial" charset="0"/>
                 <a:cs typeface="Arial" panose="020B0604020202020204" pitchFamily="34" charset="0"/>
               </a:rPr>
-              <a:t>признаками должны учитываться для </a:t>
-            </a:r>
-            <a:r>
-              <a:rPr lang="ru-RU" sz="3600" dirty="0" smtClean="0">
-                <a:solidFill>
-                  <a:schemeClr val="tx1"/>
-                </a:solidFill>
-                <a:latin typeface="Arial" panose="020B0604020202020204" pitchFamily="34" charset="0"/>
-                <a:ea typeface="Arial" charset="0"/>
-                <a:cs typeface="Arial" panose="020B0604020202020204" pitchFamily="34" charset="0"/>
-              </a:rPr>
-              <a:t>точной классификации</a:t>
-            </a:r>
-            <a:r>
-              <a:rPr lang="ru-RU" sz="3600" dirty="0" smtClean="0">
-                <a:solidFill>
-                  <a:schemeClr val="tx1"/>
-                </a:solidFill>
-                <a:latin typeface="Arial" panose="020B0604020202020204" pitchFamily="34" charset="0"/>
-                <a:ea typeface="Arial" charset="0"/>
-                <a:cs typeface="Arial" panose="020B0604020202020204" pitchFamily="34" charset="0"/>
-              </a:rPr>
-              <a:t>.</a:t>
+              <a:t>признаками должны учитываться для точной классификации.</a:t>
             </a:r>
             <a:endParaRPr lang="ru-RU" sz="3600" dirty="0">
               <a:latin typeface="Arial" panose="020B0604020202020204" pitchFamily="34" charset="0"/>
@@ -13534,14 +13978,7 @@
                 <a:latin typeface="Arial" panose="020B0604020202020204" pitchFamily="34" charset="0"/>
                 <a:cs typeface="Arial" panose="020B0604020202020204" pitchFamily="34" charset="0"/>
               </a:rPr>
-              <a:t> </a:t>
-            </a:r>
-            <a:r>
-              <a:rPr lang="ru-RU" sz="4000" dirty="0" smtClean="0">
-                <a:latin typeface="Arial" panose="020B0604020202020204" pitchFamily="34" charset="0"/>
-                <a:cs typeface="Arial" panose="020B0604020202020204" pitchFamily="34" charset="0"/>
-              </a:rPr>
-              <a:t>признаков для улучшения</a:t>
+              <a:t> признаков для улучшения</a:t>
             </a:r>
             <a:r>
               <a:rPr lang="en-US" sz="4000" dirty="0" smtClean="0">

--- a/Диплом/Магистратура.Ибакаева.pptx
+++ b/Диплом/Магистратура.Ибакаева.pptx
@@ -20,11 +20,11 @@
     <p:sldId id="271" r:id="rId11"/>
     <p:sldId id="285" r:id="rId12"/>
     <p:sldId id="294" r:id="rId13"/>
-    <p:sldId id="286" r:id="rId14"/>
-    <p:sldId id="279" r:id="rId15"/>
-    <p:sldId id="259" r:id="rId16"/>
-    <p:sldId id="261" r:id="rId17"/>
-    <p:sldId id="288" r:id="rId18"/>
+    <p:sldId id="279" r:id="rId14"/>
+    <p:sldId id="259" r:id="rId15"/>
+    <p:sldId id="261" r:id="rId16"/>
+    <p:sldId id="288" r:id="rId17"/>
+    <p:sldId id="295" r:id="rId18"/>
     <p:sldId id="270" r:id="rId19"/>
     <p:sldId id="282" r:id="rId20"/>
     <p:sldId id="289" r:id="rId21"/>
@@ -145,11 +145,11 @@
             <p14:sldId id="271"/>
             <p14:sldId id="285"/>
             <p14:sldId id="294"/>
-            <p14:sldId id="286"/>
             <p14:sldId id="279"/>
             <p14:sldId id="259"/>
             <p14:sldId id="261"/>
             <p14:sldId id="288"/>
+            <p14:sldId id="295"/>
             <p14:sldId id="270"/>
             <p14:sldId id="282"/>
             <p14:sldId id="289"/>
@@ -1002,8 +1002,29 @@
                 <a:ea typeface="+mn-ea"/>
                 <a:cs typeface="+mn-cs"/>
               </a:rPr>
-              <a:t>Классификация заключается в прогнозировании значения категориального атрибута (класса) на основе значений признаков объекта при известном множестве обучающих примеров.</a:t>
-            </a:r>
+              <a:t>Классификация</a:t>
+            </a:r>
+            <a:r>
+              <a:rPr lang="ru-RU" sz="1200" kern="1200" baseline="0" dirty="0" smtClean="0">
+                <a:solidFill>
+                  <a:schemeClr val="tx1"/>
+                </a:solidFill>
+                <a:effectLst/>
+                <a:latin typeface="+mn-lt"/>
+                <a:ea typeface="+mn-ea"/>
+                <a:cs typeface="+mn-cs"/>
+              </a:rPr>
+              <a:t> проводится следующим образом. Все множество объектов разделяется на две выборки: обучающую и проверочную. Мы получаем признаки для тренировочной выборки и обучаем на них классификатор. Далее строим признаки для проверочной выборки и смотрим насколько хорошо классификатор научился предсказывать классы для объектов данного типа.</a:t>
+            </a:r>
+            <a:endParaRPr lang="ru-RU" sz="1200" kern="1200" dirty="0" smtClean="0">
+              <a:solidFill>
+                <a:schemeClr val="tx1"/>
+              </a:solidFill>
+              <a:effectLst/>
+              <a:latin typeface="+mn-lt"/>
+              <a:ea typeface="+mn-ea"/>
+              <a:cs typeface="+mn-cs"/>
+            </a:endParaRPr>
           </a:p>
           <a:p>
             <a:endParaRPr lang="ru-RU" dirty="0"/>
@@ -1100,215 +1121,17 @@
                 <a:ea typeface="+mn-ea"/>
                 <a:cs typeface="+mn-cs"/>
               </a:rPr>
-              <a:t>Концептуально любой метод построения признака можно рассматривать как выполнение следующих действий:</a:t>
-            </a:r>
-          </a:p>
-          <a:p>
-            <a:r>
-              <a:rPr lang="ru-RU" sz="1200" kern="1200" dirty="0" smtClean="0">
-                <a:solidFill>
-                  <a:schemeClr val="tx1"/>
-                </a:solidFill>
-                <a:effectLst/>
-                <a:latin typeface="+mn-lt"/>
-                <a:ea typeface="+mn-ea"/>
-                <a:cs typeface="+mn-cs"/>
-              </a:rPr>
-              <a:t>1) Выбор начального пространства признаков F0.</a:t>
-            </a:r>
-          </a:p>
-          <a:p>
-            <a:r>
-              <a:rPr lang="ru-RU" sz="1200" kern="1200" dirty="0" smtClean="0">
-                <a:solidFill>
-                  <a:schemeClr val="tx1"/>
-                </a:solidFill>
-                <a:effectLst/>
-                <a:latin typeface="+mn-lt"/>
-                <a:ea typeface="+mn-ea"/>
-                <a:cs typeface="+mn-cs"/>
-              </a:rPr>
-              <a:t>2) Преобразование F0 для построения нового пространства признаков FN </a:t>
-            </a:r>
-          </a:p>
-          <a:p>
-            <a:r>
-              <a:rPr lang="ru-RU" sz="1200" kern="1200" dirty="0" smtClean="0">
-                <a:solidFill>
-                  <a:schemeClr val="tx1"/>
-                </a:solidFill>
-                <a:effectLst/>
-                <a:latin typeface="+mn-lt"/>
-                <a:ea typeface="+mn-ea"/>
-                <a:cs typeface="+mn-cs"/>
-              </a:rPr>
-              <a:t>3) Выбор подмножества признаков </a:t>
-            </a:r>
-            <a:r>
-              <a:rPr lang="ru-RU" sz="1200" kern="1200" dirty="0" err="1" smtClean="0">
-                <a:solidFill>
-                  <a:schemeClr val="tx1"/>
-                </a:solidFill>
-                <a:effectLst/>
-                <a:latin typeface="+mn-lt"/>
-                <a:ea typeface="+mn-ea"/>
-                <a:cs typeface="+mn-cs"/>
-              </a:rPr>
-              <a:t>Fi</a:t>
-            </a:r>
-            <a:r>
-              <a:rPr lang="ru-RU" sz="1200" kern="1200" dirty="0" smtClean="0">
-                <a:solidFill>
-                  <a:schemeClr val="tx1"/>
-                </a:solidFill>
-                <a:effectLst/>
-                <a:latin typeface="+mn-lt"/>
-                <a:ea typeface="+mn-ea"/>
-                <a:cs typeface="+mn-cs"/>
-              </a:rPr>
-              <a:t> из FN </a:t>
-            </a:r>
-            <a:r>
-              <a:rPr lang="ru-RU" sz="1200" kern="1200" baseline="0" dirty="0" smtClean="0">
-                <a:solidFill>
-                  <a:schemeClr val="tx1"/>
-                </a:solidFill>
-                <a:effectLst/>
-                <a:latin typeface="+mn-lt"/>
-                <a:ea typeface="+mn-ea"/>
-                <a:cs typeface="+mn-cs"/>
-              </a:rPr>
-              <a:t>на основании</a:t>
-            </a:r>
-            <a:r>
-              <a:rPr lang="ru-RU" sz="1200" kern="1200" dirty="0" smtClean="0">
-                <a:solidFill>
-                  <a:schemeClr val="tx1"/>
-                </a:solidFill>
-                <a:effectLst/>
-                <a:latin typeface="+mn-lt"/>
-                <a:ea typeface="+mn-ea"/>
-                <a:cs typeface="+mn-cs"/>
-              </a:rPr>
-              <a:t> определения полезности </a:t>
-            </a:r>
-            <a:r>
-              <a:rPr lang="ru-RU" sz="1200" kern="1200" dirty="0" err="1" smtClean="0">
-                <a:solidFill>
-                  <a:schemeClr val="tx1"/>
-                </a:solidFill>
-                <a:effectLst/>
-                <a:latin typeface="+mn-lt"/>
-                <a:ea typeface="+mn-ea"/>
-                <a:cs typeface="+mn-cs"/>
-              </a:rPr>
-              <a:t>Fi</a:t>
-            </a:r>
-            <a:r>
-              <a:rPr lang="ru-RU" sz="1200" kern="1200" dirty="0" smtClean="0">
-                <a:solidFill>
-                  <a:schemeClr val="tx1"/>
-                </a:solidFill>
-                <a:effectLst/>
-                <a:latin typeface="+mn-lt"/>
-                <a:ea typeface="+mn-ea"/>
-                <a:cs typeface="+mn-cs"/>
-              </a:rPr>
-              <a:t> для задачи классификации.</a:t>
-            </a:r>
-          </a:p>
-          <a:p>
-            <a:r>
-              <a:rPr lang="ru-RU" sz="1200" kern="1200" dirty="0" smtClean="0">
-                <a:solidFill>
-                  <a:schemeClr val="tx1"/>
-                </a:solidFill>
-                <a:effectLst/>
-                <a:latin typeface="+mn-lt"/>
-                <a:ea typeface="+mn-ea"/>
-                <a:cs typeface="+mn-cs"/>
-              </a:rPr>
-              <a:t>b. Если некоторые критерии завершения не достигнуты,</a:t>
-            </a:r>
-            <a:r>
-              <a:rPr lang="ru-RU" sz="1200" kern="1200" baseline="0" dirty="0" smtClean="0">
-                <a:solidFill>
-                  <a:schemeClr val="tx1"/>
-                </a:solidFill>
-                <a:effectLst/>
-                <a:latin typeface="+mn-lt"/>
-                <a:ea typeface="+mn-ea"/>
-                <a:cs typeface="+mn-cs"/>
-              </a:rPr>
-              <a:t> то возвращаемся</a:t>
-            </a:r>
-            <a:r>
-              <a:rPr lang="ru-RU" sz="1200" kern="1200" dirty="0" smtClean="0">
-                <a:solidFill>
-                  <a:schemeClr val="tx1"/>
-                </a:solidFill>
-                <a:effectLst/>
-                <a:latin typeface="+mn-lt"/>
-                <a:ea typeface="+mn-ea"/>
-                <a:cs typeface="+mn-cs"/>
-              </a:rPr>
-              <a:t> к шагу 3.</a:t>
-            </a:r>
-          </a:p>
-          <a:p>
-            <a:r>
-              <a:rPr lang="ru-RU" sz="1200" kern="1200" dirty="0" smtClean="0">
-                <a:solidFill>
-                  <a:schemeClr val="tx1"/>
-                </a:solidFill>
-                <a:effectLst/>
-                <a:latin typeface="+mn-lt"/>
-                <a:ea typeface="+mn-ea"/>
-                <a:cs typeface="+mn-cs"/>
-              </a:rPr>
-              <a:t>c. Иначе множество FT = </a:t>
-            </a:r>
-            <a:r>
-              <a:rPr lang="ru-RU" sz="1200" kern="1200" dirty="0" err="1" smtClean="0">
-                <a:solidFill>
-                  <a:schemeClr val="tx1"/>
-                </a:solidFill>
-                <a:effectLst/>
-                <a:latin typeface="+mn-lt"/>
-                <a:ea typeface="+mn-ea"/>
-                <a:cs typeface="+mn-cs"/>
-              </a:rPr>
-              <a:t>Fi</a:t>
-            </a:r>
-            <a:r>
-              <a:rPr lang="ru-RU" sz="1200" kern="1200" dirty="0" smtClean="0">
-                <a:solidFill>
-                  <a:schemeClr val="tx1"/>
-                </a:solidFill>
-                <a:effectLst/>
-                <a:latin typeface="+mn-lt"/>
-                <a:ea typeface="+mn-ea"/>
-                <a:cs typeface="+mn-cs"/>
-              </a:rPr>
-              <a:t>.</a:t>
-            </a:r>
-          </a:p>
-          <a:p>
-            <a:r>
-              <a:rPr lang="ru-RU" sz="1200" kern="1200" dirty="0" smtClean="0">
-                <a:solidFill>
-                  <a:schemeClr val="tx1"/>
-                </a:solidFill>
-                <a:effectLst/>
-                <a:latin typeface="+mn-lt"/>
-                <a:ea typeface="+mn-ea"/>
-                <a:cs typeface="+mn-cs"/>
-              </a:rPr>
-              <a:t>4) FT – это сконструированное пространство признаков.</a:t>
-            </a:r>
-          </a:p>
-          <a:p>
-            <a:endParaRPr lang="ru-RU" dirty="0"/>
+              <a:t>Для автоматического построения признаков можно использовать деревья решений, индуктивное логическое программирование, аннотации и генетическое программирование. Деревья решений обладают гибкой настройкой операторов, но не учитывают взаимодействия и отношения признаков, а также не имеют возможности добавления дополнительных знаний об области. В то же время индуктивное логическое программирование и аннотации удовлетворяют последним двум критериям, но не позволяют настраивать свои операторы. Генетическое обладает свойствами всех названных критериев, поэтому было выбрано в качестве метода для построения признаков медицинских изображений.</a:t>
+            </a:r>
+            <a:endParaRPr lang="ru-RU" sz="1200" kern="1200" dirty="0">
+              <a:solidFill>
+                <a:schemeClr val="tx1"/>
+              </a:solidFill>
+              <a:effectLst/>
+              <a:latin typeface="+mn-lt"/>
+              <a:ea typeface="+mn-ea"/>
+              <a:cs typeface="+mn-cs"/>
+            </a:endParaRPr>
           </a:p>
         </p:txBody>
       </p:sp>
@@ -1338,7 +1161,7 @@
     </p:spTree>
     <p:extLst>
       <p:ext uri="{BB962C8B-B14F-4D97-AF65-F5344CB8AC3E}">
-        <p14:creationId xmlns:p14="http://schemas.microsoft.com/office/powerpoint/2010/main" val="3324260502"/>
+        <p14:creationId xmlns:p14="http://schemas.microsoft.com/office/powerpoint/2010/main" val="1128376069"/>
       </p:ext>
     </p:extLst>
   </p:cSld>
@@ -1402,17 +1225,8 @@
                 <a:ea typeface="+mn-ea"/>
                 <a:cs typeface="+mn-cs"/>
               </a:rPr>
-              <a:t>Для автоматического построения признаков можно использовать деревья решений, индуктивное логическое программирование, аннотации и генетическое программирование. Деревья решений обладают гибкой настройкой операторов, но не учитывают взаимодействия и отношения признаков, а также не имеют возможности добавления дополнительных знаний об области. В то же время индуктивное логическое программирование и аннотации удовлетворяют последним двум критериям, но не позволяют настраивать свои операторы. Генетическое обладает свойствами всех названных критериев, поэтому было выбрано в качестве метода для построения признаков медицинских изображений.</a:t>
-            </a:r>
-            <a:endParaRPr lang="ru-RU" sz="1200" kern="1200" dirty="0">
-              <a:solidFill>
-                <a:schemeClr val="tx1"/>
-              </a:solidFill>
-              <a:effectLst/>
-              <a:latin typeface="+mn-lt"/>
-              <a:ea typeface="+mn-ea"/>
-              <a:cs typeface="+mn-cs"/>
-            </a:endParaRPr>
+              <a:t>Генетическое программирование основывается на принципах биологической эволюции, таких как: естественный отбор, скрещивание и мутация.</a:t>
+            </a:r>
           </a:p>
         </p:txBody>
       </p:sp>
@@ -1442,7 +1256,7 @@
     </p:spTree>
     <p:extLst>
       <p:ext uri="{BB962C8B-B14F-4D97-AF65-F5344CB8AC3E}">
-        <p14:creationId xmlns:p14="http://schemas.microsoft.com/office/powerpoint/2010/main" val="1128376069"/>
+        <p14:creationId xmlns:p14="http://schemas.microsoft.com/office/powerpoint/2010/main" val="1850196944"/>
       </p:ext>
     </p:extLst>
   </p:cSld>
@@ -1496,6 +1310,23 @@
           <a:bodyPr/>
           <a:lstStyle/>
           <a:p>
+            <a:pPr marL="0" marR="0" lvl="0" indent="0" algn="l" defTabSz="914400" rtl="0" eaLnBrk="1" fontAlgn="auto" latinLnBrk="0" hangingPunct="1">
+              <a:lnSpc>
+                <a:spcPct val="100000"/>
+              </a:lnSpc>
+              <a:spcBef>
+                <a:spcPts val="0"/>
+              </a:spcBef>
+              <a:spcAft>
+                <a:spcPts val="0"/>
+              </a:spcAft>
+              <a:buClrTx/>
+              <a:buSzTx/>
+              <a:buFontTx/>
+              <a:buNone/>
+              <a:tabLst/>
+              <a:defRPr/>
+            </a:pPr>
             <a:r>
               <a:rPr lang="ru-RU" sz="1200" kern="1200" dirty="0" smtClean="0">
                 <a:solidFill>
@@ -1506,8 +1337,11 @@
                 <a:ea typeface="+mn-ea"/>
                 <a:cs typeface="+mn-cs"/>
               </a:rPr>
-              <a:t>Генетическое программирование основывается на принципах биологической эволюции, таких как: естественный отбор, скрещивание и мутация.</a:t>
-            </a:r>
+              <a:t>В качестве популяции будут выступать леса – наборы признаков. Каждое дерево леса представляет собой один сконструированный признак, состоящий из функций, исходных признаков и констант.</a:t>
+            </a:r>
+          </a:p>
+          <a:p>
+            <a:endParaRPr lang="ru-RU" dirty="0"/>
           </a:p>
         </p:txBody>
       </p:sp>
@@ -1537,7 +1371,7 @@
     </p:spTree>
     <p:extLst>
       <p:ext uri="{BB962C8B-B14F-4D97-AF65-F5344CB8AC3E}">
-        <p14:creationId xmlns:p14="http://schemas.microsoft.com/office/powerpoint/2010/main" val="1850196944"/>
+        <p14:creationId xmlns:p14="http://schemas.microsoft.com/office/powerpoint/2010/main" val="1075396099"/>
       </p:ext>
     </p:extLst>
   </p:cSld>
@@ -1591,23 +1425,6 @@
           <a:bodyPr/>
           <a:lstStyle/>
           <a:p>
-            <a:pPr marL="0" marR="0" lvl="0" indent="0" algn="l" defTabSz="914400" rtl="0" eaLnBrk="1" fontAlgn="auto" latinLnBrk="0" hangingPunct="1">
-              <a:lnSpc>
-                <a:spcPct val="100000"/>
-              </a:lnSpc>
-              <a:spcBef>
-                <a:spcPts val="0"/>
-              </a:spcBef>
-              <a:spcAft>
-                <a:spcPts val="0"/>
-              </a:spcAft>
-              <a:buClrTx/>
-              <a:buSzTx/>
-              <a:buFontTx/>
-              <a:buNone/>
-              <a:tabLst/>
-              <a:defRPr/>
-            </a:pPr>
             <a:r>
               <a:rPr lang="ru-RU" sz="1200" kern="1200" dirty="0" smtClean="0">
                 <a:solidFill>
@@ -1618,7 +1435,7 @@
                 <a:ea typeface="+mn-ea"/>
                 <a:cs typeface="+mn-cs"/>
               </a:rPr>
-              <a:t>В качестве популяции будут выступать леса – наборы признаков. Каждое дерево леса представляет собой один сконструированный признак, состоящий из функций, исходных признаков и констант.</a:t>
+              <a:t>Будем параллельно развивать несколько наборов лесов. Каждому такому набору назначим свой уникальный классификатор, с помощью которого будем оценивать пригодность данного набора признаков.</a:t>
             </a:r>
           </a:p>
           <a:p>
@@ -1652,7 +1469,7 @@
     </p:spTree>
     <p:extLst>
       <p:ext uri="{BB962C8B-B14F-4D97-AF65-F5344CB8AC3E}">
-        <p14:creationId xmlns:p14="http://schemas.microsoft.com/office/powerpoint/2010/main" val="1075396099"/>
+        <p14:creationId xmlns:p14="http://schemas.microsoft.com/office/powerpoint/2010/main" val="2236421988"/>
       </p:ext>
     </p:extLst>
   </p:cSld>
@@ -1716,10 +1533,32 @@
                 <a:ea typeface="+mn-ea"/>
                 <a:cs typeface="+mn-cs"/>
               </a:rPr>
-              <a:t>Будем параллельно развивать несколько наборов лесов. Каждому такому набору назначим свой уникальный классификатор, с помощью которого будем оценивать пригодность данного набора признаков.</a:t>
-            </a:r>
-          </a:p>
-          <a:p>
+              <a:t>Будем параллельно развивать несколько наборов лесов. Каждому такому набору назначим свой уникальный </a:t>
+            </a:r>
+            <a:r>
+              <a:rPr lang="ru-RU" sz="1200" kern="1200" dirty="0" smtClean="0">
+                <a:solidFill>
+                  <a:schemeClr val="tx1"/>
+                </a:solidFill>
+                <a:effectLst/>
+                <a:latin typeface="+mn-lt"/>
+                <a:ea typeface="+mn-ea"/>
+                <a:cs typeface="+mn-cs"/>
+              </a:rPr>
+              <a:t>классификатор</a:t>
+            </a:r>
+            <a:r>
+              <a:rPr lang="en-US" sz="1200" kern="1200" smtClean="0">
+                <a:solidFill>
+                  <a:schemeClr val="tx1"/>
+                </a:solidFill>
+                <a:effectLst/>
+                <a:latin typeface="+mn-lt"/>
+                <a:ea typeface="+mn-ea"/>
+                <a:cs typeface="+mn-cs"/>
+              </a:rPr>
+              <a:t>.</a:t>
+            </a:r>
             <a:endParaRPr lang="ru-RU" dirty="0"/>
           </a:p>
         </p:txBody>
@@ -1750,7 +1589,7 @@
     </p:spTree>
     <p:extLst>
       <p:ext uri="{BB962C8B-B14F-4D97-AF65-F5344CB8AC3E}">
-        <p14:creationId xmlns:p14="http://schemas.microsoft.com/office/powerpoint/2010/main" val="2236421988"/>
+        <p14:creationId xmlns:p14="http://schemas.microsoft.com/office/powerpoint/2010/main" val="99829526"/>
       </p:ext>
     </p:extLst>
   </p:cSld>
@@ -7302,7 +7141,7 @@
         </p:nvSpPr>
         <p:spPr>
           <a:xfrm>
-            <a:off x="790802" y="0"/>
+            <a:off x="1066529" y="-316886"/>
             <a:ext cx="7514997" cy="1600200"/>
           </a:xfrm>
         </p:spPr>
@@ -7327,8 +7166,8 @@
         </p:nvSpPr>
         <p:spPr>
           <a:xfrm>
-            <a:off x="467544" y="1866528"/>
-            <a:ext cx="2016224" cy="1944216"/>
+            <a:off x="251520" y="1866528"/>
+            <a:ext cx="2232248" cy="1944216"/>
           </a:xfrm>
           <a:prstGeom prst="rect">
             <a:avLst/>
@@ -7356,10 +7195,30 @@
           <a:p>
             <a:pPr algn="ctr"/>
             <a:r>
-              <a:rPr lang="ru-RU" dirty="0" smtClean="0"/>
+              <a:rPr lang="ru-RU" sz="2800" dirty="0" smtClean="0">
+                <a:latin typeface="Arial" panose="020B0604020202020204" pitchFamily="34" charset="0"/>
+                <a:cs typeface="Arial" panose="020B0604020202020204" pitchFamily="34" charset="0"/>
+              </a:rPr>
               <a:t>Обучающая</a:t>
             </a:r>
-            <a:endParaRPr lang="ru-RU" dirty="0"/>
+            <a:r>
+              <a:rPr lang="ru-RU" sz="2800" dirty="0">
+                <a:latin typeface="Arial" panose="020B0604020202020204" pitchFamily="34" charset="0"/>
+                <a:cs typeface="Arial" panose="020B0604020202020204" pitchFamily="34" charset="0"/>
+              </a:rPr>
+              <a:t> </a:t>
+            </a:r>
+            <a:r>
+              <a:rPr lang="ru-RU" sz="2800" dirty="0" smtClean="0">
+                <a:latin typeface="Arial" panose="020B0604020202020204" pitchFamily="34" charset="0"/>
+                <a:cs typeface="Arial" panose="020B0604020202020204" pitchFamily="34" charset="0"/>
+              </a:rPr>
+              <a:t>выборка</a:t>
+            </a:r>
+            <a:endParaRPr lang="ru-RU" sz="2800" dirty="0" smtClean="0">
+              <a:latin typeface="Arial" panose="020B0604020202020204" pitchFamily="34" charset="0"/>
+              <a:cs typeface="Arial" panose="020B0604020202020204" pitchFamily="34" charset="0"/>
+            </a:endParaRPr>
           </a:p>
         </p:txBody>
       </p:sp>
@@ -7371,8 +7230,8 @@
         </p:nvSpPr>
         <p:spPr>
           <a:xfrm>
-            <a:off x="467544" y="4221088"/>
-            <a:ext cx="2016224" cy="1944216"/>
+            <a:off x="251520" y="4221088"/>
+            <a:ext cx="2232248" cy="1944216"/>
           </a:xfrm>
           <a:prstGeom prst="rect">
             <a:avLst/>
@@ -7400,10 +7259,16 @@
           <a:p>
             <a:pPr algn="ctr"/>
             <a:r>
-              <a:rPr lang="ru-RU" dirty="0" smtClean="0"/>
-              <a:t>Проверочная</a:t>
-            </a:r>
-            <a:endParaRPr lang="ru-RU" dirty="0"/>
+              <a:rPr lang="ru-RU" sz="2600" dirty="0" smtClean="0">
+                <a:latin typeface="Arial" panose="020B0604020202020204" pitchFamily="34" charset="0"/>
+                <a:cs typeface="Arial" panose="020B0604020202020204" pitchFamily="34" charset="0"/>
+              </a:rPr>
+              <a:t>Проверочная выборка</a:t>
+            </a:r>
+            <a:endParaRPr lang="ru-RU" sz="2600" dirty="0">
+              <a:latin typeface="Arial" panose="020B0604020202020204" pitchFamily="34" charset="0"/>
+              <a:cs typeface="Arial" panose="020B0604020202020204" pitchFamily="34" charset="0"/>
+            </a:endParaRPr>
           </a:p>
         </p:txBody>
       </p:sp>
@@ -7443,7 +7308,108 @@
           <a:lstStyle/>
           <a:p>
             <a:pPr algn="ctr"/>
-            <a:endParaRPr lang="ru-RU"/>
+            <a:r>
+              <a:rPr lang="ru-RU" sz="3200" dirty="0" smtClean="0">
+                <a:latin typeface="Arial" panose="020B0604020202020204" pitchFamily="34" charset="0"/>
+                <a:cs typeface="Arial" panose="020B0604020202020204" pitchFamily="34" charset="0"/>
+              </a:rPr>
+              <a:t>П</a:t>
+            </a:r>
+            <a:br>
+              <a:rPr lang="ru-RU" sz="3200" dirty="0" smtClean="0">
+                <a:latin typeface="Arial" panose="020B0604020202020204" pitchFamily="34" charset="0"/>
+                <a:cs typeface="Arial" panose="020B0604020202020204" pitchFamily="34" charset="0"/>
+              </a:rPr>
+            </a:br>
+            <a:r>
+              <a:rPr lang="ru-RU" sz="3200" dirty="0" smtClean="0">
+                <a:latin typeface="Arial" panose="020B0604020202020204" pitchFamily="34" charset="0"/>
+                <a:cs typeface="Arial" panose="020B0604020202020204" pitchFamily="34" charset="0"/>
+              </a:rPr>
+              <a:t>Р</a:t>
+            </a:r>
+            <a:br>
+              <a:rPr lang="ru-RU" sz="3200" dirty="0" smtClean="0">
+                <a:latin typeface="Arial" panose="020B0604020202020204" pitchFamily="34" charset="0"/>
+                <a:cs typeface="Arial" panose="020B0604020202020204" pitchFamily="34" charset="0"/>
+              </a:rPr>
+            </a:br>
+            <a:r>
+              <a:rPr lang="ru-RU" sz="3200" dirty="0" smtClean="0">
+                <a:latin typeface="Arial" panose="020B0604020202020204" pitchFamily="34" charset="0"/>
+                <a:cs typeface="Arial" panose="020B0604020202020204" pitchFamily="34" charset="0"/>
+              </a:rPr>
+              <a:t>И</a:t>
+            </a:r>
+            <a:br>
+              <a:rPr lang="ru-RU" sz="3200" dirty="0" smtClean="0">
+                <a:latin typeface="Arial" panose="020B0604020202020204" pitchFamily="34" charset="0"/>
+                <a:cs typeface="Arial" panose="020B0604020202020204" pitchFamily="34" charset="0"/>
+              </a:rPr>
+            </a:br>
+            <a:r>
+              <a:rPr lang="ru-RU" sz="3200" dirty="0" smtClean="0">
+                <a:latin typeface="Arial" panose="020B0604020202020204" pitchFamily="34" charset="0"/>
+                <a:cs typeface="Arial" panose="020B0604020202020204" pitchFamily="34" charset="0"/>
+              </a:rPr>
+              <a:t>З</a:t>
+            </a:r>
+            <a:br>
+              <a:rPr lang="ru-RU" sz="3200" dirty="0" smtClean="0">
+                <a:latin typeface="Arial" panose="020B0604020202020204" pitchFamily="34" charset="0"/>
+                <a:cs typeface="Arial" panose="020B0604020202020204" pitchFamily="34" charset="0"/>
+              </a:rPr>
+            </a:br>
+            <a:r>
+              <a:rPr lang="ru-RU" sz="3200" dirty="0" smtClean="0">
+                <a:latin typeface="Arial" panose="020B0604020202020204" pitchFamily="34" charset="0"/>
+                <a:cs typeface="Arial" panose="020B0604020202020204" pitchFamily="34" charset="0"/>
+              </a:rPr>
+              <a:t>Н</a:t>
+            </a:r>
+            <a:br>
+              <a:rPr lang="ru-RU" sz="3200" dirty="0" smtClean="0">
+                <a:latin typeface="Arial" panose="020B0604020202020204" pitchFamily="34" charset="0"/>
+                <a:cs typeface="Arial" panose="020B0604020202020204" pitchFamily="34" charset="0"/>
+              </a:rPr>
+            </a:br>
+            <a:r>
+              <a:rPr lang="ru-RU" sz="3200" dirty="0" smtClean="0">
+                <a:latin typeface="Arial" panose="020B0604020202020204" pitchFamily="34" charset="0"/>
+                <a:cs typeface="Arial" panose="020B0604020202020204" pitchFamily="34" charset="0"/>
+              </a:rPr>
+              <a:t>А</a:t>
+            </a:r>
+            <a:br>
+              <a:rPr lang="ru-RU" sz="3200" dirty="0" smtClean="0">
+                <a:latin typeface="Arial" panose="020B0604020202020204" pitchFamily="34" charset="0"/>
+                <a:cs typeface="Arial" panose="020B0604020202020204" pitchFamily="34" charset="0"/>
+              </a:rPr>
+            </a:br>
+            <a:r>
+              <a:rPr lang="ru-RU" sz="3200" dirty="0" smtClean="0">
+                <a:latin typeface="Arial" panose="020B0604020202020204" pitchFamily="34" charset="0"/>
+                <a:cs typeface="Arial" panose="020B0604020202020204" pitchFamily="34" charset="0"/>
+              </a:rPr>
+              <a:t>К</a:t>
+            </a:r>
+            <a:br>
+              <a:rPr lang="ru-RU" sz="3200" dirty="0" smtClean="0">
+                <a:latin typeface="Arial" panose="020B0604020202020204" pitchFamily="34" charset="0"/>
+                <a:cs typeface="Arial" panose="020B0604020202020204" pitchFamily="34" charset="0"/>
+              </a:rPr>
+            </a:br>
+            <a:r>
+              <a:rPr lang="ru-RU" sz="3200" dirty="0" smtClean="0">
+                <a:latin typeface="Arial" panose="020B0604020202020204" pitchFamily="34" charset="0"/>
+                <a:cs typeface="Arial" panose="020B0604020202020204" pitchFamily="34" charset="0"/>
+              </a:rPr>
+              <a:t>И</a:t>
+            </a:r>
+            <a:endParaRPr lang="ru-RU" sz="1050" dirty="0">
+              <a:latin typeface="Arial" panose="020B0604020202020204" pitchFamily="34" charset="0"/>
+              <a:cs typeface="Arial" panose="020B0604020202020204" pitchFamily="34" charset="0"/>
+            </a:endParaRPr>
           </a:p>
         </p:txBody>
       </p:sp>
@@ -7535,8 +7501,8 @@
         </p:nvSpPr>
         <p:spPr>
           <a:xfrm>
-            <a:off x="6732240" y="3065512"/>
-            <a:ext cx="1944216" cy="1490464"/>
+            <a:off x="6228184" y="2838636"/>
+            <a:ext cx="2808312" cy="1875656"/>
           </a:xfrm>
           <a:prstGeom prst="flowChartAlternateProcess">
             <a:avLst/>
@@ -7563,7 +7529,17 @@
           <a:lstStyle/>
           <a:p>
             <a:pPr algn="ctr"/>
-            <a:endParaRPr lang="ru-RU"/>
+            <a:r>
+              <a:rPr lang="ru-RU" sz="2600" dirty="0" smtClean="0">
+                <a:latin typeface="Arial" panose="020B0604020202020204" pitchFamily="34" charset="0"/>
+                <a:cs typeface="Arial" panose="020B0604020202020204" pitchFamily="34" charset="0"/>
+              </a:rPr>
+              <a:t>Классификатор</a:t>
+            </a:r>
+            <a:endParaRPr lang="ru-RU" sz="2600" dirty="0">
+              <a:latin typeface="Arial" panose="020B0604020202020204" pitchFamily="34" charset="0"/>
+              <a:cs typeface="Arial" panose="020B0604020202020204" pitchFamily="34" charset="0"/>
+            </a:endParaRPr>
           </a:p>
         </p:txBody>
       </p:sp>
@@ -7576,7 +7552,7 @@
         <p:spPr>
           <a:xfrm>
             <a:off x="5687144" y="1988840"/>
-            <a:ext cx="1584176" cy="597768"/>
+            <a:ext cx="2197224" cy="597768"/>
           </a:xfrm>
           <a:prstGeom prst="curvedDownArrow">
             <a:avLst/>
@@ -7619,8 +7595,8 @@
         </p:nvSpPr>
         <p:spPr>
           <a:xfrm>
-            <a:off x="5767371" y="5193196"/>
-            <a:ext cx="1440160" cy="684076"/>
+            <a:off x="5767370" y="5193196"/>
+            <a:ext cx="2116997" cy="684076"/>
           </a:xfrm>
           <a:prstGeom prst="curvedUpArrow">
             <a:avLst/>
@@ -7651,6 +7627,150 @@
               <a:solidFill>
                 <a:schemeClr val="tx1"/>
               </a:solidFill>
+            </a:endParaRPr>
+          </a:p>
+        </p:txBody>
+      </p:sp>
+      <p:sp>
+        <p:nvSpPr>
+          <p:cNvPr id="4" name="TextBox 3"/>
+          <p:cNvSpPr txBox="1"/>
+          <p:nvPr/>
+        </p:nvSpPr>
+        <p:spPr>
+          <a:xfrm>
+            <a:off x="2483768" y="1772816"/>
+            <a:ext cx="2004844" cy="461665"/>
+          </a:xfrm>
+          <a:prstGeom prst="rect">
+            <a:avLst/>
+          </a:prstGeom>
+          <a:noFill/>
+        </p:spPr>
+        <p:txBody>
+          <a:bodyPr wrap="none" rtlCol="0">
+            <a:spAutoFit/>
+          </a:bodyPr>
+          <a:lstStyle/>
+          <a:p>
+            <a:r>
+              <a:rPr lang="ru-RU" sz="2400" b="1" dirty="0" smtClean="0">
+                <a:latin typeface="Arial" panose="020B0604020202020204" pitchFamily="34" charset="0"/>
+                <a:cs typeface="Arial" panose="020B0604020202020204" pitchFamily="34" charset="0"/>
+              </a:rPr>
+              <a:t>Построение</a:t>
+            </a:r>
+            <a:endParaRPr lang="ru-RU" sz="2000" b="1" dirty="0">
+              <a:latin typeface="Arial" panose="020B0604020202020204" pitchFamily="34" charset="0"/>
+              <a:cs typeface="Arial" panose="020B0604020202020204" pitchFamily="34" charset="0"/>
+            </a:endParaRPr>
+          </a:p>
+        </p:txBody>
+      </p:sp>
+      <p:sp>
+        <p:nvSpPr>
+          <p:cNvPr id="13" name="TextBox 12"/>
+          <p:cNvSpPr txBox="1"/>
+          <p:nvPr/>
+        </p:nvSpPr>
+        <p:spPr>
+          <a:xfrm>
+            <a:off x="2483768" y="5764464"/>
+            <a:ext cx="2004844" cy="461665"/>
+          </a:xfrm>
+          <a:prstGeom prst="rect">
+            <a:avLst/>
+          </a:prstGeom>
+          <a:noFill/>
+        </p:spPr>
+        <p:txBody>
+          <a:bodyPr wrap="none" rtlCol="0">
+            <a:spAutoFit/>
+          </a:bodyPr>
+          <a:lstStyle/>
+          <a:p>
+            <a:r>
+              <a:rPr lang="ru-RU" sz="2400" b="1" dirty="0" smtClean="0">
+                <a:latin typeface="Arial" panose="020B0604020202020204" pitchFamily="34" charset="0"/>
+                <a:cs typeface="Arial" panose="020B0604020202020204" pitchFamily="34" charset="0"/>
+              </a:rPr>
+              <a:t>Построение</a:t>
+            </a:r>
+            <a:endParaRPr lang="ru-RU" sz="2000" b="1" dirty="0">
+              <a:latin typeface="Arial" panose="020B0604020202020204" pitchFamily="34" charset="0"/>
+              <a:cs typeface="Arial" panose="020B0604020202020204" pitchFamily="34" charset="0"/>
+            </a:endParaRPr>
+          </a:p>
+        </p:txBody>
+      </p:sp>
+      <p:sp>
+        <p:nvSpPr>
+          <p:cNvPr id="16" name="TextBox 15"/>
+          <p:cNvSpPr txBox="1"/>
+          <p:nvPr/>
+        </p:nvSpPr>
+        <p:spPr>
+          <a:xfrm>
+            <a:off x="6408111" y="1343689"/>
+            <a:ext cx="2173415" cy="584775"/>
+          </a:xfrm>
+          <a:prstGeom prst="rect">
+            <a:avLst/>
+          </a:prstGeom>
+          <a:noFill/>
+        </p:spPr>
+        <p:txBody>
+          <a:bodyPr wrap="none" rtlCol="0">
+            <a:spAutoFit/>
+          </a:bodyPr>
+          <a:lstStyle/>
+          <a:p>
+            <a:r>
+              <a:rPr lang="ru-RU" sz="3200" b="1" dirty="0" smtClean="0">
+                <a:latin typeface="Arial" panose="020B0604020202020204" pitchFamily="34" charset="0"/>
+                <a:cs typeface="Arial" panose="020B0604020202020204" pitchFamily="34" charset="0"/>
+              </a:rPr>
+              <a:t>Обучение</a:t>
+            </a:r>
+            <a:endParaRPr lang="ru-RU" sz="2800" b="1" dirty="0">
+              <a:latin typeface="Arial" panose="020B0604020202020204" pitchFamily="34" charset="0"/>
+              <a:cs typeface="Arial" panose="020B0604020202020204" pitchFamily="34" charset="0"/>
+            </a:endParaRPr>
+          </a:p>
+        </p:txBody>
+      </p:sp>
+      <p:sp>
+        <p:nvSpPr>
+          <p:cNvPr id="17" name="TextBox 16"/>
+          <p:cNvSpPr txBox="1"/>
+          <p:nvPr/>
+        </p:nvSpPr>
+        <p:spPr>
+          <a:xfrm>
+            <a:off x="6408111" y="6192262"/>
+            <a:ext cx="2136547" cy="584775"/>
+          </a:xfrm>
+          <a:prstGeom prst="rect">
+            <a:avLst/>
+          </a:prstGeom>
+          <a:noFill/>
+        </p:spPr>
+        <p:txBody>
+          <a:bodyPr wrap="none" rtlCol="0">
+            <a:spAutoFit/>
+          </a:bodyPr>
+          <a:lstStyle/>
+          <a:p>
+            <a:r>
+              <a:rPr lang="ru-RU" sz="3200" b="1" dirty="0" smtClean="0">
+                <a:latin typeface="Arial" panose="020B0604020202020204" pitchFamily="34" charset="0"/>
+                <a:cs typeface="Arial" panose="020B0604020202020204" pitchFamily="34" charset="0"/>
+              </a:rPr>
+              <a:t>Проверка</a:t>
+            </a:r>
+            <a:endParaRPr lang="ru-RU" sz="2000" b="1" dirty="0">
+              <a:latin typeface="Arial" panose="020B0604020202020204" pitchFamily="34" charset="0"/>
+              <a:cs typeface="Arial" panose="020B0604020202020204" pitchFamily="34" charset="0"/>
             </a:endParaRPr>
           </a:p>
         </p:txBody>
@@ -7676,524 +7796,6 @@
 </file>
 
 <file path=ppt/slides/slide13.xml><?xml version="1.0" encoding="utf-8"?>
-<p:sld xmlns:a="http://schemas.openxmlformats.org/drawingml/2006/main" xmlns:r="http://schemas.openxmlformats.org/officeDocument/2006/relationships" xmlns:p="http://schemas.openxmlformats.org/presentationml/2006/main">
-  <p:cSld>
-    <p:spTree>
-      <p:nvGrpSpPr>
-        <p:cNvPr id="1" name=""/>
-        <p:cNvGrpSpPr/>
-        <p:nvPr/>
-      </p:nvGrpSpPr>
-      <p:grpSpPr>
-        <a:xfrm>
-          <a:off x="0" y="0"/>
-          <a:ext cx="0" cy="0"/>
-          <a:chOff x="0" y="0"/>
-          <a:chExt cx="0" cy="0"/>
-        </a:xfrm>
-      </p:grpSpPr>
-      <p:sp>
-        <p:nvSpPr>
-          <p:cNvPr id="2" name="Заголовок 1"/>
-          <p:cNvSpPr>
-            <a:spLocks noGrp="1"/>
-          </p:cNvSpPr>
-          <p:nvPr>
-            <p:ph type="title"/>
-          </p:nvPr>
-        </p:nvSpPr>
-        <p:spPr>
-          <a:xfrm>
-            <a:off x="790802" y="0"/>
-            <a:ext cx="7514997" cy="1600200"/>
-          </a:xfrm>
-        </p:spPr>
-        <p:txBody>
-          <a:bodyPr/>
-          <a:lstStyle/>
-          <a:p>
-            <a:pPr algn="ctr"/>
-            <a:r>
-              <a:rPr lang="ru-RU" dirty="0" smtClean="0"/>
-              <a:t>Построение признаков</a:t>
-            </a:r>
-            <a:endParaRPr lang="ru-RU" dirty="0"/>
-          </a:p>
-        </p:txBody>
-      </p:sp>
-      <mc:AlternateContent xmlns:mc="http://schemas.openxmlformats.org/markup-compatibility/2006" xmlns:a14="http://schemas.microsoft.com/office/drawing/2010/main">
-        <mc:Choice Requires="a14">
-          <p:sp>
-            <p:nvSpPr>
-              <p:cNvPr id="3" name="Объект 2"/>
-              <p:cNvSpPr>
-                <a:spLocks noGrp="1"/>
-              </p:cNvSpPr>
-              <p:nvPr>
-                <p:ph idx="1"/>
-              </p:nvPr>
-            </p:nvSpPr>
-            <p:spPr>
-              <a:xfrm>
-                <a:off x="814737" y="2060848"/>
-                <a:ext cx="7543800" cy="4176464"/>
-              </a:xfrm>
-            </p:spPr>
-            <p:txBody>
-              <a:bodyPr>
-                <a:normAutofit lnSpcReduction="10000"/>
-              </a:bodyPr>
-              <a:lstStyle/>
-              <a:p>
-                <a:pPr marL="742950" indent="-742950">
-                  <a:buFont typeface="+mj-lt"/>
-                  <a:buAutoNum type="arabicParenR"/>
-                </a:pPr>
-                <a:r>
-                  <a:rPr lang="ru-RU" sz="3600" dirty="0" smtClean="0">
-                    <a:latin typeface="Arial" panose="020B0604020202020204" pitchFamily="34" charset="0"/>
-                    <a:cs typeface="Arial" panose="020B0604020202020204" pitchFamily="34" charset="0"/>
-                  </a:rPr>
-                  <a:t>Ручное построение признаков –</a:t>
-                </a:r>
-                <a:r>
-                  <a:rPr lang="en-US" sz="3600" dirty="0" smtClean="0">
-                    <a:latin typeface="Arial" panose="020B0604020202020204" pitchFamily="34" charset="0"/>
-                    <a:cs typeface="Arial" panose="020B0604020202020204" pitchFamily="34" charset="0"/>
-                  </a:rPr>
-                  <a:t> </a:t>
-                </a:r>
-                <a:r>
-                  <a:rPr lang="ru-RU" sz="3600" dirty="0">
-                    <a:latin typeface="Arial" panose="020B0604020202020204" pitchFamily="34" charset="0"/>
-                    <a:cs typeface="Arial" panose="020B0604020202020204" pitchFamily="34" charset="0"/>
-                  </a:rPr>
-                  <a:t>в</a:t>
-                </a:r>
-                <a:r>
-                  <a:rPr lang="ru-RU" sz="3600" dirty="0" smtClean="0">
-                    <a:latin typeface="Arial" panose="020B0604020202020204" pitchFamily="34" charset="0"/>
-                    <a:cs typeface="Arial" panose="020B0604020202020204" pitchFamily="34" charset="0"/>
-                  </a:rPr>
-                  <a:t>ыбор </a:t>
-                </a:r>
-                <a14:m>
-                  <m:oMath xmlns:m="http://schemas.openxmlformats.org/officeDocument/2006/math">
-                    <m:sSub>
-                      <m:sSubPr>
-                        <m:ctrlPr>
-                          <a:rPr lang="ru-RU" sz="3600" i="1" smtClean="0">
-                            <a:latin typeface="Cambria Math" panose="02040503050406030204" pitchFamily="18" charset="0"/>
-                            <a:cs typeface="Arial" panose="020B0604020202020204" pitchFamily="34" charset="0"/>
-                          </a:rPr>
-                        </m:ctrlPr>
-                      </m:sSubPr>
-                      <m:e>
-                        <m:r>
-                          <a:rPr lang="en-US" sz="3600" b="0" i="1" smtClean="0">
-                            <a:latin typeface="Cambria Math" panose="02040503050406030204" pitchFamily="18" charset="0"/>
-                            <a:cs typeface="Arial" panose="020B0604020202020204" pitchFamily="34" charset="0"/>
-                          </a:rPr>
-                          <m:t>𝐹</m:t>
-                        </m:r>
-                      </m:e>
-                      <m:sub>
-                        <m:r>
-                          <a:rPr lang="en-US" sz="3600" b="0" i="1" smtClean="0">
-                            <a:latin typeface="Cambria Math" panose="02040503050406030204" pitchFamily="18" charset="0"/>
-                            <a:cs typeface="Arial" panose="020B0604020202020204" pitchFamily="34" charset="0"/>
-                          </a:rPr>
-                          <m:t>0</m:t>
-                        </m:r>
-                      </m:sub>
-                    </m:sSub>
-                  </m:oMath>
-                </a14:m>
-                <a:r>
-                  <a:rPr lang="ru-RU" sz="3600" dirty="0" smtClean="0">
-                    <a:latin typeface="Arial" panose="020B0604020202020204" pitchFamily="34" charset="0"/>
-                    <a:cs typeface="Arial" panose="020B0604020202020204" pitchFamily="34" charset="0"/>
-                  </a:rPr>
-                  <a:t>.</a:t>
-                </a:r>
-              </a:p>
-              <a:p>
-                <a:pPr marL="742950" indent="-742950">
-                  <a:buFont typeface="+mj-lt"/>
-                  <a:buAutoNum type="arabicParenR"/>
-                </a:pPr>
-                <a:r>
-                  <a:rPr lang="ru-RU" sz="3600" b="0" dirty="0" smtClean="0">
-                    <a:latin typeface="Arial" panose="020B0604020202020204" pitchFamily="34" charset="0"/>
-                    <a:cs typeface="Arial" panose="020B0604020202020204" pitchFamily="34" charset="0"/>
-                  </a:rPr>
-                  <a:t>Преобразование признаков</a:t>
-                </a:r>
-                <a14:m>
-                  <m:oMath xmlns:m="http://schemas.openxmlformats.org/officeDocument/2006/math">
-                    <m:r>
-                      <a:rPr lang="ru-RU" sz="3600" b="0" i="1" smtClean="0">
-                        <a:latin typeface="Cambria Math" panose="02040503050406030204" pitchFamily="18" charset="0"/>
-                        <a:cs typeface="Arial" panose="020B0604020202020204" pitchFamily="34" charset="0"/>
-                      </a:rPr>
-                      <m:t> </m:t>
-                    </m:r>
-                    <m:r>
-                      <a:rPr lang="en-US" sz="3600" b="0" i="1" smtClean="0">
-                        <a:latin typeface="Cambria Math" panose="02040503050406030204" pitchFamily="18" charset="0"/>
-                        <a:cs typeface="Arial" panose="020B0604020202020204" pitchFamily="34" charset="0"/>
-                      </a:rPr>
-                      <m:t>𝐺</m:t>
-                    </m:r>
-                    <m:r>
-                      <a:rPr lang="en-US" sz="3600" b="0" i="1" smtClean="0">
-                        <a:latin typeface="Cambria Math" panose="02040503050406030204" pitchFamily="18" charset="0"/>
-                        <a:cs typeface="Arial" panose="020B0604020202020204" pitchFamily="34" charset="0"/>
-                      </a:rPr>
-                      <m:t>:</m:t>
-                    </m:r>
-                    <m:sSub>
-                      <m:sSubPr>
-                        <m:ctrlPr>
-                          <a:rPr lang="en-US" sz="3600" b="0" i="1" smtClean="0">
-                            <a:latin typeface="Cambria Math" panose="02040503050406030204" pitchFamily="18" charset="0"/>
-                            <a:cs typeface="Arial" panose="020B0604020202020204" pitchFamily="34" charset="0"/>
-                          </a:rPr>
-                        </m:ctrlPr>
-                      </m:sSubPr>
-                      <m:e>
-                        <m:r>
-                          <a:rPr lang="en-US" sz="3600" b="0" i="1" smtClean="0">
-                            <a:latin typeface="Cambria Math" panose="02040503050406030204" pitchFamily="18" charset="0"/>
-                            <a:cs typeface="Arial" panose="020B0604020202020204" pitchFamily="34" charset="0"/>
-                          </a:rPr>
-                          <m:t>𝐹</m:t>
-                        </m:r>
-                      </m:e>
-                      <m:sub>
-                        <m:r>
-                          <a:rPr lang="en-US" sz="3600" b="0" i="1" smtClean="0">
-                            <a:latin typeface="Cambria Math" panose="02040503050406030204" pitchFamily="18" charset="0"/>
-                            <a:cs typeface="Arial" panose="020B0604020202020204" pitchFamily="34" charset="0"/>
-                          </a:rPr>
-                          <m:t>0</m:t>
-                        </m:r>
-                      </m:sub>
-                    </m:sSub>
-                    <m:r>
-                      <a:rPr lang="en-US" sz="3600" b="0" i="1" smtClean="0">
-                        <a:latin typeface="Cambria Math" panose="02040503050406030204" pitchFamily="18" charset="0"/>
-                        <a:ea typeface="Cambria Math" panose="02040503050406030204" pitchFamily="18" charset="0"/>
-                        <a:cs typeface="Arial" panose="020B0604020202020204" pitchFamily="34" charset="0"/>
-                      </a:rPr>
-                      <m:t>→</m:t>
-                    </m:r>
-                    <m:sSub>
-                      <m:sSubPr>
-                        <m:ctrlPr>
-                          <a:rPr lang="en-US" sz="3600" b="0" i="1" smtClean="0">
-                            <a:latin typeface="Cambria Math" panose="02040503050406030204" pitchFamily="18" charset="0"/>
-                            <a:ea typeface="Cambria Math" panose="02040503050406030204" pitchFamily="18" charset="0"/>
-                            <a:cs typeface="Arial" panose="020B0604020202020204" pitchFamily="34" charset="0"/>
-                          </a:rPr>
-                        </m:ctrlPr>
-                      </m:sSubPr>
-                      <m:e>
-                        <m:r>
-                          <a:rPr lang="en-US" sz="3600" b="0" i="1" smtClean="0">
-                            <a:latin typeface="Cambria Math" panose="02040503050406030204" pitchFamily="18" charset="0"/>
-                            <a:ea typeface="Cambria Math" panose="02040503050406030204" pitchFamily="18" charset="0"/>
-                            <a:cs typeface="Arial" panose="020B0604020202020204" pitchFamily="34" charset="0"/>
-                          </a:rPr>
-                          <m:t>𝐹</m:t>
-                        </m:r>
-                      </m:e>
-                      <m:sub>
-                        <m:r>
-                          <a:rPr lang="en-US" sz="3600" b="0" i="1" smtClean="0">
-                            <a:latin typeface="Cambria Math" panose="02040503050406030204" pitchFamily="18" charset="0"/>
-                            <a:ea typeface="Cambria Math" panose="02040503050406030204" pitchFamily="18" charset="0"/>
-                            <a:cs typeface="Arial" panose="020B0604020202020204" pitchFamily="34" charset="0"/>
-                          </a:rPr>
-                          <m:t>𝑁</m:t>
-                        </m:r>
-                      </m:sub>
-                    </m:sSub>
-                    <m:r>
-                      <a:rPr lang="en-US" sz="3600" b="0" i="1" smtClean="0">
-                        <a:latin typeface="Cambria Math" panose="02040503050406030204" pitchFamily="18" charset="0"/>
-                        <a:ea typeface="Cambria Math" panose="02040503050406030204" pitchFamily="18" charset="0"/>
-                        <a:cs typeface="Arial" panose="020B0604020202020204" pitchFamily="34" charset="0"/>
-                      </a:rPr>
-                      <m:t>.</m:t>
-                    </m:r>
-                  </m:oMath>
-                </a14:m>
-                <a:endParaRPr lang="ru-RU" sz="3600" dirty="0" smtClean="0">
-                  <a:latin typeface="Arial" panose="020B0604020202020204" pitchFamily="34" charset="0"/>
-                  <a:cs typeface="Arial" panose="020B0604020202020204" pitchFamily="34" charset="0"/>
-                </a:endParaRPr>
-              </a:p>
-              <a:p>
-                <a:pPr marL="742950" indent="-742950">
-                  <a:buFont typeface="+mj-lt"/>
-                  <a:buAutoNum type="arabicParenR"/>
-                </a:pPr>
-                <a:r>
-                  <a:rPr lang="ru-RU" sz="3600" dirty="0" smtClean="0">
-                    <a:latin typeface="Arial" panose="020B0604020202020204" pitchFamily="34" charset="0"/>
-                    <a:cs typeface="Arial" panose="020B0604020202020204" pitchFamily="34" charset="0"/>
-                  </a:rPr>
-                  <a:t>Выбор признаков </a:t>
-                </a:r>
-                <a14:m>
-                  <m:oMath xmlns:m="http://schemas.openxmlformats.org/officeDocument/2006/math">
-                    <m:sSub>
-                      <m:sSubPr>
-                        <m:ctrlPr>
-                          <a:rPr lang="ru-RU" sz="3600" i="1" smtClean="0">
-                            <a:latin typeface="Cambria Math" panose="02040503050406030204" pitchFamily="18" charset="0"/>
-                            <a:cs typeface="Arial" panose="020B0604020202020204" pitchFamily="34" charset="0"/>
-                          </a:rPr>
-                        </m:ctrlPr>
-                      </m:sSubPr>
-                      <m:e>
-                        <m:r>
-                          <a:rPr lang="en-US" sz="3600" b="0" i="1" smtClean="0">
-                            <a:latin typeface="Cambria Math" panose="02040503050406030204" pitchFamily="18" charset="0"/>
-                            <a:cs typeface="Arial" panose="020B0604020202020204" pitchFamily="34" charset="0"/>
-                          </a:rPr>
-                          <m:t>𝐹</m:t>
-                        </m:r>
-                      </m:e>
-                      <m:sub>
-                        <m:r>
-                          <a:rPr lang="en-US" sz="3600" b="0" i="1" smtClean="0">
-                            <a:latin typeface="Cambria Math" panose="02040503050406030204" pitchFamily="18" charset="0"/>
-                            <a:cs typeface="Arial" panose="020B0604020202020204" pitchFamily="34" charset="0"/>
-                          </a:rPr>
-                          <m:t>𝑖</m:t>
-                        </m:r>
-                      </m:sub>
-                    </m:sSub>
-                    <m:r>
-                      <a:rPr lang="ru-RU" sz="3600" i="1" smtClean="0">
-                        <a:latin typeface="Cambria Math" panose="02040503050406030204" pitchFamily="18" charset="0"/>
-                        <a:ea typeface="Cambria Math" panose="02040503050406030204" pitchFamily="18" charset="0"/>
-                        <a:cs typeface="Arial" panose="020B0604020202020204" pitchFamily="34" charset="0"/>
-                      </a:rPr>
-                      <m:t>⊆</m:t>
-                    </m:r>
-                    <m:sSub>
-                      <m:sSubPr>
-                        <m:ctrlPr>
-                          <a:rPr lang="ru-RU" sz="3600" i="1" smtClean="0">
-                            <a:latin typeface="Cambria Math" panose="02040503050406030204" pitchFamily="18" charset="0"/>
-                            <a:ea typeface="Cambria Math" panose="02040503050406030204" pitchFamily="18" charset="0"/>
-                            <a:cs typeface="Arial" panose="020B0604020202020204" pitchFamily="34" charset="0"/>
-                          </a:rPr>
-                        </m:ctrlPr>
-                      </m:sSubPr>
-                      <m:e>
-                        <m:r>
-                          <a:rPr lang="en-US" sz="3600" b="0" i="1" smtClean="0">
-                            <a:latin typeface="Cambria Math" panose="02040503050406030204" pitchFamily="18" charset="0"/>
-                            <a:ea typeface="Cambria Math" panose="02040503050406030204" pitchFamily="18" charset="0"/>
-                            <a:cs typeface="Arial" panose="020B0604020202020204" pitchFamily="34" charset="0"/>
-                          </a:rPr>
-                          <m:t>𝐹</m:t>
-                        </m:r>
-                      </m:e>
-                      <m:sub>
-                        <m:r>
-                          <a:rPr lang="en-US" sz="3600" b="0" i="1" smtClean="0">
-                            <a:latin typeface="Cambria Math" panose="02040503050406030204" pitchFamily="18" charset="0"/>
-                            <a:ea typeface="Cambria Math" panose="02040503050406030204" pitchFamily="18" charset="0"/>
-                            <a:cs typeface="Arial" panose="020B0604020202020204" pitchFamily="34" charset="0"/>
-                          </a:rPr>
-                          <m:t>𝑁</m:t>
-                        </m:r>
-                      </m:sub>
-                    </m:sSub>
-                    <m:r>
-                      <a:rPr lang="en-US" sz="3600" b="0" i="1" smtClean="0">
-                        <a:latin typeface="Cambria Math" panose="02040503050406030204" pitchFamily="18" charset="0"/>
-                        <a:ea typeface="Cambria Math" panose="02040503050406030204" pitchFamily="18" charset="0"/>
-                        <a:cs typeface="Arial" panose="020B0604020202020204" pitchFamily="34" charset="0"/>
-                      </a:rPr>
-                      <m:t>.</m:t>
-                    </m:r>
-                  </m:oMath>
-                </a14:m>
-                <a:endParaRPr lang="en-US" sz="3600" b="0" dirty="0" smtClean="0">
-                  <a:latin typeface="Arial" panose="020B0604020202020204" pitchFamily="34" charset="0"/>
-                  <a:ea typeface="Cambria Math" panose="02040503050406030204" pitchFamily="18" charset="0"/>
-                  <a:cs typeface="Arial" panose="020B0604020202020204" pitchFamily="34" charset="0"/>
-                </a:endParaRPr>
-              </a:p>
-              <a:p>
-                <a:pPr marL="742950" indent="-742950">
-                  <a:buFont typeface="+mj-lt"/>
-                  <a:buAutoNum type="arabicParenR"/>
-                </a:pPr>
-                <a:r>
-                  <a:rPr lang="ru-RU" sz="3600" dirty="0" smtClean="0">
-                    <a:latin typeface="Arial" panose="020B0604020202020204" pitchFamily="34" charset="0"/>
-                    <a:cs typeface="Arial" panose="020B0604020202020204" pitchFamily="34" charset="0"/>
-                  </a:rPr>
-                  <a:t>Если решение не найдено, то (3), иначе </a:t>
-                </a:r>
-                <a14:m>
-                  <m:oMath xmlns:m="http://schemas.openxmlformats.org/officeDocument/2006/math">
-                    <m:sSub>
-                      <m:sSubPr>
-                        <m:ctrlPr>
-                          <a:rPr lang="ru-RU" sz="3600" i="1" smtClean="0">
-                            <a:latin typeface="Cambria Math" panose="02040503050406030204" pitchFamily="18" charset="0"/>
-                            <a:cs typeface="Arial" panose="020B0604020202020204" pitchFamily="34" charset="0"/>
-                          </a:rPr>
-                        </m:ctrlPr>
-                      </m:sSubPr>
-                      <m:e>
-                        <m:r>
-                          <a:rPr lang="en-US" sz="3600" b="0" i="1" smtClean="0">
-                            <a:latin typeface="Cambria Math" panose="02040503050406030204" pitchFamily="18" charset="0"/>
-                            <a:cs typeface="Arial" panose="020B0604020202020204" pitchFamily="34" charset="0"/>
-                          </a:rPr>
-                          <m:t>𝐹</m:t>
-                        </m:r>
-                      </m:e>
-                      <m:sub>
-                        <m:r>
-                          <a:rPr lang="en-US" sz="3600" b="0" i="1" smtClean="0">
-                            <a:latin typeface="Cambria Math" panose="02040503050406030204" pitchFamily="18" charset="0"/>
-                            <a:cs typeface="Arial" panose="020B0604020202020204" pitchFamily="34" charset="0"/>
-                          </a:rPr>
-                          <m:t>𝑇</m:t>
-                        </m:r>
-                      </m:sub>
-                    </m:sSub>
-                    <m:r>
-                      <a:rPr lang="en-US" sz="3600" b="0" i="1" smtClean="0">
-                        <a:latin typeface="Cambria Math" panose="02040503050406030204" pitchFamily="18" charset="0"/>
-                        <a:cs typeface="Arial" panose="020B0604020202020204" pitchFamily="34" charset="0"/>
-                      </a:rPr>
-                      <m:t>=</m:t>
-                    </m:r>
-                    <m:sSub>
-                      <m:sSubPr>
-                        <m:ctrlPr>
-                          <a:rPr lang="en-US" sz="3600" b="0" i="1" smtClean="0">
-                            <a:latin typeface="Cambria Math" panose="02040503050406030204" pitchFamily="18" charset="0"/>
-                            <a:cs typeface="Arial" panose="020B0604020202020204" pitchFamily="34" charset="0"/>
-                          </a:rPr>
-                        </m:ctrlPr>
-                      </m:sSubPr>
-                      <m:e>
-                        <m:r>
-                          <a:rPr lang="en-US" sz="3600" b="0" i="1" smtClean="0">
-                            <a:latin typeface="Cambria Math" panose="02040503050406030204" pitchFamily="18" charset="0"/>
-                            <a:cs typeface="Arial" panose="020B0604020202020204" pitchFamily="34" charset="0"/>
-                          </a:rPr>
-                          <m:t>𝐹</m:t>
-                        </m:r>
-                      </m:e>
-                      <m:sub>
-                        <m:r>
-                          <a:rPr lang="en-US" sz="3600" b="0" i="1" smtClean="0">
-                            <a:latin typeface="Cambria Math" panose="02040503050406030204" pitchFamily="18" charset="0"/>
-                            <a:cs typeface="Arial" panose="020B0604020202020204" pitchFamily="34" charset="0"/>
-                          </a:rPr>
-                          <m:t>𝑖</m:t>
-                        </m:r>
-                      </m:sub>
-                    </m:sSub>
-                    <m:r>
-                      <a:rPr lang="ru-RU" sz="3600" b="0" i="0" smtClean="0">
-                        <a:latin typeface="Cambria Math" panose="02040503050406030204" pitchFamily="18" charset="0"/>
-                        <a:cs typeface="Arial" panose="020B0604020202020204" pitchFamily="34" charset="0"/>
-                      </a:rPr>
-                      <m:t>.</m:t>
-                    </m:r>
-                  </m:oMath>
-                </a14:m>
-                <a:endParaRPr lang="ru-RU" sz="3600" dirty="0" smtClean="0">
-                  <a:latin typeface="Arial" panose="020B0604020202020204" pitchFamily="34" charset="0"/>
-                  <a:cs typeface="Arial" panose="020B0604020202020204" pitchFamily="34" charset="0"/>
-                </a:endParaRPr>
-              </a:p>
-              <a:p>
-                <a:pPr marL="742950" indent="-742950">
-                  <a:buFont typeface="+mj-lt"/>
-                  <a:buAutoNum type="arabicParenR"/>
-                </a:pPr>
-                <a:endParaRPr lang="ru-RU" sz="3600" dirty="0">
-                  <a:latin typeface="Arial" panose="020B0604020202020204" pitchFamily="34" charset="0"/>
-                  <a:cs typeface="Arial" panose="020B0604020202020204" pitchFamily="34" charset="0"/>
-                </a:endParaRPr>
-              </a:p>
-            </p:txBody>
-          </p:sp>
-        </mc:Choice>
-        <mc:Fallback xmlns="">
-          <p:sp>
-            <p:nvSpPr>
-              <p:cNvPr id="3" name="Объект 2"/>
-              <p:cNvSpPr>
-                <a:spLocks noGrp="1" noRot="1" noChangeAspect="1" noMove="1" noResize="1" noEditPoints="1" noAdjustHandles="1" noChangeArrowheads="1" noChangeShapeType="1" noTextEdit="1"/>
-              </p:cNvSpPr>
-              <p:nvPr>
-                <p:ph idx="1"/>
-              </p:nvPr>
-            </p:nvSpPr>
-            <p:spPr>
-              <a:xfrm>
-                <a:off x="814737" y="2060848"/>
-                <a:ext cx="7543800" cy="4176464"/>
-              </a:xfrm>
-              <a:blipFill rotWithShape="0">
-                <a:blip r:embed="rId3"/>
-                <a:stretch>
-                  <a:fillRect l="-2264" t="-7153" r="-1617"/>
-                </a:stretch>
-              </a:blipFill>
-            </p:spPr>
-            <p:txBody>
-              <a:bodyPr/>
-              <a:lstStyle/>
-              <a:p>
-                <a:r>
-                  <a:rPr lang="ru-RU">
-                    <a:noFill/>
-                  </a:rPr>
-                  <a:t> </a:t>
-                </a:r>
-              </a:p>
-            </p:txBody>
-          </p:sp>
-        </mc:Fallback>
-      </mc:AlternateContent>
-    </p:spTree>
-    <p:extLst>
-      <p:ext uri="{BB962C8B-B14F-4D97-AF65-F5344CB8AC3E}">
-        <p14:creationId xmlns:p14="http://schemas.microsoft.com/office/powerpoint/2010/main" val="1168519745"/>
-      </p:ext>
-    </p:extLst>
-  </p:cSld>
-  <p:clrMapOvr>
-    <a:masterClrMapping/>
-  </p:clrMapOvr>
-  <p:timing>
-    <p:tnLst>
-      <p:par>
-        <p:cTn id="1" dur="indefinite" restart="never" nodeType="tmRoot"/>
-      </p:par>
-    </p:tnLst>
-  </p:timing>
-</p:sld>
-</file>
-
-<file path=ppt/slides/slide14.xml><?xml version="1.0" encoding="utf-8"?>
 <p:sld xmlns:a="http://schemas.openxmlformats.org/drawingml/2006/main" xmlns:r="http://schemas.openxmlformats.org/officeDocument/2006/relationships" xmlns:p="http://schemas.openxmlformats.org/presentationml/2006/main">
   <p:cSld>
     <p:spTree>
@@ -8731,6 +8333,128 @@
 </p:sld>
 </file>
 
+<file path=ppt/slides/slide14.xml><?xml version="1.0" encoding="utf-8"?>
+<p:sld xmlns:a="http://schemas.openxmlformats.org/drawingml/2006/main" xmlns:r="http://schemas.openxmlformats.org/officeDocument/2006/relationships" xmlns:p="http://schemas.openxmlformats.org/presentationml/2006/main">
+  <p:cSld>
+    <p:spTree>
+      <p:nvGrpSpPr>
+        <p:cNvPr id="1" name=""/>
+        <p:cNvGrpSpPr/>
+        <p:nvPr/>
+      </p:nvGrpSpPr>
+      <p:grpSpPr>
+        <a:xfrm>
+          <a:off x="0" y="0"/>
+          <a:ext cx="0" cy="0"/>
+          <a:chOff x="0" y="0"/>
+          <a:chExt cx="0" cy="0"/>
+        </a:xfrm>
+      </p:grpSpPr>
+      <p:sp>
+        <p:nvSpPr>
+          <p:cNvPr id="2" name="Заголовок 1"/>
+          <p:cNvSpPr>
+            <a:spLocks noGrp="1"/>
+          </p:cNvSpPr>
+          <p:nvPr>
+            <p:ph type="title"/>
+          </p:nvPr>
+        </p:nvSpPr>
+        <p:spPr>
+          <a:xfrm>
+            <a:off x="1318592" y="404664"/>
+            <a:ext cx="6781800" cy="1872208"/>
+          </a:xfrm>
+        </p:spPr>
+        <p:txBody>
+          <a:bodyPr>
+            <a:normAutofit/>
+          </a:bodyPr>
+          <a:lstStyle/>
+          <a:p>
+            <a:pPr algn="ctr"/>
+            <a:r>
+              <a:rPr lang="ru-RU" dirty="0" smtClean="0"/>
+              <a:t>Генетическое программирование</a:t>
+            </a:r>
+            <a:endParaRPr lang="ru-RU" dirty="0"/>
+          </a:p>
+        </p:txBody>
+      </p:sp>
+      <p:sp>
+        <p:nvSpPr>
+          <p:cNvPr id="3" name="Объект 2"/>
+          <p:cNvSpPr>
+            <a:spLocks noGrp="1"/>
+          </p:cNvSpPr>
+          <p:nvPr>
+            <p:ph idx="1"/>
+          </p:nvPr>
+        </p:nvSpPr>
+        <p:spPr>
+          <a:xfrm>
+            <a:off x="755576" y="1919064"/>
+            <a:ext cx="7543800" cy="3886200"/>
+          </a:xfrm>
+        </p:spPr>
+        <p:txBody>
+          <a:bodyPr>
+            <a:normAutofit/>
+          </a:bodyPr>
+          <a:lstStyle/>
+          <a:p>
+            <a:r>
+              <a:rPr lang="ru-RU" sz="4800" dirty="0" smtClean="0">
+                <a:latin typeface="Arial" panose="020B0604020202020204" pitchFamily="34" charset="0"/>
+                <a:cs typeface="Arial" panose="020B0604020202020204" pitchFamily="34" charset="0"/>
+              </a:rPr>
+              <a:t>Естественный отбор</a:t>
+            </a:r>
+          </a:p>
+          <a:p>
+            <a:r>
+              <a:rPr lang="ru-RU" sz="4800" dirty="0" smtClean="0">
+                <a:latin typeface="Arial" panose="020B0604020202020204" pitchFamily="34" charset="0"/>
+                <a:cs typeface="Arial" panose="020B0604020202020204" pitchFamily="34" charset="0"/>
+              </a:rPr>
+              <a:t>Скрещивание</a:t>
+            </a:r>
+          </a:p>
+          <a:p>
+            <a:r>
+              <a:rPr lang="ru-RU" sz="4800" dirty="0" smtClean="0">
+                <a:latin typeface="Arial" panose="020B0604020202020204" pitchFamily="34" charset="0"/>
+                <a:cs typeface="Arial" panose="020B0604020202020204" pitchFamily="34" charset="0"/>
+              </a:rPr>
+              <a:t>Мутация</a:t>
+            </a:r>
+            <a:endParaRPr lang="ru-RU" sz="4800" dirty="0">
+              <a:latin typeface="Arial" panose="020B0604020202020204" pitchFamily="34" charset="0"/>
+              <a:cs typeface="Arial" panose="020B0604020202020204" pitchFamily="34" charset="0"/>
+            </a:endParaRPr>
+          </a:p>
+        </p:txBody>
+      </p:sp>
+    </p:spTree>
+    <p:extLst>
+      <p:ext uri="{BB962C8B-B14F-4D97-AF65-F5344CB8AC3E}">
+        <p14:creationId xmlns:p14="http://schemas.microsoft.com/office/powerpoint/2010/main" val="3347199953"/>
+      </p:ext>
+    </p:extLst>
+  </p:cSld>
+  <p:clrMapOvr>
+    <a:masterClrMapping/>
+  </p:clrMapOvr>
+  <p:timing>
+    <p:tnLst>
+      <p:par>
+        <p:cTn id="1" dur="indefinite" restart="never" nodeType="tmRoot"/>
+      </p:par>
+    </p:tnLst>
+  </p:timing>
+</p:sld>
+</file>
+
 <file path=ppt/slides/slide15.xml><?xml version="1.0" encoding="utf-8"?>
 <p:sld xmlns:a="http://schemas.openxmlformats.org/drawingml/2006/main" xmlns:r="http://schemas.openxmlformats.org/officeDocument/2006/relationships" xmlns:p="http://schemas.openxmlformats.org/presentationml/2006/main">
   <p:cSld>
@@ -8760,8 +8484,8 @@
         </p:nvSpPr>
         <p:spPr>
           <a:xfrm>
-            <a:off x="1318592" y="404664"/>
-            <a:ext cx="6781800" cy="1872208"/>
+            <a:off x="908923" y="332656"/>
+            <a:ext cx="7342149" cy="1168152"/>
           </a:xfrm>
         </p:spPr>
         <p:txBody>
@@ -8773,7 +8497,7 @@
             <a:pPr algn="ctr"/>
             <a:r>
               <a:rPr lang="ru-RU" dirty="0" smtClean="0"/>
-              <a:t>Генетическое программирование</a:t>
+              <a:t>Лес – набор признаков</a:t>
             </a:r>
             <a:endParaRPr lang="ru-RU" dirty="0"/>
           </a:p>
@@ -8781,52 +8505,1013 @@
       </p:sp>
       <p:sp>
         <p:nvSpPr>
-          <p:cNvPr id="3" name="Объект 2"/>
-          <p:cNvSpPr>
-            <a:spLocks noGrp="1"/>
-          </p:cNvSpPr>
-          <p:nvPr>
-            <p:ph idx="1"/>
-          </p:nvPr>
-        </p:nvSpPr>
-        <p:spPr>
-          <a:xfrm>
-            <a:off x="755576" y="1919064"/>
-            <a:ext cx="7543800" cy="3886200"/>
-          </a:xfrm>
-        </p:spPr>
-        <p:txBody>
-          <a:bodyPr>
-            <a:normAutofit/>
+          <p:cNvPr id="4" name="Овал 3"/>
+          <p:cNvSpPr/>
+          <p:nvPr/>
+        </p:nvSpPr>
+        <p:spPr>
+          <a:xfrm>
+            <a:off x="1091920" y="2996952"/>
+            <a:ext cx="888386" cy="767659"/>
+          </a:xfrm>
+          <a:prstGeom prst="ellipse">
+            <a:avLst/>
+          </a:prstGeom>
+        </p:spPr>
+        <p:style>
+          <a:lnRef idx="2">
+            <a:schemeClr val="accent1">
+              <a:shade val="50000"/>
+            </a:schemeClr>
+          </a:lnRef>
+          <a:fillRef idx="1">
+            <a:schemeClr val="accent1"/>
+          </a:fillRef>
+          <a:effectRef idx="0">
+            <a:schemeClr val="accent1"/>
+          </a:effectRef>
+          <a:fontRef idx="minor">
+            <a:schemeClr val="lt1"/>
+          </a:fontRef>
+        </p:style>
+        <p:txBody>
+          <a:bodyPr rtlCol="0" anchor="ctr"/>
+          <a:lstStyle/>
+          <a:p>
+            <a:pPr algn="ctr"/>
+            <a:r>
+              <a:rPr lang="ru-RU" sz="3200" dirty="0" smtClean="0"/>
+              <a:t>+</a:t>
+            </a:r>
+            <a:endParaRPr lang="ru-RU" sz="3200" dirty="0"/>
+          </a:p>
+        </p:txBody>
+      </p:sp>
+      <p:sp>
+        <p:nvSpPr>
+          <p:cNvPr id="5" name="Овал 4"/>
+          <p:cNvSpPr/>
+          <p:nvPr/>
+        </p:nvSpPr>
+        <p:spPr>
+          <a:xfrm>
+            <a:off x="179512" y="3792848"/>
+            <a:ext cx="1074166" cy="784291"/>
+          </a:xfrm>
+          <a:prstGeom prst="ellipse">
+            <a:avLst/>
+          </a:prstGeom>
+        </p:spPr>
+        <p:style>
+          <a:lnRef idx="2">
+            <a:schemeClr val="accent1">
+              <a:shade val="50000"/>
+            </a:schemeClr>
+          </a:lnRef>
+          <a:fillRef idx="1">
+            <a:schemeClr val="accent1"/>
+          </a:fillRef>
+          <a:effectRef idx="0">
+            <a:schemeClr val="accent1"/>
+          </a:effectRef>
+          <a:fontRef idx="minor">
+            <a:schemeClr val="lt1"/>
+          </a:fontRef>
+        </p:style>
+        <p:txBody>
+          <a:bodyPr rtlCol="0" anchor="ctr"/>
+          <a:lstStyle/>
+          <a:p>
+            <a:pPr algn="ctr"/>
+            <a:r>
+              <a:rPr lang="en-US" sz="3200" dirty="0" smtClean="0"/>
+              <a:t>sin</a:t>
+            </a:r>
+            <a:endParaRPr lang="ru-RU" sz="3200" dirty="0"/>
+          </a:p>
+        </p:txBody>
+      </p:sp>
+      <p:sp>
+        <p:nvSpPr>
+          <p:cNvPr id="6" name="Овал 5"/>
+          <p:cNvSpPr/>
+          <p:nvPr/>
+        </p:nvSpPr>
+        <p:spPr>
+          <a:xfrm>
+            <a:off x="2007047" y="3792848"/>
+            <a:ext cx="1058892" cy="784291"/>
+          </a:xfrm>
+          <a:prstGeom prst="ellipse">
+            <a:avLst/>
+          </a:prstGeom>
+        </p:spPr>
+        <p:style>
+          <a:lnRef idx="2">
+            <a:schemeClr val="accent1">
+              <a:shade val="50000"/>
+            </a:schemeClr>
+          </a:lnRef>
+          <a:fillRef idx="1">
+            <a:schemeClr val="accent1"/>
+          </a:fillRef>
+          <a:effectRef idx="0">
+            <a:schemeClr val="accent1"/>
+          </a:effectRef>
+          <a:fontRef idx="minor">
+            <a:schemeClr val="lt1"/>
+          </a:fontRef>
+        </p:style>
+        <p:txBody>
+          <a:bodyPr rtlCol="0" anchor="ctr"/>
+          <a:lstStyle/>
+          <a:p>
+            <a:pPr algn="ctr"/>
+            <a:r>
+              <a:rPr lang="en-US" sz="3200" dirty="0" smtClean="0"/>
+              <a:t>abs</a:t>
+            </a:r>
+            <a:endParaRPr lang="ru-RU" sz="3200" dirty="0"/>
+          </a:p>
+        </p:txBody>
+      </p:sp>
+      <p:sp>
+        <p:nvSpPr>
+          <p:cNvPr id="7" name="Овал 6"/>
+          <p:cNvSpPr/>
+          <p:nvPr/>
+        </p:nvSpPr>
+        <p:spPr>
+          <a:xfrm>
+            <a:off x="248543" y="5103822"/>
+            <a:ext cx="936104" cy="841553"/>
+          </a:xfrm>
+          <a:prstGeom prst="ellipse">
+            <a:avLst/>
+          </a:prstGeom>
+        </p:spPr>
+        <p:style>
+          <a:lnRef idx="2">
+            <a:schemeClr val="accent1">
+              <a:shade val="50000"/>
+            </a:schemeClr>
+          </a:lnRef>
+          <a:fillRef idx="1">
+            <a:schemeClr val="accent1"/>
+          </a:fillRef>
+          <a:effectRef idx="0">
+            <a:schemeClr val="accent1"/>
+          </a:effectRef>
+          <a:fontRef idx="minor">
+            <a:schemeClr val="lt1"/>
+          </a:fontRef>
+        </p:style>
+        <p:txBody>
+          <a:bodyPr rtlCol="0" anchor="ctr"/>
+          <a:lstStyle/>
+          <a:p>
+            <a:pPr algn="ctr"/>
+            <a:r>
+              <a:rPr lang="en-US" sz="3200" dirty="0" smtClean="0"/>
+              <a:t>x1</a:t>
+            </a:r>
+            <a:endParaRPr lang="ru-RU" sz="3200" dirty="0"/>
+          </a:p>
+        </p:txBody>
+      </p:sp>
+      <p:sp>
+        <p:nvSpPr>
+          <p:cNvPr id="8" name="Овал 7"/>
+          <p:cNvSpPr/>
+          <p:nvPr/>
+        </p:nvSpPr>
+        <p:spPr>
+          <a:xfrm>
+            <a:off x="2046104" y="5103822"/>
+            <a:ext cx="980777" cy="841553"/>
+          </a:xfrm>
+          <a:prstGeom prst="ellipse">
+            <a:avLst/>
+          </a:prstGeom>
+        </p:spPr>
+        <p:style>
+          <a:lnRef idx="2">
+            <a:schemeClr val="accent1">
+              <a:shade val="50000"/>
+            </a:schemeClr>
+          </a:lnRef>
+          <a:fillRef idx="1">
+            <a:schemeClr val="accent1"/>
+          </a:fillRef>
+          <a:effectRef idx="0">
+            <a:schemeClr val="accent1"/>
+          </a:effectRef>
+          <a:fontRef idx="minor">
+            <a:schemeClr val="lt1"/>
+          </a:fontRef>
+        </p:style>
+        <p:txBody>
+          <a:bodyPr rtlCol="0" anchor="ctr"/>
+          <a:lstStyle/>
+          <a:p>
+            <a:pPr algn="ctr"/>
+            <a:r>
+              <a:rPr lang="en-US" sz="3200" dirty="0" smtClean="0"/>
+              <a:t>x2</a:t>
+            </a:r>
+            <a:endParaRPr lang="ru-RU" sz="3200" dirty="0"/>
+          </a:p>
+        </p:txBody>
+      </p:sp>
+      <p:cxnSp>
+        <p:nvCxnSpPr>
+          <p:cNvPr id="10" name="Прямая соединительная линия 9"/>
+          <p:cNvCxnSpPr>
+            <a:endCxn id="4" idx="3"/>
+          </p:cNvCxnSpPr>
+          <p:nvPr/>
+        </p:nvCxnSpPr>
+        <p:spPr>
+          <a:xfrm flipV="1">
+            <a:off x="683568" y="3652190"/>
+            <a:ext cx="538453" cy="140658"/>
+          </a:xfrm>
+          <a:prstGeom prst="line">
+            <a:avLst/>
+          </a:prstGeom>
+        </p:spPr>
+        <p:style>
+          <a:lnRef idx="1">
+            <a:schemeClr val="accent1"/>
+          </a:lnRef>
+          <a:fillRef idx="0">
+            <a:schemeClr val="accent1"/>
+          </a:fillRef>
+          <a:effectRef idx="0">
+            <a:schemeClr val="accent1"/>
+          </a:effectRef>
+          <a:fontRef idx="minor">
+            <a:schemeClr val="tx1"/>
+          </a:fontRef>
+        </p:style>
+      </p:cxnSp>
+      <p:cxnSp>
+        <p:nvCxnSpPr>
+          <p:cNvPr id="12" name="Прямая соединительная линия 11"/>
+          <p:cNvCxnSpPr>
+            <a:stCxn id="4" idx="5"/>
+          </p:cNvCxnSpPr>
+          <p:nvPr/>
+        </p:nvCxnSpPr>
+        <p:spPr>
+          <a:xfrm>
+            <a:off x="1850205" y="3652190"/>
+            <a:ext cx="653261" cy="140658"/>
+          </a:xfrm>
+          <a:prstGeom prst="line">
+            <a:avLst/>
+          </a:prstGeom>
+        </p:spPr>
+        <p:style>
+          <a:lnRef idx="1">
+            <a:schemeClr val="accent1"/>
+          </a:lnRef>
+          <a:fillRef idx="0">
+            <a:schemeClr val="accent1"/>
+          </a:fillRef>
+          <a:effectRef idx="0">
+            <a:schemeClr val="accent1"/>
+          </a:effectRef>
+          <a:fontRef idx="minor">
+            <a:schemeClr val="tx1"/>
+          </a:fontRef>
+        </p:style>
+      </p:cxnSp>
+      <p:cxnSp>
+        <p:nvCxnSpPr>
+          <p:cNvPr id="18" name="Прямая соединительная линия 17"/>
+          <p:cNvCxnSpPr/>
+          <p:nvPr/>
+        </p:nvCxnSpPr>
+        <p:spPr>
+          <a:xfrm>
+            <a:off x="683568" y="4577139"/>
+            <a:ext cx="0" cy="526683"/>
+          </a:xfrm>
+          <a:prstGeom prst="line">
+            <a:avLst/>
+          </a:prstGeom>
+        </p:spPr>
+        <p:style>
+          <a:lnRef idx="1">
+            <a:schemeClr val="accent1"/>
+          </a:lnRef>
+          <a:fillRef idx="0">
+            <a:schemeClr val="accent1"/>
+          </a:fillRef>
+          <a:effectRef idx="0">
+            <a:schemeClr val="accent1"/>
+          </a:effectRef>
+          <a:fontRef idx="minor">
+            <a:schemeClr val="tx1"/>
+          </a:fontRef>
+        </p:style>
+      </p:cxnSp>
+      <p:cxnSp>
+        <p:nvCxnSpPr>
+          <p:cNvPr id="20" name="Прямая соединительная линия 19"/>
+          <p:cNvCxnSpPr/>
+          <p:nvPr/>
+        </p:nvCxnSpPr>
+        <p:spPr>
+          <a:xfrm>
+            <a:off x="2503466" y="4577139"/>
+            <a:ext cx="0" cy="526683"/>
+          </a:xfrm>
+          <a:prstGeom prst="line">
+            <a:avLst/>
+          </a:prstGeom>
+        </p:spPr>
+        <p:style>
+          <a:lnRef idx="1">
+            <a:schemeClr val="accent1"/>
+          </a:lnRef>
+          <a:fillRef idx="0">
+            <a:schemeClr val="accent1"/>
+          </a:fillRef>
+          <a:effectRef idx="0">
+            <a:schemeClr val="accent1"/>
+          </a:effectRef>
+          <a:fontRef idx="minor">
+            <a:schemeClr val="tx1"/>
+          </a:fontRef>
+        </p:style>
+      </p:cxnSp>
+      <p:sp>
+        <p:nvSpPr>
+          <p:cNvPr id="45" name="Овал 44"/>
+          <p:cNvSpPr/>
+          <p:nvPr/>
+        </p:nvSpPr>
+        <p:spPr>
+          <a:xfrm>
+            <a:off x="6799572" y="3064548"/>
+            <a:ext cx="888386" cy="767659"/>
+          </a:xfrm>
+          <a:prstGeom prst="ellipse">
+            <a:avLst/>
+          </a:prstGeom>
+        </p:spPr>
+        <p:style>
+          <a:lnRef idx="2">
+            <a:schemeClr val="accent1">
+              <a:shade val="50000"/>
+            </a:schemeClr>
+          </a:lnRef>
+          <a:fillRef idx="1">
+            <a:schemeClr val="accent1"/>
+          </a:fillRef>
+          <a:effectRef idx="0">
+            <a:schemeClr val="accent1"/>
+          </a:effectRef>
+          <a:fontRef idx="minor">
+            <a:schemeClr val="lt1"/>
+          </a:fontRef>
+        </p:style>
+        <p:txBody>
+          <a:bodyPr rtlCol="0" anchor="ctr"/>
+          <a:lstStyle/>
+          <a:p>
+            <a:pPr algn="ctr"/>
+            <a:r>
+              <a:rPr lang="en-US" sz="3200" dirty="0"/>
+              <a:t>*</a:t>
+            </a:r>
+            <a:endParaRPr lang="ru-RU" sz="3200" dirty="0"/>
+          </a:p>
+        </p:txBody>
+      </p:sp>
+      <p:sp>
+        <p:nvSpPr>
+          <p:cNvPr id="46" name="Овал 45"/>
+          <p:cNvSpPr/>
+          <p:nvPr/>
+        </p:nvSpPr>
+        <p:spPr>
+          <a:xfrm>
+            <a:off x="5640827" y="3860444"/>
+            <a:ext cx="947397" cy="784291"/>
+          </a:xfrm>
+          <a:prstGeom prst="ellipse">
+            <a:avLst/>
+          </a:prstGeom>
+        </p:spPr>
+        <p:style>
+          <a:lnRef idx="2">
+            <a:schemeClr val="accent1">
+              <a:shade val="50000"/>
+            </a:schemeClr>
+          </a:lnRef>
+          <a:fillRef idx="1">
+            <a:schemeClr val="accent1"/>
+          </a:fillRef>
+          <a:effectRef idx="0">
+            <a:schemeClr val="accent1"/>
+          </a:effectRef>
+          <a:fontRef idx="minor">
+            <a:schemeClr val="lt1"/>
+          </a:fontRef>
+        </p:style>
+        <p:txBody>
+          <a:bodyPr rtlCol="0" anchor="ctr"/>
+          <a:lstStyle/>
+          <a:p>
+            <a:pPr algn="ctr"/>
+            <a:r>
+              <a:rPr lang="en-US" sz="3200" dirty="0"/>
+              <a:t>+</a:t>
+            </a:r>
+            <a:endParaRPr lang="ru-RU" sz="3200" dirty="0"/>
+          </a:p>
+        </p:txBody>
+      </p:sp>
+      <p:sp>
+        <p:nvSpPr>
+          <p:cNvPr id="47" name="Овал 46"/>
+          <p:cNvSpPr/>
+          <p:nvPr/>
+        </p:nvSpPr>
+        <p:spPr>
+          <a:xfrm>
+            <a:off x="7681672" y="3860444"/>
+            <a:ext cx="1138800" cy="784291"/>
+          </a:xfrm>
+          <a:prstGeom prst="ellipse">
+            <a:avLst/>
+          </a:prstGeom>
+        </p:spPr>
+        <p:style>
+          <a:lnRef idx="2">
+            <a:schemeClr val="accent1">
+              <a:shade val="50000"/>
+            </a:schemeClr>
+          </a:lnRef>
+          <a:fillRef idx="1">
+            <a:schemeClr val="accent1"/>
+          </a:fillRef>
+          <a:effectRef idx="0">
+            <a:schemeClr val="accent1"/>
+          </a:effectRef>
+          <a:fontRef idx="minor">
+            <a:schemeClr val="lt1"/>
+          </a:fontRef>
+        </p:style>
+        <p:txBody>
+          <a:bodyPr rtlCol="0" anchor="ctr"/>
+          <a:lstStyle/>
+          <a:p>
+            <a:pPr algn="ctr"/>
+            <a:r>
+              <a:rPr lang="en-US" sz="3200" dirty="0"/>
+              <a:t>√</a:t>
+            </a:r>
+            <a:endParaRPr lang="ru-RU" sz="3200" dirty="0"/>
+          </a:p>
+        </p:txBody>
+      </p:sp>
+      <p:sp>
+        <p:nvSpPr>
+          <p:cNvPr id="48" name="Овал 47"/>
+          <p:cNvSpPr/>
+          <p:nvPr/>
+        </p:nvSpPr>
+        <p:spPr>
+          <a:xfrm>
+            <a:off x="4740080" y="5059806"/>
+            <a:ext cx="936104" cy="841553"/>
+          </a:xfrm>
+          <a:prstGeom prst="ellipse">
+            <a:avLst/>
+          </a:prstGeom>
+        </p:spPr>
+        <p:style>
+          <a:lnRef idx="2">
+            <a:schemeClr val="accent1">
+              <a:shade val="50000"/>
+            </a:schemeClr>
+          </a:lnRef>
+          <a:fillRef idx="1">
+            <a:schemeClr val="accent1"/>
+          </a:fillRef>
+          <a:effectRef idx="0">
+            <a:schemeClr val="accent1"/>
+          </a:effectRef>
+          <a:fontRef idx="minor">
+            <a:schemeClr val="lt1"/>
+          </a:fontRef>
+        </p:style>
+        <p:txBody>
+          <a:bodyPr rtlCol="0" anchor="ctr"/>
+          <a:lstStyle/>
+          <a:p>
+            <a:pPr algn="ctr"/>
+            <a:r>
+              <a:rPr lang="en-US" sz="3200" dirty="0" smtClean="0"/>
+              <a:t>x4</a:t>
+            </a:r>
+            <a:endParaRPr lang="ru-RU" sz="3200" dirty="0"/>
+          </a:p>
+        </p:txBody>
+      </p:sp>
+      <p:sp>
+        <p:nvSpPr>
+          <p:cNvPr id="49" name="Овал 48"/>
+          <p:cNvSpPr/>
+          <p:nvPr/>
+        </p:nvSpPr>
+        <p:spPr>
+          <a:xfrm>
+            <a:off x="7784377" y="5091093"/>
+            <a:ext cx="933390" cy="829103"/>
+          </a:xfrm>
+          <a:prstGeom prst="ellipse">
+            <a:avLst/>
+          </a:prstGeom>
+        </p:spPr>
+        <p:style>
+          <a:lnRef idx="2">
+            <a:schemeClr val="accent1">
+              <a:shade val="50000"/>
+            </a:schemeClr>
+          </a:lnRef>
+          <a:fillRef idx="1">
+            <a:schemeClr val="accent1"/>
+          </a:fillRef>
+          <a:effectRef idx="0">
+            <a:schemeClr val="accent1"/>
+          </a:effectRef>
+          <a:fontRef idx="minor">
+            <a:schemeClr val="lt1"/>
+          </a:fontRef>
+        </p:style>
+        <p:txBody>
+          <a:bodyPr rtlCol="0" anchor="ctr"/>
+          <a:lstStyle/>
+          <a:p>
+            <a:pPr algn="ctr"/>
+            <a:r>
+              <a:rPr lang="en-US" sz="3200" dirty="0" smtClean="0"/>
+              <a:t>x2</a:t>
+            </a:r>
+            <a:endParaRPr lang="ru-RU" sz="3200" dirty="0"/>
+          </a:p>
+        </p:txBody>
+      </p:sp>
+      <p:cxnSp>
+        <p:nvCxnSpPr>
+          <p:cNvPr id="50" name="Прямая соединительная линия 49"/>
+          <p:cNvCxnSpPr>
+            <a:stCxn id="46" idx="0"/>
+            <a:endCxn id="45" idx="3"/>
+          </p:cNvCxnSpPr>
+          <p:nvPr/>
+        </p:nvCxnSpPr>
+        <p:spPr>
+          <a:xfrm flipV="1">
+            <a:off x="6114526" y="3719786"/>
+            <a:ext cx="815147" cy="140658"/>
+          </a:xfrm>
+          <a:prstGeom prst="line">
+            <a:avLst/>
+          </a:prstGeom>
+        </p:spPr>
+        <p:style>
+          <a:lnRef idx="1">
+            <a:schemeClr val="accent1"/>
+          </a:lnRef>
+          <a:fillRef idx="0">
+            <a:schemeClr val="accent1"/>
+          </a:fillRef>
+          <a:effectRef idx="0">
+            <a:schemeClr val="accent1"/>
+          </a:effectRef>
+          <a:fontRef idx="minor">
+            <a:schemeClr val="tx1"/>
+          </a:fontRef>
+        </p:style>
+      </p:cxnSp>
+      <p:cxnSp>
+        <p:nvCxnSpPr>
+          <p:cNvPr id="51" name="Прямая соединительная линия 50"/>
+          <p:cNvCxnSpPr>
+            <a:stCxn id="45" idx="5"/>
+            <a:endCxn id="47" idx="0"/>
+          </p:cNvCxnSpPr>
+          <p:nvPr/>
+        </p:nvCxnSpPr>
+        <p:spPr>
+          <a:xfrm>
+            <a:off x="7557857" y="3719786"/>
+            <a:ext cx="693215" cy="140658"/>
+          </a:xfrm>
+          <a:prstGeom prst="line">
+            <a:avLst/>
+          </a:prstGeom>
+        </p:spPr>
+        <p:style>
+          <a:lnRef idx="1">
+            <a:schemeClr val="accent1"/>
+          </a:lnRef>
+          <a:fillRef idx="0">
+            <a:schemeClr val="accent1"/>
+          </a:fillRef>
+          <a:effectRef idx="0">
+            <a:schemeClr val="accent1"/>
+          </a:effectRef>
+          <a:fontRef idx="minor">
+            <a:schemeClr val="tx1"/>
+          </a:fontRef>
+        </p:style>
+      </p:cxnSp>
+      <p:cxnSp>
+        <p:nvCxnSpPr>
+          <p:cNvPr id="52" name="Прямая соединительная линия 51"/>
+          <p:cNvCxnSpPr>
+            <a:stCxn id="46" idx="3"/>
+            <a:endCxn id="48" idx="0"/>
+          </p:cNvCxnSpPr>
+          <p:nvPr/>
+        </p:nvCxnSpPr>
+        <p:spPr>
+          <a:xfrm flipH="1">
+            <a:off x="5208132" y="4529878"/>
+            <a:ext cx="571438" cy="529928"/>
+          </a:xfrm>
+          <a:prstGeom prst="line">
+            <a:avLst/>
+          </a:prstGeom>
+        </p:spPr>
+        <p:style>
+          <a:lnRef idx="1">
+            <a:schemeClr val="accent1"/>
+          </a:lnRef>
+          <a:fillRef idx="0">
+            <a:schemeClr val="accent1"/>
+          </a:fillRef>
+          <a:effectRef idx="0">
+            <a:schemeClr val="accent1"/>
+          </a:effectRef>
+          <a:fontRef idx="minor">
+            <a:schemeClr val="tx1"/>
+          </a:fontRef>
+        </p:style>
+      </p:cxnSp>
+      <p:cxnSp>
+        <p:nvCxnSpPr>
+          <p:cNvPr id="53" name="Прямая соединительная линия 52"/>
+          <p:cNvCxnSpPr>
+            <a:stCxn id="47" idx="4"/>
+            <a:endCxn id="49" idx="0"/>
+          </p:cNvCxnSpPr>
+          <p:nvPr/>
+        </p:nvCxnSpPr>
+        <p:spPr>
+          <a:xfrm>
+            <a:off x="8251072" y="4644735"/>
+            <a:ext cx="0" cy="446358"/>
+          </a:xfrm>
+          <a:prstGeom prst="line">
+            <a:avLst/>
+          </a:prstGeom>
+        </p:spPr>
+        <p:style>
+          <a:lnRef idx="1">
+            <a:schemeClr val="accent1"/>
+          </a:lnRef>
+          <a:fillRef idx="0">
+            <a:schemeClr val="accent1"/>
+          </a:fillRef>
+          <a:effectRef idx="0">
+            <a:schemeClr val="accent1"/>
+          </a:effectRef>
+          <a:fontRef idx="minor">
+            <a:schemeClr val="tx1"/>
+          </a:fontRef>
+        </p:style>
+      </p:cxnSp>
+      <p:sp>
+        <p:nvSpPr>
+          <p:cNvPr id="63" name="Овал 62"/>
+          <p:cNvSpPr/>
+          <p:nvPr/>
+        </p:nvSpPr>
+        <p:spPr>
+          <a:xfrm>
+            <a:off x="3717235" y="1776805"/>
+            <a:ext cx="888386" cy="767659"/>
+          </a:xfrm>
+          <a:prstGeom prst="ellipse">
+            <a:avLst/>
+          </a:prstGeom>
+        </p:spPr>
+        <p:style>
+          <a:lnRef idx="2">
+            <a:schemeClr val="accent1">
+              <a:shade val="50000"/>
+            </a:schemeClr>
+          </a:lnRef>
+          <a:fillRef idx="1">
+            <a:schemeClr val="accent1"/>
+          </a:fillRef>
+          <a:effectRef idx="0">
+            <a:schemeClr val="accent1"/>
+          </a:effectRef>
+          <a:fontRef idx="minor">
+            <a:schemeClr val="lt1"/>
+          </a:fontRef>
+        </p:style>
+        <p:txBody>
+          <a:bodyPr rtlCol="0" anchor="ctr"/>
+          <a:lstStyle/>
+          <a:p>
+            <a:pPr algn="ctr"/>
+            <a:r>
+              <a:rPr lang="ru-RU" sz="3200" dirty="0" smtClean="0"/>
+              <a:t>-</a:t>
+            </a:r>
+            <a:endParaRPr lang="ru-RU" sz="3200" dirty="0"/>
+          </a:p>
+        </p:txBody>
+      </p:sp>
+      <p:sp>
+        <p:nvSpPr>
+          <p:cNvPr id="64" name="Овал 63"/>
+          <p:cNvSpPr/>
+          <p:nvPr/>
+        </p:nvSpPr>
+        <p:spPr>
+          <a:xfrm>
+            <a:off x="2771800" y="2568893"/>
+            <a:ext cx="1074166" cy="784291"/>
+          </a:xfrm>
+          <a:prstGeom prst="ellipse">
+            <a:avLst/>
+          </a:prstGeom>
+        </p:spPr>
+        <p:style>
+          <a:lnRef idx="2">
+            <a:schemeClr val="accent1">
+              <a:shade val="50000"/>
+            </a:schemeClr>
+          </a:lnRef>
+          <a:fillRef idx="1">
+            <a:schemeClr val="accent1"/>
+          </a:fillRef>
+          <a:effectRef idx="0">
+            <a:schemeClr val="accent1"/>
+          </a:effectRef>
+          <a:fontRef idx="minor">
+            <a:schemeClr val="lt1"/>
+          </a:fontRef>
+        </p:style>
+        <p:txBody>
+          <a:bodyPr rtlCol="0" anchor="ctr"/>
+          <a:lstStyle/>
+          <a:p>
+            <a:pPr algn="ctr"/>
+            <a:r>
+              <a:rPr lang="en-US" sz="3200" dirty="0" smtClean="0"/>
+              <a:t>x2</a:t>
+            </a:r>
+            <a:endParaRPr lang="ru-RU" sz="3200" dirty="0"/>
+          </a:p>
+        </p:txBody>
+      </p:sp>
+      <p:sp>
+        <p:nvSpPr>
+          <p:cNvPr id="65" name="Овал 64"/>
+          <p:cNvSpPr/>
+          <p:nvPr/>
+        </p:nvSpPr>
+        <p:spPr>
+          <a:xfrm>
+            <a:off x="4599335" y="2572701"/>
+            <a:ext cx="1058892" cy="784291"/>
+          </a:xfrm>
+          <a:prstGeom prst="ellipse">
+            <a:avLst/>
+          </a:prstGeom>
+        </p:spPr>
+        <p:style>
+          <a:lnRef idx="2">
+            <a:schemeClr val="accent1">
+              <a:shade val="50000"/>
+            </a:schemeClr>
+          </a:lnRef>
+          <a:fillRef idx="1">
+            <a:schemeClr val="accent1"/>
+          </a:fillRef>
+          <a:effectRef idx="0">
+            <a:schemeClr val="accent1"/>
+          </a:effectRef>
+          <a:fontRef idx="minor">
+            <a:schemeClr val="lt1"/>
+          </a:fontRef>
+        </p:style>
+        <p:txBody>
+          <a:bodyPr rtlCol="0" anchor="ctr"/>
+          <a:lstStyle/>
+          <a:p>
+            <a:pPr algn="ctr"/>
+            <a:r>
+              <a:rPr lang="en-US" sz="3200" dirty="0" smtClean="0"/>
+              <a:t>x3</a:t>
+            </a:r>
+            <a:endParaRPr lang="ru-RU" sz="3200" dirty="0"/>
+          </a:p>
+        </p:txBody>
+      </p:sp>
+      <p:cxnSp>
+        <p:nvCxnSpPr>
+          <p:cNvPr id="68" name="Прямая соединительная линия 67"/>
+          <p:cNvCxnSpPr>
+            <a:stCxn id="64" idx="0"/>
+            <a:endCxn id="63" idx="3"/>
+          </p:cNvCxnSpPr>
+          <p:nvPr/>
+        </p:nvCxnSpPr>
+        <p:spPr>
+          <a:xfrm flipV="1">
+            <a:off x="3308883" y="2432043"/>
+            <a:ext cx="538453" cy="136850"/>
+          </a:xfrm>
+          <a:prstGeom prst="line">
+            <a:avLst/>
+          </a:prstGeom>
+        </p:spPr>
+        <p:style>
+          <a:lnRef idx="1">
+            <a:schemeClr val="accent1"/>
+          </a:lnRef>
+          <a:fillRef idx="0">
+            <a:schemeClr val="accent1"/>
+          </a:fillRef>
+          <a:effectRef idx="0">
+            <a:schemeClr val="accent1"/>
+          </a:effectRef>
+          <a:fontRef idx="minor">
+            <a:schemeClr val="tx1"/>
+          </a:fontRef>
+        </p:style>
+      </p:cxnSp>
+      <p:cxnSp>
+        <p:nvCxnSpPr>
+          <p:cNvPr id="69" name="Прямая соединительная линия 68"/>
+          <p:cNvCxnSpPr>
+            <a:stCxn id="63" idx="5"/>
+            <a:endCxn id="65" idx="0"/>
+          </p:cNvCxnSpPr>
+          <p:nvPr/>
+        </p:nvCxnSpPr>
+        <p:spPr>
+          <a:xfrm>
+            <a:off x="4475520" y="2432043"/>
+            <a:ext cx="653261" cy="140658"/>
+          </a:xfrm>
+          <a:prstGeom prst="line">
+            <a:avLst/>
+          </a:prstGeom>
+        </p:spPr>
+        <p:style>
+          <a:lnRef idx="1">
+            <a:schemeClr val="accent1"/>
+          </a:lnRef>
+          <a:fillRef idx="0">
+            <a:schemeClr val="accent1"/>
+          </a:fillRef>
+          <a:effectRef idx="0">
+            <a:schemeClr val="accent1"/>
+          </a:effectRef>
+          <a:fontRef idx="minor">
+            <a:schemeClr val="tx1"/>
+          </a:fontRef>
+        </p:style>
+      </p:cxnSp>
+      <p:sp>
+        <p:nvSpPr>
+          <p:cNvPr id="80" name="Овал 79"/>
+          <p:cNvSpPr/>
+          <p:nvPr/>
+        </p:nvSpPr>
+        <p:spPr>
+          <a:xfrm>
+            <a:off x="6245584" y="5078643"/>
+            <a:ext cx="1120797" cy="841553"/>
+          </a:xfrm>
+          <a:prstGeom prst="ellipse">
+            <a:avLst/>
+          </a:prstGeom>
+        </p:spPr>
+        <p:style>
+          <a:lnRef idx="2">
+            <a:schemeClr val="accent1">
+              <a:shade val="50000"/>
+            </a:schemeClr>
+          </a:lnRef>
+          <a:fillRef idx="1">
+            <a:schemeClr val="accent1"/>
+          </a:fillRef>
+          <a:effectRef idx="0">
+            <a:schemeClr val="accent1"/>
+          </a:effectRef>
+          <a:fontRef idx="minor">
+            <a:schemeClr val="lt1"/>
+          </a:fontRef>
+        </p:style>
+        <p:txBody>
+          <a:bodyPr rtlCol="0" anchor="ctr"/>
+          <a:lstStyle/>
+          <a:p>
+            <a:pPr algn="ctr"/>
+            <a:r>
+              <a:rPr lang="ru-RU" sz="3200" dirty="0" smtClean="0"/>
+              <a:t>3.4</a:t>
+            </a:r>
+            <a:endParaRPr lang="ru-RU" sz="3200" dirty="0"/>
+          </a:p>
+        </p:txBody>
+      </p:sp>
+      <p:cxnSp>
+        <p:nvCxnSpPr>
+          <p:cNvPr id="81" name="Прямая соединительная линия 80"/>
+          <p:cNvCxnSpPr>
+            <a:stCxn id="46" idx="5"/>
+            <a:endCxn id="80" idx="0"/>
+          </p:cNvCxnSpPr>
+          <p:nvPr/>
+        </p:nvCxnSpPr>
+        <p:spPr>
+          <a:xfrm>
+            <a:off x="6449481" y="4529878"/>
+            <a:ext cx="356502" cy="548765"/>
+          </a:xfrm>
+          <a:prstGeom prst="line">
+            <a:avLst/>
+          </a:prstGeom>
+        </p:spPr>
+        <p:style>
+          <a:lnRef idx="1">
+            <a:schemeClr val="accent1"/>
+          </a:lnRef>
+          <a:fillRef idx="0">
+            <a:schemeClr val="accent1"/>
+          </a:fillRef>
+          <a:effectRef idx="0">
+            <a:schemeClr val="accent1"/>
+          </a:effectRef>
+          <a:fontRef idx="minor">
+            <a:schemeClr val="tx1"/>
+          </a:fontRef>
+        </p:style>
+      </p:cxnSp>
+      <p:sp>
+        <p:nvSpPr>
+          <p:cNvPr id="107" name="TextBox 106"/>
+          <p:cNvSpPr txBox="1"/>
+          <p:nvPr/>
+        </p:nvSpPr>
+        <p:spPr>
+          <a:xfrm>
+            <a:off x="683569" y="6232692"/>
+            <a:ext cx="7567504" cy="523220"/>
+          </a:xfrm>
+          <a:prstGeom prst="rect">
+            <a:avLst/>
+          </a:prstGeom>
+          <a:noFill/>
+        </p:spPr>
+        <p:txBody>
+          <a:bodyPr wrap="square" rtlCol="0">
+            <a:spAutoFit/>
           </a:bodyPr>
           <a:lstStyle/>
           <a:p>
-            <a:r>
-              <a:rPr lang="ru-RU" sz="4800" dirty="0" smtClean="0">
+            <a:pPr algn="ctr"/>
+            <a:r>
+              <a:rPr lang="en-US" sz="2800" dirty="0" smtClean="0">
                 <a:latin typeface="Arial" panose="020B0604020202020204" pitchFamily="34" charset="0"/>
                 <a:cs typeface="Arial" panose="020B0604020202020204" pitchFamily="34" charset="0"/>
               </a:rPr>
-              <a:t>Естественный отбор</a:t>
-            </a:r>
-          </a:p>
-          <a:p>
-            <a:r>
-              <a:rPr lang="ru-RU" sz="4800" dirty="0" smtClean="0">
+              <a:t>x – </a:t>
+            </a:r>
+            <a:r>
+              <a:rPr lang="ru-RU" sz="2800" dirty="0" smtClean="0">
                 <a:latin typeface="Arial" panose="020B0604020202020204" pitchFamily="34" charset="0"/>
                 <a:cs typeface="Arial" panose="020B0604020202020204" pitchFamily="34" charset="0"/>
               </a:rPr>
-              <a:t>Скрещивание</a:t>
-            </a:r>
-          </a:p>
-          <a:p>
-            <a:r>
-              <a:rPr lang="ru-RU" sz="4800" dirty="0" smtClean="0">
-                <a:latin typeface="Arial" panose="020B0604020202020204" pitchFamily="34" charset="0"/>
-                <a:cs typeface="Arial" panose="020B0604020202020204" pitchFamily="34" charset="0"/>
-              </a:rPr>
-              <a:t>Мутация</a:t>
-            </a:r>
-            <a:endParaRPr lang="ru-RU" sz="4800" dirty="0">
+              <a:t>признак из исходного набора признаков</a:t>
+            </a:r>
+            <a:endParaRPr lang="ru-RU" sz="2800" dirty="0">
               <a:latin typeface="Arial" panose="020B0604020202020204" pitchFamily="34" charset="0"/>
               <a:cs typeface="Arial" panose="020B0604020202020204" pitchFamily="34" charset="0"/>
             </a:endParaRPr>
@@ -8836,7 +9521,7 @@
     </p:spTree>
     <p:extLst>
       <p:ext uri="{BB962C8B-B14F-4D97-AF65-F5344CB8AC3E}">
-        <p14:creationId xmlns:p14="http://schemas.microsoft.com/office/powerpoint/2010/main" val="3347199953"/>
+        <p14:creationId xmlns:p14="http://schemas.microsoft.com/office/powerpoint/2010/main" val="2508133276"/>
       </p:ext>
     </p:extLst>
   </p:cSld>
@@ -8882,1090 +9567,7 @@
         </p:nvSpPr>
         <p:spPr>
           <a:xfrm>
-            <a:off x="908923" y="332656"/>
-            <a:ext cx="7342149" cy="1168152"/>
-          </a:xfrm>
-        </p:spPr>
-        <p:txBody>
-          <a:bodyPr>
-            <a:normAutofit/>
-          </a:bodyPr>
-          <a:lstStyle/>
-          <a:p>
-            <a:pPr algn="ctr"/>
-            <a:r>
-              <a:rPr lang="ru-RU" dirty="0" smtClean="0"/>
-              <a:t>Лес – набор признаков</a:t>
-            </a:r>
-            <a:endParaRPr lang="ru-RU" dirty="0"/>
-          </a:p>
-        </p:txBody>
-      </p:sp>
-      <p:sp>
-        <p:nvSpPr>
-          <p:cNvPr id="4" name="Овал 3"/>
-          <p:cNvSpPr/>
-          <p:nvPr/>
-        </p:nvSpPr>
-        <p:spPr>
-          <a:xfrm>
-            <a:off x="1091920" y="2996952"/>
-            <a:ext cx="888386" cy="767659"/>
-          </a:xfrm>
-          <a:prstGeom prst="ellipse">
-            <a:avLst/>
-          </a:prstGeom>
-        </p:spPr>
-        <p:style>
-          <a:lnRef idx="2">
-            <a:schemeClr val="accent1">
-              <a:shade val="50000"/>
-            </a:schemeClr>
-          </a:lnRef>
-          <a:fillRef idx="1">
-            <a:schemeClr val="accent1"/>
-          </a:fillRef>
-          <a:effectRef idx="0">
-            <a:schemeClr val="accent1"/>
-          </a:effectRef>
-          <a:fontRef idx="minor">
-            <a:schemeClr val="lt1"/>
-          </a:fontRef>
-        </p:style>
-        <p:txBody>
-          <a:bodyPr rtlCol="0" anchor="ctr"/>
-          <a:lstStyle/>
-          <a:p>
-            <a:pPr algn="ctr"/>
-            <a:r>
-              <a:rPr lang="ru-RU" sz="3200" dirty="0" smtClean="0"/>
-              <a:t>+</a:t>
-            </a:r>
-            <a:endParaRPr lang="ru-RU" sz="3200" dirty="0"/>
-          </a:p>
-        </p:txBody>
-      </p:sp>
-      <p:sp>
-        <p:nvSpPr>
-          <p:cNvPr id="5" name="Овал 4"/>
-          <p:cNvSpPr/>
-          <p:nvPr/>
-        </p:nvSpPr>
-        <p:spPr>
-          <a:xfrm>
-            <a:off x="179512" y="3792848"/>
-            <a:ext cx="1074166" cy="784291"/>
-          </a:xfrm>
-          <a:prstGeom prst="ellipse">
-            <a:avLst/>
-          </a:prstGeom>
-        </p:spPr>
-        <p:style>
-          <a:lnRef idx="2">
-            <a:schemeClr val="accent1">
-              <a:shade val="50000"/>
-            </a:schemeClr>
-          </a:lnRef>
-          <a:fillRef idx="1">
-            <a:schemeClr val="accent1"/>
-          </a:fillRef>
-          <a:effectRef idx="0">
-            <a:schemeClr val="accent1"/>
-          </a:effectRef>
-          <a:fontRef idx="minor">
-            <a:schemeClr val="lt1"/>
-          </a:fontRef>
-        </p:style>
-        <p:txBody>
-          <a:bodyPr rtlCol="0" anchor="ctr"/>
-          <a:lstStyle/>
-          <a:p>
-            <a:pPr algn="ctr"/>
-            <a:r>
-              <a:rPr lang="en-US" sz="3200" dirty="0" smtClean="0"/>
-              <a:t>sin</a:t>
-            </a:r>
-            <a:endParaRPr lang="ru-RU" sz="3200" dirty="0"/>
-          </a:p>
-        </p:txBody>
-      </p:sp>
-      <p:sp>
-        <p:nvSpPr>
-          <p:cNvPr id="6" name="Овал 5"/>
-          <p:cNvSpPr/>
-          <p:nvPr/>
-        </p:nvSpPr>
-        <p:spPr>
-          <a:xfrm>
-            <a:off x="2007047" y="3792848"/>
-            <a:ext cx="1058892" cy="784291"/>
-          </a:xfrm>
-          <a:prstGeom prst="ellipse">
-            <a:avLst/>
-          </a:prstGeom>
-        </p:spPr>
-        <p:style>
-          <a:lnRef idx="2">
-            <a:schemeClr val="accent1">
-              <a:shade val="50000"/>
-            </a:schemeClr>
-          </a:lnRef>
-          <a:fillRef idx="1">
-            <a:schemeClr val="accent1"/>
-          </a:fillRef>
-          <a:effectRef idx="0">
-            <a:schemeClr val="accent1"/>
-          </a:effectRef>
-          <a:fontRef idx="minor">
-            <a:schemeClr val="lt1"/>
-          </a:fontRef>
-        </p:style>
-        <p:txBody>
-          <a:bodyPr rtlCol="0" anchor="ctr"/>
-          <a:lstStyle/>
-          <a:p>
-            <a:pPr algn="ctr"/>
-            <a:r>
-              <a:rPr lang="en-US" sz="3200" dirty="0" smtClean="0"/>
-              <a:t>abs</a:t>
-            </a:r>
-            <a:endParaRPr lang="ru-RU" sz="3200" dirty="0"/>
-          </a:p>
-        </p:txBody>
-      </p:sp>
-      <p:sp>
-        <p:nvSpPr>
-          <p:cNvPr id="7" name="Овал 6"/>
-          <p:cNvSpPr/>
-          <p:nvPr/>
-        </p:nvSpPr>
-        <p:spPr>
-          <a:xfrm>
-            <a:off x="248543" y="5103822"/>
-            <a:ext cx="936104" cy="841553"/>
-          </a:xfrm>
-          <a:prstGeom prst="ellipse">
-            <a:avLst/>
-          </a:prstGeom>
-        </p:spPr>
-        <p:style>
-          <a:lnRef idx="2">
-            <a:schemeClr val="accent1">
-              <a:shade val="50000"/>
-            </a:schemeClr>
-          </a:lnRef>
-          <a:fillRef idx="1">
-            <a:schemeClr val="accent1"/>
-          </a:fillRef>
-          <a:effectRef idx="0">
-            <a:schemeClr val="accent1"/>
-          </a:effectRef>
-          <a:fontRef idx="minor">
-            <a:schemeClr val="lt1"/>
-          </a:fontRef>
-        </p:style>
-        <p:txBody>
-          <a:bodyPr rtlCol="0" anchor="ctr"/>
-          <a:lstStyle/>
-          <a:p>
-            <a:pPr algn="ctr"/>
-            <a:r>
-              <a:rPr lang="en-US" sz="3200" dirty="0" smtClean="0"/>
-              <a:t>x1</a:t>
-            </a:r>
-            <a:endParaRPr lang="ru-RU" sz="3200" dirty="0"/>
-          </a:p>
-        </p:txBody>
-      </p:sp>
-      <p:sp>
-        <p:nvSpPr>
-          <p:cNvPr id="8" name="Овал 7"/>
-          <p:cNvSpPr/>
-          <p:nvPr/>
-        </p:nvSpPr>
-        <p:spPr>
-          <a:xfrm>
-            <a:off x="2046104" y="5103822"/>
-            <a:ext cx="980777" cy="841553"/>
-          </a:xfrm>
-          <a:prstGeom prst="ellipse">
-            <a:avLst/>
-          </a:prstGeom>
-        </p:spPr>
-        <p:style>
-          <a:lnRef idx="2">
-            <a:schemeClr val="accent1">
-              <a:shade val="50000"/>
-            </a:schemeClr>
-          </a:lnRef>
-          <a:fillRef idx="1">
-            <a:schemeClr val="accent1"/>
-          </a:fillRef>
-          <a:effectRef idx="0">
-            <a:schemeClr val="accent1"/>
-          </a:effectRef>
-          <a:fontRef idx="minor">
-            <a:schemeClr val="lt1"/>
-          </a:fontRef>
-        </p:style>
-        <p:txBody>
-          <a:bodyPr rtlCol="0" anchor="ctr"/>
-          <a:lstStyle/>
-          <a:p>
-            <a:pPr algn="ctr"/>
-            <a:r>
-              <a:rPr lang="en-US" sz="3200" dirty="0" smtClean="0"/>
-              <a:t>x2</a:t>
-            </a:r>
-            <a:endParaRPr lang="ru-RU" sz="3200" dirty="0"/>
-          </a:p>
-        </p:txBody>
-      </p:sp>
-      <p:cxnSp>
-        <p:nvCxnSpPr>
-          <p:cNvPr id="10" name="Прямая соединительная линия 9"/>
-          <p:cNvCxnSpPr>
-            <a:endCxn id="4" idx="3"/>
-          </p:cNvCxnSpPr>
-          <p:nvPr/>
-        </p:nvCxnSpPr>
-        <p:spPr>
-          <a:xfrm flipV="1">
-            <a:off x="683568" y="3652190"/>
-            <a:ext cx="538453" cy="140658"/>
-          </a:xfrm>
-          <a:prstGeom prst="line">
-            <a:avLst/>
-          </a:prstGeom>
-        </p:spPr>
-        <p:style>
-          <a:lnRef idx="1">
-            <a:schemeClr val="accent1"/>
-          </a:lnRef>
-          <a:fillRef idx="0">
-            <a:schemeClr val="accent1"/>
-          </a:fillRef>
-          <a:effectRef idx="0">
-            <a:schemeClr val="accent1"/>
-          </a:effectRef>
-          <a:fontRef idx="minor">
-            <a:schemeClr val="tx1"/>
-          </a:fontRef>
-        </p:style>
-      </p:cxnSp>
-      <p:cxnSp>
-        <p:nvCxnSpPr>
-          <p:cNvPr id="12" name="Прямая соединительная линия 11"/>
-          <p:cNvCxnSpPr>
-            <a:stCxn id="4" idx="5"/>
-          </p:cNvCxnSpPr>
-          <p:nvPr/>
-        </p:nvCxnSpPr>
-        <p:spPr>
-          <a:xfrm>
-            <a:off x="1850205" y="3652190"/>
-            <a:ext cx="653261" cy="140658"/>
-          </a:xfrm>
-          <a:prstGeom prst="line">
-            <a:avLst/>
-          </a:prstGeom>
-        </p:spPr>
-        <p:style>
-          <a:lnRef idx="1">
-            <a:schemeClr val="accent1"/>
-          </a:lnRef>
-          <a:fillRef idx="0">
-            <a:schemeClr val="accent1"/>
-          </a:fillRef>
-          <a:effectRef idx="0">
-            <a:schemeClr val="accent1"/>
-          </a:effectRef>
-          <a:fontRef idx="minor">
-            <a:schemeClr val="tx1"/>
-          </a:fontRef>
-        </p:style>
-      </p:cxnSp>
-      <p:cxnSp>
-        <p:nvCxnSpPr>
-          <p:cNvPr id="18" name="Прямая соединительная линия 17"/>
-          <p:cNvCxnSpPr/>
-          <p:nvPr/>
-        </p:nvCxnSpPr>
-        <p:spPr>
-          <a:xfrm>
-            <a:off x="683568" y="4577139"/>
-            <a:ext cx="0" cy="526683"/>
-          </a:xfrm>
-          <a:prstGeom prst="line">
-            <a:avLst/>
-          </a:prstGeom>
-        </p:spPr>
-        <p:style>
-          <a:lnRef idx="1">
-            <a:schemeClr val="accent1"/>
-          </a:lnRef>
-          <a:fillRef idx="0">
-            <a:schemeClr val="accent1"/>
-          </a:fillRef>
-          <a:effectRef idx="0">
-            <a:schemeClr val="accent1"/>
-          </a:effectRef>
-          <a:fontRef idx="minor">
-            <a:schemeClr val="tx1"/>
-          </a:fontRef>
-        </p:style>
-      </p:cxnSp>
-      <p:cxnSp>
-        <p:nvCxnSpPr>
-          <p:cNvPr id="20" name="Прямая соединительная линия 19"/>
-          <p:cNvCxnSpPr/>
-          <p:nvPr/>
-        </p:nvCxnSpPr>
-        <p:spPr>
-          <a:xfrm>
-            <a:off x="2503466" y="4577139"/>
-            <a:ext cx="0" cy="526683"/>
-          </a:xfrm>
-          <a:prstGeom prst="line">
-            <a:avLst/>
-          </a:prstGeom>
-        </p:spPr>
-        <p:style>
-          <a:lnRef idx="1">
-            <a:schemeClr val="accent1"/>
-          </a:lnRef>
-          <a:fillRef idx="0">
-            <a:schemeClr val="accent1"/>
-          </a:fillRef>
-          <a:effectRef idx="0">
-            <a:schemeClr val="accent1"/>
-          </a:effectRef>
-          <a:fontRef idx="minor">
-            <a:schemeClr val="tx1"/>
-          </a:fontRef>
-        </p:style>
-      </p:cxnSp>
-      <p:sp>
-        <p:nvSpPr>
-          <p:cNvPr id="45" name="Овал 44"/>
-          <p:cNvSpPr/>
-          <p:nvPr/>
-        </p:nvSpPr>
-        <p:spPr>
-          <a:xfrm>
-            <a:off x="6799572" y="3064548"/>
-            <a:ext cx="888386" cy="767659"/>
-          </a:xfrm>
-          <a:prstGeom prst="ellipse">
-            <a:avLst/>
-          </a:prstGeom>
-        </p:spPr>
-        <p:style>
-          <a:lnRef idx="2">
-            <a:schemeClr val="accent1">
-              <a:shade val="50000"/>
-            </a:schemeClr>
-          </a:lnRef>
-          <a:fillRef idx="1">
-            <a:schemeClr val="accent1"/>
-          </a:fillRef>
-          <a:effectRef idx="0">
-            <a:schemeClr val="accent1"/>
-          </a:effectRef>
-          <a:fontRef idx="minor">
-            <a:schemeClr val="lt1"/>
-          </a:fontRef>
-        </p:style>
-        <p:txBody>
-          <a:bodyPr rtlCol="0" anchor="ctr"/>
-          <a:lstStyle/>
-          <a:p>
-            <a:pPr algn="ctr"/>
-            <a:r>
-              <a:rPr lang="en-US" sz="3200" dirty="0"/>
-              <a:t>*</a:t>
-            </a:r>
-            <a:endParaRPr lang="ru-RU" sz="3200" dirty="0"/>
-          </a:p>
-        </p:txBody>
-      </p:sp>
-      <p:sp>
-        <p:nvSpPr>
-          <p:cNvPr id="46" name="Овал 45"/>
-          <p:cNvSpPr/>
-          <p:nvPr/>
-        </p:nvSpPr>
-        <p:spPr>
-          <a:xfrm>
-            <a:off x="5640827" y="3860444"/>
-            <a:ext cx="947397" cy="784291"/>
-          </a:xfrm>
-          <a:prstGeom prst="ellipse">
-            <a:avLst/>
-          </a:prstGeom>
-        </p:spPr>
-        <p:style>
-          <a:lnRef idx="2">
-            <a:schemeClr val="accent1">
-              <a:shade val="50000"/>
-            </a:schemeClr>
-          </a:lnRef>
-          <a:fillRef idx="1">
-            <a:schemeClr val="accent1"/>
-          </a:fillRef>
-          <a:effectRef idx="0">
-            <a:schemeClr val="accent1"/>
-          </a:effectRef>
-          <a:fontRef idx="minor">
-            <a:schemeClr val="lt1"/>
-          </a:fontRef>
-        </p:style>
-        <p:txBody>
-          <a:bodyPr rtlCol="0" anchor="ctr"/>
-          <a:lstStyle/>
-          <a:p>
-            <a:pPr algn="ctr"/>
-            <a:r>
-              <a:rPr lang="en-US" sz="3200" dirty="0"/>
-              <a:t>+</a:t>
-            </a:r>
-            <a:endParaRPr lang="ru-RU" sz="3200" dirty="0"/>
-          </a:p>
-        </p:txBody>
-      </p:sp>
-      <p:sp>
-        <p:nvSpPr>
-          <p:cNvPr id="47" name="Овал 46"/>
-          <p:cNvSpPr/>
-          <p:nvPr/>
-        </p:nvSpPr>
-        <p:spPr>
-          <a:xfrm>
-            <a:off x="7681672" y="3860444"/>
-            <a:ext cx="1138800" cy="784291"/>
-          </a:xfrm>
-          <a:prstGeom prst="ellipse">
-            <a:avLst/>
-          </a:prstGeom>
-        </p:spPr>
-        <p:style>
-          <a:lnRef idx="2">
-            <a:schemeClr val="accent1">
-              <a:shade val="50000"/>
-            </a:schemeClr>
-          </a:lnRef>
-          <a:fillRef idx="1">
-            <a:schemeClr val="accent1"/>
-          </a:fillRef>
-          <a:effectRef idx="0">
-            <a:schemeClr val="accent1"/>
-          </a:effectRef>
-          <a:fontRef idx="minor">
-            <a:schemeClr val="lt1"/>
-          </a:fontRef>
-        </p:style>
-        <p:txBody>
-          <a:bodyPr rtlCol="0" anchor="ctr"/>
-          <a:lstStyle/>
-          <a:p>
-            <a:pPr algn="ctr"/>
-            <a:r>
-              <a:rPr lang="en-US" sz="3200" dirty="0" err="1" smtClean="0"/>
-              <a:t>sqrt</a:t>
-            </a:r>
-            <a:endParaRPr lang="ru-RU" sz="3200" dirty="0"/>
-          </a:p>
-        </p:txBody>
-      </p:sp>
-      <p:sp>
-        <p:nvSpPr>
-          <p:cNvPr id="48" name="Овал 47"/>
-          <p:cNvSpPr/>
-          <p:nvPr/>
-        </p:nvSpPr>
-        <p:spPr>
-          <a:xfrm>
-            <a:off x="4740080" y="5059806"/>
-            <a:ext cx="936104" cy="841553"/>
-          </a:xfrm>
-          <a:prstGeom prst="ellipse">
-            <a:avLst/>
-          </a:prstGeom>
-        </p:spPr>
-        <p:style>
-          <a:lnRef idx="2">
-            <a:schemeClr val="accent1">
-              <a:shade val="50000"/>
-            </a:schemeClr>
-          </a:lnRef>
-          <a:fillRef idx="1">
-            <a:schemeClr val="accent1"/>
-          </a:fillRef>
-          <a:effectRef idx="0">
-            <a:schemeClr val="accent1"/>
-          </a:effectRef>
-          <a:fontRef idx="minor">
-            <a:schemeClr val="lt1"/>
-          </a:fontRef>
-        </p:style>
-        <p:txBody>
-          <a:bodyPr rtlCol="0" anchor="ctr"/>
-          <a:lstStyle/>
-          <a:p>
-            <a:pPr algn="ctr"/>
-            <a:r>
-              <a:rPr lang="en-US" sz="3200" dirty="0" smtClean="0"/>
-              <a:t>x4</a:t>
-            </a:r>
-            <a:endParaRPr lang="ru-RU" sz="3200" dirty="0"/>
-          </a:p>
-        </p:txBody>
-      </p:sp>
-      <p:sp>
-        <p:nvSpPr>
-          <p:cNvPr id="49" name="Овал 48"/>
-          <p:cNvSpPr/>
-          <p:nvPr/>
-        </p:nvSpPr>
-        <p:spPr>
-          <a:xfrm>
-            <a:off x="7784377" y="5091093"/>
-            <a:ext cx="933390" cy="829103"/>
-          </a:xfrm>
-          <a:prstGeom prst="ellipse">
-            <a:avLst/>
-          </a:prstGeom>
-        </p:spPr>
-        <p:style>
-          <a:lnRef idx="2">
-            <a:schemeClr val="accent1">
-              <a:shade val="50000"/>
-            </a:schemeClr>
-          </a:lnRef>
-          <a:fillRef idx="1">
-            <a:schemeClr val="accent1"/>
-          </a:fillRef>
-          <a:effectRef idx="0">
-            <a:schemeClr val="accent1"/>
-          </a:effectRef>
-          <a:fontRef idx="minor">
-            <a:schemeClr val="lt1"/>
-          </a:fontRef>
-        </p:style>
-        <p:txBody>
-          <a:bodyPr rtlCol="0" anchor="ctr"/>
-          <a:lstStyle/>
-          <a:p>
-            <a:pPr algn="ctr"/>
-            <a:r>
-              <a:rPr lang="en-US" sz="3200" dirty="0" smtClean="0"/>
-              <a:t>x2</a:t>
-            </a:r>
-            <a:endParaRPr lang="ru-RU" sz="3200" dirty="0"/>
-          </a:p>
-        </p:txBody>
-      </p:sp>
-      <p:cxnSp>
-        <p:nvCxnSpPr>
-          <p:cNvPr id="50" name="Прямая соединительная линия 49"/>
-          <p:cNvCxnSpPr>
-            <a:stCxn id="46" idx="0"/>
-            <a:endCxn id="45" idx="3"/>
-          </p:cNvCxnSpPr>
-          <p:nvPr/>
-        </p:nvCxnSpPr>
-        <p:spPr>
-          <a:xfrm flipV="1">
-            <a:off x="6114526" y="3719786"/>
-            <a:ext cx="815147" cy="140658"/>
-          </a:xfrm>
-          <a:prstGeom prst="line">
-            <a:avLst/>
-          </a:prstGeom>
-        </p:spPr>
-        <p:style>
-          <a:lnRef idx="1">
-            <a:schemeClr val="accent1"/>
-          </a:lnRef>
-          <a:fillRef idx="0">
-            <a:schemeClr val="accent1"/>
-          </a:fillRef>
-          <a:effectRef idx="0">
-            <a:schemeClr val="accent1"/>
-          </a:effectRef>
-          <a:fontRef idx="minor">
-            <a:schemeClr val="tx1"/>
-          </a:fontRef>
-        </p:style>
-      </p:cxnSp>
-      <p:cxnSp>
-        <p:nvCxnSpPr>
-          <p:cNvPr id="51" name="Прямая соединительная линия 50"/>
-          <p:cNvCxnSpPr>
-            <a:stCxn id="45" idx="5"/>
-            <a:endCxn id="47" idx="0"/>
-          </p:cNvCxnSpPr>
-          <p:nvPr/>
-        </p:nvCxnSpPr>
-        <p:spPr>
-          <a:xfrm>
-            <a:off x="7557857" y="3719786"/>
-            <a:ext cx="693215" cy="140658"/>
-          </a:xfrm>
-          <a:prstGeom prst="line">
-            <a:avLst/>
-          </a:prstGeom>
-        </p:spPr>
-        <p:style>
-          <a:lnRef idx="1">
-            <a:schemeClr val="accent1"/>
-          </a:lnRef>
-          <a:fillRef idx="0">
-            <a:schemeClr val="accent1"/>
-          </a:fillRef>
-          <a:effectRef idx="0">
-            <a:schemeClr val="accent1"/>
-          </a:effectRef>
-          <a:fontRef idx="minor">
-            <a:schemeClr val="tx1"/>
-          </a:fontRef>
-        </p:style>
-      </p:cxnSp>
-      <p:cxnSp>
-        <p:nvCxnSpPr>
-          <p:cNvPr id="52" name="Прямая соединительная линия 51"/>
-          <p:cNvCxnSpPr>
-            <a:stCxn id="46" idx="3"/>
-            <a:endCxn id="48" idx="0"/>
-          </p:cNvCxnSpPr>
-          <p:nvPr/>
-        </p:nvCxnSpPr>
-        <p:spPr>
-          <a:xfrm flipH="1">
-            <a:off x="5208132" y="4529878"/>
-            <a:ext cx="571438" cy="529928"/>
-          </a:xfrm>
-          <a:prstGeom prst="line">
-            <a:avLst/>
-          </a:prstGeom>
-        </p:spPr>
-        <p:style>
-          <a:lnRef idx="1">
-            <a:schemeClr val="accent1"/>
-          </a:lnRef>
-          <a:fillRef idx="0">
-            <a:schemeClr val="accent1"/>
-          </a:fillRef>
-          <a:effectRef idx="0">
-            <a:schemeClr val="accent1"/>
-          </a:effectRef>
-          <a:fontRef idx="minor">
-            <a:schemeClr val="tx1"/>
-          </a:fontRef>
-        </p:style>
-      </p:cxnSp>
-      <p:cxnSp>
-        <p:nvCxnSpPr>
-          <p:cNvPr id="53" name="Прямая соединительная линия 52"/>
-          <p:cNvCxnSpPr>
-            <a:stCxn id="47" idx="4"/>
-            <a:endCxn id="49" idx="0"/>
-          </p:cNvCxnSpPr>
-          <p:nvPr/>
-        </p:nvCxnSpPr>
-        <p:spPr>
-          <a:xfrm>
-            <a:off x="8251072" y="4644735"/>
-            <a:ext cx="0" cy="446358"/>
-          </a:xfrm>
-          <a:prstGeom prst="line">
-            <a:avLst/>
-          </a:prstGeom>
-        </p:spPr>
-        <p:style>
-          <a:lnRef idx="1">
-            <a:schemeClr val="accent1"/>
-          </a:lnRef>
-          <a:fillRef idx="0">
-            <a:schemeClr val="accent1"/>
-          </a:fillRef>
-          <a:effectRef idx="0">
-            <a:schemeClr val="accent1"/>
-          </a:effectRef>
-          <a:fontRef idx="minor">
-            <a:schemeClr val="tx1"/>
-          </a:fontRef>
-        </p:style>
-      </p:cxnSp>
-      <p:sp>
-        <p:nvSpPr>
-          <p:cNvPr id="63" name="Овал 62"/>
-          <p:cNvSpPr/>
-          <p:nvPr/>
-        </p:nvSpPr>
-        <p:spPr>
-          <a:xfrm>
-            <a:off x="3717235" y="1776805"/>
-            <a:ext cx="888386" cy="767659"/>
-          </a:xfrm>
-          <a:prstGeom prst="ellipse">
-            <a:avLst/>
-          </a:prstGeom>
-        </p:spPr>
-        <p:style>
-          <a:lnRef idx="2">
-            <a:schemeClr val="accent1">
-              <a:shade val="50000"/>
-            </a:schemeClr>
-          </a:lnRef>
-          <a:fillRef idx="1">
-            <a:schemeClr val="accent1"/>
-          </a:fillRef>
-          <a:effectRef idx="0">
-            <a:schemeClr val="accent1"/>
-          </a:effectRef>
-          <a:fontRef idx="minor">
-            <a:schemeClr val="lt1"/>
-          </a:fontRef>
-        </p:style>
-        <p:txBody>
-          <a:bodyPr rtlCol="0" anchor="ctr"/>
-          <a:lstStyle/>
-          <a:p>
-            <a:pPr algn="ctr"/>
-            <a:r>
-              <a:rPr lang="ru-RU" sz="3200" dirty="0" smtClean="0"/>
-              <a:t>-</a:t>
-            </a:r>
-            <a:endParaRPr lang="ru-RU" sz="3200" dirty="0"/>
-          </a:p>
-        </p:txBody>
-      </p:sp>
-      <p:sp>
-        <p:nvSpPr>
-          <p:cNvPr id="64" name="Овал 63"/>
-          <p:cNvSpPr/>
-          <p:nvPr/>
-        </p:nvSpPr>
-        <p:spPr>
-          <a:xfrm>
-            <a:off x="2771800" y="2568893"/>
-            <a:ext cx="1074166" cy="784291"/>
-          </a:xfrm>
-          <a:prstGeom prst="ellipse">
-            <a:avLst/>
-          </a:prstGeom>
-        </p:spPr>
-        <p:style>
-          <a:lnRef idx="2">
-            <a:schemeClr val="accent1">
-              <a:shade val="50000"/>
-            </a:schemeClr>
-          </a:lnRef>
-          <a:fillRef idx="1">
-            <a:schemeClr val="accent1"/>
-          </a:fillRef>
-          <a:effectRef idx="0">
-            <a:schemeClr val="accent1"/>
-          </a:effectRef>
-          <a:fontRef idx="minor">
-            <a:schemeClr val="lt1"/>
-          </a:fontRef>
-        </p:style>
-        <p:txBody>
-          <a:bodyPr rtlCol="0" anchor="ctr"/>
-          <a:lstStyle/>
-          <a:p>
-            <a:pPr algn="ctr"/>
-            <a:r>
-              <a:rPr lang="en-US" sz="3200" dirty="0" smtClean="0"/>
-              <a:t>x2</a:t>
-            </a:r>
-            <a:endParaRPr lang="ru-RU" sz="3200" dirty="0"/>
-          </a:p>
-        </p:txBody>
-      </p:sp>
-      <p:sp>
-        <p:nvSpPr>
-          <p:cNvPr id="65" name="Овал 64"/>
-          <p:cNvSpPr/>
-          <p:nvPr/>
-        </p:nvSpPr>
-        <p:spPr>
-          <a:xfrm>
-            <a:off x="4599335" y="2572701"/>
-            <a:ext cx="1058892" cy="784291"/>
-          </a:xfrm>
-          <a:prstGeom prst="ellipse">
-            <a:avLst/>
-          </a:prstGeom>
-        </p:spPr>
-        <p:style>
-          <a:lnRef idx="2">
-            <a:schemeClr val="accent1">
-              <a:shade val="50000"/>
-            </a:schemeClr>
-          </a:lnRef>
-          <a:fillRef idx="1">
-            <a:schemeClr val="accent1"/>
-          </a:fillRef>
-          <a:effectRef idx="0">
-            <a:schemeClr val="accent1"/>
-          </a:effectRef>
-          <a:fontRef idx="minor">
-            <a:schemeClr val="lt1"/>
-          </a:fontRef>
-        </p:style>
-        <p:txBody>
-          <a:bodyPr rtlCol="0" anchor="ctr"/>
-          <a:lstStyle/>
-          <a:p>
-            <a:pPr algn="ctr"/>
-            <a:r>
-              <a:rPr lang="en-US" sz="3200" dirty="0" smtClean="0"/>
-              <a:t>x3</a:t>
-            </a:r>
-            <a:endParaRPr lang="ru-RU" sz="3200" dirty="0"/>
-          </a:p>
-        </p:txBody>
-      </p:sp>
-      <p:cxnSp>
-        <p:nvCxnSpPr>
-          <p:cNvPr id="68" name="Прямая соединительная линия 67"/>
-          <p:cNvCxnSpPr>
-            <a:stCxn id="64" idx="0"/>
-            <a:endCxn id="63" idx="3"/>
-          </p:cNvCxnSpPr>
-          <p:nvPr/>
-        </p:nvCxnSpPr>
-        <p:spPr>
-          <a:xfrm flipV="1">
-            <a:off x="3308883" y="2432043"/>
-            <a:ext cx="538453" cy="136850"/>
-          </a:xfrm>
-          <a:prstGeom prst="line">
-            <a:avLst/>
-          </a:prstGeom>
-        </p:spPr>
-        <p:style>
-          <a:lnRef idx="1">
-            <a:schemeClr val="accent1"/>
-          </a:lnRef>
-          <a:fillRef idx="0">
-            <a:schemeClr val="accent1"/>
-          </a:fillRef>
-          <a:effectRef idx="0">
-            <a:schemeClr val="accent1"/>
-          </a:effectRef>
-          <a:fontRef idx="minor">
-            <a:schemeClr val="tx1"/>
-          </a:fontRef>
-        </p:style>
-      </p:cxnSp>
-      <p:cxnSp>
-        <p:nvCxnSpPr>
-          <p:cNvPr id="69" name="Прямая соединительная линия 68"/>
-          <p:cNvCxnSpPr>
-            <a:stCxn id="63" idx="5"/>
-            <a:endCxn id="65" idx="0"/>
-          </p:cNvCxnSpPr>
-          <p:nvPr/>
-        </p:nvCxnSpPr>
-        <p:spPr>
-          <a:xfrm>
-            <a:off x="4475520" y="2432043"/>
-            <a:ext cx="653261" cy="140658"/>
-          </a:xfrm>
-          <a:prstGeom prst="line">
-            <a:avLst/>
-          </a:prstGeom>
-        </p:spPr>
-        <p:style>
-          <a:lnRef idx="1">
-            <a:schemeClr val="accent1"/>
-          </a:lnRef>
-          <a:fillRef idx="0">
-            <a:schemeClr val="accent1"/>
-          </a:fillRef>
-          <a:effectRef idx="0">
-            <a:schemeClr val="accent1"/>
-          </a:effectRef>
-          <a:fontRef idx="minor">
-            <a:schemeClr val="tx1"/>
-          </a:fontRef>
-        </p:style>
-      </p:cxnSp>
-      <p:sp>
-        <p:nvSpPr>
-          <p:cNvPr id="80" name="Овал 79"/>
-          <p:cNvSpPr/>
-          <p:nvPr/>
-        </p:nvSpPr>
-        <p:spPr>
-          <a:xfrm>
-            <a:off x="6245584" y="5078643"/>
-            <a:ext cx="1120797" cy="841553"/>
-          </a:xfrm>
-          <a:prstGeom prst="ellipse">
-            <a:avLst/>
-          </a:prstGeom>
-        </p:spPr>
-        <p:style>
-          <a:lnRef idx="2">
-            <a:schemeClr val="accent1">
-              <a:shade val="50000"/>
-            </a:schemeClr>
-          </a:lnRef>
-          <a:fillRef idx="1">
-            <a:schemeClr val="accent1"/>
-          </a:fillRef>
-          <a:effectRef idx="0">
-            <a:schemeClr val="accent1"/>
-          </a:effectRef>
-          <a:fontRef idx="minor">
-            <a:schemeClr val="lt1"/>
-          </a:fontRef>
-        </p:style>
-        <p:txBody>
-          <a:bodyPr rtlCol="0" anchor="ctr"/>
-          <a:lstStyle/>
-          <a:p>
-            <a:pPr algn="ctr"/>
-            <a:r>
-              <a:rPr lang="ru-RU" sz="3200" dirty="0" smtClean="0"/>
-              <a:t>3.4</a:t>
-            </a:r>
-            <a:endParaRPr lang="ru-RU" sz="3200" dirty="0"/>
-          </a:p>
-        </p:txBody>
-      </p:sp>
-      <p:cxnSp>
-        <p:nvCxnSpPr>
-          <p:cNvPr id="81" name="Прямая соединительная линия 80"/>
-          <p:cNvCxnSpPr>
-            <a:stCxn id="46" idx="5"/>
-            <a:endCxn id="80" idx="0"/>
-          </p:cNvCxnSpPr>
-          <p:nvPr/>
-        </p:nvCxnSpPr>
-        <p:spPr>
-          <a:xfrm>
-            <a:off x="6449481" y="4529878"/>
-            <a:ext cx="356502" cy="548765"/>
-          </a:xfrm>
-          <a:prstGeom prst="line">
-            <a:avLst/>
-          </a:prstGeom>
-        </p:spPr>
-        <p:style>
-          <a:lnRef idx="1">
-            <a:schemeClr val="accent1"/>
-          </a:lnRef>
-          <a:fillRef idx="0">
-            <a:schemeClr val="accent1"/>
-          </a:fillRef>
-          <a:effectRef idx="0">
-            <a:schemeClr val="accent1"/>
-          </a:effectRef>
-          <a:fontRef idx="minor">
-            <a:schemeClr val="tx1"/>
-          </a:fontRef>
-        </p:style>
-      </p:cxnSp>
-      <p:sp>
-        <p:nvSpPr>
-          <p:cNvPr id="107" name="TextBox 106"/>
-          <p:cNvSpPr txBox="1"/>
-          <p:nvPr/>
-        </p:nvSpPr>
-        <p:spPr>
-          <a:xfrm>
-            <a:off x="683569" y="6232692"/>
-            <a:ext cx="7567504" cy="523220"/>
-          </a:xfrm>
-          <a:prstGeom prst="rect">
-            <a:avLst/>
-          </a:prstGeom>
-          <a:noFill/>
-        </p:spPr>
-        <p:txBody>
-          <a:bodyPr wrap="square" rtlCol="0">
-            <a:spAutoFit/>
-          </a:bodyPr>
-          <a:lstStyle/>
-          <a:p>
-            <a:pPr algn="ctr"/>
-            <a:r>
-              <a:rPr lang="en-US" sz="2800" dirty="0" smtClean="0">
-                <a:latin typeface="Arial" panose="020B0604020202020204" pitchFamily="34" charset="0"/>
-                <a:cs typeface="Arial" panose="020B0604020202020204" pitchFamily="34" charset="0"/>
-              </a:rPr>
-              <a:t>x – </a:t>
-            </a:r>
-            <a:r>
-              <a:rPr lang="ru-RU" sz="2800" dirty="0" smtClean="0">
-                <a:latin typeface="Arial" panose="020B0604020202020204" pitchFamily="34" charset="0"/>
-                <a:cs typeface="Arial" panose="020B0604020202020204" pitchFamily="34" charset="0"/>
-              </a:rPr>
-              <a:t>признак из исходного набора признаков</a:t>
-            </a:r>
-            <a:endParaRPr lang="ru-RU" sz="2800" dirty="0">
-              <a:latin typeface="Arial" panose="020B0604020202020204" pitchFamily="34" charset="0"/>
-              <a:cs typeface="Arial" panose="020B0604020202020204" pitchFamily="34" charset="0"/>
-            </a:endParaRPr>
-          </a:p>
-        </p:txBody>
-      </p:sp>
-    </p:spTree>
-    <p:extLst>
-      <p:ext uri="{BB962C8B-B14F-4D97-AF65-F5344CB8AC3E}">
-        <p14:creationId xmlns:p14="http://schemas.microsoft.com/office/powerpoint/2010/main" val="2508133276"/>
-      </p:ext>
-    </p:extLst>
-  </p:cSld>
-  <p:clrMapOvr>
-    <a:masterClrMapping/>
-  </p:clrMapOvr>
-  <p:timing>
-    <p:tnLst>
-      <p:par>
-        <p:cTn id="1" dur="indefinite" restart="never" nodeType="tmRoot"/>
-      </p:par>
-    </p:tnLst>
-  </p:timing>
-</p:sld>
-</file>
-
-<file path=ppt/slides/slide17.xml><?xml version="1.0" encoding="utf-8"?>
-<p:sld xmlns:a="http://schemas.openxmlformats.org/drawingml/2006/main" xmlns:r="http://schemas.openxmlformats.org/officeDocument/2006/relationships" xmlns:p="http://schemas.openxmlformats.org/presentationml/2006/main">
-  <p:cSld>
-    <p:spTree>
-      <p:nvGrpSpPr>
-        <p:cNvPr id="1" name=""/>
-        <p:cNvGrpSpPr/>
-        <p:nvPr/>
-      </p:nvGrpSpPr>
-      <p:grpSpPr>
-        <a:xfrm>
-          <a:off x="0" y="0"/>
-          <a:ext cx="0" cy="0"/>
-          <a:chOff x="0" y="0"/>
-          <a:chExt cx="0" cy="0"/>
-        </a:xfrm>
-      </p:grpSpPr>
-      <p:sp>
-        <p:nvSpPr>
-          <p:cNvPr id="2" name="Заголовок 1"/>
-          <p:cNvSpPr>
-            <a:spLocks noGrp="1"/>
-          </p:cNvSpPr>
-          <p:nvPr>
-            <p:ph type="title"/>
-          </p:nvPr>
-        </p:nvSpPr>
-        <p:spPr>
-          <a:xfrm>
-            <a:off x="1318592" y="404664"/>
+            <a:off x="1318592" y="42392"/>
             <a:ext cx="6781800" cy="1514400"/>
           </a:xfrm>
         </p:spPr>
@@ -10592,6 +10194,2402 @@
 </p:sld>
 </file>
 
+<file path=ppt/slides/slide17.xml><?xml version="1.0" encoding="utf-8"?>
+<p:sld xmlns:a="http://schemas.openxmlformats.org/drawingml/2006/main" xmlns:r="http://schemas.openxmlformats.org/officeDocument/2006/relationships" xmlns:p="http://schemas.openxmlformats.org/presentationml/2006/main">
+  <p:cSld>
+    <p:spTree>
+      <p:nvGrpSpPr>
+        <p:cNvPr id="1" name=""/>
+        <p:cNvGrpSpPr/>
+        <p:nvPr/>
+      </p:nvGrpSpPr>
+      <p:grpSpPr>
+        <a:xfrm>
+          <a:off x="0" y="0"/>
+          <a:ext cx="0" cy="0"/>
+          <a:chOff x="0" y="0"/>
+          <a:chExt cx="0" cy="0"/>
+        </a:xfrm>
+      </p:grpSpPr>
+      <p:sp>
+        <p:nvSpPr>
+          <p:cNvPr id="2" name="Заголовок 1"/>
+          <p:cNvSpPr>
+            <a:spLocks noGrp="1"/>
+          </p:cNvSpPr>
+          <p:nvPr>
+            <p:ph type="title"/>
+          </p:nvPr>
+        </p:nvSpPr>
+        <p:spPr>
+          <a:xfrm>
+            <a:off x="1318592" y="42392"/>
+            <a:ext cx="6781800" cy="1514400"/>
+          </a:xfrm>
+        </p:spPr>
+        <p:txBody>
+          <a:bodyPr>
+            <a:normAutofit/>
+          </a:bodyPr>
+          <a:lstStyle/>
+          <a:p>
+            <a:pPr algn="ctr"/>
+            <a:r>
+              <a:rPr lang="ru-RU" dirty="0" err="1" smtClean="0"/>
+              <a:t>Коэволюция</a:t>
+            </a:r>
+            <a:endParaRPr lang="ru-RU" dirty="0"/>
+          </a:p>
+        </p:txBody>
+      </p:sp>
+      <p:sp>
+        <p:nvSpPr>
+          <p:cNvPr id="5" name="Овал 4"/>
+          <p:cNvSpPr/>
+          <p:nvPr/>
+        </p:nvSpPr>
+        <p:spPr>
+          <a:xfrm>
+            <a:off x="1212241" y="2996953"/>
+            <a:ext cx="711995" cy="394558"/>
+          </a:xfrm>
+          <a:prstGeom prst="ellipse">
+            <a:avLst/>
+          </a:prstGeom>
+        </p:spPr>
+        <p:style>
+          <a:lnRef idx="2">
+            <a:schemeClr val="accent1">
+              <a:shade val="50000"/>
+            </a:schemeClr>
+          </a:lnRef>
+          <a:fillRef idx="1">
+            <a:schemeClr val="accent1"/>
+          </a:fillRef>
+          <a:effectRef idx="0">
+            <a:schemeClr val="accent1"/>
+          </a:effectRef>
+          <a:fontRef idx="minor">
+            <a:schemeClr val="lt1"/>
+          </a:fontRef>
+        </p:style>
+        <p:txBody>
+          <a:bodyPr rtlCol="0" anchor="ctr"/>
+          <a:lstStyle/>
+          <a:p>
+            <a:pPr algn="ctr"/>
+            <a:r>
+              <a:rPr lang="ru-RU" dirty="0" smtClean="0">
+                <a:latin typeface="Arial" panose="020B0604020202020204" pitchFamily="34" charset="0"/>
+                <a:cs typeface="Arial" panose="020B0604020202020204" pitchFamily="34" charset="0"/>
+              </a:rPr>
+              <a:t>+</a:t>
+            </a:r>
+            <a:endParaRPr lang="ru-RU" dirty="0">
+              <a:latin typeface="Arial" panose="020B0604020202020204" pitchFamily="34" charset="0"/>
+              <a:cs typeface="Arial" panose="020B0604020202020204" pitchFamily="34" charset="0"/>
+            </a:endParaRPr>
+          </a:p>
+        </p:txBody>
+      </p:sp>
+      <p:sp>
+        <p:nvSpPr>
+          <p:cNvPr id="6" name="Овал 5"/>
+          <p:cNvSpPr/>
+          <p:nvPr/>
+        </p:nvSpPr>
+        <p:spPr>
+          <a:xfrm>
+            <a:off x="502735" y="3526733"/>
+            <a:ext cx="860888" cy="403107"/>
+          </a:xfrm>
+          <a:prstGeom prst="ellipse">
+            <a:avLst/>
+          </a:prstGeom>
+        </p:spPr>
+        <p:style>
+          <a:lnRef idx="2">
+            <a:schemeClr val="accent1">
+              <a:shade val="50000"/>
+            </a:schemeClr>
+          </a:lnRef>
+          <a:fillRef idx="1">
+            <a:schemeClr val="accent1"/>
+          </a:fillRef>
+          <a:effectRef idx="0">
+            <a:schemeClr val="accent1"/>
+          </a:effectRef>
+          <a:fontRef idx="minor">
+            <a:schemeClr val="lt1"/>
+          </a:fontRef>
+        </p:style>
+        <p:txBody>
+          <a:bodyPr rtlCol="0" anchor="ctr"/>
+          <a:lstStyle/>
+          <a:p>
+            <a:pPr algn="ctr"/>
+            <a:r>
+              <a:rPr lang="en-US" dirty="0" smtClean="0">
+                <a:latin typeface="Arial" panose="020B0604020202020204" pitchFamily="34" charset="0"/>
+                <a:cs typeface="Arial" panose="020B0604020202020204" pitchFamily="34" charset="0"/>
+              </a:rPr>
+              <a:t>sin</a:t>
+            </a:r>
+            <a:endParaRPr lang="ru-RU" dirty="0">
+              <a:latin typeface="Arial" panose="020B0604020202020204" pitchFamily="34" charset="0"/>
+              <a:cs typeface="Arial" panose="020B0604020202020204" pitchFamily="34" charset="0"/>
+            </a:endParaRPr>
+          </a:p>
+        </p:txBody>
+      </p:sp>
+      <p:sp>
+        <p:nvSpPr>
+          <p:cNvPr id="7" name="Овал 6"/>
+          <p:cNvSpPr/>
+          <p:nvPr/>
+        </p:nvSpPr>
+        <p:spPr>
+          <a:xfrm>
+            <a:off x="1670018" y="3535519"/>
+            <a:ext cx="848646" cy="403107"/>
+          </a:xfrm>
+          <a:prstGeom prst="ellipse">
+            <a:avLst/>
+          </a:prstGeom>
+        </p:spPr>
+        <p:style>
+          <a:lnRef idx="2">
+            <a:schemeClr val="accent1">
+              <a:shade val="50000"/>
+            </a:schemeClr>
+          </a:lnRef>
+          <a:fillRef idx="1">
+            <a:schemeClr val="accent1"/>
+          </a:fillRef>
+          <a:effectRef idx="0">
+            <a:schemeClr val="accent1"/>
+          </a:effectRef>
+          <a:fontRef idx="minor">
+            <a:schemeClr val="lt1"/>
+          </a:fontRef>
+        </p:style>
+        <p:txBody>
+          <a:bodyPr rtlCol="0" anchor="ctr"/>
+          <a:lstStyle/>
+          <a:p>
+            <a:pPr algn="ctr"/>
+            <a:r>
+              <a:rPr lang="en-US" dirty="0" smtClean="0">
+                <a:latin typeface="Arial" panose="020B0604020202020204" pitchFamily="34" charset="0"/>
+                <a:cs typeface="Arial" panose="020B0604020202020204" pitchFamily="34" charset="0"/>
+              </a:rPr>
+              <a:t>abs</a:t>
+            </a:r>
+            <a:endParaRPr lang="ru-RU" dirty="0">
+              <a:latin typeface="Arial" panose="020B0604020202020204" pitchFamily="34" charset="0"/>
+              <a:cs typeface="Arial" panose="020B0604020202020204" pitchFamily="34" charset="0"/>
+            </a:endParaRPr>
+          </a:p>
+        </p:txBody>
+      </p:sp>
+      <p:sp>
+        <p:nvSpPr>
+          <p:cNvPr id="8" name="Овал 7"/>
+          <p:cNvSpPr/>
+          <p:nvPr/>
+        </p:nvSpPr>
+        <p:spPr>
+          <a:xfrm>
+            <a:off x="428770" y="4129624"/>
+            <a:ext cx="750238" cy="432538"/>
+          </a:xfrm>
+          <a:prstGeom prst="ellipse">
+            <a:avLst/>
+          </a:prstGeom>
+        </p:spPr>
+        <p:style>
+          <a:lnRef idx="2">
+            <a:schemeClr val="accent1">
+              <a:shade val="50000"/>
+            </a:schemeClr>
+          </a:lnRef>
+          <a:fillRef idx="1">
+            <a:schemeClr val="accent1"/>
+          </a:fillRef>
+          <a:effectRef idx="0">
+            <a:schemeClr val="accent1"/>
+          </a:effectRef>
+          <a:fontRef idx="minor">
+            <a:schemeClr val="lt1"/>
+          </a:fontRef>
+        </p:style>
+        <p:txBody>
+          <a:bodyPr rtlCol="0" anchor="ctr"/>
+          <a:lstStyle/>
+          <a:p>
+            <a:pPr algn="ctr"/>
+            <a:r>
+              <a:rPr lang="en-US" dirty="0" smtClean="0">
+                <a:latin typeface="Arial" panose="020B0604020202020204" pitchFamily="34" charset="0"/>
+                <a:cs typeface="Arial" panose="020B0604020202020204" pitchFamily="34" charset="0"/>
+              </a:rPr>
+              <a:t>x1</a:t>
+            </a:r>
+            <a:endParaRPr lang="ru-RU" dirty="0">
+              <a:latin typeface="Arial" panose="020B0604020202020204" pitchFamily="34" charset="0"/>
+              <a:cs typeface="Arial" panose="020B0604020202020204" pitchFamily="34" charset="0"/>
+            </a:endParaRPr>
+          </a:p>
+        </p:txBody>
+      </p:sp>
+      <p:sp>
+        <p:nvSpPr>
+          <p:cNvPr id="9" name="Овал 8"/>
+          <p:cNvSpPr/>
+          <p:nvPr/>
+        </p:nvSpPr>
+        <p:spPr>
+          <a:xfrm>
+            <a:off x="1819967" y="4142059"/>
+            <a:ext cx="786041" cy="432538"/>
+          </a:xfrm>
+          <a:prstGeom prst="ellipse">
+            <a:avLst/>
+          </a:prstGeom>
+        </p:spPr>
+        <p:style>
+          <a:lnRef idx="2">
+            <a:schemeClr val="accent1">
+              <a:shade val="50000"/>
+            </a:schemeClr>
+          </a:lnRef>
+          <a:fillRef idx="1">
+            <a:schemeClr val="accent1"/>
+          </a:fillRef>
+          <a:effectRef idx="0">
+            <a:schemeClr val="accent1"/>
+          </a:effectRef>
+          <a:fontRef idx="minor">
+            <a:schemeClr val="lt1"/>
+          </a:fontRef>
+        </p:style>
+        <p:txBody>
+          <a:bodyPr rtlCol="0" anchor="ctr"/>
+          <a:lstStyle/>
+          <a:p>
+            <a:pPr algn="ctr"/>
+            <a:r>
+              <a:rPr lang="en-US" dirty="0" smtClean="0">
+                <a:latin typeface="Arial" panose="020B0604020202020204" pitchFamily="34" charset="0"/>
+                <a:cs typeface="Arial" panose="020B0604020202020204" pitchFamily="34" charset="0"/>
+              </a:rPr>
+              <a:t>x2</a:t>
+            </a:r>
+            <a:endParaRPr lang="ru-RU" dirty="0">
+              <a:latin typeface="Arial" panose="020B0604020202020204" pitchFamily="34" charset="0"/>
+              <a:cs typeface="Arial" panose="020B0604020202020204" pitchFamily="34" charset="0"/>
+            </a:endParaRPr>
+          </a:p>
+        </p:txBody>
+      </p:sp>
+      <p:cxnSp>
+        <p:nvCxnSpPr>
+          <p:cNvPr id="10" name="Прямая соединительная линия 9"/>
+          <p:cNvCxnSpPr>
+            <a:stCxn id="6" idx="0"/>
+            <a:endCxn id="5" idx="3"/>
+          </p:cNvCxnSpPr>
+          <p:nvPr/>
+        </p:nvCxnSpPr>
+        <p:spPr>
+          <a:xfrm flipV="1">
+            <a:off x="933179" y="3333729"/>
+            <a:ext cx="383331" cy="193004"/>
+          </a:xfrm>
+          <a:prstGeom prst="line">
+            <a:avLst/>
+          </a:prstGeom>
+        </p:spPr>
+        <p:style>
+          <a:lnRef idx="1">
+            <a:schemeClr val="accent1"/>
+          </a:lnRef>
+          <a:fillRef idx="0">
+            <a:schemeClr val="accent1"/>
+          </a:fillRef>
+          <a:effectRef idx="0">
+            <a:schemeClr val="accent1"/>
+          </a:effectRef>
+          <a:fontRef idx="minor">
+            <a:schemeClr val="tx1"/>
+          </a:fontRef>
+        </p:style>
+      </p:cxnSp>
+      <p:cxnSp>
+        <p:nvCxnSpPr>
+          <p:cNvPr id="11" name="Прямая соединительная линия 10"/>
+          <p:cNvCxnSpPr>
+            <a:stCxn id="5" idx="5"/>
+            <a:endCxn id="7" idx="0"/>
+          </p:cNvCxnSpPr>
+          <p:nvPr/>
+        </p:nvCxnSpPr>
+        <p:spPr>
+          <a:xfrm>
+            <a:off x="1819967" y="3333729"/>
+            <a:ext cx="274374" cy="201790"/>
+          </a:xfrm>
+          <a:prstGeom prst="line">
+            <a:avLst/>
+          </a:prstGeom>
+        </p:spPr>
+        <p:style>
+          <a:lnRef idx="1">
+            <a:schemeClr val="accent1"/>
+          </a:lnRef>
+          <a:fillRef idx="0">
+            <a:schemeClr val="accent1"/>
+          </a:fillRef>
+          <a:effectRef idx="0">
+            <a:schemeClr val="accent1"/>
+          </a:effectRef>
+          <a:fontRef idx="minor">
+            <a:schemeClr val="tx1"/>
+          </a:fontRef>
+        </p:style>
+      </p:cxnSp>
+      <p:cxnSp>
+        <p:nvCxnSpPr>
+          <p:cNvPr id="12" name="Прямая соединительная линия 11"/>
+          <p:cNvCxnSpPr>
+            <a:stCxn id="6" idx="4"/>
+            <a:endCxn id="8" idx="0"/>
+          </p:cNvCxnSpPr>
+          <p:nvPr/>
+        </p:nvCxnSpPr>
+        <p:spPr>
+          <a:xfrm flipH="1">
+            <a:off x="803889" y="3929840"/>
+            <a:ext cx="129290" cy="199784"/>
+          </a:xfrm>
+          <a:prstGeom prst="line">
+            <a:avLst/>
+          </a:prstGeom>
+        </p:spPr>
+        <p:style>
+          <a:lnRef idx="1">
+            <a:schemeClr val="accent1"/>
+          </a:lnRef>
+          <a:fillRef idx="0">
+            <a:schemeClr val="accent1"/>
+          </a:fillRef>
+          <a:effectRef idx="0">
+            <a:schemeClr val="accent1"/>
+          </a:effectRef>
+          <a:fontRef idx="minor">
+            <a:schemeClr val="tx1"/>
+          </a:fontRef>
+        </p:style>
+      </p:cxnSp>
+      <p:cxnSp>
+        <p:nvCxnSpPr>
+          <p:cNvPr id="13" name="Прямая соединительная линия 12"/>
+          <p:cNvCxnSpPr>
+            <a:stCxn id="7" idx="4"/>
+            <a:endCxn id="9" idx="0"/>
+          </p:cNvCxnSpPr>
+          <p:nvPr/>
+        </p:nvCxnSpPr>
+        <p:spPr>
+          <a:xfrm>
+            <a:off x="2094341" y="3938626"/>
+            <a:ext cx="118647" cy="203433"/>
+          </a:xfrm>
+          <a:prstGeom prst="line">
+            <a:avLst/>
+          </a:prstGeom>
+        </p:spPr>
+        <p:style>
+          <a:lnRef idx="1">
+            <a:schemeClr val="accent1"/>
+          </a:lnRef>
+          <a:fillRef idx="0">
+            <a:schemeClr val="accent1"/>
+          </a:fillRef>
+          <a:effectRef idx="0">
+            <a:schemeClr val="accent1"/>
+          </a:effectRef>
+          <a:fontRef idx="minor">
+            <a:schemeClr val="tx1"/>
+          </a:fontRef>
+        </p:style>
+      </p:cxnSp>
+      <p:sp>
+        <p:nvSpPr>
+          <p:cNvPr id="14" name="Овал 13"/>
+          <p:cNvSpPr/>
+          <p:nvPr/>
+        </p:nvSpPr>
+        <p:spPr>
+          <a:xfrm>
+            <a:off x="1532684" y="4785409"/>
+            <a:ext cx="711995" cy="394558"/>
+          </a:xfrm>
+          <a:prstGeom prst="ellipse">
+            <a:avLst/>
+          </a:prstGeom>
+        </p:spPr>
+        <p:style>
+          <a:lnRef idx="2">
+            <a:schemeClr val="accent1">
+              <a:shade val="50000"/>
+            </a:schemeClr>
+          </a:lnRef>
+          <a:fillRef idx="1">
+            <a:schemeClr val="accent1"/>
+          </a:fillRef>
+          <a:effectRef idx="0">
+            <a:schemeClr val="accent1"/>
+          </a:effectRef>
+          <a:fontRef idx="minor">
+            <a:schemeClr val="lt1"/>
+          </a:fontRef>
+        </p:style>
+        <p:txBody>
+          <a:bodyPr rtlCol="0" anchor="ctr"/>
+          <a:lstStyle/>
+          <a:p>
+            <a:pPr algn="ctr"/>
+            <a:r>
+              <a:rPr lang="en-US" dirty="0">
+                <a:latin typeface="Arial" panose="020B0604020202020204" pitchFamily="34" charset="0"/>
+                <a:cs typeface="Arial" panose="020B0604020202020204" pitchFamily="34" charset="0"/>
+              </a:rPr>
+              <a:t>*</a:t>
+            </a:r>
+            <a:endParaRPr lang="ru-RU" dirty="0">
+              <a:latin typeface="Arial" panose="020B0604020202020204" pitchFamily="34" charset="0"/>
+              <a:cs typeface="Arial" panose="020B0604020202020204" pitchFamily="34" charset="0"/>
+            </a:endParaRPr>
+          </a:p>
+        </p:txBody>
+      </p:sp>
+      <p:sp>
+        <p:nvSpPr>
+          <p:cNvPr id="15" name="Овал 14"/>
+          <p:cNvSpPr/>
+          <p:nvPr/>
+        </p:nvSpPr>
+        <p:spPr>
+          <a:xfrm>
+            <a:off x="880098" y="5246501"/>
+            <a:ext cx="759289" cy="403107"/>
+          </a:xfrm>
+          <a:prstGeom prst="ellipse">
+            <a:avLst/>
+          </a:prstGeom>
+        </p:spPr>
+        <p:style>
+          <a:lnRef idx="2">
+            <a:schemeClr val="accent1">
+              <a:shade val="50000"/>
+            </a:schemeClr>
+          </a:lnRef>
+          <a:fillRef idx="1">
+            <a:schemeClr val="accent1"/>
+          </a:fillRef>
+          <a:effectRef idx="0">
+            <a:schemeClr val="accent1"/>
+          </a:effectRef>
+          <a:fontRef idx="minor">
+            <a:schemeClr val="lt1"/>
+          </a:fontRef>
+        </p:style>
+        <p:txBody>
+          <a:bodyPr rtlCol="0" anchor="ctr"/>
+          <a:lstStyle/>
+          <a:p>
+            <a:pPr algn="ctr"/>
+            <a:r>
+              <a:rPr lang="en-US" dirty="0">
+                <a:latin typeface="Arial" panose="020B0604020202020204" pitchFamily="34" charset="0"/>
+                <a:cs typeface="Arial" panose="020B0604020202020204" pitchFamily="34" charset="0"/>
+              </a:rPr>
+              <a:t>+</a:t>
+            </a:r>
+            <a:endParaRPr lang="ru-RU" dirty="0">
+              <a:latin typeface="Arial" panose="020B0604020202020204" pitchFamily="34" charset="0"/>
+              <a:cs typeface="Arial" panose="020B0604020202020204" pitchFamily="34" charset="0"/>
+            </a:endParaRPr>
+          </a:p>
+        </p:txBody>
+      </p:sp>
+      <p:sp>
+        <p:nvSpPr>
+          <p:cNvPr id="16" name="Овал 15"/>
+          <p:cNvSpPr/>
+          <p:nvPr/>
+        </p:nvSpPr>
+        <p:spPr>
+          <a:xfrm>
+            <a:off x="2061145" y="5261872"/>
+            <a:ext cx="912688" cy="403107"/>
+          </a:xfrm>
+          <a:prstGeom prst="ellipse">
+            <a:avLst/>
+          </a:prstGeom>
+        </p:spPr>
+        <p:style>
+          <a:lnRef idx="2">
+            <a:schemeClr val="accent1">
+              <a:shade val="50000"/>
+            </a:schemeClr>
+          </a:lnRef>
+          <a:fillRef idx="1">
+            <a:schemeClr val="accent1"/>
+          </a:fillRef>
+          <a:effectRef idx="0">
+            <a:schemeClr val="accent1"/>
+          </a:effectRef>
+          <a:fontRef idx="minor">
+            <a:schemeClr val="lt1"/>
+          </a:fontRef>
+        </p:style>
+        <p:txBody>
+          <a:bodyPr rtlCol="0" anchor="ctr"/>
+          <a:lstStyle/>
+          <a:p>
+            <a:pPr algn="ctr"/>
+            <a:r>
+              <a:rPr lang="en-US" dirty="0">
+                <a:latin typeface="Arial" panose="020B0604020202020204" pitchFamily="34" charset="0"/>
+                <a:cs typeface="Arial" panose="020B0604020202020204" pitchFamily="34" charset="0"/>
+              </a:rPr>
+              <a:t>√</a:t>
+            </a:r>
+            <a:endParaRPr lang="ru-RU" dirty="0">
+              <a:latin typeface="Arial" panose="020B0604020202020204" pitchFamily="34" charset="0"/>
+              <a:cs typeface="Arial" panose="020B0604020202020204" pitchFamily="34" charset="0"/>
+            </a:endParaRPr>
+          </a:p>
+        </p:txBody>
+      </p:sp>
+      <p:sp>
+        <p:nvSpPr>
+          <p:cNvPr id="17" name="Овал 16"/>
+          <p:cNvSpPr/>
+          <p:nvPr/>
+        </p:nvSpPr>
+        <p:spPr>
+          <a:xfrm>
+            <a:off x="182941" y="5750592"/>
+            <a:ext cx="750238" cy="432538"/>
+          </a:xfrm>
+          <a:prstGeom prst="ellipse">
+            <a:avLst/>
+          </a:prstGeom>
+        </p:spPr>
+        <p:style>
+          <a:lnRef idx="2">
+            <a:schemeClr val="accent1">
+              <a:shade val="50000"/>
+            </a:schemeClr>
+          </a:lnRef>
+          <a:fillRef idx="1">
+            <a:schemeClr val="accent1"/>
+          </a:fillRef>
+          <a:effectRef idx="0">
+            <a:schemeClr val="accent1"/>
+          </a:effectRef>
+          <a:fontRef idx="minor">
+            <a:schemeClr val="lt1"/>
+          </a:fontRef>
+        </p:style>
+        <p:txBody>
+          <a:bodyPr rtlCol="0" anchor="ctr"/>
+          <a:lstStyle/>
+          <a:p>
+            <a:pPr algn="ctr"/>
+            <a:r>
+              <a:rPr lang="en-US" dirty="0" smtClean="0">
+                <a:latin typeface="Arial" panose="020B0604020202020204" pitchFamily="34" charset="0"/>
+                <a:cs typeface="Arial" panose="020B0604020202020204" pitchFamily="34" charset="0"/>
+              </a:rPr>
+              <a:t>x4</a:t>
+            </a:r>
+            <a:endParaRPr lang="ru-RU" dirty="0">
+              <a:latin typeface="Arial" panose="020B0604020202020204" pitchFamily="34" charset="0"/>
+              <a:cs typeface="Arial" panose="020B0604020202020204" pitchFamily="34" charset="0"/>
+            </a:endParaRPr>
+          </a:p>
+        </p:txBody>
+      </p:sp>
+      <p:sp>
+        <p:nvSpPr>
+          <p:cNvPr id="18" name="Овал 17"/>
+          <p:cNvSpPr/>
+          <p:nvPr/>
+        </p:nvSpPr>
+        <p:spPr>
+          <a:xfrm>
+            <a:off x="2599801" y="5746884"/>
+            <a:ext cx="748063" cy="426139"/>
+          </a:xfrm>
+          <a:prstGeom prst="ellipse">
+            <a:avLst/>
+          </a:prstGeom>
+        </p:spPr>
+        <p:style>
+          <a:lnRef idx="2">
+            <a:schemeClr val="accent1">
+              <a:shade val="50000"/>
+            </a:schemeClr>
+          </a:lnRef>
+          <a:fillRef idx="1">
+            <a:schemeClr val="accent1"/>
+          </a:fillRef>
+          <a:effectRef idx="0">
+            <a:schemeClr val="accent1"/>
+          </a:effectRef>
+          <a:fontRef idx="minor">
+            <a:schemeClr val="lt1"/>
+          </a:fontRef>
+        </p:style>
+        <p:txBody>
+          <a:bodyPr rtlCol="0" anchor="ctr"/>
+          <a:lstStyle/>
+          <a:p>
+            <a:pPr algn="ctr"/>
+            <a:r>
+              <a:rPr lang="en-US" dirty="0" smtClean="0">
+                <a:latin typeface="Arial" panose="020B0604020202020204" pitchFamily="34" charset="0"/>
+                <a:cs typeface="Arial" panose="020B0604020202020204" pitchFamily="34" charset="0"/>
+              </a:rPr>
+              <a:t>x2</a:t>
+            </a:r>
+            <a:endParaRPr lang="ru-RU" dirty="0">
+              <a:latin typeface="Arial" panose="020B0604020202020204" pitchFamily="34" charset="0"/>
+              <a:cs typeface="Arial" panose="020B0604020202020204" pitchFamily="34" charset="0"/>
+            </a:endParaRPr>
+          </a:p>
+        </p:txBody>
+      </p:sp>
+      <p:cxnSp>
+        <p:nvCxnSpPr>
+          <p:cNvPr id="19" name="Прямая соединительная линия 18"/>
+          <p:cNvCxnSpPr>
+            <a:stCxn id="15" idx="0"/>
+            <a:endCxn id="14" idx="3"/>
+          </p:cNvCxnSpPr>
+          <p:nvPr/>
+        </p:nvCxnSpPr>
+        <p:spPr>
+          <a:xfrm flipV="1">
+            <a:off x="1259743" y="5122185"/>
+            <a:ext cx="377210" cy="124316"/>
+          </a:xfrm>
+          <a:prstGeom prst="line">
+            <a:avLst/>
+          </a:prstGeom>
+        </p:spPr>
+        <p:style>
+          <a:lnRef idx="1">
+            <a:schemeClr val="accent1"/>
+          </a:lnRef>
+          <a:fillRef idx="0">
+            <a:schemeClr val="accent1"/>
+          </a:fillRef>
+          <a:effectRef idx="0">
+            <a:schemeClr val="accent1"/>
+          </a:effectRef>
+          <a:fontRef idx="minor">
+            <a:schemeClr val="tx1"/>
+          </a:fontRef>
+        </p:style>
+      </p:cxnSp>
+      <p:cxnSp>
+        <p:nvCxnSpPr>
+          <p:cNvPr id="20" name="Прямая соединительная линия 19"/>
+          <p:cNvCxnSpPr>
+            <a:stCxn id="14" idx="5"/>
+            <a:endCxn id="16" idx="0"/>
+          </p:cNvCxnSpPr>
+          <p:nvPr/>
+        </p:nvCxnSpPr>
+        <p:spPr>
+          <a:xfrm>
+            <a:off x="2140410" y="5122185"/>
+            <a:ext cx="377079" cy="139687"/>
+          </a:xfrm>
+          <a:prstGeom prst="line">
+            <a:avLst/>
+          </a:prstGeom>
+        </p:spPr>
+        <p:style>
+          <a:lnRef idx="1">
+            <a:schemeClr val="accent1"/>
+          </a:lnRef>
+          <a:fillRef idx="0">
+            <a:schemeClr val="accent1"/>
+          </a:fillRef>
+          <a:effectRef idx="0">
+            <a:schemeClr val="accent1"/>
+          </a:effectRef>
+          <a:fontRef idx="minor">
+            <a:schemeClr val="tx1"/>
+          </a:fontRef>
+        </p:style>
+      </p:cxnSp>
+      <p:cxnSp>
+        <p:nvCxnSpPr>
+          <p:cNvPr id="21" name="Прямая соединительная линия 20"/>
+          <p:cNvCxnSpPr>
+            <a:stCxn id="15" idx="3"/>
+            <a:endCxn id="17" idx="0"/>
+          </p:cNvCxnSpPr>
+          <p:nvPr/>
+        </p:nvCxnSpPr>
+        <p:spPr>
+          <a:xfrm flipH="1">
+            <a:off x="558060" y="5590574"/>
+            <a:ext cx="433233" cy="160018"/>
+          </a:xfrm>
+          <a:prstGeom prst="line">
+            <a:avLst/>
+          </a:prstGeom>
+        </p:spPr>
+        <p:style>
+          <a:lnRef idx="1">
+            <a:schemeClr val="accent1"/>
+          </a:lnRef>
+          <a:fillRef idx="0">
+            <a:schemeClr val="accent1"/>
+          </a:fillRef>
+          <a:effectRef idx="0">
+            <a:schemeClr val="accent1"/>
+          </a:effectRef>
+          <a:fontRef idx="minor">
+            <a:schemeClr val="tx1"/>
+          </a:fontRef>
+        </p:style>
+      </p:cxnSp>
+      <p:cxnSp>
+        <p:nvCxnSpPr>
+          <p:cNvPr id="22" name="Прямая соединительная линия 21"/>
+          <p:cNvCxnSpPr>
+            <a:stCxn id="16" idx="4"/>
+            <a:endCxn id="18" idx="0"/>
+          </p:cNvCxnSpPr>
+          <p:nvPr/>
+        </p:nvCxnSpPr>
+        <p:spPr>
+          <a:xfrm>
+            <a:off x="2517489" y="5664979"/>
+            <a:ext cx="456344" cy="81905"/>
+          </a:xfrm>
+          <a:prstGeom prst="line">
+            <a:avLst/>
+          </a:prstGeom>
+        </p:spPr>
+        <p:style>
+          <a:lnRef idx="1">
+            <a:schemeClr val="accent1"/>
+          </a:lnRef>
+          <a:fillRef idx="0">
+            <a:schemeClr val="accent1"/>
+          </a:fillRef>
+          <a:effectRef idx="0">
+            <a:schemeClr val="accent1"/>
+          </a:effectRef>
+          <a:fontRef idx="minor">
+            <a:schemeClr val="tx1"/>
+          </a:fontRef>
+        </p:style>
+      </p:cxnSp>
+      <p:sp>
+        <p:nvSpPr>
+          <p:cNvPr id="23" name="Овал 22"/>
+          <p:cNvSpPr/>
+          <p:nvPr/>
+        </p:nvSpPr>
+        <p:spPr>
+          <a:xfrm>
+            <a:off x="1082915" y="1633588"/>
+            <a:ext cx="711995" cy="394558"/>
+          </a:xfrm>
+          <a:prstGeom prst="ellipse">
+            <a:avLst/>
+          </a:prstGeom>
+        </p:spPr>
+        <p:style>
+          <a:lnRef idx="2">
+            <a:schemeClr val="accent1">
+              <a:shade val="50000"/>
+            </a:schemeClr>
+          </a:lnRef>
+          <a:fillRef idx="1">
+            <a:schemeClr val="accent1"/>
+          </a:fillRef>
+          <a:effectRef idx="0">
+            <a:schemeClr val="accent1"/>
+          </a:effectRef>
+          <a:fontRef idx="minor">
+            <a:schemeClr val="lt1"/>
+          </a:fontRef>
+        </p:style>
+        <p:txBody>
+          <a:bodyPr rtlCol="0" anchor="ctr"/>
+          <a:lstStyle/>
+          <a:p>
+            <a:pPr algn="ctr"/>
+            <a:r>
+              <a:rPr lang="ru-RU" dirty="0" smtClean="0">
+                <a:latin typeface="Arial" panose="020B0604020202020204" pitchFamily="34" charset="0"/>
+                <a:cs typeface="Arial" panose="020B0604020202020204" pitchFamily="34" charset="0"/>
+              </a:rPr>
+              <a:t>-</a:t>
+            </a:r>
+            <a:endParaRPr lang="ru-RU" dirty="0">
+              <a:latin typeface="Arial" panose="020B0604020202020204" pitchFamily="34" charset="0"/>
+              <a:cs typeface="Arial" panose="020B0604020202020204" pitchFamily="34" charset="0"/>
+            </a:endParaRPr>
+          </a:p>
+        </p:txBody>
+      </p:sp>
+      <p:sp>
+        <p:nvSpPr>
+          <p:cNvPr id="24" name="Овал 23"/>
+          <p:cNvSpPr/>
+          <p:nvPr/>
+        </p:nvSpPr>
+        <p:spPr>
+          <a:xfrm>
+            <a:off x="410095" y="2105549"/>
+            <a:ext cx="860888" cy="403107"/>
+          </a:xfrm>
+          <a:prstGeom prst="ellipse">
+            <a:avLst/>
+          </a:prstGeom>
+        </p:spPr>
+        <p:style>
+          <a:lnRef idx="2">
+            <a:schemeClr val="accent1">
+              <a:shade val="50000"/>
+            </a:schemeClr>
+          </a:lnRef>
+          <a:fillRef idx="1">
+            <a:schemeClr val="accent1"/>
+          </a:fillRef>
+          <a:effectRef idx="0">
+            <a:schemeClr val="accent1"/>
+          </a:effectRef>
+          <a:fontRef idx="minor">
+            <a:schemeClr val="lt1"/>
+          </a:fontRef>
+        </p:style>
+        <p:txBody>
+          <a:bodyPr rtlCol="0" anchor="ctr"/>
+          <a:lstStyle/>
+          <a:p>
+            <a:pPr algn="ctr"/>
+            <a:r>
+              <a:rPr lang="en-US" dirty="0" smtClean="0">
+                <a:latin typeface="Arial" panose="020B0604020202020204" pitchFamily="34" charset="0"/>
+                <a:cs typeface="Arial" panose="020B0604020202020204" pitchFamily="34" charset="0"/>
+              </a:rPr>
+              <a:t>x2</a:t>
+            </a:r>
+            <a:endParaRPr lang="ru-RU" dirty="0">
+              <a:latin typeface="Arial" panose="020B0604020202020204" pitchFamily="34" charset="0"/>
+              <a:cs typeface="Arial" panose="020B0604020202020204" pitchFamily="34" charset="0"/>
+            </a:endParaRPr>
+          </a:p>
+        </p:txBody>
+      </p:sp>
+      <p:sp>
+        <p:nvSpPr>
+          <p:cNvPr id="25" name="Овал 24"/>
+          <p:cNvSpPr/>
+          <p:nvPr/>
+        </p:nvSpPr>
+        <p:spPr>
+          <a:xfrm>
+            <a:off x="1632233" y="2108238"/>
+            <a:ext cx="848646" cy="403107"/>
+          </a:xfrm>
+          <a:prstGeom prst="ellipse">
+            <a:avLst/>
+          </a:prstGeom>
+        </p:spPr>
+        <p:style>
+          <a:lnRef idx="2">
+            <a:schemeClr val="accent1">
+              <a:shade val="50000"/>
+            </a:schemeClr>
+          </a:lnRef>
+          <a:fillRef idx="1">
+            <a:schemeClr val="accent1"/>
+          </a:fillRef>
+          <a:effectRef idx="0">
+            <a:schemeClr val="accent1"/>
+          </a:effectRef>
+          <a:fontRef idx="minor">
+            <a:schemeClr val="lt1"/>
+          </a:fontRef>
+        </p:style>
+        <p:txBody>
+          <a:bodyPr rtlCol="0" anchor="ctr"/>
+          <a:lstStyle/>
+          <a:p>
+            <a:pPr algn="ctr"/>
+            <a:r>
+              <a:rPr lang="en-US" dirty="0" smtClean="0">
+                <a:latin typeface="Arial" panose="020B0604020202020204" pitchFamily="34" charset="0"/>
+                <a:cs typeface="Arial" panose="020B0604020202020204" pitchFamily="34" charset="0"/>
+              </a:rPr>
+              <a:t>x3</a:t>
+            </a:r>
+            <a:endParaRPr lang="ru-RU" dirty="0">
+              <a:latin typeface="Arial" panose="020B0604020202020204" pitchFamily="34" charset="0"/>
+              <a:cs typeface="Arial" panose="020B0604020202020204" pitchFamily="34" charset="0"/>
+            </a:endParaRPr>
+          </a:p>
+        </p:txBody>
+      </p:sp>
+      <p:cxnSp>
+        <p:nvCxnSpPr>
+          <p:cNvPr id="26" name="Прямая соединительная линия 25"/>
+          <p:cNvCxnSpPr>
+            <a:stCxn id="24" idx="0"/>
+            <a:endCxn id="23" idx="3"/>
+          </p:cNvCxnSpPr>
+          <p:nvPr/>
+        </p:nvCxnSpPr>
+        <p:spPr>
+          <a:xfrm flipV="1">
+            <a:off x="840539" y="1970364"/>
+            <a:ext cx="346645" cy="135185"/>
+          </a:xfrm>
+          <a:prstGeom prst="line">
+            <a:avLst/>
+          </a:prstGeom>
+        </p:spPr>
+        <p:style>
+          <a:lnRef idx="1">
+            <a:schemeClr val="accent1"/>
+          </a:lnRef>
+          <a:fillRef idx="0">
+            <a:schemeClr val="accent1"/>
+          </a:fillRef>
+          <a:effectRef idx="0">
+            <a:schemeClr val="accent1"/>
+          </a:effectRef>
+          <a:fontRef idx="minor">
+            <a:schemeClr val="tx1"/>
+          </a:fontRef>
+        </p:style>
+      </p:cxnSp>
+      <p:cxnSp>
+        <p:nvCxnSpPr>
+          <p:cNvPr id="27" name="Прямая соединительная линия 26"/>
+          <p:cNvCxnSpPr>
+            <a:stCxn id="23" idx="5"/>
+            <a:endCxn id="25" idx="0"/>
+          </p:cNvCxnSpPr>
+          <p:nvPr/>
+        </p:nvCxnSpPr>
+        <p:spPr>
+          <a:xfrm>
+            <a:off x="1690641" y="1970364"/>
+            <a:ext cx="365915" cy="137874"/>
+          </a:xfrm>
+          <a:prstGeom prst="line">
+            <a:avLst/>
+          </a:prstGeom>
+        </p:spPr>
+        <p:style>
+          <a:lnRef idx="1">
+            <a:schemeClr val="accent1"/>
+          </a:lnRef>
+          <a:fillRef idx="0">
+            <a:schemeClr val="accent1"/>
+          </a:fillRef>
+          <a:effectRef idx="0">
+            <a:schemeClr val="accent1"/>
+          </a:effectRef>
+          <a:fontRef idx="minor">
+            <a:schemeClr val="tx1"/>
+          </a:fontRef>
+        </p:style>
+      </p:cxnSp>
+      <p:sp>
+        <p:nvSpPr>
+          <p:cNvPr id="28" name="Овал 27"/>
+          <p:cNvSpPr/>
+          <p:nvPr/>
+        </p:nvSpPr>
+        <p:spPr>
+          <a:xfrm>
+            <a:off x="1305261" y="5750592"/>
+            <a:ext cx="898260" cy="432538"/>
+          </a:xfrm>
+          <a:prstGeom prst="ellipse">
+            <a:avLst/>
+          </a:prstGeom>
+        </p:spPr>
+        <p:style>
+          <a:lnRef idx="2">
+            <a:schemeClr val="accent1">
+              <a:shade val="50000"/>
+            </a:schemeClr>
+          </a:lnRef>
+          <a:fillRef idx="1">
+            <a:schemeClr val="accent1"/>
+          </a:fillRef>
+          <a:effectRef idx="0">
+            <a:schemeClr val="accent1"/>
+          </a:effectRef>
+          <a:fontRef idx="minor">
+            <a:schemeClr val="lt1"/>
+          </a:fontRef>
+        </p:style>
+        <p:txBody>
+          <a:bodyPr rtlCol="0" anchor="ctr"/>
+          <a:lstStyle/>
+          <a:p>
+            <a:pPr algn="ctr"/>
+            <a:r>
+              <a:rPr lang="ru-RU" dirty="0" smtClean="0">
+                <a:latin typeface="Arial" panose="020B0604020202020204" pitchFamily="34" charset="0"/>
+                <a:cs typeface="Arial" panose="020B0604020202020204" pitchFamily="34" charset="0"/>
+              </a:rPr>
+              <a:t>3.4</a:t>
+            </a:r>
+            <a:endParaRPr lang="ru-RU" dirty="0">
+              <a:latin typeface="Arial" panose="020B0604020202020204" pitchFamily="34" charset="0"/>
+              <a:cs typeface="Arial" panose="020B0604020202020204" pitchFamily="34" charset="0"/>
+            </a:endParaRPr>
+          </a:p>
+        </p:txBody>
+      </p:sp>
+      <p:cxnSp>
+        <p:nvCxnSpPr>
+          <p:cNvPr id="29" name="Прямая соединительная линия 28"/>
+          <p:cNvCxnSpPr>
+            <a:stCxn id="15" idx="5"/>
+            <a:endCxn id="28" idx="0"/>
+          </p:cNvCxnSpPr>
+          <p:nvPr/>
+        </p:nvCxnSpPr>
+        <p:spPr>
+          <a:xfrm>
+            <a:off x="1528192" y="5590574"/>
+            <a:ext cx="226199" cy="160018"/>
+          </a:xfrm>
+          <a:prstGeom prst="line">
+            <a:avLst/>
+          </a:prstGeom>
+        </p:spPr>
+        <p:style>
+          <a:lnRef idx="1">
+            <a:schemeClr val="accent1"/>
+          </a:lnRef>
+          <a:fillRef idx="0">
+            <a:schemeClr val="accent1"/>
+          </a:fillRef>
+          <a:effectRef idx="0">
+            <a:schemeClr val="accent1"/>
+          </a:effectRef>
+          <a:fontRef idx="minor">
+            <a:schemeClr val="tx1"/>
+          </a:fontRef>
+        </p:style>
+      </p:cxnSp>
+      <p:sp>
+        <p:nvSpPr>
+          <p:cNvPr id="58" name="Овал 57"/>
+          <p:cNvSpPr/>
+          <p:nvPr/>
+        </p:nvSpPr>
+        <p:spPr>
+          <a:xfrm>
+            <a:off x="6762111" y="2996953"/>
+            <a:ext cx="711995" cy="394558"/>
+          </a:xfrm>
+          <a:prstGeom prst="ellipse">
+            <a:avLst/>
+          </a:prstGeom>
+        </p:spPr>
+        <p:style>
+          <a:lnRef idx="2">
+            <a:schemeClr val="accent1">
+              <a:shade val="50000"/>
+            </a:schemeClr>
+          </a:lnRef>
+          <a:fillRef idx="1">
+            <a:schemeClr val="accent1"/>
+          </a:fillRef>
+          <a:effectRef idx="0">
+            <a:schemeClr val="accent1"/>
+          </a:effectRef>
+          <a:fontRef idx="minor">
+            <a:schemeClr val="lt1"/>
+          </a:fontRef>
+        </p:style>
+        <p:txBody>
+          <a:bodyPr rtlCol="0" anchor="ctr"/>
+          <a:lstStyle/>
+          <a:p>
+            <a:pPr algn="ctr"/>
+            <a:r>
+              <a:rPr lang="ru-RU" dirty="0" smtClean="0">
+                <a:latin typeface="Arial" panose="020B0604020202020204" pitchFamily="34" charset="0"/>
+                <a:cs typeface="Arial" panose="020B0604020202020204" pitchFamily="34" charset="0"/>
+              </a:rPr>
+              <a:t>+</a:t>
+            </a:r>
+            <a:endParaRPr lang="ru-RU" dirty="0">
+              <a:latin typeface="Arial" panose="020B0604020202020204" pitchFamily="34" charset="0"/>
+              <a:cs typeface="Arial" panose="020B0604020202020204" pitchFamily="34" charset="0"/>
+            </a:endParaRPr>
+          </a:p>
+        </p:txBody>
+      </p:sp>
+      <p:sp>
+        <p:nvSpPr>
+          <p:cNvPr id="59" name="Овал 58"/>
+          <p:cNvSpPr/>
+          <p:nvPr/>
+        </p:nvSpPr>
+        <p:spPr>
+          <a:xfrm>
+            <a:off x="6052605" y="3526733"/>
+            <a:ext cx="860888" cy="403107"/>
+          </a:xfrm>
+          <a:prstGeom prst="ellipse">
+            <a:avLst/>
+          </a:prstGeom>
+        </p:spPr>
+        <p:style>
+          <a:lnRef idx="2">
+            <a:schemeClr val="accent1">
+              <a:shade val="50000"/>
+            </a:schemeClr>
+          </a:lnRef>
+          <a:fillRef idx="1">
+            <a:schemeClr val="accent1"/>
+          </a:fillRef>
+          <a:effectRef idx="0">
+            <a:schemeClr val="accent1"/>
+          </a:effectRef>
+          <a:fontRef idx="minor">
+            <a:schemeClr val="lt1"/>
+          </a:fontRef>
+        </p:style>
+        <p:txBody>
+          <a:bodyPr rtlCol="0" anchor="ctr"/>
+          <a:lstStyle/>
+          <a:p>
+            <a:pPr algn="ctr"/>
+            <a:r>
+              <a:rPr lang="en-US" dirty="0" smtClean="0">
+                <a:latin typeface="Arial" panose="020B0604020202020204" pitchFamily="34" charset="0"/>
+                <a:cs typeface="Arial" panose="020B0604020202020204" pitchFamily="34" charset="0"/>
+              </a:rPr>
+              <a:t>sin</a:t>
+            </a:r>
+            <a:endParaRPr lang="ru-RU" dirty="0">
+              <a:latin typeface="Arial" panose="020B0604020202020204" pitchFamily="34" charset="0"/>
+              <a:cs typeface="Arial" panose="020B0604020202020204" pitchFamily="34" charset="0"/>
+            </a:endParaRPr>
+          </a:p>
+        </p:txBody>
+      </p:sp>
+      <p:sp>
+        <p:nvSpPr>
+          <p:cNvPr id="60" name="Овал 59"/>
+          <p:cNvSpPr/>
+          <p:nvPr/>
+        </p:nvSpPr>
+        <p:spPr>
+          <a:xfrm>
+            <a:off x="7219888" y="3535519"/>
+            <a:ext cx="848646" cy="403107"/>
+          </a:xfrm>
+          <a:prstGeom prst="ellipse">
+            <a:avLst/>
+          </a:prstGeom>
+        </p:spPr>
+        <p:style>
+          <a:lnRef idx="2">
+            <a:schemeClr val="accent1">
+              <a:shade val="50000"/>
+            </a:schemeClr>
+          </a:lnRef>
+          <a:fillRef idx="1">
+            <a:schemeClr val="accent1"/>
+          </a:fillRef>
+          <a:effectRef idx="0">
+            <a:schemeClr val="accent1"/>
+          </a:effectRef>
+          <a:fontRef idx="minor">
+            <a:schemeClr val="lt1"/>
+          </a:fontRef>
+        </p:style>
+        <p:txBody>
+          <a:bodyPr rtlCol="0" anchor="ctr"/>
+          <a:lstStyle/>
+          <a:p>
+            <a:pPr algn="ctr"/>
+            <a:r>
+              <a:rPr lang="en-US" dirty="0" smtClean="0">
+                <a:latin typeface="Arial" panose="020B0604020202020204" pitchFamily="34" charset="0"/>
+                <a:cs typeface="Arial" panose="020B0604020202020204" pitchFamily="34" charset="0"/>
+              </a:rPr>
+              <a:t>abs</a:t>
+            </a:r>
+            <a:endParaRPr lang="ru-RU" dirty="0">
+              <a:latin typeface="Arial" panose="020B0604020202020204" pitchFamily="34" charset="0"/>
+              <a:cs typeface="Arial" panose="020B0604020202020204" pitchFamily="34" charset="0"/>
+            </a:endParaRPr>
+          </a:p>
+        </p:txBody>
+      </p:sp>
+      <p:sp>
+        <p:nvSpPr>
+          <p:cNvPr id="61" name="Овал 60"/>
+          <p:cNvSpPr/>
+          <p:nvPr/>
+        </p:nvSpPr>
+        <p:spPr>
+          <a:xfrm>
+            <a:off x="5978640" y="4129624"/>
+            <a:ext cx="750238" cy="432538"/>
+          </a:xfrm>
+          <a:prstGeom prst="ellipse">
+            <a:avLst/>
+          </a:prstGeom>
+        </p:spPr>
+        <p:style>
+          <a:lnRef idx="2">
+            <a:schemeClr val="accent1">
+              <a:shade val="50000"/>
+            </a:schemeClr>
+          </a:lnRef>
+          <a:fillRef idx="1">
+            <a:schemeClr val="accent1"/>
+          </a:fillRef>
+          <a:effectRef idx="0">
+            <a:schemeClr val="accent1"/>
+          </a:effectRef>
+          <a:fontRef idx="minor">
+            <a:schemeClr val="lt1"/>
+          </a:fontRef>
+        </p:style>
+        <p:txBody>
+          <a:bodyPr rtlCol="0" anchor="ctr"/>
+          <a:lstStyle/>
+          <a:p>
+            <a:pPr algn="ctr"/>
+            <a:r>
+              <a:rPr lang="en-US" dirty="0" smtClean="0">
+                <a:latin typeface="Arial" panose="020B0604020202020204" pitchFamily="34" charset="0"/>
+                <a:cs typeface="Arial" panose="020B0604020202020204" pitchFamily="34" charset="0"/>
+              </a:rPr>
+              <a:t>x1</a:t>
+            </a:r>
+            <a:endParaRPr lang="ru-RU" dirty="0">
+              <a:latin typeface="Arial" panose="020B0604020202020204" pitchFamily="34" charset="0"/>
+              <a:cs typeface="Arial" panose="020B0604020202020204" pitchFamily="34" charset="0"/>
+            </a:endParaRPr>
+          </a:p>
+        </p:txBody>
+      </p:sp>
+      <p:sp>
+        <p:nvSpPr>
+          <p:cNvPr id="62" name="Овал 61"/>
+          <p:cNvSpPr/>
+          <p:nvPr/>
+        </p:nvSpPr>
+        <p:spPr>
+          <a:xfrm>
+            <a:off x="7369837" y="4142059"/>
+            <a:ext cx="786041" cy="432538"/>
+          </a:xfrm>
+          <a:prstGeom prst="ellipse">
+            <a:avLst/>
+          </a:prstGeom>
+        </p:spPr>
+        <p:style>
+          <a:lnRef idx="2">
+            <a:schemeClr val="accent1">
+              <a:shade val="50000"/>
+            </a:schemeClr>
+          </a:lnRef>
+          <a:fillRef idx="1">
+            <a:schemeClr val="accent1"/>
+          </a:fillRef>
+          <a:effectRef idx="0">
+            <a:schemeClr val="accent1"/>
+          </a:effectRef>
+          <a:fontRef idx="minor">
+            <a:schemeClr val="lt1"/>
+          </a:fontRef>
+        </p:style>
+        <p:txBody>
+          <a:bodyPr rtlCol="0" anchor="ctr"/>
+          <a:lstStyle/>
+          <a:p>
+            <a:pPr algn="ctr"/>
+            <a:r>
+              <a:rPr lang="en-US" dirty="0" smtClean="0">
+                <a:latin typeface="Arial" panose="020B0604020202020204" pitchFamily="34" charset="0"/>
+                <a:cs typeface="Arial" panose="020B0604020202020204" pitchFamily="34" charset="0"/>
+              </a:rPr>
+              <a:t>x2</a:t>
+            </a:r>
+            <a:endParaRPr lang="ru-RU" dirty="0">
+              <a:latin typeface="Arial" panose="020B0604020202020204" pitchFamily="34" charset="0"/>
+              <a:cs typeface="Arial" panose="020B0604020202020204" pitchFamily="34" charset="0"/>
+            </a:endParaRPr>
+          </a:p>
+        </p:txBody>
+      </p:sp>
+      <p:cxnSp>
+        <p:nvCxnSpPr>
+          <p:cNvPr id="63" name="Прямая соединительная линия 62"/>
+          <p:cNvCxnSpPr>
+            <a:stCxn id="59" idx="0"/>
+            <a:endCxn id="58" idx="3"/>
+          </p:cNvCxnSpPr>
+          <p:nvPr/>
+        </p:nvCxnSpPr>
+        <p:spPr>
+          <a:xfrm flipV="1">
+            <a:off x="6483049" y="3333729"/>
+            <a:ext cx="383331" cy="193004"/>
+          </a:xfrm>
+          <a:prstGeom prst="line">
+            <a:avLst/>
+          </a:prstGeom>
+        </p:spPr>
+        <p:style>
+          <a:lnRef idx="1">
+            <a:schemeClr val="accent1"/>
+          </a:lnRef>
+          <a:fillRef idx="0">
+            <a:schemeClr val="accent1"/>
+          </a:fillRef>
+          <a:effectRef idx="0">
+            <a:schemeClr val="accent1"/>
+          </a:effectRef>
+          <a:fontRef idx="minor">
+            <a:schemeClr val="tx1"/>
+          </a:fontRef>
+        </p:style>
+      </p:cxnSp>
+      <p:cxnSp>
+        <p:nvCxnSpPr>
+          <p:cNvPr id="64" name="Прямая соединительная линия 63"/>
+          <p:cNvCxnSpPr>
+            <a:stCxn id="58" idx="5"/>
+            <a:endCxn id="60" idx="0"/>
+          </p:cNvCxnSpPr>
+          <p:nvPr/>
+        </p:nvCxnSpPr>
+        <p:spPr>
+          <a:xfrm>
+            <a:off x="7369837" y="3333729"/>
+            <a:ext cx="274374" cy="201790"/>
+          </a:xfrm>
+          <a:prstGeom prst="line">
+            <a:avLst/>
+          </a:prstGeom>
+        </p:spPr>
+        <p:style>
+          <a:lnRef idx="1">
+            <a:schemeClr val="accent1"/>
+          </a:lnRef>
+          <a:fillRef idx="0">
+            <a:schemeClr val="accent1"/>
+          </a:fillRef>
+          <a:effectRef idx="0">
+            <a:schemeClr val="accent1"/>
+          </a:effectRef>
+          <a:fontRef idx="minor">
+            <a:schemeClr val="tx1"/>
+          </a:fontRef>
+        </p:style>
+      </p:cxnSp>
+      <p:cxnSp>
+        <p:nvCxnSpPr>
+          <p:cNvPr id="65" name="Прямая соединительная линия 64"/>
+          <p:cNvCxnSpPr>
+            <a:stCxn id="59" idx="4"/>
+            <a:endCxn id="61" idx="0"/>
+          </p:cNvCxnSpPr>
+          <p:nvPr/>
+        </p:nvCxnSpPr>
+        <p:spPr>
+          <a:xfrm flipH="1">
+            <a:off x="6353759" y="3929840"/>
+            <a:ext cx="129290" cy="199784"/>
+          </a:xfrm>
+          <a:prstGeom prst="line">
+            <a:avLst/>
+          </a:prstGeom>
+        </p:spPr>
+        <p:style>
+          <a:lnRef idx="1">
+            <a:schemeClr val="accent1"/>
+          </a:lnRef>
+          <a:fillRef idx="0">
+            <a:schemeClr val="accent1"/>
+          </a:fillRef>
+          <a:effectRef idx="0">
+            <a:schemeClr val="accent1"/>
+          </a:effectRef>
+          <a:fontRef idx="minor">
+            <a:schemeClr val="tx1"/>
+          </a:fontRef>
+        </p:style>
+      </p:cxnSp>
+      <p:cxnSp>
+        <p:nvCxnSpPr>
+          <p:cNvPr id="66" name="Прямая соединительная линия 65"/>
+          <p:cNvCxnSpPr>
+            <a:stCxn id="60" idx="4"/>
+            <a:endCxn id="62" idx="0"/>
+          </p:cNvCxnSpPr>
+          <p:nvPr/>
+        </p:nvCxnSpPr>
+        <p:spPr>
+          <a:xfrm>
+            <a:off x="7644211" y="3938626"/>
+            <a:ext cx="118647" cy="203433"/>
+          </a:xfrm>
+          <a:prstGeom prst="line">
+            <a:avLst/>
+          </a:prstGeom>
+        </p:spPr>
+        <p:style>
+          <a:lnRef idx="1">
+            <a:schemeClr val="accent1"/>
+          </a:lnRef>
+          <a:fillRef idx="0">
+            <a:schemeClr val="accent1"/>
+          </a:fillRef>
+          <a:effectRef idx="0">
+            <a:schemeClr val="accent1"/>
+          </a:effectRef>
+          <a:fontRef idx="minor">
+            <a:schemeClr val="tx1"/>
+          </a:fontRef>
+        </p:style>
+      </p:cxnSp>
+      <p:sp>
+        <p:nvSpPr>
+          <p:cNvPr id="67" name="Овал 66"/>
+          <p:cNvSpPr/>
+          <p:nvPr/>
+        </p:nvSpPr>
+        <p:spPr>
+          <a:xfrm>
+            <a:off x="7082554" y="4785409"/>
+            <a:ext cx="711995" cy="394558"/>
+          </a:xfrm>
+          <a:prstGeom prst="ellipse">
+            <a:avLst/>
+          </a:prstGeom>
+        </p:spPr>
+        <p:style>
+          <a:lnRef idx="2">
+            <a:schemeClr val="accent1">
+              <a:shade val="50000"/>
+            </a:schemeClr>
+          </a:lnRef>
+          <a:fillRef idx="1">
+            <a:schemeClr val="accent1"/>
+          </a:fillRef>
+          <a:effectRef idx="0">
+            <a:schemeClr val="accent1"/>
+          </a:effectRef>
+          <a:fontRef idx="minor">
+            <a:schemeClr val="lt1"/>
+          </a:fontRef>
+        </p:style>
+        <p:txBody>
+          <a:bodyPr rtlCol="0" anchor="ctr"/>
+          <a:lstStyle/>
+          <a:p>
+            <a:pPr algn="ctr"/>
+            <a:r>
+              <a:rPr lang="en-US" dirty="0">
+                <a:latin typeface="Arial" panose="020B0604020202020204" pitchFamily="34" charset="0"/>
+                <a:cs typeface="Arial" panose="020B0604020202020204" pitchFamily="34" charset="0"/>
+              </a:rPr>
+              <a:t>*</a:t>
+            </a:r>
+            <a:endParaRPr lang="ru-RU" dirty="0">
+              <a:latin typeface="Arial" panose="020B0604020202020204" pitchFamily="34" charset="0"/>
+              <a:cs typeface="Arial" panose="020B0604020202020204" pitchFamily="34" charset="0"/>
+            </a:endParaRPr>
+          </a:p>
+        </p:txBody>
+      </p:sp>
+      <p:sp>
+        <p:nvSpPr>
+          <p:cNvPr id="68" name="Овал 67"/>
+          <p:cNvSpPr/>
+          <p:nvPr/>
+        </p:nvSpPr>
+        <p:spPr>
+          <a:xfrm>
+            <a:off x="6429968" y="5246501"/>
+            <a:ext cx="759289" cy="403107"/>
+          </a:xfrm>
+          <a:prstGeom prst="ellipse">
+            <a:avLst/>
+          </a:prstGeom>
+        </p:spPr>
+        <p:style>
+          <a:lnRef idx="2">
+            <a:schemeClr val="accent1">
+              <a:shade val="50000"/>
+            </a:schemeClr>
+          </a:lnRef>
+          <a:fillRef idx="1">
+            <a:schemeClr val="accent1"/>
+          </a:fillRef>
+          <a:effectRef idx="0">
+            <a:schemeClr val="accent1"/>
+          </a:effectRef>
+          <a:fontRef idx="minor">
+            <a:schemeClr val="lt1"/>
+          </a:fontRef>
+        </p:style>
+        <p:txBody>
+          <a:bodyPr rtlCol="0" anchor="ctr"/>
+          <a:lstStyle/>
+          <a:p>
+            <a:pPr algn="ctr"/>
+            <a:r>
+              <a:rPr lang="en-US" dirty="0">
+                <a:latin typeface="Arial" panose="020B0604020202020204" pitchFamily="34" charset="0"/>
+                <a:cs typeface="Arial" panose="020B0604020202020204" pitchFamily="34" charset="0"/>
+              </a:rPr>
+              <a:t>+</a:t>
+            </a:r>
+            <a:endParaRPr lang="ru-RU" dirty="0">
+              <a:latin typeface="Arial" panose="020B0604020202020204" pitchFamily="34" charset="0"/>
+              <a:cs typeface="Arial" panose="020B0604020202020204" pitchFamily="34" charset="0"/>
+            </a:endParaRPr>
+          </a:p>
+        </p:txBody>
+      </p:sp>
+      <p:sp>
+        <p:nvSpPr>
+          <p:cNvPr id="69" name="Овал 68"/>
+          <p:cNvSpPr/>
+          <p:nvPr/>
+        </p:nvSpPr>
+        <p:spPr>
+          <a:xfrm>
+            <a:off x="7611015" y="5261872"/>
+            <a:ext cx="912688" cy="403107"/>
+          </a:xfrm>
+          <a:prstGeom prst="ellipse">
+            <a:avLst/>
+          </a:prstGeom>
+        </p:spPr>
+        <p:style>
+          <a:lnRef idx="2">
+            <a:schemeClr val="accent1">
+              <a:shade val="50000"/>
+            </a:schemeClr>
+          </a:lnRef>
+          <a:fillRef idx="1">
+            <a:schemeClr val="accent1"/>
+          </a:fillRef>
+          <a:effectRef idx="0">
+            <a:schemeClr val="accent1"/>
+          </a:effectRef>
+          <a:fontRef idx="minor">
+            <a:schemeClr val="lt1"/>
+          </a:fontRef>
+        </p:style>
+        <p:txBody>
+          <a:bodyPr rtlCol="0" anchor="ctr"/>
+          <a:lstStyle/>
+          <a:p>
+            <a:pPr algn="ctr"/>
+            <a:r>
+              <a:rPr lang="en-US" dirty="0">
+                <a:latin typeface="Arial" panose="020B0604020202020204" pitchFamily="34" charset="0"/>
+                <a:cs typeface="Arial" panose="020B0604020202020204" pitchFamily="34" charset="0"/>
+              </a:rPr>
+              <a:t>√</a:t>
+            </a:r>
+            <a:endParaRPr lang="ru-RU" dirty="0">
+              <a:latin typeface="Arial" panose="020B0604020202020204" pitchFamily="34" charset="0"/>
+              <a:cs typeface="Arial" panose="020B0604020202020204" pitchFamily="34" charset="0"/>
+            </a:endParaRPr>
+          </a:p>
+        </p:txBody>
+      </p:sp>
+      <p:sp>
+        <p:nvSpPr>
+          <p:cNvPr id="70" name="Овал 69"/>
+          <p:cNvSpPr/>
+          <p:nvPr/>
+        </p:nvSpPr>
+        <p:spPr>
+          <a:xfrm>
+            <a:off x="5732811" y="5750592"/>
+            <a:ext cx="750238" cy="432538"/>
+          </a:xfrm>
+          <a:prstGeom prst="ellipse">
+            <a:avLst/>
+          </a:prstGeom>
+        </p:spPr>
+        <p:style>
+          <a:lnRef idx="2">
+            <a:schemeClr val="accent1">
+              <a:shade val="50000"/>
+            </a:schemeClr>
+          </a:lnRef>
+          <a:fillRef idx="1">
+            <a:schemeClr val="accent1"/>
+          </a:fillRef>
+          <a:effectRef idx="0">
+            <a:schemeClr val="accent1"/>
+          </a:effectRef>
+          <a:fontRef idx="minor">
+            <a:schemeClr val="lt1"/>
+          </a:fontRef>
+        </p:style>
+        <p:txBody>
+          <a:bodyPr rtlCol="0" anchor="ctr"/>
+          <a:lstStyle/>
+          <a:p>
+            <a:pPr algn="ctr"/>
+            <a:r>
+              <a:rPr lang="en-US" dirty="0" smtClean="0">
+                <a:latin typeface="Arial" panose="020B0604020202020204" pitchFamily="34" charset="0"/>
+                <a:cs typeface="Arial" panose="020B0604020202020204" pitchFamily="34" charset="0"/>
+              </a:rPr>
+              <a:t>x4</a:t>
+            </a:r>
+            <a:endParaRPr lang="ru-RU" dirty="0">
+              <a:latin typeface="Arial" panose="020B0604020202020204" pitchFamily="34" charset="0"/>
+              <a:cs typeface="Arial" panose="020B0604020202020204" pitchFamily="34" charset="0"/>
+            </a:endParaRPr>
+          </a:p>
+        </p:txBody>
+      </p:sp>
+      <p:sp>
+        <p:nvSpPr>
+          <p:cNvPr id="71" name="Овал 70"/>
+          <p:cNvSpPr/>
+          <p:nvPr/>
+        </p:nvSpPr>
+        <p:spPr>
+          <a:xfrm>
+            <a:off x="8149671" y="5746884"/>
+            <a:ext cx="748063" cy="426139"/>
+          </a:xfrm>
+          <a:prstGeom prst="ellipse">
+            <a:avLst/>
+          </a:prstGeom>
+        </p:spPr>
+        <p:style>
+          <a:lnRef idx="2">
+            <a:schemeClr val="accent1">
+              <a:shade val="50000"/>
+            </a:schemeClr>
+          </a:lnRef>
+          <a:fillRef idx="1">
+            <a:schemeClr val="accent1"/>
+          </a:fillRef>
+          <a:effectRef idx="0">
+            <a:schemeClr val="accent1"/>
+          </a:effectRef>
+          <a:fontRef idx="minor">
+            <a:schemeClr val="lt1"/>
+          </a:fontRef>
+        </p:style>
+        <p:txBody>
+          <a:bodyPr rtlCol="0" anchor="ctr"/>
+          <a:lstStyle/>
+          <a:p>
+            <a:pPr algn="ctr"/>
+            <a:r>
+              <a:rPr lang="en-US" dirty="0" smtClean="0">
+                <a:latin typeface="Arial" panose="020B0604020202020204" pitchFamily="34" charset="0"/>
+                <a:cs typeface="Arial" panose="020B0604020202020204" pitchFamily="34" charset="0"/>
+              </a:rPr>
+              <a:t>x2</a:t>
+            </a:r>
+            <a:endParaRPr lang="ru-RU" dirty="0">
+              <a:latin typeface="Arial" panose="020B0604020202020204" pitchFamily="34" charset="0"/>
+              <a:cs typeface="Arial" panose="020B0604020202020204" pitchFamily="34" charset="0"/>
+            </a:endParaRPr>
+          </a:p>
+        </p:txBody>
+      </p:sp>
+      <p:cxnSp>
+        <p:nvCxnSpPr>
+          <p:cNvPr id="72" name="Прямая соединительная линия 71"/>
+          <p:cNvCxnSpPr>
+            <a:stCxn id="68" idx="0"/>
+            <a:endCxn id="67" idx="3"/>
+          </p:cNvCxnSpPr>
+          <p:nvPr/>
+        </p:nvCxnSpPr>
+        <p:spPr>
+          <a:xfrm flipV="1">
+            <a:off x="6809613" y="5122185"/>
+            <a:ext cx="377210" cy="124316"/>
+          </a:xfrm>
+          <a:prstGeom prst="line">
+            <a:avLst/>
+          </a:prstGeom>
+        </p:spPr>
+        <p:style>
+          <a:lnRef idx="1">
+            <a:schemeClr val="accent1"/>
+          </a:lnRef>
+          <a:fillRef idx="0">
+            <a:schemeClr val="accent1"/>
+          </a:fillRef>
+          <a:effectRef idx="0">
+            <a:schemeClr val="accent1"/>
+          </a:effectRef>
+          <a:fontRef idx="minor">
+            <a:schemeClr val="tx1"/>
+          </a:fontRef>
+        </p:style>
+      </p:cxnSp>
+      <p:cxnSp>
+        <p:nvCxnSpPr>
+          <p:cNvPr id="73" name="Прямая соединительная линия 72"/>
+          <p:cNvCxnSpPr>
+            <a:stCxn id="67" idx="5"/>
+            <a:endCxn id="69" idx="0"/>
+          </p:cNvCxnSpPr>
+          <p:nvPr/>
+        </p:nvCxnSpPr>
+        <p:spPr>
+          <a:xfrm>
+            <a:off x="7690280" y="5122185"/>
+            <a:ext cx="377079" cy="139687"/>
+          </a:xfrm>
+          <a:prstGeom prst="line">
+            <a:avLst/>
+          </a:prstGeom>
+        </p:spPr>
+        <p:style>
+          <a:lnRef idx="1">
+            <a:schemeClr val="accent1"/>
+          </a:lnRef>
+          <a:fillRef idx="0">
+            <a:schemeClr val="accent1"/>
+          </a:fillRef>
+          <a:effectRef idx="0">
+            <a:schemeClr val="accent1"/>
+          </a:effectRef>
+          <a:fontRef idx="minor">
+            <a:schemeClr val="tx1"/>
+          </a:fontRef>
+        </p:style>
+      </p:cxnSp>
+      <p:cxnSp>
+        <p:nvCxnSpPr>
+          <p:cNvPr id="74" name="Прямая соединительная линия 73"/>
+          <p:cNvCxnSpPr>
+            <a:stCxn id="68" idx="3"/>
+            <a:endCxn id="70" idx="0"/>
+          </p:cNvCxnSpPr>
+          <p:nvPr/>
+        </p:nvCxnSpPr>
+        <p:spPr>
+          <a:xfrm flipH="1">
+            <a:off x="6107930" y="5590574"/>
+            <a:ext cx="433233" cy="160018"/>
+          </a:xfrm>
+          <a:prstGeom prst="line">
+            <a:avLst/>
+          </a:prstGeom>
+        </p:spPr>
+        <p:style>
+          <a:lnRef idx="1">
+            <a:schemeClr val="accent1"/>
+          </a:lnRef>
+          <a:fillRef idx="0">
+            <a:schemeClr val="accent1"/>
+          </a:fillRef>
+          <a:effectRef idx="0">
+            <a:schemeClr val="accent1"/>
+          </a:effectRef>
+          <a:fontRef idx="minor">
+            <a:schemeClr val="tx1"/>
+          </a:fontRef>
+        </p:style>
+      </p:cxnSp>
+      <p:cxnSp>
+        <p:nvCxnSpPr>
+          <p:cNvPr id="75" name="Прямая соединительная линия 74"/>
+          <p:cNvCxnSpPr>
+            <a:stCxn id="69" idx="4"/>
+            <a:endCxn id="71" idx="0"/>
+          </p:cNvCxnSpPr>
+          <p:nvPr/>
+        </p:nvCxnSpPr>
+        <p:spPr>
+          <a:xfrm>
+            <a:off x="8067359" y="5664979"/>
+            <a:ext cx="456344" cy="81905"/>
+          </a:xfrm>
+          <a:prstGeom prst="line">
+            <a:avLst/>
+          </a:prstGeom>
+        </p:spPr>
+        <p:style>
+          <a:lnRef idx="1">
+            <a:schemeClr val="accent1"/>
+          </a:lnRef>
+          <a:fillRef idx="0">
+            <a:schemeClr val="accent1"/>
+          </a:fillRef>
+          <a:effectRef idx="0">
+            <a:schemeClr val="accent1"/>
+          </a:effectRef>
+          <a:fontRef idx="minor">
+            <a:schemeClr val="tx1"/>
+          </a:fontRef>
+        </p:style>
+      </p:cxnSp>
+      <p:sp>
+        <p:nvSpPr>
+          <p:cNvPr id="76" name="Овал 75"/>
+          <p:cNvSpPr/>
+          <p:nvPr/>
+        </p:nvSpPr>
+        <p:spPr>
+          <a:xfrm>
+            <a:off x="7206484" y="1687147"/>
+            <a:ext cx="711995" cy="394558"/>
+          </a:xfrm>
+          <a:prstGeom prst="ellipse">
+            <a:avLst/>
+          </a:prstGeom>
+        </p:spPr>
+        <p:style>
+          <a:lnRef idx="2">
+            <a:schemeClr val="accent1">
+              <a:shade val="50000"/>
+            </a:schemeClr>
+          </a:lnRef>
+          <a:fillRef idx="1">
+            <a:schemeClr val="accent1"/>
+          </a:fillRef>
+          <a:effectRef idx="0">
+            <a:schemeClr val="accent1"/>
+          </a:effectRef>
+          <a:fontRef idx="minor">
+            <a:schemeClr val="lt1"/>
+          </a:fontRef>
+        </p:style>
+        <p:txBody>
+          <a:bodyPr rtlCol="0" anchor="ctr"/>
+          <a:lstStyle/>
+          <a:p>
+            <a:pPr algn="ctr"/>
+            <a:r>
+              <a:rPr lang="ru-RU" dirty="0" smtClean="0">
+                <a:latin typeface="Arial" panose="020B0604020202020204" pitchFamily="34" charset="0"/>
+                <a:cs typeface="Arial" panose="020B0604020202020204" pitchFamily="34" charset="0"/>
+              </a:rPr>
+              <a:t>-</a:t>
+            </a:r>
+            <a:endParaRPr lang="ru-RU" dirty="0">
+              <a:latin typeface="Arial" panose="020B0604020202020204" pitchFamily="34" charset="0"/>
+              <a:cs typeface="Arial" panose="020B0604020202020204" pitchFamily="34" charset="0"/>
+            </a:endParaRPr>
+          </a:p>
+        </p:txBody>
+      </p:sp>
+      <p:sp>
+        <p:nvSpPr>
+          <p:cNvPr id="77" name="Овал 76"/>
+          <p:cNvSpPr/>
+          <p:nvPr/>
+        </p:nvSpPr>
+        <p:spPr>
+          <a:xfrm>
+            <a:off x="6533664" y="2159108"/>
+            <a:ext cx="860888" cy="403107"/>
+          </a:xfrm>
+          <a:prstGeom prst="ellipse">
+            <a:avLst/>
+          </a:prstGeom>
+        </p:spPr>
+        <p:style>
+          <a:lnRef idx="2">
+            <a:schemeClr val="accent1">
+              <a:shade val="50000"/>
+            </a:schemeClr>
+          </a:lnRef>
+          <a:fillRef idx="1">
+            <a:schemeClr val="accent1"/>
+          </a:fillRef>
+          <a:effectRef idx="0">
+            <a:schemeClr val="accent1"/>
+          </a:effectRef>
+          <a:fontRef idx="minor">
+            <a:schemeClr val="lt1"/>
+          </a:fontRef>
+        </p:style>
+        <p:txBody>
+          <a:bodyPr rtlCol="0" anchor="ctr"/>
+          <a:lstStyle/>
+          <a:p>
+            <a:pPr algn="ctr"/>
+            <a:r>
+              <a:rPr lang="en-US" dirty="0" smtClean="0">
+                <a:latin typeface="Arial" panose="020B0604020202020204" pitchFamily="34" charset="0"/>
+                <a:cs typeface="Arial" panose="020B0604020202020204" pitchFamily="34" charset="0"/>
+              </a:rPr>
+              <a:t>x2</a:t>
+            </a:r>
+            <a:endParaRPr lang="ru-RU" dirty="0">
+              <a:latin typeface="Arial" panose="020B0604020202020204" pitchFamily="34" charset="0"/>
+              <a:cs typeface="Arial" panose="020B0604020202020204" pitchFamily="34" charset="0"/>
+            </a:endParaRPr>
+          </a:p>
+        </p:txBody>
+      </p:sp>
+      <p:sp>
+        <p:nvSpPr>
+          <p:cNvPr id="78" name="Овал 77"/>
+          <p:cNvSpPr/>
+          <p:nvPr/>
+        </p:nvSpPr>
+        <p:spPr>
+          <a:xfrm>
+            <a:off x="7755802" y="2161797"/>
+            <a:ext cx="848646" cy="403107"/>
+          </a:xfrm>
+          <a:prstGeom prst="ellipse">
+            <a:avLst/>
+          </a:prstGeom>
+        </p:spPr>
+        <p:style>
+          <a:lnRef idx="2">
+            <a:schemeClr val="accent1">
+              <a:shade val="50000"/>
+            </a:schemeClr>
+          </a:lnRef>
+          <a:fillRef idx="1">
+            <a:schemeClr val="accent1"/>
+          </a:fillRef>
+          <a:effectRef idx="0">
+            <a:schemeClr val="accent1"/>
+          </a:effectRef>
+          <a:fontRef idx="minor">
+            <a:schemeClr val="lt1"/>
+          </a:fontRef>
+        </p:style>
+        <p:txBody>
+          <a:bodyPr rtlCol="0" anchor="ctr"/>
+          <a:lstStyle/>
+          <a:p>
+            <a:pPr algn="ctr"/>
+            <a:r>
+              <a:rPr lang="en-US" dirty="0" smtClean="0">
+                <a:latin typeface="Arial" panose="020B0604020202020204" pitchFamily="34" charset="0"/>
+                <a:cs typeface="Arial" panose="020B0604020202020204" pitchFamily="34" charset="0"/>
+              </a:rPr>
+              <a:t>x3</a:t>
+            </a:r>
+            <a:endParaRPr lang="ru-RU" dirty="0">
+              <a:latin typeface="Arial" panose="020B0604020202020204" pitchFamily="34" charset="0"/>
+              <a:cs typeface="Arial" panose="020B0604020202020204" pitchFamily="34" charset="0"/>
+            </a:endParaRPr>
+          </a:p>
+        </p:txBody>
+      </p:sp>
+      <p:cxnSp>
+        <p:nvCxnSpPr>
+          <p:cNvPr id="79" name="Прямая соединительная линия 78"/>
+          <p:cNvCxnSpPr>
+            <a:stCxn id="77" idx="0"/>
+            <a:endCxn id="76" idx="3"/>
+          </p:cNvCxnSpPr>
+          <p:nvPr/>
+        </p:nvCxnSpPr>
+        <p:spPr>
+          <a:xfrm flipV="1">
+            <a:off x="6964108" y="2023923"/>
+            <a:ext cx="346645" cy="135185"/>
+          </a:xfrm>
+          <a:prstGeom prst="line">
+            <a:avLst/>
+          </a:prstGeom>
+        </p:spPr>
+        <p:style>
+          <a:lnRef idx="1">
+            <a:schemeClr val="accent1"/>
+          </a:lnRef>
+          <a:fillRef idx="0">
+            <a:schemeClr val="accent1"/>
+          </a:fillRef>
+          <a:effectRef idx="0">
+            <a:schemeClr val="accent1"/>
+          </a:effectRef>
+          <a:fontRef idx="minor">
+            <a:schemeClr val="tx1"/>
+          </a:fontRef>
+        </p:style>
+      </p:cxnSp>
+      <p:cxnSp>
+        <p:nvCxnSpPr>
+          <p:cNvPr id="80" name="Прямая соединительная линия 79"/>
+          <p:cNvCxnSpPr>
+            <a:stCxn id="76" idx="5"/>
+            <a:endCxn id="78" idx="0"/>
+          </p:cNvCxnSpPr>
+          <p:nvPr/>
+        </p:nvCxnSpPr>
+        <p:spPr>
+          <a:xfrm>
+            <a:off x="7814210" y="2023923"/>
+            <a:ext cx="365915" cy="137874"/>
+          </a:xfrm>
+          <a:prstGeom prst="line">
+            <a:avLst/>
+          </a:prstGeom>
+        </p:spPr>
+        <p:style>
+          <a:lnRef idx="1">
+            <a:schemeClr val="accent1"/>
+          </a:lnRef>
+          <a:fillRef idx="0">
+            <a:schemeClr val="accent1"/>
+          </a:fillRef>
+          <a:effectRef idx="0">
+            <a:schemeClr val="accent1"/>
+          </a:effectRef>
+          <a:fontRef idx="minor">
+            <a:schemeClr val="tx1"/>
+          </a:fontRef>
+        </p:style>
+      </p:cxnSp>
+      <p:sp>
+        <p:nvSpPr>
+          <p:cNvPr id="81" name="Овал 80"/>
+          <p:cNvSpPr/>
+          <p:nvPr/>
+        </p:nvSpPr>
+        <p:spPr>
+          <a:xfrm>
+            <a:off x="6855131" y="5750592"/>
+            <a:ext cx="898260" cy="432538"/>
+          </a:xfrm>
+          <a:prstGeom prst="ellipse">
+            <a:avLst/>
+          </a:prstGeom>
+        </p:spPr>
+        <p:style>
+          <a:lnRef idx="2">
+            <a:schemeClr val="accent1">
+              <a:shade val="50000"/>
+            </a:schemeClr>
+          </a:lnRef>
+          <a:fillRef idx="1">
+            <a:schemeClr val="accent1"/>
+          </a:fillRef>
+          <a:effectRef idx="0">
+            <a:schemeClr val="accent1"/>
+          </a:effectRef>
+          <a:fontRef idx="minor">
+            <a:schemeClr val="lt1"/>
+          </a:fontRef>
+        </p:style>
+        <p:txBody>
+          <a:bodyPr rtlCol="0" anchor="ctr"/>
+          <a:lstStyle/>
+          <a:p>
+            <a:pPr algn="ctr"/>
+            <a:r>
+              <a:rPr lang="ru-RU" dirty="0" smtClean="0">
+                <a:latin typeface="Arial" panose="020B0604020202020204" pitchFamily="34" charset="0"/>
+                <a:cs typeface="Arial" panose="020B0604020202020204" pitchFamily="34" charset="0"/>
+              </a:rPr>
+              <a:t>3.4</a:t>
+            </a:r>
+            <a:endParaRPr lang="ru-RU" dirty="0">
+              <a:latin typeface="Arial" panose="020B0604020202020204" pitchFamily="34" charset="0"/>
+              <a:cs typeface="Arial" panose="020B0604020202020204" pitchFamily="34" charset="0"/>
+            </a:endParaRPr>
+          </a:p>
+        </p:txBody>
+      </p:sp>
+      <p:cxnSp>
+        <p:nvCxnSpPr>
+          <p:cNvPr id="82" name="Прямая соединительная линия 81"/>
+          <p:cNvCxnSpPr>
+            <a:stCxn id="68" idx="5"/>
+            <a:endCxn id="81" idx="0"/>
+          </p:cNvCxnSpPr>
+          <p:nvPr/>
+        </p:nvCxnSpPr>
+        <p:spPr>
+          <a:xfrm>
+            <a:off x="7078062" y="5590574"/>
+            <a:ext cx="226199" cy="160018"/>
+          </a:xfrm>
+          <a:prstGeom prst="line">
+            <a:avLst/>
+          </a:prstGeom>
+        </p:spPr>
+        <p:style>
+          <a:lnRef idx="1">
+            <a:schemeClr val="accent1"/>
+          </a:lnRef>
+          <a:fillRef idx="0">
+            <a:schemeClr val="accent1"/>
+          </a:fillRef>
+          <a:effectRef idx="0">
+            <a:schemeClr val="accent1"/>
+          </a:effectRef>
+          <a:fontRef idx="minor">
+            <a:schemeClr val="tx1"/>
+          </a:fontRef>
+        </p:style>
+      </p:cxnSp>
+      <p:sp>
+        <p:nvSpPr>
+          <p:cNvPr id="84" name="Скругленный прямоугольник 83"/>
+          <p:cNvSpPr/>
+          <p:nvPr/>
+        </p:nvSpPr>
+        <p:spPr>
+          <a:xfrm>
+            <a:off x="35496" y="1556792"/>
+            <a:ext cx="3380947" cy="5184576"/>
+          </a:xfrm>
+          <a:prstGeom prst="roundRect">
+            <a:avLst/>
+          </a:prstGeom>
+          <a:noFill/>
+        </p:spPr>
+        <p:style>
+          <a:lnRef idx="2">
+            <a:schemeClr val="accent1"/>
+          </a:lnRef>
+          <a:fillRef idx="1">
+            <a:schemeClr val="lt1"/>
+          </a:fillRef>
+          <a:effectRef idx="0">
+            <a:schemeClr val="accent1"/>
+          </a:effectRef>
+          <a:fontRef idx="minor">
+            <a:schemeClr val="dk1"/>
+          </a:fontRef>
+        </p:style>
+        <p:txBody>
+          <a:bodyPr rtlCol="0" anchor="ctr"/>
+          <a:lstStyle/>
+          <a:p>
+            <a:pPr algn="ctr"/>
+            <a:endParaRPr lang="ru-RU"/>
+          </a:p>
+        </p:txBody>
+      </p:sp>
+      <p:sp>
+        <p:nvSpPr>
+          <p:cNvPr id="85" name="Скругленный прямоугольник 84"/>
+          <p:cNvSpPr/>
+          <p:nvPr/>
+        </p:nvSpPr>
+        <p:spPr>
+          <a:xfrm>
+            <a:off x="5652120" y="1556792"/>
+            <a:ext cx="3380947" cy="5184576"/>
+          </a:xfrm>
+          <a:prstGeom prst="roundRect">
+            <a:avLst/>
+          </a:prstGeom>
+          <a:noFill/>
+        </p:spPr>
+        <p:style>
+          <a:lnRef idx="2">
+            <a:schemeClr val="accent1"/>
+          </a:lnRef>
+          <a:fillRef idx="1">
+            <a:schemeClr val="lt1"/>
+          </a:fillRef>
+          <a:effectRef idx="0">
+            <a:schemeClr val="accent1"/>
+          </a:effectRef>
+          <a:fontRef idx="minor">
+            <a:schemeClr val="dk1"/>
+          </a:fontRef>
+        </p:style>
+        <p:txBody>
+          <a:bodyPr rtlCol="0" anchor="ctr"/>
+          <a:lstStyle/>
+          <a:p>
+            <a:pPr algn="ctr"/>
+            <a:endParaRPr lang="ru-RU"/>
+          </a:p>
+        </p:txBody>
+      </p:sp>
+      <p:sp>
+        <p:nvSpPr>
+          <p:cNvPr id="87" name="Выноска 1 86"/>
+          <p:cNvSpPr/>
+          <p:nvPr/>
+        </p:nvSpPr>
+        <p:spPr>
+          <a:xfrm>
+            <a:off x="3960451" y="2081705"/>
+            <a:ext cx="1011541" cy="915248"/>
+          </a:xfrm>
+          <a:prstGeom prst="borderCallout1">
+            <a:avLst>
+              <a:gd name="adj1" fmla="val 56622"/>
+              <a:gd name="adj2" fmla="val 891"/>
+              <a:gd name="adj3" fmla="val 71923"/>
+              <a:gd name="adj4" fmla="val -54936"/>
+            </a:avLst>
+          </a:prstGeom>
+        </p:spPr>
+        <p:style>
+          <a:lnRef idx="2">
+            <a:schemeClr val="accent1">
+              <a:shade val="50000"/>
+            </a:schemeClr>
+          </a:lnRef>
+          <a:fillRef idx="1">
+            <a:schemeClr val="accent1"/>
+          </a:fillRef>
+          <a:effectRef idx="0">
+            <a:schemeClr val="accent1"/>
+          </a:effectRef>
+          <a:fontRef idx="minor">
+            <a:schemeClr val="lt1"/>
+          </a:fontRef>
+        </p:style>
+        <p:txBody>
+          <a:bodyPr rtlCol="0" anchor="ctr"/>
+          <a:lstStyle/>
+          <a:p>
+            <a:pPr algn="ctr"/>
+            <a:r>
+              <a:rPr lang="en-US" sz="3600" dirty="0" smtClean="0">
+                <a:latin typeface="Arial" panose="020B0604020202020204" pitchFamily="34" charset="0"/>
+                <a:cs typeface="Arial" panose="020B0604020202020204" pitchFamily="34" charset="0"/>
+              </a:rPr>
+              <a:t>K</a:t>
+            </a:r>
+            <a:r>
+              <a:rPr lang="en-US" sz="3600" baseline="-25000" dirty="0" smtClean="0">
+                <a:latin typeface="Arial" panose="020B0604020202020204" pitchFamily="34" charset="0"/>
+                <a:cs typeface="Arial" panose="020B0604020202020204" pitchFamily="34" charset="0"/>
+              </a:rPr>
+              <a:t>1</a:t>
+            </a:r>
+            <a:endParaRPr lang="ru-RU" baseline="-25000" dirty="0">
+              <a:latin typeface="Arial" panose="020B0604020202020204" pitchFamily="34" charset="0"/>
+              <a:cs typeface="Arial" panose="020B0604020202020204" pitchFamily="34" charset="0"/>
+            </a:endParaRPr>
+          </a:p>
+        </p:txBody>
+      </p:sp>
+      <p:sp>
+        <p:nvSpPr>
+          <p:cNvPr id="88" name="Выноска 1 87"/>
+          <p:cNvSpPr/>
+          <p:nvPr/>
+        </p:nvSpPr>
+        <p:spPr>
+          <a:xfrm>
+            <a:off x="3960451" y="4734360"/>
+            <a:ext cx="1011541" cy="915248"/>
+          </a:xfrm>
+          <a:prstGeom prst="borderCallout1">
+            <a:avLst>
+              <a:gd name="adj1" fmla="val 60700"/>
+              <a:gd name="adj2" fmla="val 98667"/>
+              <a:gd name="adj3" fmla="val 80079"/>
+              <a:gd name="adj4" fmla="val 166444"/>
+            </a:avLst>
+          </a:prstGeom>
+        </p:spPr>
+        <p:style>
+          <a:lnRef idx="2">
+            <a:schemeClr val="accent1">
+              <a:shade val="50000"/>
+            </a:schemeClr>
+          </a:lnRef>
+          <a:fillRef idx="1">
+            <a:schemeClr val="accent1"/>
+          </a:fillRef>
+          <a:effectRef idx="0">
+            <a:schemeClr val="accent1"/>
+          </a:effectRef>
+          <a:fontRef idx="minor">
+            <a:schemeClr val="lt1"/>
+          </a:fontRef>
+        </p:style>
+        <p:txBody>
+          <a:bodyPr rtlCol="0" anchor="ctr"/>
+          <a:lstStyle/>
+          <a:p>
+            <a:pPr algn="ctr"/>
+            <a:r>
+              <a:rPr lang="en-US" sz="3600" dirty="0" smtClean="0">
+                <a:latin typeface="Arial" panose="020B0604020202020204" pitchFamily="34" charset="0"/>
+                <a:cs typeface="Arial" panose="020B0604020202020204" pitchFamily="34" charset="0"/>
+              </a:rPr>
+              <a:t>K</a:t>
+            </a:r>
+            <a:r>
+              <a:rPr lang="en-US" sz="3600" baseline="-25000" dirty="0">
+                <a:latin typeface="Arial" panose="020B0604020202020204" pitchFamily="34" charset="0"/>
+                <a:cs typeface="Arial" panose="020B0604020202020204" pitchFamily="34" charset="0"/>
+              </a:rPr>
+              <a:t>2</a:t>
+            </a:r>
+            <a:endParaRPr lang="ru-RU" baseline="-25000" dirty="0">
+              <a:latin typeface="Arial" panose="020B0604020202020204" pitchFamily="34" charset="0"/>
+              <a:cs typeface="Arial" panose="020B0604020202020204" pitchFamily="34" charset="0"/>
+            </a:endParaRPr>
+          </a:p>
+        </p:txBody>
+      </p:sp>
+    </p:spTree>
+    <p:extLst>
+      <p:ext uri="{BB962C8B-B14F-4D97-AF65-F5344CB8AC3E}">
+        <p14:creationId xmlns:p14="http://schemas.microsoft.com/office/powerpoint/2010/main" val="1030106871"/>
+      </p:ext>
+    </p:extLst>
+  </p:cSld>
+  <p:clrMapOvr>
+    <a:masterClrMapping/>
+  </p:clrMapOvr>
+  <p:timing>
+    <p:tnLst>
+      <p:par>
+        <p:cTn id="1" dur="indefinite" restart="never" nodeType="tmRoot"/>
+      </p:par>
+    </p:tnLst>
+  </p:timing>
+</p:sld>
+</file>
+
 <file path=ppt/slides/slide18.xml><?xml version="1.0" encoding="utf-8"?>
 <p:sld xmlns:a="http://schemas.openxmlformats.org/drawingml/2006/main" xmlns:r="http://schemas.openxmlformats.org/officeDocument/2006/relationships" xmlns:p="http://schemas.openxmlformats.org/presentationml/2006/main">
   <p:cSld>

--- a/Диплом/Магистратура.Ибакаева.pptx
+++ b/Диплом/Магистратура.Ибакаева.pptx
@@ -23,9 +23,9 @@
     <p:sldId id="279" r:id="rId14"/>
     <p:sldId id="259" r:id="rId15"/>
     <p:sldId id="261" r:id="rId16"/>
-    <p:sldId id="288" r:id="rId17"/>
-    <p:sldId id="295" r:id="rId18"/>
-    <p:sldId id="270" r:id="rId19"/>
+    <p:sldId id="295" r:id="rId17"/>
+    <p:sldId id="270" r:id="rId18"/>
+    <p:sldId id="297" r:id="rId19"/>
     <p:sldId id="282" r:id="rId20"/>
     <p:sldId id="289" r:id="rId21"/>
     <p:sldId id="290" r:id="rId22"/>
@@ -148,9 +148,9 @@
             <p14:sldId id="279"/>
             <p14:sldId id="259"/>
             <p14:sldId id="261"/>
-            <p14:sldId id="288"/>
             <p14:sldId id="295"/>
             <p14:sldId id="270"/>
+            <p14:sldId id="297"/>
             <p14:sldId id="282"/>
             <p14:sldId id="289"/>
             <p14:sldId id="290"/>
@@ -259,7 +259,7 @@
           <a:p>
             <a:fld id="{7B7B9815-AEE5-4F4C-8445-8ECE3DD7735C}" type="datetimeFigureOut">
               <a:rPr lang="ru-RU" smtClean="0"/>
-              <a:t>11.06.2017</a:t>
+              <a:t>12.06.2017</a:t>
             </a:fld>
             <a:endParaRPr lang="ru-RU"/>
           </a:p>
@@ -573,37 +573,45 @@
           <a:p>
             <a:r>
               <a:rPr lang="ru-RU" dirty="0" smtClean="0"/>
-              <a:t>Здравствуйте, меня зовут </a:t>
+              <a:t>Здравствуйте, меня зовут Ибакаева </a:t>
             </a:r>
             <a:r>
               <a:rPr lang="ru-RU" dirty="0" err="1" smtClean="0"/>
-              <a:t>Ибакаева</a:t>
-            </a:r>
-            <a:r>
-              <a:rPr lang="ru-RU" dirty="0" smtClean="0"/>
-              <a:t> </a:t>
-            </a:r>
-            <a:r>
-              <a:rPr lang="ru-RU" dirty="0" err="1" smtClean="0"/>
-              <a:t>А.А..</a:t>
-            </a:r>
-            <a:r>
-              <a:rPr lang="ru-RU" baseline="0" dirty="0" err="1" smtClean="0"/>
+              <a:t>А.А.</a:t>
+            </a:r>
+            <a:r>
+              <a:rPr lang="ru-RU" sz="1200" kern="1200" dirty="0" err="1" smtClean="0">
+                <a:solidFill>
+                  <a:schemeClr val="tx1"/>
+                </a:solidFill>
+                <a:effectLst/>
+                <a:latin typeface="+mn-lt"/>
+                <a:ea typeface="+mn-ea"/>
+                <a:cs typeface="+mn-cs"/>
+              </a:rPr>
               <a:t>Тема</a:t>
             </a:r>
             <a:r>
-              <a:rPr lang="ru-RU" baseline="0" dirty="0" smtClean="0"/>
-              <a:t> моего исследования </a:t>
-            </a:r>
-            <a:r>
-              <a:rPr lang="mr-IN" baseline="0" dirty="0" smtClean="0"/>
-              <a:t>–</a:t>
-            </a:r>
-            <a:r>
-              <a:rPr lang="ru-RU" baseline="0" dirty="0" smtClean="0"/>
-              <a:t> построение признаков для классификации медицинских изображений методом генетического программирования.</a:t>
-            </a:r>
-            <a:endParaRPr lang="ru-RU" dirty="0"/>
+              <a:rPr lang="ru-RU" sz="1200" kern="1200" dirty="0" smtClean="0">
+                <a:solidFill>
+                  <a:schemeClr val="tx1"/>
+                </a:solidFill>
+                <a:effectLst/>
+                <a:latin typeface="+mn-lt"/>
+                <a:ea typeface="+mn-ea"/>
+                <a:cs typeface="+mn-cs"/>
+              </a:rPr>
+              <a:t> моего исследования – построение признаков для классификации медицинских изображений посредством генетического программирования.</a:t>
+            </a:r>
+            <a:endParaRPr lang="ru-RU" sz="1200" kern="1200" dirty="0">
+              <a:solidFill>
+                <a:schemeClr val="tx1"/>
+              </a:solidFill>
+              <a:effectLst/>
+              <a:latin typeface="+mn-lt"/>
+              <a:ea typeface="+mn-ea"/>
+              <a:cs typeface="+mn-cs"/>
+            </a:endParaRPr>
           </a:p>
         </p:txBody>
       </p:sp>
@@ -1121,7 +1129,7 @@
                 <a:ea typeface="+mn-ea"/>
                 <a:cs typeface="+mn-cs"/>
               </a:rPr>
-              <a:t>Для автоматического построения признаков можно использовать деревья решений, индуктивное логическое программирование, аннотации и генетическое программирование. Деревья решений обладают гибкой настройкой операторов, но не учитывают взаимодействия и отношения признаков, а также не имеют возможности добавления дополнительных знаний об области. В то же время индуктивное логическое программирование и аннотации удовлетворяют последним двум критериям, но не позволяют настраивать свои операторы. Генетическое обладает свойствами всех названных критериев, поэтому было выбрано в качестве метода для построения признаков медицинских изображений.</a:t>
+              <a:t>Для автоматического построения признаков можно использовать деревья решений, индуктивное логическое программирование, аннотации и генетическое программирование. Деревья решений обладают гибкой настройкой операторов, но не учитывают взаимодействия и отношения признаков, а также не имеют возможности добавления дополнительных знаний об области. В то же время индуктивное логическое программирование и аннотации удовлетворяют последним двум критериям, но не позволяют настраивать свои операторы. Генетическое программирование обладает свойствами всех названных критериев, поэтому было выбрано в качестве метода для построения признаков медицинских изображений.</a:t>
             </a:r>
             <a:endParaRPr lang="ru-RU" sz="1200" kern="1200" dirty="0">
               <a:solidFill>
@@ -1435,10 +1443,20 @@
                 <a:ea typeface="+mn-ea"/>
                 <a:cs typeface="+mn-cs"/>
               </a:rPr>
-              <a:t>Будем параллельно развивать несколько наборов лесов. Каждому такому набору назначим свой уникальный классификатор, с помощью которого будем оценивать пригодность данного набора признаков.</a:t>
-            </a:r>
-          </a:p>
-          <a:p>
+              <a:t>Будем параллельно развивать несколько наборов лесов. Каждому такому набору назначим свой уникальный классификатор</a:t>
+            </a:r>
+            <a:r>
+              <a:rPr lang="en-US" sz="1200" kern="1200" smtClean="0">
+                <a:solidFill>
+                  <a:schemeClr val="tx1"/>
+                </a:solidFill>
+                <a:effectLst/>
+                <a:latin typeface="+mn-lt"/>
+                <a:ea typeface="+mn-ea"/>
+                <a:cs typeface="+mn-cs"/>
+              </a:rPr>
+              <a:t>.</a:t>
+            </a:r>
             <a:endParaRPr lang="ru-RU" dirty="0"/>
           </a:p>
         </p:txBody>
@@ -1469,7 +1487,7 @@
     </p:spTree>
     <p:extLst>
       <p:ext uri="{BB962C8B-B14F-4D97-AF65-F5344CB8AC3E}">
-        <p14:creationId xmlns:p14="http://schemas.microsoft.com/office/powerpoint/2010/main" val="2236421988"/>
+        <p14:creationId xmlns:p14="http://schemas.microsoft.com/office/powerpoint/2010/main" val="99829526"/>
       </p:ext>
     </p:extLst>
   </p:cSld>
@@ -1533,7 +1551,19 @@
                 <a:ea typeface="+mn-ea"/>
                 <a:cs typeface="+mn-cs"/>
               </a:rPr>
-              <a:t>Будем параллельно развивать несколько наборов лесов. Каждому такому набору назначим свой уникальный </a:t>
+              <a:t>Оценивать приспособленности особей будем через ошибку классификации. Подаем классификатору набор сконструированных признаков и вычисляем отношение неправильно предсказанных значений класса к числу всех объектов</a:t>
+            </a:r>
+            <a:r>
+              <a:rPr lang="ru-RU" sz="1200" kern="1200" baseline="0" dirty="0" smtClean="0">
+                <a:solidFill>
+                  <a:schemeClr val="tx1"/>
+                </a:solidFill>
+                <a:effectLst/>
+                <a:latin typeface="+mn-lt"/>
+                <a:ea typeface="+mn-ea"/>
+                <a:cs typeface="+mn-cs"/>
+              </a:rPr>
+              <a:t> </a:t>
             </a:r>
             <a:r>
               <a:rPr lang="ru-RU" sz="1200" kern="1200" dirty="0" smtClean="0">
@@ -1545,21 +1575,8 @@
                 <a:ea typeface="+mn-ea"/>
                 <a:cs typeface="+mn-cs"/>
               </a:rPr>
-              <a:t>классификатор</a:t>
-            </a:r>
-            <a:r>
-              <a:rPr lang="en-US" sz="1200" kern="1200" smtClean="0">
-                <a:solidFill>
-                  <a:schemeClr val="tx1"/>
-                </a:solidFill>
-                <a:effectLst/>
-                <a:latin typeface="+mn-lt"/>
-                <a:ea typeface="+mn-ea"/>
-                <a:cs typeface="+mn-cs"/>
-              </a:rPr>
-              <a:t>.</a:t>
-            </a:r>
-            <a:endParaRPr lang="ru-RU" dirty="0"/>
+              <a:t>и нормализуем его.</a:t>
+            </a:r>
           </a:p>
         </p:txBody>
       </p:sp>
@@ -1589,7 +1606,7 @@
     </p:spTree>
     <p:extLst>
       <p:ext uri="{BB962C8B-B14F-4D97-AF65-F5344CB8AC3E}">
-        <p14:creationId xmlns:p14="http://schemas.microsoft.com/office/powerpoint/2010/main" val="99829526"/>
+        <p14:creationId xmlns:p14="http://schemas.microsoft.com/office/powerpoint/2010/main" val="2133192863"/>
       </p:ext>
     </p:extLst>
   </p:cSld>
@@ -1653,20 +1670,10 @@
                 <a:ea typeface="+mn-ea"/>
                 <a:cs typeface="+mn-cs"/>
               </a:rPr>
-              <a:t>Оценивать приспособленности особей будем через ошибку классификации. Подаем классификатору набор сконструированных признаков и вычисляем отношение неправильно предсказанных значений класса к числу всех объектов</a:t>
-            </a:r>
-            <a:r>
-              <a:rPr lang="ru-RU" sz="1200" kern="1200" baseline="0" dirty="0" smtClean="0">
-                <a:solidFill>
-                  <a:schemeClr val="tx1"/>
-                </a:solidFill>
-                <a:effectLst/>
-                <a:latin typeface="+mn-lt"/>
-                <a:ea typeface="+mn-ea"/>
-                <a:cs typeface="+mn-cs"/>
-              </a:rPr>
-              <a:t> </a:t>
-            </a:r>
+              <a:t>Результаты. Была разработана программа, которая позволяет получить набор построенных признаков данных посредством генетического программирования. Для проверки ее работы был проведен эксперимент. </a:t>
+            </a:r>
+          </a:p>
+          <a:p>
             <a:r>
               <a:rPr lang="ru-RU" sz="1200" kern="1200" dirty="0" smtClean="0">
                 <a:solidFill>
@@ -1677,8 +1684,11 @@
                 <a:ea typeface="+mn-ea"/>
                 <a:cs typeface="+mn-cs"/>
               </a:rPr>
-              <a:t>и нормализуем его.</a:t>
-            </a:r>
+              <a:t>Заданы обучающая и тестовая выборки медицинских изображений. Они были получены из доступного в интернете ресурса и представляют собой КТ снимки легких с отмеченными областями поражения.</a:t>
+            </a:r>
+          </a:p>
+          <a:p>
+            <a:endParaRPr lang="ru-RU" dirty="0"/>
           </a:p>
         </p:txBody>
       </p:sp>
@@ -1699,7 +1709,7 @@
           <a:p>
             <a:fld id="{067F537F-45F3-8142-965F-E742B23B0064}" type="slidenum">
               <a:rPr lang="ru-RU" smtClean="0"/>
-              <a:t>18</a:t>
+              <a:t>19</a:t>
             </a:fld>
             <a:endParaRPr lang="ru-RU"/>
           </a:p>
@@ -1708,7 +1718,7 @@
     </p:spTree>
     <p:extLst>
       <p:ext uri="{BB962C8B-B14F-4D97-AF65-F5344CB8AC3E}">
-        <p14:creationId xmlns:p14="http://schemas.microsoft.com/office/powerpoint/2010/main" val="2133192863"/>
+        <p14:creationId xmlns:p14="http://schemas.microsoft.com/office/powerpoint/2010/main" val="2685789095"/>
       </p:ext>
     </p:extLst>
   </p:cSld>
@@ -1772,10 +1782,20 @@
                 <a:ea typeface="+mn-ea"/>
                 <a:cs typeface="+mn-cs"/>
               </a:rPr>
-              <a:t>Результаты. Была разработана программа, которая позволяет получить набор построенных признаков данных посредством генетического программирования. Для проверки ее работы был проведен эксперимент. </a:t>
-            </a:r>
-          </a:p>
-          <a:p>
+              <a:t>Определен набор классификаторов: классификатор ближайшего соседа, метод опорных векторов, алгоритм </a:t>
+            </a:r>
+            <a:r>
+              <a:rPr lang="en-US" sz="1200" kern="1200" dirty="0" smtClean="0">
+                <a:solidFill>
+                  <a:schemeClr val="tx1"/>
+                </a:solidFill>
+                <a:effectLst/>
+                <a:latin typeface="+mn-lt"/>
+                <a:ea typeface="+mn-ea"/>
+                <a:cs typeface="+mn-cs"/>
+              </a:rPr>
+              <a:t>C</a:t>
+            </a:r>
             <a:r>
               <a:rPr lang="ru-RU" sz="1200" kern="1200" dirty="0" smtClean="0">
                 <a:solidFill>
@@ -1786,7 +1806,7 @@
                 <a:ea typeface="+mn-ea"/>
                 <a:cs typeface="+mn-cs"/>
               </a:rPr>
-              <a:t>Заданы обучающая и тестовая выборки медицинских изображений. Они были получены из доступного в интернете ресурса и представляют собой КТ снимки легких с отмеченными областями поражения.</a:t>
+              <a:t>4.5 деревьев решений, наивный байесовский классификатор, искусственная нейронная сеть. И задано множество исходных признаков. Максимальная ошибка классификации для прекращения работы программы была выбрана равной 0.1.</a:t>
             </a:r>
           </a:p>
           <a:p>
@@ -1811,7 +1831,7 @@
           <a:p>
             <a:fld id="{067F537F-45F3-8142-965F-E742B23B0064}" type="slidenum">
               <a:rPr lang="ru-RU" smtClean="0"/>
-              <a:t>19</a:t>
+              <a:t>20</a:t>
             </a:fld>
             <a:endParaRPr lang="ru-RU"/>
           </a:p>
@@ -1820,7 +1840,7 @@
     </p:spTree>
     <p:extLst>
       <p:ext uri="{BB962C8B-B14F-4D97-AF65-F5344CB8AC3E}">
-        <p14:creationId xmlns:p14="http://schemas.microsoft.com/office/powerpoint/2010/main" val="2685789095"/>
+        <p14:creationId xmlns:p14="http://schemas.microsoft.com/office/powerpoint/2010/main" val="3681463401"/>
       </p:ext>
     </p:extLst>
   </p:cSld>
@@ -1978,128 +1998,6 @@
           <a:bodyPr/>
           <a:lstStyle/>
           <a:p>
-            <a:r>
-              <a:rPr lang="ru-RU" sz="1200" kern="1200" dirty="0" smtClean="0">
-                <a:solidFill>
-                  <a:schemeClr val="tx1"/>
-                </a:solidFill>
-                <a:effectLst/>
-                <a:latin typeface="+mn-lt"/>
-                <a:ea typeface="+mn-ea"/>
-                <a:cs typeface="+mn-cs"/>
-              </a:rPr>
-              <a:t>Определен набор классификаторов: классификатор ближайшего соседа, метод опорных векторов, алгоритм </a:t>
-            </a:r>
-            <a:r>
-              <a:rPr lang="en-US" sz="1200" kern="1200" dirty="0" smtClean="0">
-                <a:solidFill>
-                  <a:schemeClr val="tx1"/>
-                </a:solidFill>
-                <a:effectLst/>
-                <a:latin typeface="+mn-lt"/>
-                <a:ea typeface="+mn-ea"/>
-                <a:cs typeface="+mn-cs"/>
-              </a:rPr>
-              <a:t>C</a:t>
-            </a:r>
-            <a:r>
-              <a:rPr lang="ru-RU" sz="1200" kern="1200" dirty="0" smtClean="0">
-                <a:solidFill>
-                  <a:schemeClr val="tx1"/>
-                </a:solidFill>
-                <a:effectLst/>
-                <a:latin typeface="+mn-lt"/>
-                <a:ea typeface="+mn-ea"/>
-                <a:cs typeface="+mn-cs"/>
-              </a:rPr>
-              <a:t>4.5 деревьев решений, наивный байесовский классификатор, искусственная нейронная сеть. И задано множество исходных признаков. Максимальная ошибка классификации для прекращения работы программы была выбрана равной 0.1.</a:t>
-            </a:r>
-          </a:p>
-          <a:p>
-            <a:endParaRPr lang="ru-RU" dirty="0"/>
-          </a:p>
-        </p:txBody>
-      </p:sp>
-      <p:sp>
-        <p:nvSpPr>
-          <p:cNvPr id="4" name="Номер слайда 3"/>
-          <p:cNvSpPr>
-            <a:spLocks noGrp="1"/>
-          </p:cNvSpPr>
-          <p:nvPr>
-            <p:ph type="sldNum" sz="quarter" idx="10"/>
-          </p:nvPr>
-        </p:nvSpPr>
-        <p:spPr/>
-        <p:txBody>
-          <a:bodyPr/>
-          <a:lstStyle/>
-          <a:p>
-            <a:fld id="{067F537F-45F3-8142-965F-E742B23B0064}" type="slidenum">
-              <a:rPr lang="ru-RU" smtClean="0"/>
-              <a:t>20</a:t>
-            </a:fld>
-            <a:endParaRPr lang="ru-RU"/>
-          </a:p>
-        </p:txBody>
-      </p:sp>
-    </p:spTree>
-    <p:extLst>
-      <p:ext uri="{BB962C8B-B14F-4D97-AF65-F5344CB8AC3E}">
-        <p14:creationId xmlns:p14="http://schemas.microsoft.com/office/powerpoint/2010/main" val="3681463401"/>
-      </p:ext>
-    </p:extLst>
-  </p:cSld>
-  <p:clrMapOvr>
-    <a:masterClrMapping/>
-  </p:clrMapOvr>
-</p:notes>
-</file>
-
-<file path=ppt/notesSlides/notesSlide21.xml><?xml version="1.0" encoding="utf-8"?>
-<p:notes xmlns:a="http://schemas.openxmlformats.org/drawingml/2006/main" xmlns:r="http://schemas.openxmlformats.org/officeDocument/2006/relationships" xmlns:p="http://schemas.openxmlformats.org/presentationml/2006/main">
-  <p:cSld>
-    <p:spTree>
-      <p:nvGrpSpPr>
-        <p:cNvPr id="1" name=""/>
-        <p:cNvGrpSpPr/>
-        <p:nvPr/>
-      </p:nvGrpSpPr>
-      <p:grpSpPr>
-        <a:xfrm>
-          <a:off x="0" y="0"/>
-          <a:ext cx="0" cy="0"/>
-          <a:chOff x="0" y="0"/>
-          <a:chExt cx="0" cy="0"/>
-        </a:xfrm>
-      </p:grpSpPr>
-      <p:sp>
-        <p:nvSpPr>
-          <p:cNvPr id="2" name="Образ слайда 1"/>
-          <p:cNvSpPr>
-            <a:spLocks noGrp="1" noRot="1" noChangeAspect="1"/>
-          </p:cNvSpPr>
-          <p:nvPr>
-            <p:ph type="sldImg"/>
-          </p:nvPr>
-        </p:nvSpPr>
-        <p:spPr/>
-      </p:sp>
-      <p:sp>
-        <p:nvSpPr>
-          <p:cNvPr id="3" name="Заметки 2"/>
-          <p:cNvSpPr>
-            <a:spLocks noGrp="1"/>
-          </p:cNvSpPr>
-          <p:nvPr>
-            <p:ph type="body" idx="1"/>
-          </p:nvPr>
-        </p:nvSpPr>
-        <p:spPr/>
-        <p:txBody>
-          <a:bodyPr/>
-          <a:lstStyle/>
-          <a:p>
             <a:pPr marL="0" marR="0" lvl="0" indent="0" algn="l" defTabSz="914400" rtl="0" eaLnBrk="1" fontAlgn="auto" latinLnBrk="0" hangingPunct="1">
               <a:lnSpc>
                 <a:spcPct val="100000"/>
@@ -2314,7 +2212,7 @@
                 <a:ea typeface="+mn-ea"/>
                 <a:cs typeface="+mn-cs"/>
               </a:rPr>
-              <a:t>Изображение можно описать набором признаков – отличительных особенностей для различения. Для такого объекта как медицинское изображение количество признаков может быть больше 20 . </a:t>
+              <a:t>Изображение можно описать набором признаков – отличительных особенностей для различия. Для такого объекта как медицинское изображение количество признаков может быть больше 20. </a:t>
             </a:r>
           </a:p>
           <a:p>
@@ -2412,7 +2310,7 @@
                 <a:ea typeface="+mn-ea"/>
                 <a:cs typeface="+mn-cs"/>
               </a:rPr>
-              <a:t>Точность классификации сильно зависит от входного набора признаков. Т.е. при изменении множества признаков получается другая точность классификации.</a:t>
+              <a:t>От этого входного набора признаков сильно зависит точность классификации. Т.е. при изменении множества признаков получается другая точность классификации.</a:t>
             </a:r>
             <a:endParaRPr lang="ru-RU" sz="1200" kern="1200" dirty="0">
               <a:solidFill>
@@ -2836,7 +2734,7 @@
                 <a:ea typeface="+mn-ea"/>
                 <a:cs typeface="+mn-cs"/>
               </a:rPr>
-              <a:t>Цель – нахождение и отработка методики построения признаков для улучшения точности классификации.</a:t>
+              <a:t>Цель работы – нахождение и отработка методики построения признаков для улучшения точности классификации.</a:t>
             </a:r>
             <a:endParaRPr lang="ru-RU" sz="1200" kern="1200" dirty="0">
               <a:solidFill>
@@ -3116,7 +3014,7 @@
           <a:p>
             <a:fld id="{3A437E1B-BF00-41EC-9089-A3D2CF1C3BF5}" type="datetimeFigureOut">
               <a:rPr lang="ru-RU" smtClean="0"/>
-              <a:t>11.06.2017</a:t>
+              <a:t>12.06.2017</a:t>
             </a:fld>
             <a:endParaRPr lang="ru-RU" dirty="0"/>
           </a:p>
@@ -3329,7 +3227,7 @@
           <a:p>
             <a:fld id="{3A437E1B-BF00-41EC-9089-A3D2CF1C3BF5}" type="datetimeFigureOut">
               <a:rPr lang="ru-RU" smtClean="0"/>
-              <a:t>11.06.2017</a:t>
+              <a:t>12.06.2017</a:t>
             </a:fld>
             <a:endParaRPr lang="ru-RU" dirty="0"/>
           </a:p>
@@ -3504,7 +3402,7 @@
           <a:p>
             <a:fld id="{3A437E1B-BF00-41EC-9089-A3D2CF1C3BF5}" type="datetimeFigureOut">
               <a:rPr lang="ru-RU" smtClean="0"/>
-              <a:t>11.06.2017</a:t>
+              <a:t>12.06.2017</a:t>
             </a:fld>
             <a:endParaRPr lang="ru-RU" dirty="0"/>
           </a:p>
@@ -3669,7 +3567,7 @@
           <a:p>
             <a:fld id="{3A437E1B-BF00-41EC-9089-A3D2CF1C3BF5}" type="datetimeFigureOut">
               <a:rPr lang="ru-RU" smtClean="0"/>
-              <a:t>11.06.2017</a:t>
+              <a:t>12.06.2017</a:t>
             </a:fld>
             <a:endParaRPr lang="ru-RU" dirty="0"/>
           </a:p>
@@ -3953,7 +3851,7 @@
           <a:p>
             <a:fld id="{3A437E1B-BF00-41EC-9089-A3D2CF1C3BF5}" type="datetimeFigureOut">
               <a:rPr lang="ru-RU" smtClean="0"/>
-              <a:t>11.06.2017</a:t>
+              <a:t>12.06.2017</a:t>
             </a:fld>
             <a:endParaRPr lang="ru-RU" dirty="0"/>
           </a:p>
@@ -4279,7 +4177,7 @@
           <a:p>
             <a:fld id="{3A437E1B-BF00-41EC-9089-A3D2CF1C3BF5}" type="datetimeFigureOut">
               <a:rPr lang="ru-RU" smtClean="0"/>
-              <a:t>11.06.2017</a:t>
+              <a:t>12.06.2017</a:t>
             </a:fld>
             <a:endParaRPr lang="ru-RU" dirty="0"/>
           </a:p>
@@ -4704,7 +4602,7 @@
           <a:p>
             <a:fld id="{3A437E1B-BF00-41EC-9089-A3D2CF1C3BF5}" type="datetimeFigureOut">
               <a:rPr lang="ru-RU" smtClean="0"/>
-              <a:t>11.06.2017</a:t>
+              <a:t>12.06.2017</a:t>
             </a:fld>
             <a:endParaRPr lang="ru-RU" dirty="0"/>
           </a:p>
@@ -4877,7 +4775,7 @@
           <a:p>
             <a:fld id="{3A437E1B-BF00-41EC-9089-A3D2CF1C3BF5}" type="datetimeFigureOut">
               <a:rPr lang="ru-RU" smtClean="0"/>
-              <a:t>11.06.2017</a:t>
+              <a:t>12.06.2017</a:t>
             </a:fld>
             <a:endParaRPr lang="ru-RU" dirty="0"/>
           </a:p>
@@ -4967,7 +4865,7 @@
           <a:p>
             <a:fld id="{3A437E1B-BF00-41EC-9089-A3D2CF1C3BF5}" type="datetimeFigureOut">
               <a:rPr lang="ru-RU" smtClean="0"/>
-              <a:t>11.06.2017</a:t>
+              <a:t>12.06.2017</a:t>
             </a:fld>
             <a:endParaRPr lang="ru-RU" dirty="0"/>
           </a:p>
@@ -5247,7 +5145,7 @@
           <a:p>
             <a:fld id="{3A437E1B-BF00-41EC-9089-A3D2CF1C3BF5}" type="datetimeFigureOut">
               <a:rPr lang="ru-RU" smtClean="0"/>
-              <a:t>11.06.2017</a:t>
+              <a:t>12.06.2017</a:t>
             </a:fld>
             <a:endParaRPr lang="ru-RU" dirty="0"/>
           </a:p>
@@ -5546,7 +5444,7 @@
           <a:p>
             <a:fld id="{3A437E1B-BF00-41EC-9089-A3D2CF1C3BF5}" type="datetimeFigureOut">
               <a:rPr lang="ru-RU" smtClean="0"/>
-              <a:t>11.06.2017</a:t>
+              <a:t>12.06.2017</a:t>
             </a:fld>
             <a:endParaRPr lang="ru-RU" dirty="0"/>
           </a:p>
@@ -5756,7 +5654,7 @@
           <a:p>
             <a:fld id="{3A437E1B-BF00-41EC-9089-A3D2CF1C3BF5}" type="datetimeFigureOut">
               <a:rPr lang="ru-RU" smtClean="0"/>
-              <a:t>11.06.2017</a:t>
+              <a:t>12.06.2017</a:t>
             </a:fld>
             <a:endParaRPr lang="ru-RU" dirty="0"/>
           </a:p>
@@ -6636,7 +6534,35 @@
                 <a:latin typeface="Arial" panose="020B0604020202020204" pitchFamily="34" charset="0"/>
                 <a:cs typeface="Arial" panose="020B0604020202020204" pitchFamily="34" charset="0"/>
               </a:rPr>
-              <a:t>Обобщить полученные результаты и сделать соответствующие выводы.</a:t>
+              <a:t>Обобщить </a:t>
+            </a:r>
+            <a:r>
+              <a:rPr lang="ru-RU" sz="3500" dirty="0" smtClean="0">
+                <a:latin typeface="Arial" panose="020B0604020202020204" pitchFamily="34" charset="0"/>
+                <a:cs typeface="Arial" panose="020B0604020202020204" pitchFamily="34" charset="0"/>
+              </a:rPr>
+              <a:t>результаты </a:t>
+            </a:r>
+            <a:r>
+              <a:rPr lang="ru-RU" sz="3500" dirty="0">
+                <a:latin typeface="Arial" panose="020B0604020202020204" pitchFamily="34" charset="0"/>
+                <a:cs typeface="Arial" panose="020B0604020202020204" pitchFamily="34" charset="0"/>
+              </a:rPr>
+              <a:t>и сделать </a:t>
+            </a:r>
+            <a:r>
+              <a:rPr lang="ru-RU" sz="3500" dirty="0" smtClean="0">
+                <a:latin typeface="Arial" panose="020B0604020202020204" pitchFamily="34" charset="0"/>
+                <a:cs typeface="Arial" panose="020B0604020202020204" pitchFamily="34" charset="0"/>
+              </a:rPr>
+              <a:t>соответствующие выводы</a:t>
+            </a:r>
+            <a:r>
+              <a:rPr lang="ru-RU" sz="3500" dirty="0">
+                <a:latin typeface="Arial" panose="020B0604020202020204" pitchFamily="34" charset="0"/>
+                <a:cs typeface="Arial" panose="020B0604020202020204" pitchFamily="34" charset="0"/>
+              </a:rPr>
+              <a:t>.</a:t>
             </a:r>
           </a:p>
           <a:p>
@@ -7215,10 +7141,6 @@
               </a:rPr>
               <a:t>выборка</a:t>
             </a:r>
-            <a:endParaRPr lang="ru-RU" sz="2800" dirty="0" smtClean="0">
-              <a:latin typeface="Arial" panose="020B0604020202020204" pitchFamily="34" charset="0"/>
-              <a:cs typeface="Arial" panose="020B0604020202020204" pitchFamily="34" charset="0"/>
-            </a:endParaRPr>
           </a:p>
         </p:txBody>
       </p:sp>
@@ -8393,8 +8315,8 @@
         </p:nvSpPr>
         <p:spPr>
           <a:xfrm>
-            <a:off x="755576" y="1919064"/>
-            <a:ext cx="7543800" cy="3886200"/>
+            <a:off x="827584" y="1916832"/>
+            <a:ext cx="7471792" cy="3886200"/>
           </a:xfrm>
         </p:spPr>
         <p:txBody>
@@ -9586,598 +9508,2338 @@
           </a:p>
         </p:txBody>
       </p:sp>
-      <mc:AlternateContent xmlns:mc="http://schemas.openxmlformats.org/markup-compatibility/2006" xmlns:a14="http://schemas.microsoft.com/office/drawing/2010/main">
-        <mc:Choice Requires="a14">
-          <p:sp>
-            <p:nvSpPr>
-              <p:cNvPr id="3" name="Объект 2"/>
-              <p:cNvSpPr>
-                <a:spLocks noGrp="1"/>
-              </p:cNvSpPr>
-              <p:nvPr>
-                <p:ph idx="1"/>
-              </p:nvPr>
-            </p:nvSpPr>
-            <p:spPr>
-              <a:xfrm>
-                <a:off x="755576" y="1919064"/>
-                <a:ext cx="7992888" cy="4318248"/>
-              </a:xfrm>
-            </p:spPr>
-            <p:txBody>
-              <a:bodyPr>
-                <a:normAutofit/>
-              </a:bodyPr>
-              <a:lstStyle/>
-              <a:p>
-                <a:pPr algn="just"/>
-                <a14:m>
-                  <m:oMath xmlns:m="http://schemas.openxmlformats.org/officeDocument/2006/math">
-                    <m:sSub>
-                      <m:sSubPr>
-                        <m:ctrlPr>
-                          <a:rPr lang="en-US" sz="4800" i="1" smtClean="0">
-                            <a:latin typeface="Cambria Math" panose="02040503050406030204" pitchFamily="18" charset="0"/>
-                            <a:cs typeface="Arial" panose="020B0604020202020204" pitchFamily="34" charset="0"/>
-                          </a:rPr>
-                        </m:ctrlPr>
-                      </m:sSubPr>
-                      <m:e>
-                        <m:r>
-                          <a:rPr lang="en-US" sz="4800" b="0" i="1" smtClean="0">
-                            <a:latin typeface="Cambria Math" panose="02040503050406030204" pitchFamily="18" charset="0"/>
-                            <a:cs typeface="Arial" panose="020B0604020202020204" pitchFamily="34" charset="0"/>
-                          </a:rPr>
-                          <m:t>𝐴</m:t>
-                        </m:r>
-                      </m:e>
-                      <m:sub>
-                        <m:r>
-                          <a:rPr lang="en-US" sz="4800" b="0" i="1" smtClean="0">
-                            <a:latin typeface="Cambria Math" panose="02040503050406030204" pitchFamily="18" charset="0"/>
-                            <a:cs typeface="Arial" panose="020B0604020202020204" pitchFamily="34" charset="0"/>
-                          </a:rPr>
-                          <m:t>𝑖𝑗</m:t>
-                        </m:r>
-                      </m:sub>
-                    </m:sSub>
-                  </m:oMath>
-                </a14:m>
-                <a:r>
-                  <a:rPr lang="ru-RU" sz="4800" dirty="0">
-                    <a:latin typeface="Arial" panose="020B0604020202020204" pitchFamily="34" charset="0"/>
-                    <a:cs typeface="Arial" panose="020B0604020202020204" pitchFamily="34" charset="0"/>
-                  </a:rPr>
-                  <a:t> – </a:t>
-                </a:r>
-                <a:r>
-                  <a:rPr lang="ru-RU" sz="4800" dirty="0" smtClean="0">
-                    <a:latin typeface="Arial" panose="020B0604020202020204" pitchFamily="34" charset="0"/>
-                    <a:cs typeface="Arial" panose="020B0604020202020204" pitchFamily="34" charset="0"/>
-                  </a:rPr>
-                  <a:t>лес;</a:t>
-                </a:r>
-              </a:p>
-              <a:p>
-                <a:pPr algn="just"/>
-                <a14:m>
-                  <m:oMath xmlns:m="http://schemas.openxmlformats.org/officeDocument/2006/math">
-                    <m:sSub>
-                      <m:sSubPr>
-                        <m:ctrlPr>
-                          <a:rPr lang="ru-RU" sz="4800" i="1" smtClean="0">
-                            <a:latin typeface="Cambria Math" panose="02040503050406030204" pitchFamily="18" charset="0"/>
-                            <a:cs typeface="Arial" panose="020B0604020202020204" pitchFamily="34" charset="0"/>
-                          </a:rPr>
-                        </m:ctrlPr>
-                      </m:sSubPr>
-                      <m:e>
-                        <m:r>
-                          <a:rPr lang="en-US" sz="4800" b="0" i="1" smtClean="0">
-                            <a:latin typeface="Cambria Math" panose="02040503050406030204" pitchFamily="18" charset="0"/>
-                            <a:cs typeface="Arial" panose="020B0604020202020204" pitchFamily="34" charset="0"/>
-                          </a:rPr>
-                          <m:t>𝑘</m:t>
-                        </m:r>
-                      </m:e>
-                      <m:sub>
-                        <m:r>
-                          <a:rPr lang="en-US" sz="4800" b="0" i="1" smtClean="0">
-                            <a:latin typeface="Cambria Math" panose="02040503050406030204" pitchFamily="18" charset="0"/>
-                            <a:cs typeface="Arial" panose="020B0604020202020204" pitchFamily="34" charset="0"/>
-                          </a:rPr>
-                          <m:t>𝑖</m:t>
-                        </m:r>
-                      </m:sub>
-                    </m:sSub>
-                  </m:oMath>
-                </a14:m>
-                <a:r>
-                  <a:rPr lang="en-US" sz="4800" dirty="0" smtClean="0">
-                    <a:latin typeface="Arial" panose="020B0604020202020204" pitchFamily="34" charset="0"/>
-                    <a:cs typeface="Arial" panose="020B0604020202020204" pitchFamily="34" charset="0"/>
-                  </a:rPr>
-                  <a:t> </a:t>
-                </a:r>
-                <a:r>
-                  <a:rPr lang="ru-RU" sz="4800" dirty="0">
-                    <a:latin typeface="Arial" panose="020B0604020202020204" pitchFamily="34" charset="0"/>
-                    <a:cs typeface="Arial" panose="020B0604020202020204" pitchFamily="34" charset="0"/>
-                  </a:rPr>
-                  <a:t>–</a:t>
-                </a:r>
-                <a:r>
-                  <a:rPr lang="en-US" sz="4800" dirty="0" smtClean="0">
-                    <a:latin typeface="Arial" panose="020B0604020202020204" pitchFamily="34" charset="0"/>
-                    <a:cs typeface="Arial" panose="020B0604020202020204" pitchFamily="34" charset="0"/>
-                  </a:rPr>
-                  <a:t> </a:t>
-                </a:r>
-                <a:r>
-                  <a:rPr lang="ru-RU" sz="4800" dirty="0" smtClean="0">
-                    <a:latin typeface="Arial" panose="020B0604020202020204" pitchFamily="34" charset="0"/>
-                    <a:cs typeface="Arial" panose="020B0604020202020204" pitchFamily="34" charset="0"/>
-                  </a:rPr>
-                  <a:t>классификатор;</a:t>
-                </a:r>
-                <a:endParaRPr lang="en-US" sz="4800" dirty="0" smtClean="0">
-                  <a:latin typeface="Arial" panose="020B0604020202020204" pitchFamily="34" charset="0"/>
-                  <a:cs typeface="Arial" panose="020B0604020202020204" pitchFamily="34" charset="0"/>
-                </a:endParaRPr>
-              </a:p>
-              <a:p>
-                <a:pPr marL="0" indent="0" algn="just">
-                  <a:buNone/>
-                </a:pPr>
-                <a14:m>
-                  <m:oMathPara xmlns:m="http://schemas.openxmlformats.org/officeDocument/2006/math">
-                    <m:oMathParaPr>
-                      <m:jc m:val="centerGroup"/>
-                    </m:oMathParaPr>
-                    <m:oMath xmlns:m="http://schemas.openxmlformats.org/officeDocument/2006/math">
-                      <m:m>
-                        <m:mPr>
-                          <m:mcs>
-                            <m:mc>
-                              <m:mcPr>
-                                <m:count m:val="1"/>
-                                <m:mcJc m:val="center"/>
-                              </m:mcPr>
-                            </m:mc>
-                          </m:mcs>
-                          <m:ctrlPr>
-                            <a:rPr lang="ru-RU" sz="4800" i="1">
-                              <a:latin typeface="Cambria Math" panose="02040503050406030204" pitchFamily="18" charset="0"/>
-                              <a:cs typeface="Arial" panose="020B0604020202020204" pitchFamily="34" charset="0"/>
-                            </a:rPr>
-                          </m:ctrlPr>
-                        </m:mPr>
-                        <m:mr>
-                          <m:e>
-                            <m:r>
-                              <m:rPr>
-                                <m:brk m:alnAt="7"/>
-                              </m:rPr>
-                              <a:rPr lang="ru-RU" sz="4800" i="1">
-                                <a:latin typeface="Cambria Math" panose="02040503050406030204" pitchFamily="18" charset="0"/>
-                                <a:cs typeface="Arial" panose="020B0604020202020204" pitchFamily="34" charset="0"/>
-                              </a:rPr>
-                              <m:t>(</m:t>
-                            </m:r>
-                            <m:sSub>
-                              <m:sSubPr>
-                                <m:ctrlPr>
-                                  <a:rPr lang="ru-RU" sz="4800" i="1">
-                                    <a:latin typeface="Cambria Math" panose="02040503050406030204" pitchFamily="18" charset="0"/>
-                                    <a:cs typeface="Arial" panose="020B0604020202020204" pitchFamily="34" charset="0"/>
-                                  </a:rPr>
-                                </m:ctrlPr>
-                              </m:sSubPr>
-                              <m:e>
-                                <m:r>
-                                  <a:rPr lang="en-US" sz="4800" i="1">
-                                    <a:latin typeface="Cambria Math" panose="02040503050406030204" pitchFamily="18" charset="0"/>
-                                    <a:cs typeface="Arial" panose="020B0604020202020204" pitchFamily="34" charset="0"/>
-                                  </a:rPr>
-                                  <m:t>𝐴</m:t>
-                                </m:r>
-                              </m:e>
-                              <m:sub>
-                                <m:r>
-                                  <a:rPr lang="en-US" sz="4800" i="1">
-                                    <a:latin typeface="Cambria Math" panose="02040503050406030204" pitchFamily="18" charset="0"/>
-                                    <a:cs typeface="Arial" panose="020B0604020202020204" pitchFamily="34" charset="0"/>
-                                  </a:rPr>
-                                  <m:t>11</m:t>
-                                </m:r>
-                              </m:sub>
-                            </m:sSub>
-                            <m:r>
-                              <m:rPr>
-                                <m:brk m:alnAt="7"/>
-                              </m:rPr>
-                              <a:rPr lang="en-US" sz="4800" i="1">
-                                <a:latin typeface="Cambria Math" panose="02040503050406030204" pitchFamily="18" charset="0"/>
-                                <a:cs typeface="Arial" panose="020B0604020202020204" pitchFamily="34" charset="0"/>
-                              </a:rPr>
-                              <m:t>,</m:t>
-                            </m:r>
-                            <m:sSub>
-                              <m:sSubPr>
-                                <m:ctrlPr>
-                                  <a:rPr lang="en-US" sz="4800" i="1">
-                                    <a:latin typeface="Cambria Math" panose="02040503050406030204" pitchFamily="18" charset="0"/>
-                                    <a:cs typeface="Arial" panose="020B0604020202020204" pitchFamily="34" charset="0"/>
-                                  </a:rPr>
-                                </m:ctrlPr>
-                              </m:sSubPr>
-                              <m:e>
-                                <m:r>
-                                  <a:rPr lang="en-US" sz="4800" i="1">
-                                    <a:latin typeface="Cambria Math" panose="02040503050406030204" pitchFamily="18" charset="0"/>
-                                    <a:cs typeface="Arial" panose="020B0604020202020204" pitchFamily="34" charset="0"/>
-                                  </a:rPr>
-                                  <m:t>𝐴</m:t>
-                                </m:r>
-                              </m:e>
-                              <m:sub>
-                                <m:r>
-                                  <a:rPr lang="en-US" sz="4800" i="1">
-                                    <a:latin typeface="Cambria Math" panose="02040503050406030204" pitchFamily="18" charset="0"/>
-                                    <a:cs typeface="Arial" panose="020B0604020202020204" pitchFamily="34" charset="0"/>
-                                  </a:rPr>
-                                  <m:t>12</m:t>
-                                </m:r>
-                              </m:sub>
-                            </m:sSub>
-                            <m:r>
-                              <m:rPr>
-                                <m:brk m:alnAt="7"/>
-                              </m:rPr>
-                              <a:rPr lang="en-US" sz="4800" i="1">
-                                <a:latin typeface="Cambria Math" panose="02040503050406030204" pitchFamily="18" charset="0"/>
-                                <a:cs typeface="Arial" panose="020B0604020202020204" pitchFamily="34" charset="0"/>
-                              </a:rPr>
-                              <m:t>,</m:t>
-                            </m:r>
-                            <m:r>
-                              <a:rPr lang="en-US" sz="4800" i="1">
-                                <a:latin typeface="Cambria Math" panose="02040503050406030204" pitchFamily="18" charset="0"/>
-                                <a:cs typeface="Arial" panose="020B0604020202020204" pitchFamily="34" charset="0"/>
-                              </a:rPr>
-                              <m:t> …,</m:t>
-                            </m:r>
-                            <m:sSub>
-                              <m:sSubPr>
-                                <m:ctrlPr>
-                                  <a:rPr lang="en-US" sz="4800" i="1">
-                                    <a:latin typeface="Cambria Math" panose="02040503050406030204" pitchFamily="18" charset="0"/>
-                                    <a:cs typeface="Arial" panose="020B0604020202020204" pitchFamily="34" charset="0"/>
-                                  </a:rPr>
-                                </m:ctrlPr>
-                              </m:sSubPr>
-                              <m:e>
-                                <m:r>
-                                  <a:rPr lang="en-US" sz="4800" i="1">
-                                    <a:latin typeface="Cambria Math" panose="02040503050406030204" pitchFamily="18" charset="0"/>
-                                    <a:cs typeface="Arial" panose="020B0604020202020204" pitchFamily="34" charset="0"/>
-                                  </a:rPr>
-                                  <m:t>𝐴</m:t>
-                                </m:r>
-                              </m:e>
-                              <m:sub>
-                                <m:r>
-                                  <a:rPr lang="en-US" sz="4800" i="1">
-                                    <a:latin typeface="Cambria Math" panose="02040503050406030204" pitchFamily="18" charset="0"/>
-                                    <a:cs typeface="Arial" panose="020B0604020202020204" pitchFamily="34" charset="0"/>
-                                  </a:rPr>
-                                  <m:t>1</m:t>
-                                </m:r>
-                                <m:r>
-                                  <a:rPr lang="en-US" sz="4800" i="1">
-                                    <a:latin typeface="Cambria Math" panose="02040503050406030204" pitchFamily="18" charset="0"/>
-                                    <a:cs typeface="Arial" panose="020B0604020202020204" pitchFamily="34" charset="0"/>
-                                  </a:rPr>
-                                  <m:t>𝑛</m:t>
-                                </m:r>
-                              </m:sub>
-                            </m:sSub>
-                            <m:r>
-                              <m:rPr>
-                                <m:brk m:alnAt="7"/>
-                              </m:rPr>
-                              <a:rPr lang="en-US" sz="4800" i="1">
-                                <a:latin typeface="Cambria Math" panose="02040503050406030204" pitchFamily="18" charset="0"/>
-                                <a:cs typeface="Arial" panose="020B0604020202020204" pitchFamily="34" charset="0"/>
-                              </a:rPr>
-                              <m:t>|</m:t>
-                            </m:r>
-                            <m:sSub>
-                              <m:sSubPr>
-                                <m:ctrlPr>
-                                  <a:rPr lang="en-US" sz="4800" i="1">
-                                    <a:latin typeface="Cambria Math" panose="02040503050406030204" pitchFamily="18" charset="0"/>
-                                    <a:cs typeface="Arial" panose="020B0604020202020204" pitchFamily="34" charset="0"/>
-                                  </a:rPr>
-                                </m:ctrlPr>
-                              </m:sSubPr>
-                              <m:e>
-                                <m:r>
-                                  <a:rPr lang="en-US" sz="4800" i="1">
-                                    <a:latin typeface="Cambria Math" panose="02040503050406030204" pitchFamily="18" charset="0"/>
-                                    <a:cs typeface="Arial" panose="020B0604020202020204" pitchFamily="34" charset="0"/>
-                                  </a:rPr>
-                                  <m:t>𝑘</m:t>
-                                </m:r>
-                              </m:e>
-                              <m:sub>
-                                <m:r>
-                                  <a:rPr lang="en-US" sz="4800" i="1">
-                                    <a:latin typeface="Cambria Math" panose="02040503050406030204" pitchFamily="18" charset="0"/>
-                                    <a:cs typeface="Arial" panose="020B0604020202020204" pitchFamily="34" charset="0"/>
-                                  </a:rPr>
-                                  <m:t>1</m:t>
-                                </m:r>
-                              </m:sub>
-                            </m:sSub>
-                            <m:r>
-                              <m:rPr>
-                                <m:brk m:alnAt="7"/>
-                              </m:rPr>
-                              <a:rPr lang="ru-RU" sz="4800" i="1">
-                                <a:latin typeface="Cambria Math" panose="02040503050406030204" pitchFamily="18" charset="0"/>
-                                <a:cs typeface="Arial" panose="020B0604020202020204" pitchFamily="34" charset="0"/>
-                              </a:rPr>
-                              <m:t>)</m:t>
-                            </m:r>
-                          </m:e>
-                        </m:mr>
-                        <m:mr>
-                          <m:e>
-                            <m:r>
-                              <a:rPr lang="en-US" sz="4800" i="1">
-                                <a:latin typeface="Cambria Math" panose="02040503050406030204" pitchFamily="18" charset="0"/>
-                                <a:cs typeface="Arial" panose="020B0604020202020204" pitchFamily="34" charset="0"/>
-                              </a:rPr>
-                              <m:t>…</m:t>
-                            </m:r>
-                          </m:e>
-                        </m:mr>
-                        <m:mr>
-                          <m:e>
-                            <m:r>
-                              <a:rPr lang="en-US" sz="4800" i="1">
-                                <a:latin typeface="Cambria Math" panose="02040503050406030204" pitchFamily="18" charset="0"/>
-                                <a:cs typeface="Arial" panose="020B0604020202020204" pitchFamily="34" charset="0"/>
-                              </a:rPr>
-                              <m:t>(</m:t>
-                            </m:r>
-                            <m:sSub>
-                              <m:sSubPr>
-                                <m:ctrlPr>
-                                  <a:rPr lang="ru-RU" sz="4800" i="1">
-                                    <a:latin typeface="Cambria Math" panose="02040503050406030204" pitchFamily="18" charset="0"/>
-                                    <a:cs typeface="Arial" panose="020B0604020202020204" pitchFamily="34" charset="0"/>
-                                  </a:rPr>
-                                </m:ctrlPr>
-                              </m:sSubPr>
-                              <m:e>
-                                <m:r>
-                                  <a:rPr lang="en-US" sz="4800" i="1">
-                                    <a:latin typeface="Cambria Math" panose="02040503050406030204" pitchFamily="18" charset="0"/>
-                                    <a:cs typeface="Arial" panose="020B0604020202020204" pitchFamily="34" charset="0"/>
-                                  </a:rPr>
-                                  <m:t>𝐴</m:t>
-                                </m:r>
-                              </m:e>
-                              <m:sub>
-                                <m:r>
-                                  <a:rPr lang="en-US" sz="4800" i="1">
-                                    <a:latin typeface="Cambria Math" panose="02040503050406030204" pitchFamily="18" charset="0"/>
-                                    <a:cs typeface="Arial" panose="020B0604020202020204" pitchFamily="34" charset="0"/>
-                                  </a:rPr>
-                                  <m:t>𝑚</m:t>
-                                </m:r>
-                                <m:r>
-                                  <a:rPr lang="en-US" sz="4800" i="1">
-                                    <a:latin typeface="Cambria Math" panose="02040503050406030204" pitchFamily="18" charset="0"/>
-                                    <a:cs typeface="Arial" panose="020B0604020202020204" pitchFamily="34" charset="0"/>
-                                  </a:rPr>
-                                  <m:t>1</m:t>
-                                </m:r>
-                              </m:sub>
-                            </m:sSub>
-                            <m:r>
-                              <m:rPr>
-                                <m:brk m:alnAt="7"/>
-                              </m:rPr>
-                              <a:rPr lang="en-US" sz="4800" i="1">
-                                <a:latin typeface="Cambria Math" panose="02040503050406030204" pitchFamily="18" charset="0"/>
-                                <a:cs typeface="Arial" panose="020B0604020202020204" pitchFamily="34" charset="0"/>
-                              </a:rPr>
-                              <m:t>,</m:t>
-                            </m:r>
-                            <m:sSub>
-                              <m:sSubPr>
-                                <m:ctrlPr>
-                                  <a:rPr lang="en-US" sz="4800" i="1">
-                                    <a:latin typeface="Cambria Math" panose="02040503050406030204" pitchFamily="18" charset="0"/>
-                                    <a:cs typeface="Arial" panose="020B0604020202020204" pitchFamily="34" charset="0"/>
-                                  </a:rPr>
-                                </m:ctrlPr>
-                              </m:sSubPr>
-                              <m:e>
-                                <m:r>
-                                  <a:rPr lang="en-US" sz="4800" i="1">
-                                    <a:latin typeface="Cambria Math" panose="02040503050406030204" pitchFamily="18" charset="0"/>
-                                    <a:cs typeface="Arial" panose="020B0604020202020204" pitchFamily="34" charset="0"/>
-                                  </a:rPr>
-                                  <m:t>𝐴</m:t>
-                                </m:r>
-                              </m:e>
-                              <m:sub>
-                                <m:r>
-                                  <a:rPr lang="en-US" sz="4800" i="1">
-                                    <a:latin typeface="Cambria Math" panose="02040503050406030204" pitchFamily="18" charset="0"/>
-                                    <a:cs typeface="Arial" panose="020B0604020202020204" pitchFamily="34" charset="0"/>
-                                  </a:rPr>
-                                  <m:t>𝑚</m:t>
-                                </m:r>
-                                <m:r>
-                                  <a:rPr lang="en-US" sz="4800" i="1">
-                                    <a:latin typeface="Cambria Math" panose="02040503050406030204" pitchFamily="18" charset="0"/>
-                                    <a:cs typeface="Arial" panose="020B0604020202020204" pitchFamily="34" charset="0"/>
-                                  </a:rPr>
-                                  <m:t>2</m:t>
-                                </m:r>
-                              </m:sub>
-                            </m:sSub>
-                            <m:r>
-                              <m:rPr>
-                                <m:brk m:alnAt="7"/>
-                              </m:rPr>
-                              <a:rPr lang="en-US" sz="4800" i="1">
-                                <a:latin typeface="Cambria Math" panose="02040503050406030204" pitchFamily="18" charset="0"/>
-                                <a:cs typeface="Arial" panose="020B0604020202020204" pitchFamily="34" charset="0"/>
-                              </a:rPr>
-                              <m:t>,</m:t>
-                            </m:r>
-                            <m:r>
-                              <a:rPr lang="en-US" sz="4800" i="1">
-                                <a:latin typeface="Cambria Math" panose="02040503050406030204" pitchFamily="18" charset="0"/>
-                                <a:cs typeface="Arial" panose="020B0604020202020204" pitchFamily="34" charset="0"/>
-                              </a:rPr>
-                              <m:t> …,</m:t>
-                            </m:r>
-                            <m:sSub>
-                              <m:sSubPr>
-                                <m:ctrlPr>
-                                  <a:rPr lang="en-US" sz="4800" i="1">
-                                    <a:latin typeface="Cambria Math" panose="02040503050406030204" pitchFamily="18" charset="0"/>
-                                    <a:cs typeface="Arial" panose="020B0604020202020204" pitchFamily="34" charset="0"/>
-                                  </a:rPr>
-                                </m:ctrlPr>
-                              </m:sSubPr>
-                              <m:e>
-                                <m:r>
-                                  <a:rPr lang="en-US" sz="4800" i="1">
-                                    <a:latin typeface="Cambria Math" panose="02040503050406030204" pitchFamily="18" charset="0"/>
-                                    <a:cs typeface="Arial" panose="020B0604020202020204" pitchFamily="34" charset="0"/>
-                                  </a:rPr>
-                                  <m:t>𝐴</m:t>
-                                </m:r>
-                              </m:e>
-                              <m:sub>
-                                <m:r>
-                                  <a:rPr lang="en-US" sz="4800" i="1">
-                                    <a:latin typeface="Cambria Math" panose="02040503050406030204" pitchFamily="18" charset="0"/>
-                                    <a:cs typeface="Arial" panose="020B0604020202020204" pitchFamily="34" charset="0"/>
-                                  </a:rPr>
-                                  <m:t>𝑚𝑛</m:t>
-                                </m:r>
-                              </m:sub>
-                            </m:sSub>
-                            <m:r>
-                              <m:rPr>
-                                <m:brk m:alnAt="7"/>
-                              </m:rPr>
-                              <a:rPr lang="en-US" sz="4800" i="1">
-                                <a:latin typeface="Cambria Math" panose="02040503050406030204" pitchFamily="18" charset="0"/>
-                                <a:cs typeface="Arial" panose="020B0604020202020204" pitchFamily="34" charset="0"/>
-                              </a:rPr>
-                              <m:t>|</m:t>
-                            </m:r>
-                            <m:sSub>
-                              <m:sSubPr>
-                                <m:ctrlPr>
-                                  <a:rPr lang="en-US" sz="4800" i="1">
-                                    <a:latin typeface="Cambria Math" panose="02040503050406030204" pitchFamily="18" charset="0"/>
-                                    <a:cs typeface="Arial" panose="020B0604020202020204" pitchFamily="34" charset="0"/>
-                                  </a:rPr>
-                                </m:ctrlPr>
-                              </m:sSubPr>
-                              <m:e>
-                                <m:r>
-                                  <a:rPr lang="en-US" sz="4800" i="1">
-                                    <a:latin typeface="Cambria Math" panose="02040503050406030204" pitchFamily="18" charset="0"/>
-                                    <a:cs typeface="Arial" panose="020B0604020202020204" pitchFamily="34" charset="0"/>
-                                  </a:rPr>
-                                  <m:t>𝑘</m:t>
-                                </m:r>
-                              </m:e>
-                              <m:sub>
-                                <m:r>
-                                  <a:rPr lang="en-US" sz="4800" i="1">
-                                    <a:latin typeface="Cambria Math" panose="02040503050406030204" pitchFamily="18" charset="0"/>
-                                    <a:cs typeface="Arial" panose="020B0604020202020204" pitchFamily="34" charset="0"/>
-                                  </a:rPr>
-                                  <m:t>𝑚</m:t>
-                                </m:r>
-                              </m:sub>
-                            </m:sSub>
-                            <m:r>
-                              <a:rPr lang="en-US" sz="4800" i="1">
-                                <a:latin typeface="Cambria Math" panose="02040503050406030204" pitchFamily="18" charset="0"/>
-                                <a:cs typeface="Arial" panose="020B0604020202020204" pitchFamily="34" charset="0"/>
-                              </a:rPr>
-                              <m:t>)</m:t>
-                            </m:r>
-                          </m:e>
-                        </m:mr>
-                      </m:m>
-                    </m:oMath>
-                  </m:oMathPara>
-                </a14:m>
-                <a:endParaRPr lang="ru-RU" sz="4800" dirty="0">
-                  <a:latin typeface="Arial" panose="020B0604020202020204" pitchFamily="34" charset="0"/>
-                  <a:cs typeface="Arial" panose="020B0604020202020204" pitchFamily="34" charset="0"/>
-                </a:endParaRPr>
-              </a:p>
-            </p:txBody>
-          </p:sp>
-        </mc:Choice>
-        <mc:Fallback xmlns="">
-          <p:sp>
-            <p:nvSpPr>
-              <p:cNvPr id="3" name="Объект 2"/>
-              <p:cNvSpPr>
-                <a:spLocks noGrp="1" noRot="1" noChangeAspect="1" noMove="1" noResize="1" noEditPoints="1" noAdjustHandles="1" noChangeArrowheads="1" noChangeShapeType="1" noTextEdit="1"/>
-              </p:cNvSpPr>
-              <p:nvPr>
-                <p:ph idx="1"/>
-              </p:nvPr>
-            </p:nvSpPr>
-            <p:spPr>
-              <a:xfrm>
-                <a:off x="755576" y="1919064"/>
-                <a:ext cx="7992888" cy="4318248"/>
-              </a:xfrm>
-              <a:blipFill rotWithShape="0">
-                <a:blip r:embed="rId3"/>
-                <a:stretch>
-                  <a:fillRect/>
-                </a:stretch>
-              </a:blipFill>
-            </p:spPr>
-            <p:txBody>
-              <a:bodyPr/>
-              <a:lstStyle/>
-              <a:p>
-                <a:r>
-                  <a:rPr lang="ru-RU">
-                    <a:noFill/>
-                  </a:rPr>
-                  <a:t> </a:t>
-                </a:r>
-              </a:p>
-            </p:txBody>
-          </p:sp>
-        </mc:Fallback>
-      </mc:AlternateContent>
+      <p:sp>
+        <p:nvSpPr>
+          <p:cNvPr id="5" name="Овал 4"/>
+          <p:cNvSpPr/>
+          <p:nvPr/>
+        </p:nvSpPr>
+        <p:spPr>
+          <a:xfrm>
+            <a:off x="1212241" y="2996953"/>
+            <a:ext cx="711995" cy="394558"/>
+          </a:xfrm>
+          <a:prstGeom prst="ellipse">
+            <a:avLst/>
+          </a:prstGeom>
+        </p:spPr>
+        <p:style>
+          <a:lnRef idx="2">
+            <a:schemeClr val="accent1">
+              <a:shade val="50000"/>
+            </a:schemeClr>
+          </a:lnRef>
+          <a:fillRef idx="1">
+            <a:schemeClr val="accent1"/>
+          </a:fillRef>
+          <a:effectRef idx="0">
+            <a:schemeClr val="accent1"/>
+          </a:effectRef>
+          <a:fontRef idx="minor">
+            <a:schemeClr val="lt1"/>
+          </a:fontRef>
+        </p:style>
+        <p:txBody>
+          <a:bodyPr rtlCol="0" anchor="ctr"/>
+          <a:lstStyle/>
+          <a:p>
+            <a:pPr algn="ctr"/>
+            <a:r>
+              <a:rPr lang="ru-RU" dirty="0" smtClean="0">
+                <a:latin typeface="Arial" panose="020B0604020202020204" pitchFamily="34" charset="0"/>
+                <a:cs typeface="Arial" panose="020B0604020202020204" pitchFamily="34" charset="0"/>
+              </a:rPr>
+              <a:t>+</a:t>
+            </a:r>
+            <a:endParaRPr lang="ru-RU" dirty="0">
+              <a:latin typeface="Arial" panose="020B0604020202020204" pitchFamily="34" charset="0"/>
+              <a:cs typeface="Arial" panose="020B0604020202020204" pitchFamily="34" charset="0"/>
+            </a:endParaRPr>
+          </a:p>
+        </p:txBody>
+      </p:sp>
+      <p:sp>
+        <p:nvSpPr>
+          <p:cNvPr id="6" name="Овал 5"/>
+          <p:cNvSpPr/>
+          <p:nvPr/>
+        </p:nvSpPr>
+        <p:spPr>
+          <a:xfrm>
+            <a:off x="502735" y="3526733"/>
+            <a:ext cx="860888" cy="403107"/>
+          </a:xfrm>
+          <a:prstGeom prst="ellipse">
+            <a:avLst/>
+          </a:prstGeom>
+        </p:spPr>
+        <p:style>
+          <a:lnRef idx="2">
+            <a:schemeClr val="accent1">
+              <a:shade val="50000"/>
+            </a:schemeClr>
+          </a:lnRef>
+          <a:fillRef idx="1">
+            <a:schemeClr val="accent1"/>
+          </a:fillRef>
+          <a:effectRef idx="0">
+            <a:schemeClr val="accent1"/>
+          </a:effectRef>
+          <a:fontRef idx="minor">
+            <a:schemeClr val="lt1"/>
+          </a:fontRef>
+        </p:style>
+        <p:txBody>
+          <a:bodyPr rtlCol="0" anchor="ctr"/>
+          <a:lstStyle/>
+          <a:p>
+            <a:pPr algn="ctr"/>
+            <a:r>
+              <a:rPr lang="en-US" dirty="0" smtClean="0">
+                <a:latin typeface="Arial" panose="020B0604020202020204" pitchFamily="34" charset="0"/>
+                <a:cs typeface="Arial" panose="020B0604020202020204" pitchFamily="34" charset="0"/>
+              </a:rPr>
+              <a:t>sin</a:t>
+            </a:r>
+            <a:endParaRPr lang="ru-RU" dirty="0">
+              <a:latin typeface="Arial" panose="020B0604020202020204" pitchFamily="34" charset="0"/>
+              <a:cs typeface="Arial" panose="020B0604020202020204" pitchFamily="34" charset="0"/>
+            </a:endParaRPr>
+          </a:p>
+        </p:txBody>
+      </p:sp>
+      <p:sp>
+        <p:nvSpPr>
+          <p:cNvPr id="7" name="Овал 6"/>
+          <p:cNvSpPr/>
+          <p:nvPr/>
+        </p:nvSpPr>
+        <p:spPr>
+          <a:xfrm>
+            <a:off x="1670018" y="3535519"/>
+            <a:ext cx="848646" cy="403107"/>
+          </a:xfrm>
+          <a:prstGeom prst="ellipse">
+            <a:avLst/>
+          </a:prstGeom>
+        </p:spPr>
+        <p:style>
+          <a:lnRef idx="2">
+            <a:schemeClr val="accent1">
+              <a:shade val="50000"/>
+            </a:schemeClr>
+          </a:lnRef>
+          <a:fillRef idx="1">
+            <a:schemeClr val="accent1"/>
+          </a:fillRef>
+          <a:effectRef idx="0">
+            <a:schemeClr val="accent1"/>
+          </a:effectRef>
+          <a:fontRef idx="minor">
+            <a:schemeClr val="lt1"/>
+          </a:fontRef>
+        </p:style>
+        <p:txBody>
+          <a:bodyPr rtlCol="0" anchor="ctr"/>
+          <a:lstStyle/>
+          <a:p>
+            <a:pPr algn="ctr"/>
+            <a:r>
+              <a:rPr lang="en-US" dirty="0" smtClean="0">
+                <a:latin typeface="Arial" panose="020B0604020202020204" pitchFamily="34" charset="0"/>
+                <a:cs typeface="Arial" panose="020B0604020202020204" pitchFamily="34" charset="0"/>
+              </a:rPr>
+              <a:t>abs</a:t>
+            </a:r>
+            <a:endParaRPr lang="ru-RU" dirty="0">
+              <a:latin typeface="Arial" panose="020B0604020202020204" pitchFamily="34" charset="0"/>
+              <a:cs typeface="Arial" panose="020B0604020202020204" pitchFamily="34" charset="0"/>
+            </a:endParaRPr>
+          </a:p>
+        </p:txBody>
+      </p:sp>
+      <p:sp>
+        <p:nvSpPr>
+          <p:cNvPr id="8" name="Овал 7"/>
+          <p:cNvSpPr/>
+          <p:nvPr/>
+        </p:nvSpPr>
+        <p:spPr>
+          <a:xfrm>
+            <a:off x="428770" y="4129624"/>
+            <a:ext cx="750238" cy="432538"/>
+          </a:xfrm>
+          <a:prstGeom prst="ellipse">
+            <a:avLst/>
+          </a:prstGeom>
+        </p:spPr>
+        <p:style>
+          <a:lnRef idx="2">
+            <a:schemeClr val="accent1">
+              <a:shade val="50000"/>
+            </a:schemeClr>
+          </a:lnRef>
+          <a:fillRef idx="1">
+            <a:schemeClr val="accent1"/>
+          </a:fillRef>
+          <a:effectRef idx="0">
+            <a:schemeClr val="accent1"/>
+          </a:effectRef>
+          <a:fontRef idx="minor">
+            <a:schemeClr val="lt1"/>
+          </a:fontRef>
+        </p:style>
+        <p:txBody>
+          <a:bodyPr rtlCol="0" anchor="ctr"/>
+          <a:lstStyle/>
+          <a:p>
+            <a:pPr algn="ctr"/>
+            <a:r>
+              <a:rPr lang="en-US" dirty="0" smtClean="0">
+                <a:latin typeface="Arial" panose="020B0604020202020204" pitchFamily="34" charset="0"/>
+                <a:cs typeface="Arial" panose="020B0604020202020204" pitchFamily="34" charset="0"/>
+              </a:rPr>
+              <a:t>x1</a:t>
+            </a:r>
+            <a:endParaRPr lang="ru-RU" dirty="0">
+              <a:latin typeface="Arial" panose="020B0604020202020204" pitchFamily="34" charset="0"/>
+              <a:cs typeface="Arial" panose="020B0604020202020204" pitchFamily="34" charset="0"/>
+            </a:endParaRPr>
+          </a:p>
+        </p:txBody>
+      </p:sp>
+      <p:sp>
+        <p:nvSpPr>
+          <p:cNvPr id="9" name="Овал 8"/>
+          <p:cNvSpPr/>
+          <p:nvPr/>
+        </p:nvSpPr>
+        <p:spPr>
+          <a:xfrm>
+            <a:off x="1819967" y="4142059"/>
+            <a:ext cx="786041" cy="432538"/>
+          </a:xfrm>
+          <a:prstGeom prst="ellipse">
+            <a:avLst/>
+          </a:prstGeom>
+        </p:spPr>
+        <p:style>
+          <a:lnRef idx="2">
+            <a:schemeClr val="accent1">
+              <a:shade val="50000"/>
+            </a:schemeClr>
+          </a:lnRef>
+          <a:fillRef idx="1">
+            <a:schemeClr val="accent1"/>
+          </a:fillRef>
+          <a:effectRef idx="0">
+            <a:schemeClr val="accent1"/>
+          </a:effectRef>
+          <a:fontRef idx="minor">
+            <a:schemeClr val="lt1"/>
+          </a:fontRef>
+        </p:style>
+        <p:txBody>
+          <a:bodyPr rtlCol="0" anchor="ctr"/>
+          <a:lstStyle/>
+          <a:p>
+            <a:pPr algn="ctr"/>
+            <a:r>
+              <a:rPr lang="en-US" dirty="0" smtClean="0">
+                <a:latin typeface="Arial" panose="020B0604020202020204" pitchFamily="34" charset="0"/>
+                <a:cs typeface="Arial" panose="020B0604020202020204" pitchFamily="34" charset="0"/>
+              </a:rPr>
+              <a:t>x2</a:t>
+            </a:r>
+            <a:endParaRPr lang="ru-RU" dirty="0">
+              <a:latin typeface="Arial" panose="020B0604020202020204" pitchFamily="34" charset="0"/>
+              <a:cs typeface="Arial" panose="020B0604020202020204" pitchFamily="34" charset="0"/>
+            </a:endParaRPr>
+          </a:p>
+        </p:txBody>
+      </p:sp>
+      <p:cxnSp>
+        <p:nvCxnSpPr>
+          <p:cNvPr id="10" name="Прямая соединительная линия 9"/>
+          <p:cNvCxnSpPr>
+            <a:stCxn id="6" idx="0"/>
+            <a:endCxn id="5" idx="3"/>
+          </p:cNvCxnSpPr>
+          <p:nvPr/>
+        </p:nvCxnSpPr>
+        <p:spPr>
+          <a:xfrm flipV="1">
+            <a:off x="933179" y="3333729"/>
+            <a:ext cx="383331" cy="193004"/>
+          </a:xfrm>
+          <a:prstGeom prst="line">
+            <a:avLst/>
+          </a:prstGeom>
+        </p:spPr>
+        <p:style>
+          <a:lnRef idx="1">
+            <a:schemeClr val="accent1"/>
+          </a:lnRef>
+          <a:fillRef idx="0">
+            <a:schemeClr val="accent1"/>
+          </a:fillRef>
+          <a:effectRef idx="0">
+            <a:schemeClr val="accent1"/>
+          </a:effectRef>
+          <a:fontRef idx="minor">
+            <a:schemeClr val="tx1"/>
+          </a:fontRef>
+        </p:style>
+      </p:cxnSp>
+      <p:cxnSp>
+        <p:nvCxnSpPr>
+          <p:cNvPr id="11" name="Прямая соединительная линия 10"/>
+          <p:cNvCxnSpPr>
+            <a:stCxn id="5" idx="5"/>
+            <a:endCxn id="7" idx="0"/>
+          </p:cNvCxnSpPr>
+          <p:nvPr/>
+        </p:nvCxnSpPr>
+        <p:spPr>
+          <a:xfrm>
+            <a:off x="1819967" y="3333729"/>
+            <a:ext cx="274374" cy="201790"/>
+          </a:xfrm>
+          <a:prstGeom prst="line">
+            <a:avLst/>
+          </a:prstGeom>
+        </p:spPr>
+        <p:style>
+          <a:lnRef idx="1">
+            <a:schemeClr val="accent1"/>
+          </a:lnRef>
+          <a:fillRef idx="0">
+            <a:schemeClr val="accent1"/>
+          </a:fillRef>
+          <a:effectRef idx="0">
+            <a:schemeClr val="accent1"/>
+          </a:effectRef>
+          <a:fontRef idx="minor">
+            <a:schemeClr val="tx1"/>
+          </a:fontRef>
+        </p:style>
+      </p:cxnSp>
+      <p:cxnSp>
+        <p:nvCxnSpPr>
+          <p:cNvPr id="12" name="Прямая соединительная линия 11"/>
+          <p:cNvCxnSpPr>
+            <a:stCxn id="6" idx="4"/>
+            <a:endCxn id="8" idx="0"/>
+          </p:cNvCxnSpPr>
+          <p:nvPr/>
+        </p:nvCxnSpPr>
+        <p:spPr>
+          <a:xfrm flipH="1">
+            <a:off x="803889" y="3929840"/>
+            <a:ext cx="129290" cy="199784"/>
+          </a:xfrm>
+          <a:prstGeom prst="line">
+            <a:avLst/>
+          </a:prstGeom>
+        </p:spPr>
+        <p:style>
+          <a:lnRef idx="1">
+            <a:schemeClr val="accent1"/>
+          </a:lnRef>
+          <a:fillRef idx="0">
+            <a:schemeClr val="accent1"/>
+          </a:fillRef>
+          <a:effectRef idx="0">
+            <a:schemeClr val="accent1"/>
+          </a:effectRef>
+          <a:fontRef idx="minor">
+            <a:schemeClr val="tx1"/>
+          </a:fontRef>
+        </p:style>
+      </p:cxnSp>
+      <p:cxnSp>
+        <p:nvCxnSpPr>
+          <p:cNvPr id="13" name="Прямая соединительная линия 12"/>
+          <p:cNvCxnSpPr>
+            <a:stCxn id="7" idx="4"/>
+            <a:endCxn id="9" idx="0"/>
+          </p:cNvCxnSpPr>
+          <p:nvPr/>
+        </p:nvCxnSpPr>
+        <p:spPr>
+          <a:xfrm>
+            <a:off x="2094341" y="3938626"/>
+            <a:ext cx="118647" cy="203433"/>
+          </a:xfrm>
+          <a:prstGeom prst="line">
+            <a:avLst/>
+          </a:prstGeom>
+        </p:spPr>
+        <p:style>
+          <a:lnRef idx="1">
+            <a:schemeClr val="accent1"/>
+          </a:lnRef>
+          <a:fillRef idx="0">
+            <a:schemeClr val="accent1"/>
+          </a:fillRef>
+          <a:effectRef idx="0">
+            <a:schemeClr val="accent1"/>
+          </a:effectRef>
+          <a:fontRef idx="minor">
+            <a:schemeClr val="tx1"/>
+          </a:fontRef>
+        </p:style>
+      </p:cxnSp>
+      <p:sp>
+        <p:nvSpPr>
+          <p:cNvPr id="14" name="Овал 13"/>
+          <p:cNvSpPr/>
+          <p:nvPr/>
+        </p:nvSpPr>
+        <p:spPr>
+          <a:xfrm>
+            <a:off x="1532684" y="4785409"/>
+            <a:ext cx="711995" cy="394558"/>
+          </a:xfrm>
+          <a:prstGeom prst="ellipse">
+            <a:avLst/>
+          </a:prstGeom>
+        </p:spPr>
+        <p:style>
+          <a:lnRef idx="2">
+            <a:schemeClr val="accent1">
+              <a:shade val="50000"/>
+            </a:schemeClr>
+          </a:lnRef>
+          <a:fillRef idx="1">
+            <a:schemeClr val="accent1"/>
+          </a:fillRef>
+          <a:effectRef idx="0">
+            <a:schemeClr val="accent1"/>
+          </a:effectRef>
+          <a:fontRef idx="minor">
+            <a:schemeClr val="lt1"/>
+          </a:fontRef>
+        </p:style>
+        <p:txBody>
+          <a:bodyPr rtlCol="0" anchor="ctr"/>
+          <a:lstStyle/>
+          <a:p>
+            <a:pPr algn="ctr"/>
+            <a:r>
+              <a:rPr lang="en-US" dirty="0">
+                <a:latin typeface="Arial" panose="020B0604020202020204" pitchFamily="34" charset="0"/>
+                <a:cs typeface="Arial" panose="020B0604020202020204" pitchFamily="34" charset="0"/>
+              </a:rPr>
+              <a:t>*</a:t>
+            </a:r>
+            <a:endParaRPr lang="ru-RU" dirty="0">
+              <a:latin typeface="Arial" panose="020B0604020202020204" pitchFamily="34" charset="0"/>
+              <a:cs typeface="Arial" panose="020B0604020202020204" pitchFamily="34" charset="0"/>
+            </a:endParaRPr>
+          </a:p>
+        </p:txBody>
+      </p:sp>
+      <p:sp>
+        <p:nvSpPr>
+          <p:cNvPr id="15" name="Овал 14"/>
+          <p:cNvSpPr/>
+          <p:nvPr/>
+        </p:nvSpPr>
+        <p:spPr>
+          <a:xfrm>
+            <a:off x="880098" y="5246501"/>
+            <a:ext cx="759289" cy="403107"/>
+          </a:xfrm>
+          <a:prstGeom prst="ellipse">
+            <a:avLst/>
+          </a:prstGeom>
+        </p:spPr>
+        <p:style>
+          <a:lnRef idx="2">
+            <a:schemeClr val="accent1">
+              <a:shade val="50000"/>
+            </a:schemeClr>
+          </a:lnRef>
+          <a:fillRef idx="1">
+            <a:schemeClr val="accent1"/>
+          </a:fillRef>
+          <a:effectRef idx="0">
+            <a:schemeClr val="accent1"/>
+          </a:effectRef>
+          <a:fontRef idx="minor">
+            <a:schemeClr val="lt1"/>
+          </a:fontRef>
+        </p:style>
+        <p:txBody>
+          <a:bodyPr rtlCol="0" anchor="ctr"/>
+          <a:lstStyle/>
+          <a:p>
+            <a:pPr algn="ctr"/>
+            <a:r>
+              <a:rPr lang="en-US" dirty="0">
+                <a:latin typeface="Arial" panose="020B0604020202020204" pitchFamily="34" charset="0"/>
+                <a:cs typeface="Arial" panose="020B0604020202020204" pitchFamily="34" charset="0"/>
+              </a:rPr>
+              <a:t>+</a:t>
+            </a:r>
+            <a:endParaRPr lang="ru-RU" dirty="0">
+              <a:latin typeface="Arial" panose="020B0604020202020204" pitchFamily="34" charset="0"/>
+              <a:cs typeface="Arial" panose="020B0604020202020204" pitchFamily="34" charset="0"/>
+            </a:endParaRPr>
+          </a:p>
+        </p:txBody>
+      </p:sp>
+      <p:sp>
+        <p:nvSpPr>
+          <p:cNvPr id="16" name="Овал 15"/>
+          <p:cNvSpPr/>
+          <p:nvPr/>
+        </p:nvSpPr>
+        <p:spPr>
+          <a:xfrm>
+            <a:off x="2061145" y="5261872"/>
+            <a:ext cx="912688" cy="403107"/>
+          </a:xfrm>
+          <a:prstGeom prst="ellipse">
+            <a:avLst/>
+          </a:prstGeom>
+        </p:spPr>
+        <p:style>
+          <a:lnRef idx="2">
+            <a:schemeClr val="accent1">
+              <a:shade val="50000"/>
+            </a:schemeClr>
+          </a:lnRef>
+          <a:fillRef idx="1">
+            <a:schemeClr val="accent1"/>
+          </a:fillRef>
+          <a:effectRef idx="0">
+            <a:schemeClr val="accent1"/>
+          </a:effectRef>
+          <a:fontRef idx="minor">
+            <a:schemeClr val="lt1"/>
+          </a:fontRef>
+        </p:style>
+        <p:txBody>
+          <a:bodyPr rtlCol="0" anchor="ctr"/>
+          <a:lstStyle/>
+          <a:p>
+            <a:pPr algn="ctr"/>
+            <a:r>
+              <a:rPr lang="en-US" dirty="0">
+                <a:latin typeface="Arial" panose="020B0604020202020204" pitchFamily="34" charset="0"/>
+                <a:cs typeface="Arial" panose="020B0604020202020204" pitchFamily="34" charset="0"/>
+              </a:rPr>
+              <a:t>√</a:t>
+            </a:r>
+            <a:endParaRPr lang="ru-RU" dirty="0">
+              <a:latin typeface="Arial" panose="020B0604020202020204" pitchFamily="34" charset="0"/>
+              <a:cs typeface="Arial" panose="020B0604020202020204" pitchFamily="34" charset="0"/>
+            </a:endParaRPr>
+          </a:p>
+        </p:txBody>
+      </p:sp>
+      <p:sp>
+        <p:nvSpPr>
+          <p:cNvPr id="17" name="Овал 16"/>
+          <p:cNvSpPr/>
+          <p:nvPr/>
+        </p:nvSpPr>
+        <p:spPr>
+          <a:xfrm>
+            <a:off x="182941" y="5750592"/>
+            <a:ext cx="750238" cy="432538"/>
+          </a:xfrm>
+          <a:prstGeom prst="ellipse">
+            <a:avLst/>
+          </a:prstGeom>
+        </p:spPr>
+        <p:style>
+          <a:lnRef idx="2">
+            <a:schemeClr val="accent1">
+              <a:shade val="50000"/>
+            </a:schemeClr>
+          </a:lnRef>
+          <a:fillRef idx="1">
+            <a:schemeClr val="accent1"/>
+          </a:fillRef>
+          <a:effectRef idx="0">
+            <a:schemeClr val="accent1"/>
+          </a:effectRef>
+          <a:fontRef idx="minor">
+            <a:schemeClr val="lt1"/>
+          </a:fontRef>
+        </p:style>
+        <p:txBody>
+          <a:bodyPr rtlCol="0" anchor="ctr"/>
+          <a:lstStyle/>
+          <a:p>
+            <a:pPr algn="ctr"/>
+            <a:r>
+              <a:rPr lang="en-US" dirty="0" smtClean="0">
+                <a:latin typeface="Arial" panose="020B0604020202020204" pitchFamily="34" charset="0"/>
+                <a:cs typeface="Arial" panose="020B0604020202020204" pitchFamily="34" charset="0"/>
+              </a:rPr>
+              <a:t>x4</a:t>
+            </a:r>
+            <a:endParaRPr lang="ru-RU" dirty="0">
+              <a:latin typeface="Arial" panose="020B0604020202020204" pitchFamily="34" charset="0"/>
+              <a:cs typeface="Arial" panose="020B0604020202020204" pitchFamily="34" charset="0"/>
+            </a:endParaRPr>
+          </a:p>
+        </p:txBody>
+      </p:sp>
+      <p:sp>
+        <p:nvSpPr>
+          <p:cNvPr id="18" name="Овал 17"/>
+          <p:cNvSpPr/>
+          <p:nvPr/>
+        </p:nvSpPr>
+        <p:spPr>
+          <a:xfrm>
+            <a:off x="2599801" y="5746884"/>
+            <a:ext cx="748063" cy="426139"/>
+          </a:xfrm>
+          <a:prstGeom prst="ellipse">
+            <a:avLst/>
+          </a:prstGeom>
+        </p:spPr>
+        <p:style>
+          <a:lnRef idx="2">
+            <a:schemeClr val="accent1">
+              <a:shade val="50000"/>
+            </a:schemeClr>
+          </a:lnRef>
+          <a:fillRef idx="1">
+            <a:schemeClr val="accent1"/>
+          </a:fillRef>
+          <a:effectRef idx="0">
+            <a:schemeClr val="accent1"/>
+          </a:effectRef>
+          <a:fontRef idx="minor">
+            <a:schemeClr val="lt1"/>
+          </a:fontRef>
+        </p:style>
+        <p:txBody>
+          <a:bodyPr rtlCol="0" anchor="ctr"/>
+          <a:lstStyle/>
+          <a:p>
+            <a:pPr algn="ctr"/>
+            <a:r>
+              <a:rPr lang="en-US" dirty="0" smtClean="0">
+                <a:latin typeface="Arial" panose="020B0604020202020204" pitchFamily="34" charset="0"/>
+                <a:cs typeface="Arial" panose="020B0604020202020204" pitchFamily="34" charset="0"/>
+              </a:rPr>
+              <a:t>x2</a:t>
+            </a:r>
+            <a:endParaRPr lang="ru-RU" dirty="0">
+              <a:latin typeface="Arial" panose="020B0604020202020204" pitchFamily="34" charset="0"/>
+              <a:cs typeface="Arial" panose="020B0604020202020204" pitchFamily="34" charset="0"/>
+            </a:endParaRPr>
+          </a:p>
+        </p:txBody>
+      </p:sp>
+      <p:cxnSp>
+        <p:nvCxnSpPr>
+          <p:cNvPr id="19" name="Прямая соединительная линия 18"/>
+          <p:cNvCxnSpPr>
+            <a:stCxn id="15" idx="0"/>
+            <a:endCxn id="14" idx="3"/>
+          </p:cNvCxnSpPr>
+          <p:nvPr/>
+        </p:nvCxnSpPr>
+        <p:spPr>
+          <a:xfrm flipV="1">
+            <a:off x="1259743" y="5122185"/>
+            <a:ext cx="377210" cy="124316"/>
+          </a:xfrm>
+          <a:prstGeom prst="line">
+            <a:avLst/>
+          </a:prstGeom>
+        </p:spPr>
+        <p:style>
+          <a:lnRef idx="1">
+            <a:schemeClr val="accent1"/>
+          </a:lnRef>
+          <a:fillRef idx="0">
+            <a:schemeClr val="accent1"/>
+          </a:fillRef>
+          <a:effectRef idx="0">
+            <a:schemeClr val="accent1"/>
+          </a:effectRef>
+          <a:fontRef idx="minor">
+            <a:schemeClr val="tx1"/>
+          </a:fontRef>
+        </p:style>
+      </p:cxnSp>
+      <p:cxnSp>
+        <p:nvCxnSpPr>
+          <p:cNvPr id="20" name="Прямая соединительная линия 19"/>
+          <p:cNvCxnSpPr>
+            <a:stCxn id="14" idx="5"/>
+            <a:endCxn id="16" idx="0"/>
+          </p:cNvCxnSpPr>
+          <p:nvPr/>
+        </p:nvCxnSpPr>
+        <p:spPr>
+          <a:xfrm>
+            <a:off x="2140410" y="5122185"/>
+            <a:ext cx="377079" cy="139687"/>
+          </a:xfrm>
+          <a:prstGeom prst="line">
+            <a:avLst/>
+          </a:prstGeom>
+        </p:spPr>
+        <p:style>
+          <a:lnRef idx="1">
+            <a:schemeClr val="accent1"/>
+          </a:lnRef>
+          <a:fillRef idx="0">
+            <a:schemeClr val="accent1"/>
+          </a:fillRef>
+          <a:effectRef idx="0">
+            <a:schemeClr val="accent1"/>
+          </a:effectRef>
+          <a:fontRef idx="minor">
+            <a:schemeClr val="tx1"/>
+          </a:fontRef>
+        </p:style>
+      </p:cxnSp>
+      <p:cxnSp>
+        <p:nvCxnSpPr>
+          <p:cNvPr id="21" name="Прямая соединительная линия 20"/>
+          <p:cNvCxnSpPr>
+            <a:stCxn id="15" idx="3"/>
+            <a:endCxn id="17" idx="0"/>
+          </p:cNvCxnSpPr>
+          <p:nvPr/>
+        </p:nvCxnSpPr>
+        <p:spPr>
+          <a:xfrm flipH="1">
+            <a:off x="558060" y="5590574"/>
+            <a:ext cx="433233" cy="160018"/>
+          </a:xfrm>
+          <a:prstGeom prst="line">
+            <a:avLst/>
+          </a:prstGeom>
+        </p:spPr>
+        <p:style>
+          <a:lnRef idx="1">
+            <a:schemeClr val="accent1"/>
+          </a:lnRef>
+          <a:fillRef idx="0">
+            <a:schemeClr val="accent1"/>
+          </a:fillRef>
+          <a:effectRef idx="0">
+            <a:schemeClr val="accent1"/>
+          </a:effectRef>
+          <a:fontRef idx="minor">
+            <a:schemeClr val="tx1"/>
+          </a:fontRef>
+        </p:style>
+      </p:cxnSp>
+      <p:cxnSp>
+        <p:nvCxnSpPr>
+          <p:cNvPr id="22" name="Прямая соединительная линия 21"/>
+          <p:cNvCxnSpPr>
+            <a:stCxn id="16" idx="4"/>
+            <a:endCxn id="18" idx="0"/>
+          </p:cNvCxnSpPr>
+          <p:nvPr/>
+        </p:nvCxnSpPr>
+        <p:spPr>
+          <a:xfrm>
+            <a:off x="2517489" y="5664979"/>
+            <a:ext cx="456344" cy="81905"/>
+          </a:xfrm>
+          <a:prstGeom prst="line">
+            <a:avLst/>
+          </a:prstGeom>
+        </p:spPr>
+        <p:style>
+          <a:lnRef idx="1">
+            <a:schemeClr val="accent1"/>
+          </a:lnRef>
+          <a:fillRef idx="0">
+            <a:schemeClr val="accent1"/>
+          </a:fillRef>
+          <a:effectRef idx="0">
+            <a:schemeClr val="accent1"/>
+          </a:effectRef>
+          <a:fontRef idx="minor">
+            <a:schemeClr val="tx1"/>
+          </a:fontRef>
+        </p:style>
+      </p:cxnSp>
+      <p:sp>
+        <p:nvSpPr>
+          <p:cNvPr id="23" name="Овал 22"/>
+          <p:cNvSpPr/>
+          <p:nvPr/>
+        </p:nvSpPr>
+        <p:spPr>
+          <a:xfrm>
+            <a:off x="1082915" y="1633588"/>
+            <a:ext cx="711995" cy="394558"/>
+          </a:xfrm>
+          <a:prstGeom prst="ellipse">
+            <a:avLst/>
+          </a:prstGeom>
+        </p:spPr>
+        <p:style>
+          <a:lnRef idx="2">
+            <a:schemeClr val="accent1">
+              <a:shade val="50000"/>
+            </a:schemeClr>
+          </a:lnRef>
+          <a:fillRef idx="1">
+            <a:schemeClr val="accent1"/>
+          </a:fillRef>
+          <a:effectRef idx="0">
+            <a:schemeClr val="accent1"/>
+          </a:effectRef>
+          <a:fontRef idx="minor">
+            <a:schemeClr val="lt1"/>
+          </a:fontRef>
+        </p:style>
+        <p:txBody>
+          <a:bodyPr rtlCol="0" anchor="ctr"/>
+          <a:lstStyle/>
+          <a:p>
+            <a:pPr algn="ctr"/>
+            <a:r>
+              <a:rPr lang="ru-RU" dirty="0" smtClean="0">
+                <a:latin typeface="Arial" panose="020B0604020202020204" pitchFamily="34" charset="0"/>
+                <a:cs typeface="Arial" panose="020B0604020202020204" pitchFamily="34" charset="0"/>
+              </a:rPr>
+              <a:t>-</a:t>
+            </a:r>
+            <a:endParaRPr lang="ru-RU" dirty="0">
+              <a:latin typeface="Arial" panose="020B0604020202020204" pitchFamily="34" charset="0"/>
+              <a:cs typeface="Arial" panose="020B0604020202020204" pitchFamily="34" charset="0"/>
+            </a:endParaRPr>
+          </a:p>
+        </p:txBody>
+      </p:sp>
+      <p:sp>
+        <p:nvSpPr>
+          <p:cNvPr id="24" name="Овал 23"/>
+          <p:cNvSpPr/>
+          <p:nvPr/>
+        </p:nvSpPr>
+        <p:spPr>
+          <a:xfrm>
+            <a:off x="410095" y="2105549"/>
+            <a:ext cx="860888" cy="403107"/>
+          </a:xfrm>
+          <a:prstGeom prst="ellipse">
+            <a:avLst/>
+          </a:prstGeom>
+        </p:spPr>
+        <p:style>
+          <a:lnRef idx="2">
+            <a:schemeClr val="accent1">
+              <a:shade val="50000"/>
+            </a:schemeClr>
+          </a:lnRef>
+          <a:fillRef idx="1">
+            <a:schemeClr val="accent1"/>
+          </a:fillRef>
+          <a:effectRef idx="0">
+            <a:schemeClr val="accent1"/>
+          </a:effectRef>
+          <a:fontRef idx="minor">
+            <a:schemeClr val="lt1"/>
+          </a:fontRef>
+        </p:style>
+        <p:txBody>
+          <a:bodyPr rtlCol="0" anchor="ctr"/>
+          <a:lstStyle/>
+          <a:p>
+            <a:pPr algn="ctr"/>
+            <a:r>
+              <a:rPr lang="en-US" dirty="0" smtClean="0">
+                <a:latin typeface="Arial" panose="020B0604020202020204" pitchFamily="34" charset="0"/>
+                <a:cs typeface="Arial" panose="020B0604020202020204" pitchFamily="34" charset="0"/>
+              </a:rPr>
+              <a:t>x2</a:t>
+            </a:r>
+            <a:endParaRPr lang="ru-RU" dirty="0">
+              <a:latin typeface="Arial" panose="020B0604020202020204" pitchFamily="34" charset="0"/>
+              <a:cs typeface="Arial" panose="020B0604020202020204" pitchFamily="34" charset="0"/>
+            </a:endParaRPr>
+          </a:p>
+        </p:txBody>
+      </p:sp>
+      <p:sp>
+        <p:nvSpPr>
+          <p:cNvPr id="25" name="Овал 24"/>
+          <p:cNvSpPr/>
+          <p:nvPr/>
+        </p:nvSpPr>
+        <p:spPr>
+          <a:xfrm>
+            <a:off x="1632233" y="2108238"/>
+            <a:ext cx="848646" cy="403107"/>
+          </a:xfrm>
+          <a:prstGeom prst="ellipse">
+            <a:avLst/>
+          </a:prstGeom>
+        </p:spPr>
+        <p:style>
+          <a:lnRef idx="2">
+            <a:schemeClr val="accent1">
+              <a:shade val="50000"/>
+            </a:schemeClr>
+          </a:lnRef>
+          <a:fillRef idx="1">
+            <a:schemeClr val="accent1"/>
+          </a:fillRef>
+          <a:effectRef idx="0">
+            <a:schemeClr val="accent1"/>
+          </a:effectRef>
+          <a:fontRef idx="minor">
+            <a:schemeClr val="lt1"/>
+          </a:fontRef>
+        </p:style>
+        <p:txBody>
+          <a:bodyPr rtlCol="0" anchor="ctr"/>
+          <a:lstStyle/>
+          <a:p>
+            <a:pPr algn="ctr"/>
+            <a:r>
+              <a:rPr lang="en-US" dirty="0" smtClean="0">
+                <a:latin typeface="Arial" panose="020B0604020202020204" pitchFamily="34" charset="0"/>
+                <a:cs typeface="Arial" panose="020B0604020202020204" pitchFamily="34" charset="0"/>
+              </a:rPr>
+              <a:t>x3</a:t>
+            </a:r>
+            <a:endParaRPr lang="ru-RU" dirty="0">
+              <a:latin typeface="Arial" panose="020B0604020202020204" pitchFamily="34" charset="0"/>
+              <a:cs typeface="Arial" panose="020B0604020202020204" pitchFamily="34" charset="0"/>
+            </a:endParaRPr>
+          </a:p>
+        </p:txBody>
+      </p:sp>
+      <p:cxnSp>
+        <p:nvCxnSpPr>
+          <p:cNvPr id="26" name="Прямая соединительная линия 25"/>
+          <p:cNvCxnSpPr>
+            <a:stCxn id="24" idx="0"/>
+            <a:endCxn id="23" idx="3"/>
+          </p:cNvCxnSpPr>
+          <p:nvPr/>
+        </p:nvCxnSpPr>
+        <p:spPr>
+          <a:xfrm flipV="1">
+            <a:off x="840539" y="1970364"/>
+            <a:ext cx="346645" cy="135185"/>
+          </a:xfrm>
+          <a:prstGeom prst="line">
+            <a:avLst/>
+          </a:prstGeom>
+        </p:spPr>
+        <p:style>
+          <a:lnRef idx="1">
+            <a:schemeClr val="accent1"/>
+          </a:lnRef>
+          <a:fillRef idx="0">
+            <a:schemeClr val="accent1"/>
+          </a:fillRef>
+          <a:effectRef idx="0">
+            <a:schemeClr val="accent1"/>
+          </a:effectRef>
+          <a:fontRef idx="minor">
+            <a:schemeClr val="tx1"/>
+          </a:fontRef>
+        </p:style>
+      </p:cxnSp>
+      <p:cxnSp>
+        <p:nvCxnSpPr>
+          <p:cNvPr id="27" name="Прямая соединительная линия 26"/>
+          <p:cNvCxnSpPr>
+            <a:stCxn id="23" idx="5"/>
+            <a:endCxn id="25" idx="0"/>
+          </p:cNvCxnSpPr>
+          <p:nvPr/>
+        </p:nvCxnSpPr>
+        <p:spPr>
+          <a:xfrm>
+            <a:off x="1690641" y="1970364"/>
+            <a:ext cx="365915" cy="137874"/>
+          </a:xfrm>
+          <a:prstGeom prst="line">
+            <a:avLst/>
+          </a:prstGeom>
+        </p:spPr>
+        <p:style>
+          <a:lnRef idx="1">
+            <a:schemeClr val="accent1"/>
+          </a:lnRef>
+          <a:fillRef idx="0">
+            <a:schemeClr val="accent1"/>
+          </a:fillRef>
+          <a:effectRef idx="0">
+            <a:schemeClr val="accent1"/>
+          </a:effectRef>
+          <a:fontRef idx="minor">
+            <a:schemeClr val="tx1"/>
+          </a:fontRef>
+        </p:style>
+      </p:cxnSp>
+      <p:sp>
+        <p:nvSpPr>
+          <p:cNvPr id="28" name="Овал 27"/>
+          <p:cNvSpPr/>
+          <p:nvPr/>
+        </p:nvSpPr>
+        <p:spPr>
+          <a:xfrm>
+            <a:off x="1305261" y="5750592"/>
+            <a:ext cx="898260" cy="432538"/>
+          </a:xfrm>
+          <a:prstGeom prst="ellipse">
+            <a:avLst/>
+          </a:prstGeom>
+        </p:spPr>
+        <p:style>
+          <a:lnRef idx="2">
+            <a:schemeClr val="accent1">
+              <a:shade val="50000"/>
+            </a:schemeClr>
+          </a:lnRef>
+          <a:fillRef idx="1">
+            <a:schemeClr val="accent1"/>
+          </a:fillRef>
+          <a:effectRef idx="0">
+            <a:schemeClr val="accent1"/>
+          </a:effectRef>
+          <a:fontRef idx="minor">
+            <a:schemeClr val="lt1"/>
+          </a:fontRef>
+        </p:style>
+        <p:txBody>
+          <a:bodyPr rtlCol="0" anchor="ctr"/>
+          <a:lstStyle/>
+          <a:p>
+            <a:pPr algn="ctr"/>
+            <a:r>
+              <a:rPr lang="ru-RU" dirty="0" smtClean="0">
+                <a:latin typeface="Arial" panose="020B0604020202020204" pitchFamily="34" charset="0"/>
+                <a:cs typeface="Arial" panose="020B0604020202020204" pitchFamily="34" charset="0"/>
+              </a:rPr>
+              <a:t>3.4</a:t>
+            </a:r>
+            <a:endParaRPr lang="ru-RU" dirty="0">
+              <a:latin typeface="Arial" panose="020B0604020202020204" pitchFamily="34" charset="0"/>
+              <a:cs typeface="Arial" panose="020B0604020202020204" pitchFamily="34" charset="0"/>
+            </a:endParaRPr>
+          </a:p>
+        </p:txBody>
+      </p:sp>
+      <p:cxnSp>
+        <p:nvCxnSpPr>
+          <p:cNvPr id="29" name="Прямая соединительная линия 28"/>
+          <p:cNvCxnSpPr>
+            <a:stCxn id="15" idx="5"/>
+            <a:endCxn id="28" idx="0"/>
+          </p:cNvCxnSpPr>
+          <p:nvPr/>
+        </p:nvCxnSpPr>
+        <p:spPr>
+          <a:xfrm>
+            <a:off x="1528192" y="5590574"/>
+            <a:ext cx="226199" cy="160018"/>
+          </a:xfrm>
+          <a:prstGeom prst="line">
+            <a:avLst/>
+          </a:prstGeom>
+        </p:spPr>
+        <p:style>
+          <a:lnRef idx="1">
+            <a:schemeClr val="accent1"/>
+          </a:lnRef>
+          <a:fillRef idx="0">
+            <a:schemeClr val="accent1"/>
+          </a:fillRef>
+          <a:effectRef idx="0">
+            <a:schemeClr val="accent1"/>
+          </a:effectRef>
+          <a:fontRef idx="minor">
+            <a:schemeClr val="tx1"/>
+          </a:fontRef>
+        </p:style>
+      </p:cxnSp>
+      <p:sp>
+        <p:nvSpPr>
+          <p:cNvPr id="58" name="Овал 57"/>
+          <p:cNvSpPr/>
+          <p:nvPr/>
+        </p:nvSpPr>
+        <p:spPr>
+          <a:xfrm>
+            <a:off x="6762111" y="2996953"/>
+            <a:ext cx="711995" cy="394558"/>
+          </a:xfrm>
+          <a:prstGeom prst="ellipse">
+            <a:avLst/>
+          </a:prstGeom>
+        </p:spPr>
+        <p:style>
+          <a:lnRef idx="2">
+            <a:schemeClr val="accent1">
+              <a:shade val="50000"/>
+            </a:schemeClr>
+          </a:lnRef>
+          <a:fillRef idx="1">
+            <a:schemeClr val="accent1"/>
+          </a:fillRef>
+          <a:effectRef idx="0">
+            <a:schemeClr val="accent1"/>
+          </a:effectRef>
+          <a:fontRef idx="minor">
+            <a:schemeClr val="lt1"/>
+          </a:fontRef>
+        </p:style>
+        <p:txBody>
+          <a:bodyPr rtlCol="0" anchor="ctr"/>
+          <a:lstStyle/>
+          <a:p>
+            <a:pPr algn="ctr"/>
+            <a:r>
+              <a:rPr lang="ru-RU" dirty="0" smtClean="0">
+                <a:latin typeface="Arial" panose="020B0604020202020204" pitchFamily="34" charset="0"/>
+                <a:cs typeface="Arial" panose="020B0604020202020204" pitchFamily="34" charset="0"/>
+              </a:rPr>
+              <a:t>+</a:t>
+            </a:r>
+            <a:endParaRPr lang="ru-RU" dirty="0">
+              <a:latin typeface="Arial" panose="020B0604020202020204" pitchFamily="34" charset="0"/>
+              <a:cs typeface="Arial" panose="020B0604020202020204" pitchFamily="34" charset="0"/>
+            </a:endParaRPr>
+          </a:p>
+        </p:txBody>
+      </p:sp>
+      <p:sp>
+        <p:nvSpPr>
+          <p:cNvPr id="59" name="Овал 58"/>
+          <p:cNvSpPr/>
+          <p:nvPr/>
+        </p:nvSpPr>
+        <p:spPr>
+          <a:xfrm>
+            <a:off x="6052605" y="3526733"/>
+            <a:ext cx="860888" cy="403107"/>
+          </a:xfrm>
+          <a:prstGeom prst="ellipse">
+            <a:avLst/>
+          </a:prstGeom>
+        </p:spPr>
+        <p:style>
+          <a:lnRef idx="2">
+            <a:schemeClr val="accent1">
+              <a:shade val="50000"/>
+            </a:schemeClr>
+          </a:lnRef>
+          <a:fillRef idx="1">
+            <a:schemeClr val="accent1"/>
+          </a:fillRef>
+          <a:effectRef idx="0">
+            <a:schemeClr val="accent1"/>
+          </a:effectRef>
+          <a:fontRef idx="minor">
+            <a:schemeClr val="lt1"/>
+          </a:fontRef>
+        </p:style>
+        <p:txBody>
+          <a:bodyPr rtlCol="0" anchor="ctr"/>
+          <a:lstStyle/>
+          <a:p>
+            <a:pPr algn="ctr"/>
+            <a:r>
+              <a:rPr lang="en-US" dirty="0" smtClean="0">
+                <a:latin typeface="Arial" panose="020B0604020202020204" pitchFamily="34" charset="0"/>
+                <a:cs typeface="Arial" panose="020B0604020202020204" pitchFamily="34" charset="0"/>
+              </a:rPr>
+              <a:t>sin</a:t>
+            </a:r>
+            <a:endParaRPr lang="ru-RU" dirty="0">
+              <a:latin typeface="Arial" panose="020B0604020202020204" pitchFamily="34" charset="0"/>
+              <a:cs typeface="Arial" panose="020B0604020202020204" pitchFamily="34" charset="0"/>
+            </a:endParaRPr>
+          </a:p>
+        </p:txBody>
+      </p:sp>
+      <p:sp>
+        <p:nvSpPr>
+          <p:cNvPr id="60" name="Овал 59"/>
+          <p:cNvSpPr/>
+          <p:nvPr/>
+        </p:nvSpPr>
+        <p:spPr>
+          <a:xfrm>
+            <a:off x="7219888" y="3535519"/>
+            <a:ext cx="848646" cy="403107"/>
+          </a:xfrm>
+          <a:prstGeom prst="ellipse">
+            <a:avLst/>
+          </a:prstGeom>
+        </p:spPr>
+        <p:style>
+          <a:lnRef idx="2">
+            <a:schemeClr val="accent1">
+              <a:shade val="50000"/>
+            </a:schemeClr>
+          </a:lnRef>
+          <a:fillRef idx="1">
+            <a:schemeClr val="accent1"/>
+          </a:fillRef>
+          <a:effectRef idx="0">
+            <a:schemeClr val="accent1"/>
+          </a:effectRef>
+          <a:fontRef idx="minor">
+            <a:schemeClr val="lt1"/>
+          </a:fontRef>
+        </p:style>
+        <p:txBody>
+          <a:bodyPr rtlCol="0" anchor="ctr"/>
+          <a:lstStyle/>
+          <a:p>
+            <a:pPr algn="ctr"/>
+            <a:r>
+              <a:rPr lang="en-US" dirty="0" smtClean="0">
+                <a:latin typeface="Arial" panose="020B0604020202020204" pitchFamily="34" charset="0"/>
+                <a:cs typeface="Arial" panose="020B0604020202020204" pitchFamily="34" charset="0"/>
+              </a:rPr>
+              <a:t>abs</a:t>
+            </a:r>
+            <a:endParaRPr lang="ru-RU" dirty="0">
+              <a:latin typeface="Arial" panose="020B0604020202020204" pitchFamily="34" charset="0"/>
+              <a:cs typeface="Arial" panose="020B0604020202020204" pitchFamily="34" charset="0"/>
+            </a:endParaRPr>
+          </a:p>
+        </p:txBody>
+      </p:sp>
+      <p:sp>
+        <p:nvSpPr>
+          <p:cNvPr id="61" name="Овал 60"/>
+          <p:cNvSpPr/>
+          <p:nvPr/>
+        </p:nvSpPr>
+        <p:spPr>
+          <a:xfrm>
+            <a:off x="5978640" y="4129624"/>
+            <a:ext cx="750238" cy="432538"/>
+          </a:xfrm>
+          <a:prstGeom prst="ellipse">
+            <a:avLst/>
+          </a:prstGeom>
+        </p:spPr>
+        <p:style>
+          <a:lnRef idx="2">
+            <a:schemeClr val="accent1">
+              <a:shade val="50000"/>
+            </a:schemeClr>
+          </a:lnRef>
+          <a:fillRef idx="1">
+            <a:schemeClr val="accent1"/>
+          </a:fillRef>
+          <a:effectRef idx="0">
+            <a:schemeClr val="accent1"/>
+          </a:effectRef>
+          <a:fontRef idx="minor">
+            <a:schemeClr val="lt1"/>
+          </a:fontRef>
+        </p:style>
+        <p:txBody>
+          <a:bodyPr rtlCol="0" anchor="ctr"/>
+          <a:lstStyle/>
+          <a:p>
+            <a:pPr algn="ctr"/>
+            <a:r>
+              <a:rPr lang="en-US" dirty="0" smtClean="0">
+                <a:latin typeface="Arial" panose="020B0604020202020204" pitchFamily="34" charset="0"/>
+                <a:cs typeface="Arial" panose="020B0604020202020204" pitchFamily="34" charset="0"/>
+              </a:rPr>
+              <a:t>x1</a:t>
+            </a:r>
+            <a:endParaRPr lang="ru-RU" dirty="0">
+              <a:latin typeface="Arial" panose="020B0604020202020204" pitchFamily="34" charset="0"/>
+              <a:cs typeface="Arial" panose="020B0604020202020204" pitchFamily="34" charset="0"/>
+            </a:endParaRPr>
+          </a:p>
+        </p:txBody>
+      </p:sp>
+      <p:sp>
+        <p:nvSpPr>
+          <p:cNvPr id="62" name="Овал 61"/>
+          <p:cNvSpPr/>
+          <p:nvPr/>
+        </p:nvSpPr>
+        <p:spPr>
+          <a:xfrm>
+            <a:off x="7369837" y="4142059"/>
+            <a:ext cx="786041" cy="432538"/>
+          </a:xfrm>
+          <a:prstGeom prst="ellipse">
+            <a:avLst/>
+          </a:prstGeom>
+        </p:spPr>
+        <p:style>
+          <a:lnRef idx="2">
+            <a:schemeClr val="accent1">
+              <a:shade val="50000"/>
+            </a:schemeClr>
+          </a:lnRef>
+          <a:fillRef idx="1">
+            <a:schemeClr val="accent1"/>
+          </a:fillRef>
+          <a:effectRef idx="0">
+            <a:schemeClr val="accent1"/>
+          </a:effectRef>
+          <a:fontRef idx="minor">
+            <a:schemeClr val="lt1"/>
+          </a:fontRef>
+        </p:style>
+        <p:txBody>
+          <a:bodyPr rtlCol="0" anchor="ctr"/>
+          <a:lstStyle/>
+          <a:p>
+            <a:pPr algn="ctr"/>
+            <a:r>
+              <a:rPr lang="en-US" dirty="0" smtClean="0">
+                <a:latin typeface="Arial" panose="020B0604020202020204" pitchFamily="34" charset="0"/>
+                <a:cs typeface="Arial" panose="020B0604020202020204" pitchFamily="34" charset="0"/>
+              </a:rPr>
+              <a:t>x2</a:t>
+            </a:r>
+            <a:endParaRPr lang="ru-RU" dirty="0">
+              <a:latin typeface="Arial" panose="020B0604020202020204" pitchFamily="34" charset="0"/>
+              <a:cs typeface="Arial" panose="020B0604020202020204" pitchFamily="34" charset="0"/>
+            </a:endParaRPr>
+          </a:p>
+        </p:txBody>
+      </p:sp>
+      <p:cxnSp>
+        <p:nvCxnSpPr>
+          <p:cNvPr id="63" name="Прямая соединительная линия 62"/>
+          <p:cNvCxnSpPr>
+            <a:stCxn id="59" idx="0"/>
+            <a:endCxn id="58" idx="3"/>
+          </p:cNvCxnSpPr>
+          <p:nvPr/>
+        </p:nvCxnSpPr>
+        <p:spPr>
+          <a:xfrm flipV="1">
+            <a:off x="6483049" y="3333729"/>
+            <a:ext cx="383331" cy="193004"/>
+          </a:xfrm>
+          <a:prstGeom prst="line">
+            <a:avLst/>
+          </a:prstGeom>
+        </p:spPr>
+        <p:style>
+          <a:lnRef idx="1">
+            <a:schemeClr val="accent1"/>
+          </a:lnRef>
+          <a:fillRef idx="0">
+            <a:schemeClr val="accent1"/>
+          </a:fillRef>
+          <a:effectRef idx="0">
+            <a:schemeClr val="accent1"/>
+          </a:effectRef>
+          <a:fontRef idx="minor">
+            <a:schemeClr val="tx1"/>
+          </a:fontRef>
+        </p:style>
+      </p:cxnSp>
+      <p:cxnSp>
+        <p:nvCxnSpPr>
+          <p:cNvPr id="64" name="Прямая соединительная линия 63"/>
+          <p:cNvCxnSpPr>
+            <a:stCxn id="58" idx="5"/>
+            <a:endCxn id="60" idx="0"/>
+          </p:cNvCxnSpPr>
+          <p:nvPr/>
+        </p:nvCxnSpPr>
+        <p:spPr>
+          <a:xfrm>
+            <a:off x="7369837" y="3333729"/>
+            <a:ext cx="274374" cy="201790"/>
+          </a:xfrm>
+          <a:prstGeom prst="line">
+            <a:avLst/>
+          </a:prstGeom>
+        </p:spPr>
+        <p:style>
+          <a:lnRef idx="1">
+            <a:schemeClr val="accent1"/>
+          </a:lnRef>
+          <a:fillRef idx="0">
+            <a:schemeClr val="accent1"/>
+          </a:fillRef>
+          <a:effectRef idx="0">
+            <a:schemeClr val="accent1"/>
+          </a:effectRef>
+          <a:fontRef idx="minor">
+            <a:schemeClr val="tx1"/>
+          </a:fontRef>
+        </p:style>
+      </p:cxnSp>
+      <p:cxnSp>
+        <p:nvCxnSpPr>
+          <p:cNvPr id="65" name="Прямая соединительная линия 64"/>
+          <p:cNvCxnSpPr>
+            <a:stCxn id="59" idx="4"/>
+            <a:endCxn id="61" idx="0"/>
+          </p:cNvCxnSpPr>
+          <p:nvPr/>
+        </p:nvCxnSpPr>
+        <p:spPr>
+          <a:xfrm flipH="1">
+            <a:off x="6353759" y="3929840"/>
+            <a:ext cx="129290" cy="199784"/>
+          </a:xfrm>
+          <a:prstGeom prst="line">
+            <a:avLst/>
+          </a:prstGeom>
+        </p:spPr>
+        <p:style>
+          <a:lnRef idx="1">
+            <a:schemeClr val="accent1"/>
+          </a:lnRef>
+          <a:fillRef idx="0">
+            <a:schemeClr val="accent1"/>
+          </a:fillRef>
+          <a:effectRef idx="0">
+            <a:schemeClr val="accent1"/>
+          </a:effectRef>
+          <a:fontRef idx="minor">
+            <a:schemeClr val="tx1"/>
+          </a:fontRef>
+        </p:style>
+      </p:cxnSp>
+      <p:cxnSp>
+        <p:nvCxnSpPr>
+          <p:cNvPr id="66" name="Прямая соединительная линия 65"/>
+          <p:cNvCxnSpPr>
+            <a:stCxn id="60" idx="4"/>
+            <a:endCxn id="62" idx="0"/>
+          </p:cNvCxnSpPr>
+          <p:nvPr/>
+        </p:nvCxnSpPr>
+        <p:spPr>
+          <a:xfrm>
+            <a:off x="7644211" y="3938626"/>
+            <a:ext cx="118647" cy="203433"/>
+          </a:xfrm>
+          <a:prstGeom prst="line">
+            <a:avLst/>
+          </a:prstGeom>
+        </p:spPr>
+        <p:style>
+          <a:lnRef idx="1">
+            <a:schemeClr val="accent1"/>
+          </a:lnRef>
+          <a:fillRef idx="0">
+            <a:schemeClr val="accent1"/>
+          </a:fillRef>
+          <a:effectRef idx="0">
+            <a:schemeClr val="accent1"/>
+          </a:effectRef>
+          <a:fontRef idx="minor">
+            <a:schemeClr val="tx1"/>
+          </a:fontRef>
+        </p:style>
+      </p:cxnSp>
+      <p:sp>
+        <p:nvSpPr>
+          <p:cNvPr id="67" name="Овал 66"/>
+          <p:cNvSpPr/>
+          <p:nvPr/>
+        </p:nvSpPr>
+        <p:spPr>
+          <a:xfrm>
+            <a:off x="7082554" y="4785409"/>
+            <a:ext cx="711995" cy="394558"/>
+          </a:xfrm>
+          <a:prstGeom prst="ellipse">
+            <a:avLst/>
+          </a:prstGeom>
+        </p:spPr>
+        <p:style>
+          <a:lnRef idx="2">
+            <a:schemeClr val="accent1">
+              <a:shade val="50000"/>
+            </a:schemeClr>
+          </a:lnRef>
+          <a:fillRef idx="1">
+            <a:schemeClr val="accent1"/>
+          </a:fillRef>
+          <a:effectRef idx="0">
+            <a:schemeClr val="accent1"/>
+          </a:effectRef>
+          <a:fontRef idx="minor">
+            <a:schemeClr val="lt1"/>
+          </a:fontRef>
+        </p:style>
+        <p:txBody>
+          <a:bodyPr rtlCol="0" anchor="ctr"/>
+          <a:lstStyle/>
+          <a:p>
+            <a:pPr algn="ctr"/>
+            <a:r>
+              <a:rPr lang="en-US" dirty="0">
+                <a:latin typeface="Arial" panose="020B0604020202020204" pitchFamily="34" charset="0"/>
+                <a:cs typeface="Arial" panose="020B0604020202020204" pitchFamily="34" charset="0"/>
+              </a:rPr>
+              <a:t>*</a:t>
+            </a:r>
+            <a:endParaRPr lang="ru-RU" dirty="0">
+              <a:latin typeface="Arial" panose="020B0604020202020204" pitchFamily="34" charset="0"/>
+              <a:cs typeface="Arial" panose="020B0604020202020204" pitchFamily="34" charset="0"/>
+            </a:endParaRPr>
+          </a:p>
+        </p:txBody>
+      </p:sp>
+      <p:sp>
+        <p:nvSpPr>
+          <p:cNvPr id="68" name="Овал 67"/>
+          <p:cNvSpPr/>
+          <p:nvPr/>
+        </p:nvSpPr>
+        <p:spPr>
+          <a:xfrm>
+            <a:off x="6429968" y="5246501"/>
+            <a:ext cx="759289" cy="403107"/>
+          </a:xfrm>
+          <a:prstGeom prst="ellipse">
+            <a:avLst/>
+          </a:prstGeom>
+        </p:spPr>
+        <p:style>
+          <a:lnRef idx="2">
+            <a:schemeClr val="accent1">
+              <a:shade val="50000"/>
+            </a:schemeClr>
+          </a:lnRef>
+          <a:fillRef idx="1">
+            <a:schemeClr val="accent1"/>
+          </a:fillRef>
+          <a:effectRef idx="0">
+            <a:schemeClr val="accent1"/>
+          </a:effectRef>
+          <a:fontRef idx="minor">
+            <a:schemeClr val="lt1"/>
+          </a:fontRef>
+        </p:style>
+        <p:txBody>
+          <a:bodyPr rtlCol="0" anchor="ctr"/>
+          <a:lstStyle/>
+          <a:p>
+            <a:pPr algn="ctr"/>
+            <a:r>
+              <a:rPr lang="en-US" dirty="0">
+                <a:latin typeface="Arial" panose="020B0604020202020204" pitchFamily="34" charset="0"/>
+                <a:cs typeface="Arial" panose="020B0604020202020204" pitchFamily="34" charset="0"/>
+              </a:rPr>
+              <a:t>+</a:t>
+            </a:r>
+            <a:endParaRPr lang="ru-RU" dirty="0">
+              <a:latin typeface="Arial" panose="020B0604020202020204" pitchFamily="34" charset="0"/>
+              <a:cs typeface="Arial" panose="020B0604020202020204" pitchFamily="34" charset="0"/>
+            </a:endParaRPr>
+          </a:p>
+        </p:txBody>
+      </p:sp>
+      <p:sp>
+        <p:nvSpPr>
+          <p:cNvPr id="69" name="Овал 68"/>
+          <p:cNvSpPr/>
+          <p:nvPr/>
+        </p:nvSpPr>
+        <p:spPr>
+          <a:xfrm>
+            <a:off x="7611015" y="5261872"/>
+            <a:ext cx="912688" cy="403107"/>
+          </a:xfrm>
+          <a:prstGeom prst="ellipse">
+            <a:avLst/>
+          </a:prstGeom>
+        </p:spPr>
+        <p:style>
+          <a:lnRef idx="2">
+            <a:schemeClr val="accent1">
+              <a:shade val="50000"/>
+            </a:schemeClr>
+          </a:lnRef>
+          <a:fillRef idx="1">
+            <a:schemeClr val="accent1"/>
+          </a:fillRef>
+          <a:effectRef idx="0">
+            <a:schemeClr val="accent1"/>
+          </a:effectRef>
+          <a:fontRef idx="minor">
+            <a:schemeClr val="lt1"/>
+          </a:fontRef>
+        </p:style>
+        <p:txBody>
+          <a:bodyPr rtlCol="0" anchor="ctr"/>
+          <a:lstStyle/>
+          <a:p>
+            <a:pPr algn="ctr"/>
+            <a:r>
+              <a:rPr lang="en-US" dirty="0">
+                <a:latin typeface="Arial" panose="020B0604020202020204" pitchFamily="34" charset="0"/>
+                <a:cs typeface="Arial" panose="020B0604020202020204" pitchFamily="34" charset="0"/>
+              </a:rPr>
+              <a:t>√</a:t>
+            </a:r>
+            <a:endParaRPr lang="ru-RU" dirty="0">
+              <a:latin typeface="Arial" panose="020B0604020202020204" pitchFamily="34" charset="0"/>
+              <a:cs typeface="Arial" panose="020B0604020202020204" pitchFamily="34" charset="0"/>
+            </a:endParaRPr>
+          </a:p>
+        </p:txBody>
+      </p:sp>
+      <p:sp>
+        <p:nvSpPr>
+          <p:cNvPr id="70" name="Овал 69"/>
+          <p:cNvSpPr/>
+          <p:nvPr/>
+        </p:nvSpPr>
+        <p:spPr>
+          <a:xfrm>
+            <a:off x="5732811" y="5750592"/>
+            <a:ext cx="750238" cy="432538"/>
+          </a:xfrm>
+          <a:prstGeom prst="ellipse">
+            <a:avLst/>
+          </a:prstGeom>
+        </p:spPr>
+        <p:style>
+          <a:lnRef idx="2">
+            <a:schemeClr val="accent1">
+              <a:shade val="50000"/>
+            </a:schemeClr>
+          </a:lnRef>
+          <a:fillRef idx="1">
+            <a:schemeClr val="accent1"/>
+          </a:fillRef>
+          <a:effectRef idx="0">
+            <a:schemeClr val="accent1"/>
+          </a:effectRef>
+          <a:fontRef idx="minor">
+            <a:schemeClr val="lt1"/>
+          </a:fontRef>
+        </p:style>
+        <p:txBody>
+          <a:bodyPr rtlCol="0" anchor="ctr"/>
+          <a:lstStyle/>
+          <a:p>
+            <a:pPr algn="ctr"/>
+            <a:r>
+              <a:rPr lang="en-US" dirty="0" smtClean="0">
+                <a:latin typeface="Arial" panose="020B0604020202020204" pitchFamily="34" charset="0"/>
+                <a:cs typeface="Arial" panose="020B0604020202020204" pitchFamily="34" charset="0"/>
+              </a:rPr>
+              <a:t>x4</a:t>
+            </a:r>
+            <a:endParaRPr lang="ru-RU" dirty="0">
+              <a:latin typeface="Arial" panose="020B0604020202020204" pitchFamily="34" charset="0"/>
+              <a:cs typeface="Arial" panose="020B0604020202020204" pitchFamily="34" charset="0"/>
+            </a:endParaRPr>
+          </a:p>
+        </p:txBody>
+      </p:sp>
+      <p:sp>
+        <p:nvSpPr>
+          <p:cNvPr id="71" name="Овал 70"/>
+          <p:cNvSpPr/>
+          <p:nvPr/>
+        </p:nvSpPr>
+        <p:spPr>
+          <a:xfrm>
+            <a:off x="8149671" y="5746884"/>
+            <a:ext cx="748063" cy="426139"/>
+          </a:xfrm>
+          <a:prstGeom prst="ellipse">
+            <a:avLst/>
+          </a:prstGeom>
+        </p:spPr>
+        <p:style>
+          <a:lnRef idx="2">
+            <a:schemeClr val="accent1">
+              <a:shade val="50000"/>
+            </a:schemeClr>
+          </a:lnRef>
+          <a:fillRef idx="1">
+            <a:schemeClr val="accent1"/>
+          </a:fillRef>
+          <a:effectRef idx="0">
+            <a:schemeClr val="accent1"/>
+          </a:effectRef>
+          <a:fontRef idx="minor">
+            <a:schemeClr val="lt1"/>
+          </a:fontRef>
+        </p:style>
+        <p:txBody>
+          <a:bodyPr rtlCol="0" anchor="ctr"/>
+          <a:lstStyle/>
+          <a:p>
+            <a:pPr algn="ctr"/>
+            <a:r>
+              <a:rPr lang="en-US" dirty="0" smtClean="0">
+                <a:latin typeface="Arial" panose="020B0604020202020204" pitchFamily="34" charset="0"/>
+                <a:cs typeface="Arial" panose="020B0604020202020204" pitchFamily="34" charset="0"/>
+              </a:rPr>
+              <a:t>x2</a:t>
+            </a:r>
+            <a:endParaRPr lang="ru-RU" dirty="0">
+              <a:latin typeface="Arial" panose="020B0604020202020204" pitchFamily="34" charset="0"/>
+              <a:cs typeface="Arial" panose="020B0604020202020204" pitchFamily="34" charset="0"/>
+            </a:endParaRPr>
+          </a:p>
+        </p:txBody>
+      </p:sp>
+      <p:cxnSp>
+        <p:nvCxnSpPr>
+          <p:cNvPr id="72" name="Прямая соединительная линия 71"/>
+          <p:cNvCxnSpPr>
+            <a:stCxn id="68" idx="0"/>
+            <a:endCxn id="67" idx="3"/>
+          </p:cNvCxnSpPr>
+          <p:nvPr/>
+        </p:nvCxnSpPr>
+        <p:spPr>
+          <a:xfrm flipV="1">
+            <a:off x="6809613" y="5122185"/>
+            <a:ext cx="377210" cy="124316"/>
+          </a:xfrm>
+          <a:prstGeom prst="line">
+            <a:avLst/>
+          </a:prstGeom>
+        </p:spPr>
+        <p:style>
+          <a:lnRef idx="1">
+            <a:schemeClr val="accent1"/>
+          </a:lnRef>
+          <a:fillRef idx="0">
+            <a:schemeClr val="accent1"/>
+          </a:fillRef>
+          <a:effectRef idx="0">
+            <a:schemeClr val="accent1"/>
+          </a:effectRef>
+          <a:fontRef idx="minor">
+            <a:schemeClr val="tx1"/>
+          </a:fontRef>
+        </p:style>
+      </p:cxnSp>
+      <p:cxnSp>
+        <p:nvCxnSpPr>
+          <p:cNvPr id="73" name="Прямая соединительная линия 72"/>
+          <p:cNvCxnSpPr>
+            <a:stCxn id="67" idx="5"/>
+            <a:endCxn id="69" idx="0"/>
+          </p:cNvCxnSpPr>
+          <p:nvPr/>
+        </p:nvCxnSpPr>
+        <p:spPr>
+          <a:xfrm>
+            <a:off x="7690280" y="5122185"/>
+            <a:ext cx="377079" cy="139687"/>
+          </a:xfrm>
+          <a:prstGeom prst="line">
+            <a:avLst/>
+          </a:prstGeom>
+        </p:spPr>
+        <p:style>
+          <a:lnRef idx="1">
+            <a:schemeClr val="accent1"/>
+          </a:lnRef>
+          <a:fillRef idx="0">
+            <a:schemeClr val="accent1"/>
+          </a:fillRef>
+          <a:effectRef idx="0">
+            <a:schemeClr val="accent1"/>
+          </a:effectRef>
+          <a:fontRef idx="minor">
+            <a:schemeClr val="tx1"/>
+          </a:fontRef>
+        </p:style>
+      </p:cxnSp>
+      <p:cxnSp>
+        <p:nvCxnSpPr>
+          <p:cNvPr id="74" name="Прямая соединительная линия 73"/>
+          <p:cNvCxnSpPr>
+            <a:stCxn id="68" idx="3"/>
+            <a:endCxn id="70" idx="0"/>
+          </p:cNvCxnSpPr>
+          <p:nvPr/>
+        </p:nvCxnSpPr>
+        <p:spPr>
+          <a:xfrm flipH="1">
+            <a:off x="6107930" y="5590574"/>
+            <a:ext cx="433233" cy="160018"/>
+          </a:xfrm>
+          <a:prstGeom prst="line">
+            <a:avLst/>
+          </a:prstGeom>
+        </p:spPr>
+        <p:style>
+          <a:lnRef idx="1">
+            <a:schemeClr val="accent1"/>
+          </a:lnRef>
+          <a:fillRef idx="0">
+            <a:schemeClr val="accent1"/>
+          </a:fillRef>
+          <a:effectRef idx="0">
+            <a:schemeClr val="accent1"/>
+          </a:effectRef>
+          <a:fontRef idx="minor">
+            <a:schemeClr val="tx1"/>
+          </a:fontRef>
+        </p:style>
+      </p:cxnSp>
+      <p:cxnSp>
+        <p:nvCxnSpPr>
+          <p:cNvPr id="75" name="Прямая соединительная линия 74"/>
+          <p:cNvCxnSpPr>
+            <a:stCxn id="69" idx="4"/>
+            <a:endCxn id="71" idx="0"/>
+          </p:cNvCxnSpPr>
+          <p:nvPr/>
+        </p:nvCxnSpPr>
+        <p:spPr>
+          <a:xfrm>
+            <a:off x="8067359" y="5664979"/>
+            <a:ext cx="456344" cy="81905"/>
+          </a:xfrm>
+          <a:prstGeom prst="line">
+            <a:avLst/>
+          </a:prstGeom>
+        </p:spPr>
+        <p:style>
+          <a:lnRef idx="1">
+            <a:schemeClr val="accent1"/>
+          </a:lnRef>
+          <a:fillRef idx="0">
+            <a:schemeClr val="accent1"/>
+          </a:fillRef>
+          <a:effectRef idx="0">
+            <a:schemeClr val="accent1"/>
+          </a:effectRef>
+          <a:fontRef idx="minor">
+            <a:schemeClr val="tx1"/>
+          </a:fontRef>
+        </p:style>
+      </p:cxnSp>
+      <p:sp>
+        <p:nvSpPr>
+          <p:cNvPr id="76" name="Овал 75"/>
+          <p:cNvSpPr/>
+          <p:nvPr/>
+        </p:nvSpPr>
+        <p:spPr>
+          <a:xfrm>
+            <a:off x="7206484" y="1687147"/>
+            <a:ext cx="711995" cy="394558"/>
+          </a:xfrm>
+          <a:prstGeom prst="ellipse">
+            <a:avLst/>
+          </a:prstGeom>
+        </p:spPr>
+        <p:style>
+          <a:lnRef idx="2">
+            <a:schemeClr val="accent1">
+              <a:shade val="50000"/>
+            </a:schemeClr>
+          </a:lnRef>
+          <a:fillRef idx="1">
+            <a:schemeClr val="accent1"/>
+          </a:fillRef>
+          <a:effectRef idx="0">
+            <a:schemeClr val="accent1"/>
+          </a:effectRef>
+          <a:fontRef idx="minor">
+            <a:schemeClr val="lt1"/>
+          </a:fontRef>
+        </p:style>
+        <p:txBody>
+          <a:bodyPr rtlCol="0" anchor="ctr"/>
+          <a:lstStyle/>
+          <a:p>
+            <a:pPr algn="ctr"/>
+            <a:r>
+              <a:rPr lang="ru-RU" dirty="0" smtClean="0">
+                <a:latin typeface="Arial" panose="020B0604020202020204" pitchFamily="34" charset="0"/>
+                <a:cs typeface="Arial" panose="020B0604020202020204" pitchFamily="34" charset="0"/>
+              </a:rPr>
+              <a:t>-</a:t>
+            </a:r>
+            <a:endParaRPr lang="ru-RU" dirty="0">
+              <a:latin typeface="Arial" panose="020B0604020202020204" pitchFamily="34" charset="0"/>
+              <a:cs typeface="Arial" panose="020B0604020202020204" pitchFamily="34" charset="0"/>
+            </a:endParaRPr>
+          </a:p>
+        </p:txBody>
+      </p:sp>
+      <p:sp>
+        <p:nvSpPr>
+          <p:cNvPr id="77" name="Овал 76"/>
+          <p:cNvSpPr/>
+          <p:nvPr/>
+        </p:nvSpPr>
+        <p:spPr>
+          <a:xfrm>
+            <a:off x="6533664" y="2159108"/>
+            <a:ext cx="860888" cy="403107"/>
+          </a:xfrm>
+          <a:prstGeom prst="ellipse">
+            <a:avLst/>
+          </a:prstGeom>
+        </p:spPr>
+        <p:style>
+          <a:lnRef idx="2">
+            <a:schemeClr val="accent1">
+              <a:shade val="50000"/>
+            </a:schemeClr>
+          </a:lnRef>
+          <a:fillRef idx="1">
+            <a:schemeClr val="accent1"/>
+          </a:fillRef>
+          <a:effectRef idx="0">
+            <a:schemeClr val="accent1"/>
+          </a:effectRef>
+          <a:fontRef idx="minor">
+            <a:schemeClr val="lt1"/>
+          </a:fontRef>
+        </p:style>
+        <p:txBody>
+          <a:bodyPr rtlCol="0" anchor="ctr"/>
+          <a:lstStyle/>
+          <a:p>
+            <a:pPr algn="ctr"/>
+            <a:r>
+              <a:rPr lang="en-US" dirty="0" smtClean="0">
+                <a:latin typeface="Arial" panose="020B0604020202020204" pitchFamily="34" charset="0"/>
+                <a:cs typeface="Arial" panose="020B0604020202020204" pitchFamily="34" charset="0"/>
+              </a:rPr>
+              <a:t>x2</a:t>
+            </a:r>
+            <a:endParaRPr lang="ru-RU" dirty="0">
+              <a:latin typeface="Arial" panose="020B0604020202020204" pitchFamily="34" charset="0"/>
+              <a:cs typeface="Arial" panose="020B0604020202020204" pitchFamily="34" charset="0"/>
+            </a:endParaRPr>
+          </a:p>
+        </p:txBody>
+      </p:sp>
+      <p:sp>
+        <p:nvSpPr>
+          <p:cNvPr id="78" name="Овал 77"/>
+          <p:cNvSpPr/>
+          <p:nvPr/>
+        </p:nvSpPr>
+        <p:spPr>
+          <a:xfrm>
+            <a:off x="7755802" y="2161797"/>
+            <a:ext cx="848646" cy="403107"/>
+          </a:xfrm>
+          <a:prstGeom prst="ellipse">
+            <a:avLst/>
+          </a:prstGeom>
+        </p:spPr>
+        <p:style>
+          <a:lnRef idx="2">
+            <a:schemeClr val="accent1">
+              <a:shade val="50000"/>
+            </a:schemeClr>
+          </a:lnRef>
+          <a:fillRef idx="1">
+            <a:schemeClr val="accent1"/>
+          </a:fillRef>
+          <a:effectRef idx="0">
+            <a:schemeClr val="accent1"/>
+          </a:effectRef>
+          <a:fontRef idx="minor">
+            <a:schemeClr val="lt1"/>
+          </a:fontRef>
+        </p:style>
+        <p:txBody>
+          <a:bodyPr rtlCol="0" anchor="ctr"/>
+          <a:lstStyle/>
+          <a:p>
+            <a:pPr algn="ctr"/>
+            <a:r>
+              <a:rPr lang="en-US" dirty="0" smtClean="0">
+                <a:latin typeface="Arial" panose="020B0604020202020204" pitchFamily="34" charset="0"/>
+                <a:cs typeface="Arial" panose="020B0604020202020204" pitchFamily="34" charset="0"/>
+              </a:rPr>
+              <a:t>x3</a:t>
+            </a:r>
+            <a:endParaRPr lang="ru-RU" dirty="0">
+              <a:latin typeface="Arial" panose="020B0604020202020204" pitchFamily="34" charset="0"/>
+              <a:cs typeface="Arial" panose="020B0604020202020204" pitchFamily="34" charset="0"/>
+            </a:endParaRPr>
+          </a:p>
+        </p:txBody>
+      </p:sp>
+      <p:cxnSp>
+        <p:nvCxnSpPr>
+          <p:cNvPr id="79" name="Прямая соединительная линия 78"/>
+          <p:cNvCxnSpPr>
+            <a:stCxn id="77" idx="0"/>
+            <a:endCxn id="76" idx="3"/>
+          </p:cNvCxnSpPr>
+          <p:nvPr/>
+        </p:nvCxnSpPr>
+        <p:spPr>
+          <a:xfrm flipV="1">
+            <a:off x="6964108" y="2023923"/>
+            <a:ext cx="346645" cy="135185"/>
+          </a:xfrm>
+          <a:prstGeom prst="line">
+            <a:avLst/>
+          </a:prstGeom>
+        </p:spPr>
+        <p:style>
+          <a:lnRef idx="1">
+            <a:schemeClr val="accent1"/>
+          </a:lnRef>
+          <a:fillRef idx="0">
+            <a:schemeClr val="accent1"/>
+          </a:fillRef>
+          <a:effectRef idx="0">
+            <a:schemeClr val="accent1"/>
+          </a:effectRef>
+          <a:fontRef idx="minor">
+            <a:schemeClr val="tx1"/>
+          </a:fontRef>
+        </p:style>
+      </p:cxnSp>
+      <p:cxnSp>
+        <p:nvCxnSpPr>
+          <p:cNvPr id="80" name="Прямая соединительная линия 79"/>
+          <p:cNvCxnSpPr>
+            <a:stCxn id="76" idx="5"/>
+            <a:endCxn id="78" idx="0"/>
+          </p:cNvCxnSpPr>
+          <p:nvPr/>
+        </p:nvCxnSpPr>
+        <p:spPr>
+          <a:xfrm>
+            <a:off x="7814210" y="2023923"/>
+            <a:ext cx="365915" cy="137874"/>
+          </a:xfrm>
+          <a:prstGeom prst="line">
+            <a:avLst/>
+          </a:prstGeom>
+        </p:spPr>
+        <p:style>
+          <a:lnRef idx="1">
+            <a:schemeClr val="accent1"/>
+          </a:lnRef>
+          <a:fillRef idx="0">
+            <a:schemeClr val="accent1"/>
+          </a:fillRef>
+          <a:effectRef idx="0">
+            <a:schemeClr val="accent1"/>
+          </a:effectRef>
+          <a:fontRef idx="minor">
+            <a:schemeClr val="tx1"/>
+          </a:fontRef>
+        </p:style>
+      </p:cxnSp>
+      <p:sp>
+        <p:nvSpPr>
+          <p:cNvPr id="81" name="Овал 80"/>
+          <p:cNvSpPr/>
+          <p:nvPr/>
+        </p:nvSpPr>
+        <p:spPr>
+          <a:xfrm>
+            <a:off x="6855131" y="5750592"/>
+            <a:ext cx="898260" cy="432538"/>
+          </a:xfrm>
+          <a:prstGeom prst="ellipse">
+            <a:avLst/>
+          </a:prstGeom>
+        </p:spPr>
+        <p:style>
+          <a:lnRef idx="2">
+            <a:schemeClr val="accent1">
+              <a:shade val="50000"/>
+            </a:schemeClr>
+          </a:lnRef>
+          <a:fillRef idx="1">
+            <a:schemeClr val="accent1"/>
+          </a:fillRef>
+          <a:effectRef idx="0">
+            <a:schemeClr val="accent1"/>
+          </a:effectRef>
+          <a:fontRef idx="minor">
+            <a:schemeClr val="lt1"/>
+          </a:fontRef>
+        </p:style>
+        <p:txBody>
+          <a:bodyPr rtlCol="0" anchor="ctr"/>
+          <a:lstStyle/>
+          <a:p>
+            <a:pPr algn="ctr"/>
+            <a:r>
+              <a:rPr lang="ru-RU" dirty="0" smtClean="0">
+                <a:latin typeface="Arial" panose="020B0604020202020204" pitchFamily="34" charset="0"/>
+                <a:cs typeface="Arial" panose="020B0604020202020204" pitchFamily="34" charset="0"/>
+              </a:rPr>
+              <a:t>3.4</a:t>
+            </a:r>
+            <a:endParaRPr lang="ru-RU" dirty="0">
+              <a:latin typeface="Arial" panose="020B0604020202020204" pitchFamily="34" charset="0"/>
+              <a:cs typeface="Arial" panose="020B0604020202020204" pitchFamily="34" charset="0"/>
+            </a:endParaRPr>
+          </a:p>
+        </p:txBody>
+      </p:sp>
+      <p:cxnSp>
+        <p:nvCxnSpPr>
+          <p:cNvPr id="82" name="Прямая соединительная линия 81"/>
+          <p:cNvCxnSpPr>
+            <a:stCxn id="68" idx="5"/>
+            <a:endCxn id="81" idx="0"/>
+          </p:cNvCxnSpPr>
+          <p:nvPr/>
+        </p:nvCxnSpPr>
+        <p:spPr>
+          <a:xfrm>
+            <a:off x="7078062" y="5590574"/>
+            <a:ext cx="226199" cy="160018"/>
+          </a:xfrm>
+          <a:prstGeom prst="line">
+            <a:avLst/>
+          </a:prstGeom>
+        </p:spPr>
+        <p:style>
+          <a:lnRef idx="1">
+            <a:schemeClr val="accent1"/>
+          </a:lnRef>
+          <a:fillRef idx="0">
+            <a:schemeClr val="accent1"/>
+          </a:fillRef>
+          <a:effectRef idx="0">
+            <a:schemeClr val="accent1"/>
+          </a:effectRef>
+          <a:fontRef idx="minor">
+            <a:schemeClr val="tx1"/>
+          </a:fontRef>
+        </p:style>
+      </p:cxnSp>
+      <p:sp>
+        <p:nvSpPr>
+          <p:cNvPr id="84" name="Скругленный прямоугольник 83"/>
+          <p:cNvSpPr/>
+          <p:nvPr/>
+        </p:nvSpPr>
+        <p:spPr>
+          <a:xfrm>
+            <a:off x="35496" y="1556792"/>
+            <a:ext cx="3380947" cy="5184576"/>
+          </a:xfrm>
+          <a:prstGeom prst="roundRect">
+            <a:avLst/>
+          </a:prstGeom>
+          <a:noFill/>
+        </p:spPr>
+        <p:style>
+          <a:lnRef idx="2">
+            <a:schemeClr val="accent1"/>
+          </a:lnRef>
+          <a:fillRef idx="1">
+            <a:schemeClr val="lt1"/>
+          </a:fillRef>
+          <a:effectRef idx="0">
+            <a:schemeClr val="accent1"/>
+          </a:effectRef>
+          <a:fontRef idx="minor">
+            <a:schemeClr val="dk1"/>
+          </a:fontRef>
+        </p:style>
+        <p:txBody>
+          <a:bodyPr rtlCol="0" anchor="ctr"/>
+          <a:lstStyle/>
+          <a:p>
+            <a:pPr algn="ctr"/>
+            <a:endParaRPr lang="ru-RU"/>
+          </a:p>
+        </p:txBody>
+      </p:sp>
+      <p:sp>
+        <p:nvSpPr>
+          <p:cNvPr id="85" name="Скругленный прямоугольник 84"/>
+          <p:cNvSpPr/>
+          <p:nvPr/>
+        </p:nvSpPr>
+        <p:spPr>
+          <a:xfrm>
+            <a:off x="5652120" y="1556792"/>
+            <a:ext cx="3380947" cy="5184576"/>
+          </a:xfrm>
+          <a:prstGeom prst="roundRect">
+            <a:avLst/>
+          </a:prstGeom>
+          <a:noFill/>
+        </p:spPr>
+        <p:style>
+          <a:lnRef idx="2">
+            <a:schemeClr val="accent1"/>
+          </a:lnRef>
+          <a:fillRef idx="1">
+            <a:schemeClr val="lt1"/>
+          </a:fillRef>
+          <a:effectRef idx="0">
+            <a:schemeClr val="accent1"/>
+          </a:effectRef>
+          <a:fontRef idx="minor">
+            <a:schemeClr val="dk1"/>
+          </a:fontRef>
+        </p:style>
+        <p:txBody>
+          <a:bodyPr rtlCol="0" anchor="ctr"/>
+          <a:lstStyle/>
+          <a:p>
+            <a:pPr algn="ctr"/>
+            <a:endParaRPr lang="ru-RU"/>
+          </a:p>
+        </p:txBody>
+      </p:sp>
+      <p:sp>
+        <p:nvSpPr>
+          <p:cNvPr id="87" name="Выноска 1 86"/>
+          <p:cNvSpPr/>
+          <p:nvPr/>
+        </p:nvSpPr>
+        <p:spPr>
+          <a:xfrm>
+            <a:off x="3960451" y="2081705"/>
+            <a:ext cx="1011541" cy="915248"/>
+          </a:xfrm>
+          <a:prstGeom prst="borderCallout1">
+            <a:avLst>
+              <a:gd name="adj1" fmla="val 56622"/>
+              <a:gd name="adj2" fmla="val 891"/>
+              <a:gd name="adj3" fmla="val 71923"/>
+              <a:gd name="adj4" fmla="val -54936"/>
+            </a:avLst>
+          </a:prstGeom>
+        </p:spPr>
+        <p:style>
+          <a:lnRef idx="2">
+            <a:schemeClr val="accent1">
+              <a:shade val="50000"/>
+            </a:schemeClr>
+          </a:lnRef>
+          <a:fillRef idx="1">
+            <a:schemeClr val="accent1"/>
+          </a:fillRef>
+          <a:effectRef idx="0">
+            <a:schemeClr val="accent1"/>
+          </a:effectRef>
+          <a:fontRef idx="minor">
+            <a:schemeClr val="lt1"/>
+          </a:fontRef>
+        </p:style>
+        <p:txBody>
+          <a:bodyPr rtlCol="0" anchor="ctr"/>
+          <a:lstStyle/>
+          <a:p>
+            <a:pPr algn="ctr"/>
+            <a:r>
+              <a:rPr lang="en-US" sz="3600" dirty="0" smtClean="0">
+                <a:latin typeface="Arial" panose="020B0604020202020204" pitchFamily="34" charset="0"/>
+                <a:cs typeface="Arial" panose="020B0604020202020204" pitchFamily="34" charset="0"/>
+              </a:rPr>
+              <a:t>K</a:t>
+            </a:r>
+            <a:r>
+              <a:rPr lang="en-US" sz="3600" baseline="-25000" dirty="0" smtClean="0">
+                <a:latin typeface="Arial" panose="020B0604020202020204" pitchFamily="34" charset="0"/>
+                <a:cs typeface="Arial" panose="020B0604020202020204" pitchFamily="34" charset="0"/>
+              </a:rPr>
+              <a:t>1</a:t>
+            </a:r>
+            <a:endParaRPr lang="ru-RU" baseline="-25000" dirty="0">
+              <a:latin typeface="Arial" panose="020B0604020202020204" pitchFamily="34" charset="0"/>
+              <a:cs typeface="Arial" panose="020B0604020202020204" pitchFamily="34" charset="0"/>
+            </a:endParaRPr>
+          </a:p>
+        </p:txBody>
+      </p:sp>
+      <p:sp>
+        <p:nvSpPr>
+          <p:cNvPr id="88" name="Выноска 1 87"/>
+          <p:cNvSpPr/>
+          <p:nvPr/>
+        </p:nvSpPr>
+        <p:spPr>
+          <a:xfrm>
+            <a:off x="3960451" y="4734360"/>
+            <a:ext cx="1011541" cy="915248"/>
+          </a:xfrm>
+          <a:prstGeom prst="borderCallout1">
+            <a:avLst>
+              <a:gd name="adj1" fmla="val 60700"/>
+              <a:gd name="adj2" fmla="val 98667"/>
+              <a:gd name="adj3" fmla="val 80079"/>
+              <a:gd name="adj4" fmla="val 166444"/>
+            </a:avLst>
+          </a:prstGeom>
+        </p:spPr>
+        <p:style>
+          <a:lnRef idx="2">
+            <a:schemeClr val="accent1">
+              <a:shade val="50000"/>
+            </a:schemeClr>
+          </a:lnRef>
+          <a:fillRef idx="1">
+            <a:schemeClr val="accent1"/>
+          </a:fillRef>
+          <a:effectRef idx="0">
+            <a:schemeClr val="accent1"/>
+          </a:effectRef>
+          <a:fontRef idx="minor">
+            <a:schemeClr val="lt1"/>
+          </a:fontRef>
+        </p:style>
+        <p:txBody>
+          <a:bodyPr rtlCol="0" anchor="ctr"/>
+          <a:lstStyle/>
+          <a:p>
+            <a:pPr algn="ctr"/>
+            <a:r>
+              <a:rPr lang="en-US" sz="3600" dirty="0" smtClean="0">
+                <a:latin typeface="Arial" panose="020B0604020202020204" pitchFamily="34" charset="0"/>
+                <a:cs typeface="Arial" panose="020B0604020202020204" pitchFamily="34" charset="0"/>
+              </a:rPr>
+              <a:t>K</a:t>
+            </a:r>
+            <a:r>
+              <a:rPr lang="en-US" sz="3600" baseline="-25000" dirty="0">
+                <a:latin typeface="Arial" panose="020B0604020202020204" pitchFamily="34" charset="0"/>
+                <a:cs typeface="Arial" panose="020B0604020202020204" pitchFamily="34" charset="0"/>
+              </a:rPr>
+              <a:t>2</a:t>
+            </a:r>
+            <a:endParaRPr lang="ru-RU" baseline="-25000" dirty="0">
+              <a:latin typeface="Arial" panose="020B0604020202020204" pitchFamily="34" charset="0"/>
+              <a:cs typeface="Arial" panose="020B0604020202020204" pitchFamily="34" charset="0"/>
+            </a:endParaRPr>
+          </a:p>
+        </p:txBody>
+      </p:sp>
     </p:spTree>
     <p:extLst>
       <p:ext uri="{BB962C8B-B14F-4D97-AF65-F5344CB8AC3E}">
-        <p14:creationId xmlns:p14="http://schemas.microsoft.com/office/powerpoint/2010/main" val="1567805041"/>
+        <p14:creationId xmlns:p14="http://schemas.microsoft.com/office/powerpoint/2010/main" val="1030106871"/>
       </p:ext>
     </p:extLst>
   </p:cSld>
@@ -10223,8 +11885,8 @@
         </p:nvSpPr>
         <p:spPr>
           <a:xfrm>
-            <a:off x="1318592" y="42392"/>
-            <a:ext cx="6781800" cy="1514400"/>
+            <a:off x="1335206" y="109182"/>
+            <a:ext cx="6781800" cy="1600200"/>
           </a:xfrm>
         </p:spPr>
         <p:txBody>
@@ -10235,8 +11897,8 @@
           <a:p>
             <a:pPr algn="ctr"/>
             <a:r>
-              <a:rPr lang="ru-RU" dirty="0" err="1" smtClean="0"/>
-              <a:t>Коэволюция</a:t>
+              <a:rPr lang="ru-RU" dirty="0" smtClean="0"/>
+              <a:t>Репродукция</a:t>
             </a:r>
             <a:endParaRPr lang="ru-RU" dirty="0"/>
           </a:p>
@@ -10244,2336 +11906,61 @@
       </p:sp>
       <p:sp>
         <p:nvSpPr>
-          <p:cNvPr id="5" name="Овал 4"/>
-          <p:cNvSpPr/>
-          <p:nvPr/>
-        </p:nvSpPr>
-        <p:spPr>
-          <a:xfrm>
-            <a:off x="1212241" y="2996953"/>
-            <a:ext cx="711995" cy="394558"/>
-          </a:xfrm>
-          <a:prstGeom prst="ellipse">
-            <a:avLst/>
-          </a:prstGeom>
-        </p:spPr>
-        <p:style>
-          <a:lnRef idx="2">
-            <a:schemeClr val="accent1">
-              <a:shade val="50000"/>
-            </a:schemeClr>
-          </a:lnRef>
-          <a:fillRef idx="1">
-            <a:schemeClr val="accent1"/>
-          </a:fillRef>
-          <a:effectRef idx="0">
-            <a:schemeClr val="accent1"/>
-          </a:effectRef>
-          <a:fontRef idx="minor">
-            <a:schemeClr val="lt1"/>
-          </a:fontRef>
-        </p:style>
-        <p:txBody>
-          <a:bodyPr rtlCol="0" anchor="ctr"/>
-          <a:lstStyle/>
-          <a:p>
-            <a:pPr algn="ctr"/>
-            <a:r>
-              <a:rPr lang="ru-RU" dirty="0" smtClean="0">
+          <p:cNvPr id="3" name="Объект 2"/>
+          <p:cNvSpPr>
+            <a:spLocks noGrp="1"/>
+          </p:cNvSpPr>
+          <p:nvPr>
+            <p:ph idx="1"/>
+          </p:nvPr>
+        </p:nvSpPr>
+        <p:spPr>
+          <a:xfrm>
+            <a:off x="827584" y="1700808"/>
+            <a:ext cx="7488832" cy="4320480"/>
+          </a:xfrm>
+        </p:spPr>
+        <p:txBody>
+          <a:bodyPr>
+            <a:normAutofit/>
+          </a:bodyPr>
+          <a:lstStyle/>
+          <a:p>
+            <a:pPr algn="just"/>
+            <a:r>
+              <a:rPr lang="ru-RU" sz="3200" dirty="0" smtClean="0">
                 <a:latin typeface="Arial" panose="020B0604020202020204" pitchFamily="34" charset="0"/>
                 <a:cs typeface="Arial" panose="020B0604020202020204" pitchFamily="34" charset="0"/>
               </a:rPr>
-              <a:t>+</a:t>
-            </a:r>
-            <a:endParaRPr lang="ru-RU" dirty="0">
-              <a:latin typeface="Arial" panose="020B0604020202020204" pitchFamily="34" charset="0"/>
-              <a:cs typeface="Arial" panose="020B0604020202020204" pitchFamily="34" charset="0"/>
-            </a:endParaRPr>
-          </a:p>
-        </p:txBody>
-      </p:sp>
-      <p:sp>
-        <p:nvSpPr>
-          <p:cNvPr id="6" name="Овал 5"/>
-          <p:cNvSpPr/>
-          <p:nvPr/>
-        </p:nvSpPr>
-        <p:spPr>
-          <a:xfrm>
-            <a:off x="502735" y="3526733"/>
-            <a:ext cx="860888" cy="403107"/>
-          </a:xfrm>
-          <a:prstGeom prst="ellipse">
-            <a:avLst/>
-          </a:prstGeom>
-        </p:spPr>
-        <p:style>
-          <a:lnRef idx="2">
-            <a:schemeClr val="accent1">
-              <a:shade val="50000"/>
-            </a:schemeClr>
-          </a:lnRef>
-          <a:fillRef idx="1">
-            <a:schemeClr val="accent1"/>
-          </a:fillRef>
-          <a:effectRef idx="0">
-            <a:schemeClr val="accent1"/>
-          </a:effectRef>
-          <a:fontRef idx="minor">
-            <a:schemeClr val="lt1"/>
-          </a:fontRef>
-        </p:style>
-        <p:txBody>
-          <a:bodyPr rtlCol="0" anchor="ctr"/>
-          <a:lstStyle/>
-          <a:p>
-            <a:pPr algn="ctr"/>
-            <a:r>
-              <a:rPr lang="en-US" dirty="0" smtClean="0">
+              <a:t>Приспособленность – ошибка классификации.</a:t>
+            </a:r>
+          </a:p>
+          <a:p>
+            <a:pPr algn="just"/>
+            <a:r>
+              <a:rPr lang="ru-RU" sz="3200" dirty="0" smtClean="0">
                 <a:latin typeface="Arial" panose="020B0604020202020204" pitchFamily="34" charset="0"/>
                 <a:cs typeface="Arial" panose="020B0604020202020204" pitchFamily="34" charset="0"/>
               </a:rPr>
-              <a:t>sin</a:t>
-            </a:r>
-            <a:endParaRPr lang="ru-RU" dirty="0">
-              <a:latin typeface="Arial" panose="020B0604020202020204" pitchFamily="34" charset="0"/>
-              <a:cs typeface="Arial" panose="020B0604020202020204" pitchFamily="34" charset="0"/>
-            </a:endParaRPr>
-          </a:p>
-        </p:txBody>
-      </p:sp>
-      <p:sp>
-        <p:nvSpPr>
-          <p:cNvPr id="7" name="Овал 6"/>
-          <p:cNvSpPr/>
-          <p:nvPr/>
-        </p:nvSpPr>
-        <p:spPr>
-          <a:xfrm>
-            <a:off x="1670018" y="3535519"/>
-            <a:ext cx="848646" cy="403107"/>
-          </a:xfrm>
-          <a:prstGeom prst="ellipse">
-            <a:avLst/>
-          </a:prstGeom>
-        </p:spPr>
-        <p:style>
-          <a:lnRef idx="2">
-            <a:schemeClr val="accent1">
-              <a:shade val="50000"/>
-            </a:schemeClr>
-          </a:lnRef>
-          <a:fillRef idx="1">
-            <a:schemeClr val="accent1"/>
-          </a:fillRef>
-          <a:effectRef idx="0">
-            <a:schemeClr val="accent1"/>
-          </a:effectRef>
-          <a:fontRef idx="minor">
-            <a:schemeClr val="lt1"/>
-          </a:fontRef>
-        </p:style>
-        <p:txBody>
-          <a:bodyPr rtlCol="0" anchor="ctr"/>
-          <a:lstStyle/>
-          <a:p>
-            <a:pPr algn="ctr"/>
-            <a:r>
-              <a:rPr lang="en-US" dirty="0" smtClean="0">
+              <a:t>Классификатор предсказывает значение класса для всех объектов обучающей выборки.</a:t>
+            </a:r>
+          </a:p>
+          <a:p>
+            <a:pPr algn="just"/>
+            <a:r>
+              <a:rPr lang="ru-RU" sz="3200" dirty="0" smtClean="0">
                 <a:latin typeface="Arial" panose="020B0604020202020204" pitchFamily="34" charset="0"/>
                 <a:cs typeface="Arial" panose="020B0604020202020204" pitchFamily="34" charset="0"/>
               </a:rPr>
-              <a:t>abs</a:t>
-            </a:r>
-            <a:endParaRPr lang="ru-RU" dirty="0">
-              <a:latin typeface="Arial" panose="020B0604020202020204" pitchFamily="34" charset="0"/>
-              <a:cs typeface="Arial" panose="020B0604020202020204" pitchFamily="34" charset="0"/>
-            </a:endParaRPr>
-          </a:p>
-        </p:txBody>
-      </p:sp>
-      <p:sp>
-        <p:nvSpPr>
-          <p:cNvPr id="8" name="Овал 7"/>
-          <p:cNvSpPr/>
-          <p:nvPr/>
-        </p:nvSpPr>
-        <p:spPr>
-          <a:xfrm>
-            <a:off x="428770" y="4129624"/>
-            <a:ext cx="750238" cy="432538"/>
-          </a:xfrm>
-          <a:prstGeom prst="ellipse">
-            <a:avLst/>
-          </a:prstGeom>
-        </p:spPr>
-        <p:style>
-          <a:lnRef idx="2">
-            <a:schemeClr val="accent1">
-              <a:shade val="50000"/>
-            </a:schemeClr>
-          </a:lnRef>
-          <a:fillRef idx="1">
-            <a:schemeClr val="accent1"/>
-          </a:fillRef>
-          <a:effectRef idx="0">
-            <a:schemeClr val="accent1"/>
-          </a:effectRef>
-          <a:fontRef idx="minor">
-            <a:schemeClr val="lt1"/>
-          </a:fontRef>
-        </p:style>
-        <p:txBody>
-          <a:bodyPr rtlCol="0" anchor="ctr"/>
-          <a:lstStyle/>
-          <a:p>
-            <a:pPr algn="ctr"/>
-            <a:r>
-              <a:rPr lang="en-US" dirty="0" smtClean="0">
-                <a:latin typeface="Arial" panose="020B0604020202020204" pitchFamily="34" charset="0"/>
-                <a:cs typeface="Arial" panose="020B0604020202020204" pitchFamily="34" charset="0"/>
-              </a:rPr>
-              <a:t>x1</a:t>
-            </a:r>
-            <a:endParaRPr lang="ru-RU" dirty="0">
-              <a:latin typeface="Arial" panose="020B0604020202020204" pitchFamily="34" charset="0"/>
-              <a:cs typeface="Arial" panose="020B0604020202020204" pitchFamily="34" charset="0"/>
-            </a:endParaRPr>
-          </a:p>
-        </p:txBody>
-      </p:sp>
-      <p:sp>
-        <p:nvSpPr>
-          <p:cNvPr id="9" name="Овал 8"/>
-          <p:cNvSpPr/>
-          <p:nvPr/>
-        </p:nvSpPr>
-        <p:spPr>
-          <a:xfrm>
-            <a:off x="1819967" y="4142059"/>
-            <a:ext cx="786041" cy="432538"/>
-          </a:xfrm>
-          <a:prstGeom prst="ellipse">
-            <a:avLst/>
-          </a:prstGeom>
-        </p:spPr>
-        <p:style>
-          <a:lnRef idx="2">
-            <a:schemeClr val="accent1">
-              <a:shade val="50000"/>
-            </a:schemeClr>
-          </a:lnRef>
-          <a:fillRef idx="1">
-            <a:schemeClr val="accent1"/>
-          </a:fillRef>
-          <a:effectRef idx="0">
-            <a:schemeClr val="accent1"/>
-          </a:effectRef>
-          <a:fontRef idx="minor">
-            <a:schemeClr val="lt1"/>
-          </a:fontRef>
-        </p:style>
-        <p:txBody>
-          <a:bodyPr rtlCol="0" anchor="ctr"/>
-          <a:lstStyle/>
-          <a:p>
-            <a:pPr algn="ctr"/>
-            <a:r>
-              <a:rPr lang="en-US" dirty="0" smtClean="0">
-                <a:latin typeface="Arial" panose="020B0604020202020204" pitchFamily="34" charset="0"/>
-                <a:cs typeface="Arial" panose="020B0604020202020204" pitchFamily="34" charset="0"/>
-              </a:rPr>
-              <a:t>x2</a:t>
-            </a:r>
-            <a:endParaRPr lang="ru-RU" dirty="0">
-              <a:latin typeface="Arial" panose="020B0604020202020204" pitchFamily="34" charset="0"/>
-              <a:cs typeface="Arial" panose="020B0604020202020204" pitchFamily="34" charset="0"/>
-            </a:endParaRPr>
-          </a:p>
-        </p:txBody>
-      </p:sp>
-      <p:cxnSp>
-        <p:nvCxnSpPr>
-          <p:cNvPr id="10" name="Прямая соединительная линия 9"/>
-          <p:cNvCxnSpPr>
-            <a:stCxn id="6" idx="0"/>
-            <a:endCxn id="5" idx="3"/>
-          </p:cNvCxnSpPr>
-          <p:nvPr/>
-        </p:nvCxnSpPr>
-        <p:spPr>
-          <a:xfrm flipV="1">
-            <a:off x="933179" y="3333729"/>
-            <a:ext cx="383331" cy="193004"/>
-          </a:xfrm>
-          <a:prstGeom prst="line">
-            <a:avLst/>
-          </a:prstGeom>
-        </p:spPr>
-        <p:style>
-          <a:lnRef idx="1">
-            <a:schemeClr val="accent1"/>
-          </a:lnRef>
-          <a:fillRef idx="0">
-            <a:schemeClr val="accent1"/>
-          </a:fillRef>
-          <a:effectRef idx="0">
-            <a:schemeClr val="accent1"/>
-          </a:effectRef>
-          <a:fontRef idx="minor">
-            <a:schemeClr val="tx1"/>
-          </a:fontRef>
-        </p:style>
-      </p:cxnSp>
-      <p:cxnSp>
-        <p:nvCxnSpPr>
-          <p:cNvPr id="11" name="Прямая соединительная линия 10"/>
-          <p:cNvCxnSpPr>
-            <a:stCxn id="5" idx="5"/>
-            <a:endCxn id="7" idx="0"/>
-          </p:cNvCxnSpPr>
-          <p:nvPr/>
-        </p:nvCxnSpPr>
-        <p:spPr>
-          <a:xfrm>
-            <a:off x="1819967" y="3333729"/>
-            <a:ext cx="274374" cy="201790"/>
-          </a:xfrm>
-          <a:prstGeom prst="line">
-            <a:avLst/>
-          </a:prstGeom>
-        </p:spPr>
-        <p:style>
-          <a:lnRef idx="1">
-            <a:schemeClr val="accent1"/>
-          </a:lnRef>
-          <a:fillRef idx="0">
-            <a:schemeClr val="accent1"/>
-          </a:fillRef>
-          <a:effectRef idx="0">
-            <a:schemeClr val="accent1"/>
-          </a:effectRef>
-          <a:fontRef idx="minor">
-            <a:schemeClr val="tx1"/>
-          </a:fontRef>
-        </p:style>
-      </p:cxnSp>
-      <p:cxnSp>
-        <p:nvCxnSpPr>
-          <p:cNvPr id="12" name="Прямая соединительная линия 11"/>
-          <p:cNvCxnSpPr>
-            <a:stCxn id="6" idx="4"/>
-            <a:endCxn id="8" idx="0"/>
-          </p:cNvCxnSpPr>
-          <p:nvPr/>
-        </p:nvCxnSpPr>
-        <p:spPr>
-          <a:xfrm flipH="1">
-            <a:off x="803889" y="3929840"/>
-            <a:ext cx="129290" cy="199784"/>
-          </a:xfrm>
-          <a:prstGeom prst="line">
-            <a:avLst/>
-          </a:prstGeom>
-        </p:spPr>
-        <p:style>
-          <a:lnRef idx="1">
-            <a:schemeClr val="accent1"/>
-          </a:lnRef>
-          <a:fillRef idx="0">
-            <a:schemeClr val="accent1"/>
-          </a:fillRef>
-          <a:effectRef idx="0">
-            <a:schemeClr val="accent1"/>
-          </a:effectRef>
-          <a:fontRef idx="minor">
-            <a:schemeClr val="tx1"/>
-          </a:fontRef>
-        </p:style>
-      </p:cxnSp>
-      <p:cxnSp>
-        <p:nvCxnSpPr>
-          <p:cNvPr id="13" name="Прямая соединительная линия 12"/>
-          <p:cNvCxnSpPr>
-            <a:stCxn id="7" idx="4"/>
-            <a:endCxn id="9" idx="0"/>
-          </p:cNvCxnSpPr>
-          <p:nvPr/>
-        </p:nvCxnSpPr>
-        <p:spPr>
-          <a:xfrm>
-            <a:off x="2094341" y="3938626"/>
-            <a:ext cx="118647" cy="203433"/>
-          </a:xfrm>
-          <a:prstGeom prst="line">
-            <a:avLst/>
-          </a:prstGeom>
-        </p:spPr>
-        <p:style>
-          <a:lnRef idx="1">
-            <a:schemeClr val="accent1"/>
-          </a:lnRef>
-          <a:fillRef idx="0">
-            <a:schemeClr val="accent1"/>
-          </a:fillRef>
-          <a:effectRef idx="0">
-            <a:schemeClr val="accent1"/>
-          </a:effectRef>
-          <a:fontRef idx="minor">
-            <a:schemeClr val="tx1"/>
-          </a:fontRef>
-        </p:style>
-      </p:cxnSp>
-      <p:sp>
-        <p:nvSpPr>
-          <p:cNvPr id="14" name="Овал 13"/>
-          <p:cNvSpPr/>
-          <p:nvPr/>
-        </p:nvSpPr>
-        <p:spPr>
-          <a:xfrm>
-            <a:off x="1532684" y="4785409"/>
-            <a:ext cx="711995" cy="394558"/>
-          </a:xfrm>
-          <a:prstGeom prst="ellipse">
-            <a:avLst/>
-          </a:prstGeom>
-        </p:spPr>
-        <p:style>
-          <a:lnRef idx="2">
-            <a:schemeClr val="accent1">
-              <a:shade val="50000"/>
-            </a:schemeClr>
-          </a:lnRef>
-          <a:fillRef idx="1">
-            <a:schemeClr val="accent1"/>
-          </a:fillRef>
-          <a:effectRef idx="0">
-            <a:schemeClr val="accent1"/>
-          </a:effectRef>
-          <a:fontRef idx="minor">
-            <a:schemeClr val="lt1"/>
-          </a:fontRef>
-        </p:style>
-        <p:txBody>
-          <a:bodyPr rtlCol="0" anchor="ctr"/>
-          <a:lstStyle/>
-          <a:p>
-            <a:pPr algn="ctr"/>
-            <a:r>
-              <a:rPr lang="en-US" dirty="0">
-                <a:latin typeface="Arial" panose="020B0604020202020204" pitchFamily="34" charset="0"/>
-                <a:cs typeface="Arial" panose="020B0604020202020204" pitchFamily="34" charset="0"/>
-              </a:rPr>
-              <a:t>*</a:t>
-            </a:r>
-            <a:endParaRPr lang="ru-RU" dirty="0">
-              <a:latin typeface="Arial" panose="020B0604020202020204" pitchFamily="34" charset="0"/>
-              <a:cs typeface="Arial" panose="020B0604020202020204" pitchFamily="34" charset="0"/>
-            </a:endParaRPr>
-          </a:p>
-        </p:txBody>
-      </p:sp>
-      <p:sp>
-        <p:nvSpPr>
-          <p:cNvPr id="15" name="Овал 14"/>
-          <p:cNvSpPr/>
-          <p:nvPr/>
-        </p:nvSpPr>
-        <p:spPr>
-          <a:xfrm>
-            <a:off x="880098" y="5246501"/>
-            <a:ext cx="759289" cy="403107"/>
-          </a:xfrm>
-          <a:prstGeom prst="ellipse">
-            <a:avLst/>
-          </a:prstGeom>
-        </p:spPr>
-        <p:style>
-          <a:lnRef idx="2">
-            <a:schemeClr val="accent1">
-              <a:shade val="50000"/>
-            </a:schemeClr>
-          </a:lnRef>
-          <a:fillRef idx="1">
-            <a:schemeClr val="accent1"/>
-          </a:fillRef>
-          <a:effectRef idx="0">
-            <a:schemeClr val="accent1"/>
-          </a:effectRef>
-          <a:fontRef idx="minor">
-            <a:schemeClr val="lt1"/>
-          </a:fontRef>
-        </p:style>
-        <p:txBody>
-          <a:bodyPr rtlCol="0" anchor="ctr"/>
-          <a:lstStyle/>
-          <a:p>
-            <a:pPr algn="ctr"/>
-            <a:r>
-              <a:rPr lang="en-US" dirty="0">
-                <a:latin typeface="Arial" panose="020B0604020202020204" pitchFamily="34" charset="0"/>
-                <a:cs typeface="Arial" panose="020B0604020202020204" pitchFamily="34" charset="0"/>
-              </a:rPr>
-              <a:t>+</a:t>
-            </a:r>
-            <a:endParaRPr lang="ru-RU" dirty="0">
-              <a:latin typeface="Arial" panose="020B0604020202020204" pitchFamily="34" charset="0"/>
-              <a:cs typeface="Arial" panose="020B0604020202020204" pitchFamily="34" charset="0"/>
-            </a:endParaRPr>
-          </a:p>
-        </p:txBody>
-      </p:sp>
-      <p:sp>
-        <p:nvSpPr>
-          <p:cNvPr id="16" name="Овал 15"/>
-          <p:cNvSpPr/>
-          <p:nvPr/>
-        </p:nvSpPr>
-        <p:spPr>
-          <a:xfrm>
-            <a:off x="2061145" y="5261872"/>
-            <a:ext cx="912688" cy="403107"/>
-          </a:xfrm>
-          <a:prstGeom prst="ellipse">
-            <a:avLst/>
-          </a:prstGeom>
-        </p:spPr>
-        <p:style>
-          <a:lnRef idx="2">
-            <a:schemeClr val="accent1">
-              <a:shade val="50000"/>
-            </a:schemeClr>
-          </a:lnRef>
-          <a:fillRef idx="1">
-            <a:schemeClr val="accent1"/>
-          </a:fillRef>
-          <a:effectRef idx="0">
-            <a:schemeClr val="accent1"/>
-          </a:effectRef>
-          <a:fontRef idx="minor">
-            <a:schemeClr val="lt1"/>
-          </a:fontRef>
-        </p:style>
-        <p:txBody>
-          <a:bodyPr rtlCol="0" anchor="ctr"/>
-          <a:lstStyle/>
-          <a:p>
-            <a:pPr algn="ctr"/>
-            <a:r>
-              <a:rPr lang="en-US" dirty="0">
-                <a:latin typeface="Arial" panose="020B0604020202020204" pitchFamily="34" charset="0"/>
-                <a:cs typeface="Arial" panose="020B0604020202020204" pitchFamily="34" charset="0"/>
-              </a:rPr>
-              <a:t>√</a:t>
-            </a:r>
-            <a:endParaRPr lang="ru-RU" dirty="0">
-              <a:latin typeface="Arial" panose="020B0604020202020204" pitchFamily="34" charset="0"/>
-              <a:cs typeface="Arial" panose="020B0604020202020204" pitchFamily="34" charset="0"/>
-            </a:endParaRPr>
-          </a:p>
-        </p:txBody>
-      </p:sp>
-      <p:sp>
-        <p:nvSpPr>
-          <p:cNvPr id="17" name="Овал 16"/>
-          <p:cNvSpPr/>
-          <p:nvPr/>
-        </p:nvSpPr>
-        <p:spPr>
-          <a:xfrm>
-            <a:off x="182941" y="5750592"/>
-            <a:ext cx="750238" cy="432538"/>
-          </a:xfrm>
-          <a:prstGeom prst="ellipse">
-            <a:avLst/>
-          </a:prstGeom>
-        </p:spPr>
-        <p:style>
-          <a:lnRef idx="2">
-            <a:schemeClr val="accent1">
-              <a:shade val="50000"/>
-            </a:schemeClr>
-          </a:lnRef>
-          <a:fillRef idx="1">
-            <a:schemeClr val="accent1"/>
-          </a:fillRef>
-          <a:effectRef idx="0">
-            <a:schemeClr val="accent1"/>
-          </a:effectRef>
-          <a:fontRef idx="minor">
-            <a:schemeClr val="lt1"/>
-          </a:fontRef>
-        </p:style>
-        <p:txBody>
-          <a:bodyPr rtlCol="0" anchor="ctr"/>
-          <a:lstStyle/>
-          <a:p>
-            <a:pPr algn="ctr"/>
-            <a:r>
-              <a:rPr lang="en-US" dirty="0" smtClean="0">
-                <a:latin typeface="Arial" panose="020B0604020202020204" pitchFamily="34" charset="0"/>
-                <a:cs typeface="Arial" panose="020B0604020202020204" pitchFamily="34" charset="0"/>
-              </a:rPr>
-              <a:t>x4</a:t>
-            </a:r>
-            <a:endParaRPr lang="ru-RU" dirty="0">
-              <a:latin typeface="Arial" panose="020B0604020202020204" pitchFamily="34" charset="0"/>
-              <a:cs typeface="Arial" panose="020B0604020202020204" pitchFamily="34" charset="0"/>
-            </a:endParaRPr>
-          </a:p>
-        </p:txBody>
-      </p:sp>
-      <p:sp>
-        <p:nvSpPr>
-          <p:cNvPr id="18" name="Овал 17"/>
-          <p:cNvSpPr/>
-          <p:nvPr/>
-        </p:nvSpPr>
-        <p:spPr>
-          <a:xfrm>
-            <a:off x="2599801" y="5746884"/>
-            <a:ext cx="748063" cy="426139"/>
-          </a:xfrm>
-          <a:prstGeom prst="ellipse">
-            <a:avLst/>
-          </a:prstGeom>
-        </p:spPr>
-        <p:style>
-          <a:lnRef idx="2">
-            <a:schemeClr val="accent1">
-              <a:shade val="50000"/>
-            </a:schemeClr>
-          </a:lnRef>
-          <a:fillRef idx="1">
-            <a:schemeClr val="accent1"/>
-          </a:fillRef>
-          <a:effectRef idx="0">
-            <a:schemeClr val="accent1"/>
-          </a:effectRef>
-          <a:fontRef idx="minor">
-            <a:schemeClr val="lt1"/>
-          </a:fontRef>
-        </p:style>
-        <p:txBody>
-          <a:bodyPr rtlCol="0" anchor="ctr"/>
-          <a:lstStyle/>
-          <a:p>
-            <a:pPr algn="ctr"/>
-            <a:r>
-              <a:rPr lang="en-US" dirty="0" smtClean="0">
-                <a:latin typeface="Arial" panose="020B0604020202020204" pitchFamily="34" charset="0"/>
-                <a:cs typeface="Arial" panose="020B0604020202020204" pitchFamily="34" charset="0"/>
-              </a:rPr>
-              <a:t>x2</a:t>
-            </a:r>
-            <a:endParaRPr lang="ru-RU" dirty="0">
-              <a:latin typeface="Arial" panose="020B0604020202020204" pitchFamily="34" charset="0"/>
-              <a:cs typeface="Arial" panose="020B0604020202020204" pitchFamily="34" charset="0"/>
-            </a:endParaRPr>
-          </a:p>
-        </p:txBody>
-      </p:sp>
-      <p:cxnSp>
-        <p:nvCxnSpPr>
-          <p:cNvPr id="19" name="Прямая соединительная линия 18"/>
-          <p:cNvCxnSpPr>
-            <a:stCxn id="15" idx="0"/>
-            <a:endCxn id="14" idx="3"/>
-          </p:cNvCxnSpPr>
-          <p:nvPr/>
-        </p:nvCxnSpPr>
-        <p:spPr>
-          <a:xfrm flipV="1">
-            <a:off x="1259743" y="5122185"/>
-            <a:ext cx="377210" cy="124316"/>
-          </a:xfrm>
-          <a:prstGeom prst="line">
-            <a:avLst/>
-          </a:prstGeom>
-        </p:spPr>
-        <p:style>
-          <a:lnRef idx="1">
-            <a:schemeClr val="accent1"/>
-          </a:lnRef>
-          <a:fillRef idx="0">
-            <a:schemeClr val="accent1"/>
-          </a:fillRef>
-          <a:effectRef idx="0">
-            <a:schemeClr val="accent1"/>
-          </a:effectRef>
-          <a:fontRef idx="minor">
-            <a:schemeClr val="tx1"/>
-          </a:fontRef>
-        </p:style>
-      </p:cxnSp>
-      <p:cxnSp>
-        <p:nvCxnSpPr>
-          <p:cNvPr id="20" name="Прямая соединительная линия 19"/>
-          <p:cNvCxnSpPr>
-            <a:stCxn id="14" idx="5"/>
-            <a:endCxn id="16" idx="0"/>
-          </p:cNvCxnSpPr>
-          <p:nvPr/>
-        </p:nvCxnSpPr>
-        <p:spPr>
-          <a:xfrm>
-            <a:off x="2140410" y="5122185"/>
-            <a:ext cx="377079" cy="139687"/>
-          </a:xfrm>
-          <a:prstGeom prst="line">
-            <a:avLst/>
-          </a:prstGeom>
-        </p:spPr>
-        <p:style>
-          <a:lnRef idx="1">
-            <a:schemeClr val="accent1"/>
-          </a:lnRef>
-          <a:fillRef idx="0">
-            <a:schemeClr val="accent1"/>
-          </a:fillRef>
-          <a:effectRef idx="0">
-            <a:schemeClr val="accent1"/>
-          </a:effectRef>
-          <a:fontRef idx="minor">
-            <a:schemeClr val="tx1"/>
-          </a:fontRef>
-        </p:style>
-      </p:cxnSp>
-      <p:cxnSp>
-        <p:nvCxnSpPr>
-          <p:cNvPr id="21" name="Прямая соединительная линия 20"/>
-          <p:cNvCxnSpPr>
-            <a:stCxn id="15" idx="3"/>
-            <a:endCxn id="17" idx="0"/>
-          </p:cNvCxnSpPr>
-          <p:nvPr/>
-        </p:nvCxnSpPr>
-        <p:spPr>
-          <a:xfrm flipH="1">
-            <a:off x="558060" y="5590574"/>
-            <a:ext cx="433233" cy="160018"/>
-          </a:xfrm>
-          <a:prstGeom prst="line">
-            <a:avLst/>
-          </a:prstGeom>
-        </p:spPr>
-        <p:style>
-          <a:lnRef idx="1">
-            <a:schemeClr val="accent1"/>
-          </a:lnRef>
-          <a:fillRef idx="0">
-            <a:schemeClr val="accent1"/>
-          </a:fillRef>
-          <a:effectRef idx="0">
-            <a:schemeClr val="accent1"/>
-          </a:effectRef>
-          <a:fontRef idx="minor">
-            <a:schemeClr val="tx1"/>
-          </a:fontRef>
-        </p:style>
-      </p:cxnSp>
-      <p:cxnSp>
-        <p:nvCxnSpPr>
-          <p:cNvPr id="22" name="Прямая соединительная линия 21"/>
-          <p:cNvCxnSpPr>
-            <a:stCxn id="16" idx="4"/>
-            <a:endCxn id="18" idx="0"/>
-          </p:cNvCxnSpPr>
-          <p:nvPr/>
-        </p:nvCxnSpPr>
-        <p:spPr>
-          <a:xfrm>
-            <a:off x="2517489" y="5664979"/>
-            <a:ext cx="456344" cy="81905"/>
-          </a:xfrm>
-          <a:prstGeom prst="line">
-            <a:avLst/>
-          </a:prstGeom>
-        </p:spPr>
-        <p:style>
-          <a:lnRef idx="1">
-            <a:schemeClr val="accent1"/>
-          </a:lnRef>
-          <a:fillRef idx="0">
-            <a:schemeClr val="accent1"/>
-          </a:fillRef>
-          <a:effectRef idx="0">
-            <a:schemeClr val="accent1"/>
-          </a:effectRef>
-          <a:fontRef idx="minor">
-            <a:schemeClr val="tx1"/>
-          </a:fontRef>
-        </p:style>
-      </p:cxnSp>
-      <p:sp>
-        <p:nvSpPr>
-          <p:cNvPr id="23" name="Овал 22"/>
-          <p:cNvSpPr/>
-          <p:nvPr/>
-        </p:nvSpPr>
-        <p:spPr>
-          <a:xfrm>
-            <a:off x="1082915" y="1633588"/>
-            <a:ext cx="711995" cy="394558"/>
-          </a:xfrm>
-          <a:prstGeom prst="ellipse">
-            <a:avLst/>
-          </a:prstGeom>
-        </p:spPr>
-        <p:style>
-          <a:lnRef idx="2">
-            <a:schemeClr val="accent1">
-              <a:shade val="50000"/>
-            </a:schemeClr>
-          </a:lnRef>
-          <a:fillRef idx="1">
-            <a:schemeClr val="accent1"/>
-          </a:fillRef>
-          <a:effectRef idx="0">
-            <a:schemeClr val="accent1"/>
-          </a:effectRef>
-          <a:fontRef idx="minor">
-            <a:schemeClr val="lt1"/>
-          </a:fontRef>
-        </p:style>
-        <p:txBody>
-          <a:bodyPr rtlCol="0" anchor="ctr"/>
-          <a:lstStyle/>
-          <a:p>
-            <a:pPr algn="ctr"/>
-            <a:r>
-              <a:rPr lang="ru-RU" dirty="0" smtClean="0">
-                <a:latin typeface="Arial" panose="020B0604020202020204" pitchFamily="34" charset="0"/>
-                <a:cs typeface="Arial" panose="020B0604020202020204" pitchFamily="34" charset="0"/>
-              </a:rPr>
-              <a:t>-</a:t>
-            </a:r>
-            <a:endParaRPr lang="ru-RU" dirty="0">
-              <a:latin typeface="Arial" panose="020B0604020202020204" pitchFamily="34" charset="0"/>
-              <a:cs typeface="Arial" panose="020B0604020202020204" pitchFamily="34" charset="0"/>
-            </a:endParaRPr>
-          </a:p>
-        </p:txBody>
-      </p:sp>
-      <p:sp>
-        <p:nvSpPr>
-          <p:cNvPr id="24" name="Овал 23"/>
-          <p:cNvSpPr/>
-          <p:nvPr/>
-        </p:nvSpPr>
-        <p:spPr>
-          <a:xfrm>
-            <a:off x="410095" y="2105549"/>
-            <a:ext cx="860888" cy="403107"/>
-          </a:xfrm>
-          <a:prstGeom prst="ellipse">
-            <a:avLst/>
-          </a:prstGeom>
-        </p:spPr>
-        <p:style>
-          <a:lnRef idx="2">
-            <a:schemeClr val="accent1">
-              <a:shade val="50000"/>
-            </a:schemeClr>
-          </a:lnRef>
-          <a:fillRef idx="1">
-            <a:schemeClr val="accent1"/>
-          </a:fillRef>
-          <a:effectRef idx="0">
-            <a:schemeClr val="accent1"/>
-          </a:effectRef>
-          <a:fontRef idx="minor">
-            <a:schemeClr val="lt1"/>
-          </a:fontRef>
-        </p:style>
-        <p:txBody>
-          <a:bodyPr rtlCol="0" anchor="ctr"/>
-          <a:lstStyle/>
-          <a:p>
-            <a:pPr algn="ctr"/>
-            <a:r>
-              <a:rPr lang="en-US" dirty="0" smtClean="0">
-                <a:latin typeface="Arial" panose="020B0604020202020204" pitchFamily="34" charset="0"/>
-                <a:cs typeface="Arial" panose="020B0604020202020204" pitchFamily="34" charset="0"/>
-              </a:rPr>
-              <a:t>x2</a:t>
-            </a:r>
-            <a:endParaRPr lang="ru-RU" dirty="0">
-              <a:latin typeface="Arial" panose="020B0604020202020204" pitchFamily="34" charset="0"/>
-              <a:cs typeface="Arial" panose="020B0604020202020204" pitchFamily="34" charset="0"/>
-            </a:endParaRPr>
-          </a:p>
-        </p:txBody>
-      </p:sp>
-      <p:sp>
-        <p:nvSpPr>
-          <p:cNvPr id="25" name="Овал 24"/>
-          <p:cNvSpPr/>
-          <p:nvPr/>
-        </p:nvSpPr>
-        <p:spPr>
-          <a:xfrm>
-            <a:off x="1632233" y="2108238"/>
-            <a:ext cx="848646" cy="403107"/>
-          </a:xfrm>
-          <a:prstGeom prst="ellipse">
-            <a:avLst/>
-          </a:prstGeom>
-        </p:spPr>
-        <p:style>
-          <a:lnRef idx="2">
-            <a:schemeClr val="accent1">
-              <a:shade val="50000"/>
-            </a:schemeClr>
-          </a:lnRef>
-          <a:fillRef idx="1">
-            <a:schemeClr val="accent1"/>
-          </a:fillRef>
-          <a:effectRef idx="0">
-            <a:schemeClr val="accent1"/>
-          </a:effectRef>
-          <a:fontRef idx="minor">
-            <a:schemeClr val="lt1"/>
-          </a:fontRef>
-        </p:style>
-        <p:txBody>
-          <a:bodyPr rtlCol="0" anchor="ctr"/>
-          <a:lstStyle/>
-          <a:p>
-            <a:pPr algn="ctr"/>
-            <a:r>
-              <a:rPr lang="en-US" dirty="0" smtClean="0">
-                <a:latin typeface="Arial" panose="020B0604020202020204" pitchFamily="34" charset="0"/>
-                <a:cs typeface="Arial" panose="020B0604020202020204" pitchFamily="34" charset="0"/>
-              </a:rPr>
-              <a:t>x3</a:t>
-            </a:r>
-            <a:endParaRPr lang="ru-RU" dirty="0">
-              <a:latin typeface="Arial" panose="020B0604020202020204" pitchFamily="34" charset="0"/>
-              <a:cs typeface="Arial" panose="020B0604020202020204" pitchFamily="34" charset="0"/>
-            </a:endParaRPr>
-          </a:p>
-        </p:txBody>
-      </p:sp>
-      <p:cxnSp>
-        <p:nvCxnSpPr>
-          <p:cNvPr id="26" name="Прямая соединительная линия 25"/>
-          <p:cNvCxnSpPr>
-            <a:stCxn id="24" idx="0"/>
-            <a:endCxn id="23" idx="3"/>
-          </p:cNvCxnSpPr>
-          <p:nvPr/>
-        </p:nvCxnSpPr>
-        <p:spPr>
-          <a:xfrm flipV="1">
-            <a:off x="840539" y="1970364"/>
-            <a:ext cx="346645" cy="135185"/>
-          </a:xfrm>
-          <a:prstGeom prst="line">
-            <a:avLst/>
-          </a:prstGeom>
-        </p:spPr>
-        <p:style>
-          <a:lnRef idx="1">
-            <a:schemeClr val="accent1"/>
-          </a:lnRef>
-          <a:fillRef idx="0">
-            <a:schemeClr val="accent1"/>
-          </a:fillRef>
-          <a:effectRef idx="0">
-            <a:schemeClr val="accent1"/>
-          </a:effectRef>
-          <a:fontRef idx="minor">
-            <a:schemeClr val="tx1"/>
-          </a:fontRef>
-        </p:style>
-      </p:cxnSp>
-      <p:cxnSp>
-        <p:nvCxnSpPr>
-          <p:cNvPr id="27" name="Прямая соединительная линия 26"/>
-          <p:cNvCxnSpPr>
-            <a:stCxn id="23" idx="5"/>
-            <a:endCxn id="25" idx="0"/>
-          </p:cNvCxnSpPr>
-          <p:nvPr/>
-        </p:nvCxnSpPr>
-        <p:spPr>
-          <a:xfrm>
-            <a:off x="1690641" y="1970364"/>
-            <a:ext cx="365915" cy="137874"/>
-          </a:xfrm>
-          <a:prstGeom prst="line">
-            <a:avLst/>
-          </a:prstGeom>
-        </p:spPr>
-        <p:style>
-          <a:lnRef idx="1">
-            <a:schemeClr val="accent1"/>
-          </a:lnRef>
-          <a:fillRef idx="0">
-            <a:schemeClr val="accent1"/>
-          </a:fillRef>
-          <a:effectRef idx="0">
-            <a:schemeClr val="accent1"/>
-          </a:effectRef>
-          <a:fontRef idx="minor">
-            <a:schemeClr val="tx1"/>
-          </a:fontRef>
-        </p:style>
-      </p:cxnSp>
-      <p:sp>
-        <p:nvSpPr>
-          <p:cNvPr id="28" name="Овал 27"/>
-          <p:cNvSpPr/>
-          <p:nvPr/>
-        </p:nvSpPr>
-        <p:spPr>
-          <a:xfrm>
-            <a:off x="1305261" y="5750592"/>
-            <a:ext cx="898260" cy="432538"/>
-          </a:xfrm>
-          <a:prstGeom prst="ellipse">
-            <a:avLst/>
-          </a:prstGeom>
-        </p:spPr>
-        <p:style>
-          <a:lnRef idx="2">
-            <a:schemeClr val="accent1">
-              <a:shade val="50000"/>
-            </a:schemeClr>
-          </a:lnRef>
-          <a:fillRef idx="1">
-            <a:schemeClr val="accent1"/>
-          </a:fillRef>
-          <a:effectRef idx="0">
-            <a:schemeClr val="accent1"/>
-          </a:effectRef>
-          <a:fontRef idx="minor">
-            <a:schemeClr val="lt1"/>
-          </a:fontRef>
-        </p:style>
-        <p:txBody>
-          <a:bodyPr rtlCol="0" anchor="ctr"/>
-          <a:lstStyle/>
-          <a:p>
-            <a:pPr algn="ctr"/>
-            <a:r>
-              <a:rPr lang="ru-RU" dirty="0" smtClean="0">
-                <a:latin typeface="Arial" panose="020B0604020202020204" pitchFamily="34" charset="0"/>
-                <a:cs typeface="Arial" panose="020B0604020202020204" pitchFamily="34" charset="0"/>
-              </a:rPr>
-              <a:t>3.4</a:t>
-            </a:r>
-            <a:endParaRPr lang="ru-RU" dirty="0">
-              <a:latin typeface="Arial" panose="020B0604020202020204" pitchFamily="34" charset="0"/>
-              <a:cs typeface="Arial" panose="020B0604020202020204" pitchFamily="34" charset="0"/>
-            </a:endParaRPr>
-          </a:p>
-        </p:txBody>
-      </p:sp>
-      <p:cxnSp>
-        <p:nvCxnSpPr>
-          <p:cNvPr id="29" name="Прямая соединительная линия 28"/>
-          <p:cNvCxnSpPr>
-            <a:stCxn id="15" idx="5"/>
-            <a:endCxn id="28" idx="0"/>
-          </p:cNvCxnSpPr>
-          <p:nvPr/>
-        </p:nvCxnSpPr>
-        <p:spPr>
-          <a:xfrm>
-            <a:off x="1528192" y="5590574"/>
-            <a:ext cx="226199" cy="160018"/>
-          </a:xfrm>
-          <a:prstGeom prst="line">
-            <a:avLst/>
-          </a:prstGeom>
-        </p:spPr>
-        <p:style>
-          <a:lnRef idx="1">
-            <a:schemeClr val="accent1"/>
-          </a:lnRef>
-          <a:fillRef idx="0">
-            <a:schemeClr val="accent1"/>
-          </a:fillRef>
-          <a:effectRef idx="0">
-            <a:schemeClr val="accent1"/>
-          </a:effectRef>
-          <a:fontRef idx="minor">
-            <a:schemeClr val="tx1"/>
-          </a:fontRef>
-        </p:style>
-      </p:cxnSp>
-      <p:sp>
-        <p:nvSpPr>
-          <p:cNvPr id="58" name="Овал 57"/>
-          <p:cNvSpPr/>
-          <p:nvPr/>
-        </p:nvSpPr>
-        <p:spPr>
-          <a:xfrm>
-            <a:off x="6762111" y="2996953"/>
-            <a:ext cx="711995" cy="394558"/>
-          </a:xfrm>
-          <a:prstGeom prst="ellipse">
-            <a:avLst/>
-          </a:prstGeom>
-        </p:spPr>
-        <p:style>
-          <a:lnRef idx="2">
-            <a:schemeClr val="accent1">
-              <a:shade val="50000"/>
-            </a:schemeClr>
-          </a:lnRef>
-          <a:fillRef idx="1">
-            <a:schemeClr val="accent1"/>
-          </a:fillRef>
-          <a:effectRef idx="0">
-            <a:schemeClr val="accent1"/>
-          </a:effectRef>
-          <a:fontRef idx="minor">
-            <a:schemeClr val="lt1"/>
-          </a:fontRef>
-        </p:style>
-        <p:txBody>
-          <a:bodyPr rtlCol="0" anchor="ctr"/>
-          <a:lstStyle/>
-          <a:p>
-            <a:pPr algn="ctr"/>
-            <a:r>
-              <a:rPr lang="ru-RU" dirty="0" smtClean="0">
-                <a:latin typeface="Arial" panose="020B0604020202020204" pitchFamily="34" charset="0"/>
-                <a:cs typeface="Arial" panose="020B0604020202020204" pitchFamily="34" charset="0"/>
-              </a:rPr>
-              <a:t>+</a:t>
-            </a:r>
-            <a:endParaRPr lang="ru-RU" dirty="0">
-              <a:latin typeface="Arial" panose="020B0604020202020204" pitchFamily="34" charset="0"/>
-              <a:cs typeface="Arial" panose="020B0604020202020204" pitchFamily="34" charset="0"/>
-            </a:endParaRPr>
-          </a:p>
-        </p:txBody>
-      </p:sp>
-      <p:sp>
-        <p:nvSpPr>
-          <p:cNvPr id="59" name="Овал 58"/>
-          <p:cNvSpPr/>
-          <p:nvPr/>
-        </p:nvSpPr>
-        <p:spPr>
-          <a:xfrm>
-            <a:off x="6052605" y="3526733"/>
-            <a:ext cx="860888" cy="403107"/>
-          </a:xfrm>
-          <a:prstGeom prst="ellipse">
-            <a:avLst/>
-          </a:prstGeom>
-        </p:spPr>
-        <p:style>
-          <a:lnRef idx="2">
-            <a:schemeClr val="accent1">
-              <a:shade val="50000"/>
-            </a:schemeClr>
-          </a:lnRef>
-          <a:fillRef idx="1">
-            <a:schemeClr val="accent1"/>
-          </a:fillRef>
-          <a:effectRef idx="0">
-            <a:schemeClr val="accent1"/>
-          </a:effectRef>
-          <a:fontRef idx="minor">
-            <a:schemeClr val="lt1"/>
-          </a:fontRef>
-        </p:style>
-        <p:txBody>
-          <a:bodyPr rtlCol="0" anchor="ctr"/>
-          <a:lstStyle/>
-          <a:p>
-            <a:pPr algn="ctr"/>
-            <a:r>
-              <a:rPr lang="en-US" dirty="0" smtClean="0">
-                <a:latin typeface="Arial" panose="020B0604020202020204" pitchFamily="34" charset="0"/>
-                <a:cs typeface="Arial" panose="020B0604020202020204" pitchFamily="34" charset="0"/>
-              </a:rPr>
-              <a:t>sin</a:t>
-            </a:r>
-            <a:endParaRPr lang="ru-RU" dirty="0">
-              <a:latin typeface="Arial" panose="020B0604020202020204" pitchFamily="34" charset="0"/>
-              <a:cs typeface="Arial" panose="020B0604020202020204" pitchFamily="34" charset="0"/>
-            </a:endParaRPr>
-          </a:p>
-        </p:txBody>
-      </p:sp>
-      <p:sp>
-        <p:nvSpPr>
-          <p:cNvPr id="60" name="Овал 59"/>
-          <p:cNvSpPr/>
-          <p:nvPr/>
-        </p:nvSpPr>
-        <p:spPr>
-          <a:xfrm>
-            <a:off x="7219888" y="3535519"/>
-            <a:ext cx="848646" cy="403107"/>
-          </a:xfrm>
-          <a:prstGeom prst="ellipse">
-            <a:avLst/>
-          </a:prstGeom>
-        </p:spPr>
-        <p:style>
-          <a:lnRef idx="2">
-            <a:schemeClr val="accent1">
-              <a:shade val="50000"/>
-            </a:schemeClr>
-          </a:lnRef>
-          <a:fillRef idx="1">
-            <a:schemeClr val="accent1"/>
-          </a:fillRef>
-          <a:effectRef idx="0">
-            <a:schemeClr val="accent1"/>
-          </a:effectRef>
-          <a:fontRef idx="minor">
-            <a:schemeClr val="lt1"/>
-          </a:fontRef>
-        </p:style>
-        <p:txBody>
-          <a:bodyPr rtlCol="0" anchor="ctr"/>
-          <a:lstStyle/>
-          <a:p>
-            <a:pPr algn="ctr"/>
-            <a:r>
-              <a:rPr lang="en-US" dirty="0" smtClean="0">
-                <a:latin typeface="Arial" panose="020B0604020202020204" pitchFamily="34" charset="0"/>
-                <a:cs typeface="Arial" panose="020B0604020202020204" pitchFamily="34" charset="0"/>
-              </a:rPr>
-              <a:t>abs</a:t>
-            </a:r>
-            <a:endParaRPr lang="ru-RU" dirty="0">
-              <a:latin typeface="Arial" panose="020B0604020202020204" pitchFamily="34" charset="0"/>
-              <a:cs typeface="Arial" panose="020B0604020202020204" pitchFamily="34" charset="0"/>
-            </a:endParaRPr>
-          </a:p>
-        </p:txBody>
-      </p:sp>
-      <p:sp>
-        <p:nvSpPr>
-          <p:cNvPr id="61" name="Овал 60"/>
-          <p:cNvSpPr/>
-          <p:nvPr/>
-        </p:nvSpPr>
-        <p:spPr>
-          <a:xfrm>
-            <a:off x="5978640" y="4129624"/>
-            <a:ext cx="750238" cy="432538"/>
-          </a:xfrm>
-          <a:prstGeom prst="ellipse">
-            <a:avLst/>
-          </a:prstGeom>
-        </p:spPr>
-        <p:style>
-          <a:lnRef idx="2">
-            <a:schemeClr val="accent1">
-              <a:shade val="50000"/>
-            </a:schemeClr>
-          </a:lnRef>
-          <a:fillRef idx="1">
-            <a:schemeClr val="accent1"/>
-          </a:fillRef>
-          <a:effectRef idx="0">
-            <a:schemeClr val="accent1"/>
-          </a:effectRef>
-          <a:fontRef idx="minor">
-            <a:schemeClr val="lt1"/>
-          </a:fontRef>
-        </p:style>
-        <p:txBody>
-          <a:bodyPr rtlCol="0" anchor="ctr"/>
-          <a:lstStyle/>
-          <a:p>
-            <a:pPr algn="ctr"/>
-            <a:r>
-              <a:rPr lang="en-US" dirty="0" smtClean="0">
-                <a:latin typeface="Arial" panose="020B0604020202020204" pitchFamily="34" charset="0"/>
-                <a:cs typeface="Arial" panose="020B0604020202020204" pitchFamily="34" charset="0"/>
-              </a:rPr>
-              <a:t>x1</a:t>
-            </a:r>
-            <a:endParaRPr lang="ru-RU" dirty="0">
-              <a:latin typeface="Arial" panose="020B0604020202020204" pitchFamily="34" charset="0"/>
-              <a:cs typeface="Arial" panose="020B0604020202020204" pitchFamily="34" charset="0"/>
-            </a:endParaRPr>
-          </a:p>
-        </p:txBody>
-      </p:sp>
-      <p:sp>
-        <p:nvSpPr>
-          <p:cNvPr id="62" name="Овал 61"/>
-          <p:cNvSpPr/>
-          <p:nvPr/>
-        </p:nvSpPr>
-        <p:spPr>
-          <a:xfrm>
-            <a:off x="7369837" y="4142059"/>
-            <a:ext cx="786041" cy="432538"/>
-          </a:xfrm>
-          <a:prstGeom prst="ellipse">
-            <a:avLst/>
-          </a:prstGeom>
-        </p:spPr>
-        <p:style>
-          <a:lnRef idx="2">
-            <a:schemeClr val="accent1">
-              <a:shade val="50000"/>
-            </a:schemeClr>
-          </a:lnRef>
-          <a:fillRef idx="1">
-            <a:schemeClr val="accent1"/>
-          </a:fillRef>
-          <a:effectRef idx="0">
-            <a:schemeClr val="accent1"/>
-          </a:effectRef>
-          <a:fontRef idx="minor">
-            <a:schemeClr val="lt1"/>
-          </a:fontRef>
-        </p:style>
-        <p:txBody>
-          <a:bodyPr rtlCol="0" anchor="ctr"/>
-          <a:lstStyle/>
-          <a:p>
-            <a:pPr algn="ctr"/>
-            <a:r>
-              <a:rPr lang="en-US" dirty="0" smtClean="0">
-                <a:latin typeface="Arial" panose="020B0604020202020204" pitchFamily="34" charset="0"/>
-                <a:cs typeface="Arial" panose="020B0604020202020204" pitchFamily="34" charset="0"/>
-              </a:rPr>
-              <a:t>x2</a:t>
-            </a:r>
-            <a:endParaRPr lang="ru-RU" dirty="0">
-              <a:latin typeface="Arial" panose="020B0604020202020204" pitchFamily="34" charset="0"/>
-              <a:cs typeface="Arial" panose="020B0604020202020204" pitchFamily="34" charset="0"/>
-            </a:endParaRPr>
-          </a:p>
-        </p:txBody>
-      </p:sp>
-      <p:cxnSp>
-        <p:nvCxnSpPr>
-          <p:cNvPr id="63" name="Прямая соединительная линия 62"/>
-          <p:cNvCxnSpPr>
-            <a:stCxn id="59" idx="0"/>
-            <a:endCxn id="58" idx="3"/>
-          </p:cNvCxnSpPr>
-          <p:nvPr/>
-        </p:nvCxnSpPr>
-        <p:spPr>
-          <a:xfrm flipV="1">
-            <a:off x="6483049" y="3333729"/>
-            <a:ext cx="383331" cy="193004"/>
-          </a:xfrm>
-          <a:prstGeom prst="line">
-            <a:avLst/>
-          </a:prstGeom>
-        </p:spPr>
-        <p:style>
-          <a:lnRef idx="1">
-            <a:schemeClr val="accent1"/>
-          </a:lnRef>
-          <a:fillRef idx="0">
-            <a:schemeClr val="accent1"/>
-          </a:fillRef>
-          <a:effectRef idx="0">
-            <a:schemeClr val="accent1"/>
-          </a:effectRef>
-          <a:fontRef idx="minor">
-            <a:schemeClr val="tx1"/>
-          </a:fontRef>
-        </p:style>
-      </p:cxnSp>
-      <p:cxnSp>
-        <p:nvCxnSpPr>
-          <p:cNvPr id="64" name="Прямая соединительная линия 63"/>
-          <p:cNvCxnSpPr>
-            <a:stCxn id="58" idx="5"/>
-            <a:endCxn id="60" idx="0"/>
-          </p:cNvCxnSpPr>
-          <p:nvPr/>
-        </p:nvCxnSpPr>
-        <p:spPr>
-          <a:xfrm>
-            <a:off x="7369837" y="3333729"/>
-            <a:ext cx="274374" cy="201790"/>
-          </a:xfrm>
-          <a:prstGeom prst="line">
-            <a:avLst/>
-          </a:prstGeom>
-        </p:spPr>
-        <p:style>
-          <a:lnRef idx="1">
-            <a:schemeClr val="accent1"/>
-          </a:lnRef>
-          <a:fillRef idx="0">
-            <a:schemeClr val="accent1"/>
-          </a:fillRef>
-          <a:effectRef idx="0">
-            <a:schemeClr val="accent1"/>
-          </a:effectRef>
-          <a:fontRef idx="minor">
-            <a:schemeClr val="tx1"/>
-          </a:fontRef>
-        </p:style>
-      </p:cxnSp>
-      <p:cxnSp>
-        <p:nvCxnSpPr>
-          <p:cNvPr id="65" name="Прямая соединительная линия 64"/>
-          <p:cNvCxnSpPr>
-            <a:stCxn id="59" idx="4"/>
-            <a:endCxn id="61" idx="0"/>
-          </p:cNvCxnSpPr>
-          <p:nvPr/>
-        </p:nvCxnSpPr>
-        <p:spPr>
-          <a:xfrm flipH="1">
-            <a:off x="6353759" y="3929840"/>
-            <a:ext cx="129290" cy="199784"/>
-          </a:xfrm>
-          <a:prstGeom prst="line">
-            <a:avLst/>
-          </a:prstGeom>
-        </p:spPr>
-        <p:style>
-          <a:lnRef idx="1">
-            <a:schemeClr val="accent1"/>
-          </a:lnRef>
-          <a:fillRef idx="0">
-            <a:schemeClr val="accent1"/>
-          </a:fillRef>
-          <a:effectRef idx="0">
-            <a:schemeClr val="accent1"/>
-          </a:effectRef>
-          <a:fontRef idx="minor">
-            <a:schemeClr val="tx1"/>
-          </a:fontRef>
-        </p:style>
-      </p:cxnSp>
-      <p:cxnSp>
-        <p:nvCxnSpPr>
-          <p:cNvPr id="66" name="Прямая соединительная линия 65"/>
-          <p:cNvCxnSpPr>
-            <a:stCxn id="60" idx="4"/>
-            <a:endCxn id="62" idx="0"/>
-          </p:cNvCxnSpPr>
-          <p:nvPr/>
-        </p:nvCxnSpPr>
-        <p:spPr>
-          <a:xfrm>
-            <a:off x="7644211" y="3938626"/>
-            <a:ext cx="118647" cy="203433"/>
-          </a:xfrm>
-          <a:prstGeom prst="line">
-            <a:avLst/>
-          </a:prstGeom>
-        </p:spPr>
-        <p:style>
-          <a:lnRef idx="1">
-            <a:schemeClr val="accent1"/>
-          </a:lnRef>
-          <a:fillRef idx="0">
-            <a:schemeClr val="accent1"/>
-          </a:fillRef>
-          <a:effectRef idx="0">
-            <a:schemeClr val="accent1"/>
-          </a:effectRef>
-          <a:fontRef idx="minor">
-            <a:schemeClr val="tx1"/>
-          </a:fontRef>
-        </p:style>
-      </p:cxnSp>
-      <p:sp>
-        <p:nvSpPr>
-          <p:cNvPr id="67" name="Овал 66"/>
-          <p:cNvSpPr/>
-          <p:nvPr/>
-        </p:nvSpPr>
-        <p:spPr>
-          <a:xfrm>
-            <a:off x="7082554" y="4785409"/>
-            <a:ext cx="711995" cy="394558"/>
-          </a:xfrm>
-          <a:prstGeom prst="ellipse">
-            <a:avLst/>
-          </a:prstGeom>
-        </p:spPr>
-        <p:style>
-          <a:lnRef idx="2">
-            <a:schemeClr val="accent1">
-              <a:shade val="50000"/>
-            </a:schemeClr>
-          </a:lnRef>
-          <a:fillRef idx="1">
-            <a:schemeClr val="accent1"/>
-          </a:fillRef>
-          <a:effectRef idx="0">
-            <a:schemeClr val="accent1"/>
-          </a:effectRef>
-          <a:fontRef idx="minor">
-            <a:schemeClr val="lt1"/>
-          </a:fontRef>
-        </p:style>
-        <p:txBody>
-          <a:bodyPr rtlCol="0" anchor="ctr"/>
-          <a:lstStyle/>
-          <a:p>
-            <a:pPr algn="ctr"/>
-            <a:r>
-              <a:rPr lang="en-US" dirty="0">
-                <a:latin typeface="Arial" panose="020B0604020202020204" pitchFamily="34" charset="0"/>
-                <a:cs typeface="Arial" panose="020B0604020202020204" pitchFamily="34" charset="0"/>
-              </a:rPr>
-              <a:t>*</a:t>
-            </a:r>
-            <a:endParaRPr lang="ru-RU" dirty="0">
-              <a:latin typeface="Arial" panose="020B0604020202020204" pitchFamily="34" charset="0"/>
-              <a:cs typeface="Arial" panose="020B0604020202020204" pitchFamily="34" charset="0"/>
-            </a:endParaRPr>
-          </a:p>
-        </p:txBody>
-      </p:sp>
-      <p:sp>
-        <p:nvSpPr>
-          <p:cNvPr id="68" name="Овал 67"/>
-          <p:cNvSpPr/>
-          <p:nvPr/>
-        </p:nvSpPr>
-        <p:spPr>
-          <a:xfrm>
-            <a:off x="6429968" y="5246501"/>
-            <a:ext cx="759289" cy="403107"/>
-          </a:xfrm>
-          <a:prstGeom prst="ellipse">
-            <a:avLst/>
-          </a:prstGeom>
-        </p:spPr>
-        <p:style>
-          <a:lnRef idx="2">
-            <a:schemeClr val="accent1">
-              <a:shade val="50000"/>
-            </a:schemeClr>
-          </a:lnRef>
-          <a:fillRef idx="1">
-            <a:schemeClr val="accent1"/>
-          </a:fillRef>
-          <a:effectRef idx="0">
-            <a:schemeClr val="accent1"/>
-          </a:effectRef>
-          <a:fontRef idx="minor">
-            <a:schemeClr val="lt1"/>
-          </a:fontRef>
-        </p:style>
-        <p:txBody>
-          <a:bodyPr rtlCol="0" anchor="ctr"/>
-          <a:lstStyle/>
-          <a:p>
-            <a:pPr algn="ctr"/>
-            <a:r>
-              <a:rPr lang="en-US" dirty="0">
-                <a:latin typeface="Arial" panose="020B0604020202020204" pitchFamily="34" charset="0"/>
-                <a:cs typeface="Arial" panose="020B0604020202020204" pitchFamily="34" charset="0"/>
-              </a:rPr>
-              <a:t>+</a:t>
-            </a:r>
-            <a:endParaRPr lang="ru-RU" dirty="0">
-              <a:latin typeface="Arial" panose="020B0604020202020204" pitchFamily="34" charset="0"/>
-              <a:cs typeface="Arial" panose="020B0604020202020204" pitchFamily="34" charset="0"/>
-            </a:endParaRPr>
-          </a:p>
-        </p:txBody>
-      </p:sp>
-      <p:sp>
-        <p:nvSpPr>
-          <p:cNvPr id="69" name="Овал 68"/>
-          <p:cNvSpPr/>
-          <p:nvPr/>
-        </p:nvSpPr>
-        <p:spPr>
-          <a:xfrm>
-            <a:off x="7611015" y="5261872"/>
-            <a:ext cx="912688" cy="403107"/>
-          </a:xfrm>
-          <a:prstGeom prst="ellipse">
-            <a:avLst/>
-          </a:prstGeom>
-        </p:spPr>
-        <p:style>
-          <a:lnRef idx="2">
-            <a:schemeClr val="accent1">
-              <a:shade val="50000"/>
-            </a:schemeClr>
-          </a:lnRef>
-          <a:fillRef idx="1">
-            <a:schemeClr val="accent1"/>
-          </a:fillRef>
-          <a:effectRef idx="0">
-            <a:schemeClr val="accent1"/>
-          </a:effectRef>
-          <a:fontRef idx="minor">
-            <a:schemeClr val="lt1"/>
-          </a:fontRef>
-        </p:style>
-        <p:txBody>
-          <a:bodyPr rtlCol="0" anchor="ctr"/>
-          <a:lstStyle/>
-          <a:p>
-            <a:pPr algn="ctr"/>
-            <a:r>
-              <a:rPr lang="en-US" dirty="0">
-                <a:latin typeface="Arial" panose="020B0604020202020204" pitchFamily="34" charset="0"/>
-                <a:cs typeface="Arial" panose="020B0604020202020204" pitchFamily="34" charset="0"/>
-              </a:rPr>
-              <a:t>√</a:t>
-            </a:r>
-            <a:endParaRPr lang="ru-RU" dirty="0">
-              <a:latin typeface="Arial" panose="020B0604020202020204" pitchFamily="34" charset="0"/>
-              <a:cs typeface="Arial" panose="020B0604020202020204" pitchFamily="34" charset="0"/>
-            </a:endParaRPr>
-          </a:p>
-        </p:txBody>
-      </p:sp>
-      <p:sp>
-        <p:nvSpPr>
-          <p:cNvPr id="70" name="Овал 69"/>
-          <p:cNvSpPr/>
-          <p:nvPr/>
-        </p:nvSpPr>
-        <p:spPr>
-          <a:xfrm>
-            <a:off x="5732811" y="5750592"/>
-            <a:ext cx="750238" cy="432538"/>
-          </a:xfrm>
-          <a:prstGeom prst="ellipse">
-            <a:avLst/>
-          </a:prstGeom>
-        </p:spPr>
-        <p:style>
-          <a:lnRef idx="2">
-            <a:schemeClr val="accent1">
-              <a:shade val="50000"/>
-            </a:schemeClr>
-          </a:lnRef>
-          <a:fillRef idx="1">
-            <a:schemeClr val="accent1"/>
-          </a:fillRef>
-          <a:effectRef idx="0">
-            <a:schemeClr val="accent1"/>
-          </a:effectRef>
-          <a:fontRef idx="minor">
-            <a:schemeClr val="lt1"/>
-          </a:fontRef>
-        </p:style>
-        <p:txBody>
-          <a:bodyPr rtlCol="0" anchor="ctr"/>
-          <a:lstStyle/>
-          <a:p>
-            <a:pPr algn="ctr"/>
-            <a:r>
-              <a:rPr lang="en-US" dirty="0" smtClean="0">
-                <a:latin typeface="Arial" panose="020B0604020202020204" pitchFamily="34" charset="0"/>
-                <a:cs typeface="Arial" panose="020B0604020202020204" pitchFamily="34" charset="0"/>
-              </a:rPr>
-              <a:t>x4</a:t>
-            </a:r>
-            <a:endParaRPr lang="ru-RU" dirty="0">
-              <a:latin typeface="Arial" panose="020B0604020202020204" pitchFamily="34" charset="0"/>
-              <a:cs typeface="Arial" panose="020B0604020202020204" pitchFamily="34" charset="0"/>
-            </a:endParaRPr>
-          </a:p>
-        </p:txBody>
-      </p:sp>
-      <p:sp>
-        <p:nvSpPr>
-          <p:cNvPr id="71" name="Овал 70"/>
-          <p:cNvSpPr/>
-          <p:nvPr/>
-        </p:nvSpPr>
-        <p:spPr>
-          <a:xfrm>
-            <a:off x="8149671" y="5746884"/>
-            <a:ext cx="748063" cy="426139"/>
-          </a:xfrm>
-          <a:prstGeom prst="ellipse">
-            <a:avLst/>
-          </a:prstGeom>
-        </p:spPr>
-        <p:style>
-          <a:lnRef idx="2">
-            <a:schemeClr val="accent1">
-              <a:shade val="50000"/>
-            </a:schemeClr>
-          </a:lnRef>
-          <a:fillRef idx="1">
-            <a:schemeClr val="accent1"/>
-          </a:fillRef>
-          <a:effectRef idx="0">
-            <a:schemeClr val="accent1"/>
-          </a:effectRef>
-          <a:fontRef idx="minor">
-            <a:schemeClr val="lt1"/>
-          </a:fontRef>
-        </p:style>
-        <p:txBody>
-          <a:bodyPr rtlCol="0" anchor="ctr"/>
-          <a:lstStyle/>
-          <a:p>
-            <a:pPr algn="ctr"/>
-            <a:r>
-              <a:rPr lang="en-US" dirty="0" smtClean="0">
-                <a:latin typeface="Arial" panose="020B0604020202020204" pitchFamily="34" charset="0"/>
-                <a:cs typeface="Arial" panose="020B0604020202020204" pitchFamily="34" charset="0"/>
-              </a:rPr>
-              <a:t>x2</a:t>
-            </a:r>
-            <a:endParaRPr lang="ru-RU" dirty="0">
-              <a:latin typeface="Arial" panose="020B0604020202020204" pitchFamily="34" charset="0"/>
-              <a:cs typeface="Arial" panose="020B0604020202020204" pitchFamily="34" charset="0"/>
-            </a:endParaRPr>
-          </a:p>
-        </p:txBody>
-      </p:sp>
-      <p:cxnSp>
-        <p:nvCxnSpPr>
-          <p:cNvPr id="72" name="Прямая соединительная линия 71"/>
-          <p:cNvCxnSpPr>
-            <a:stCxn id="68" idx="0"/>
-            <a:endCxn id="67" idx="3"/>
-          </p:cNvCxnSpPr>
-          <p:nvPr/>
-        </p:nvCxnSpPr>
-        <p:spPr>
-          <a:xfrm flipV="1">
-            <a:off x="6809613" y="5122185"/>
-            <a:ext cx="377210" cy="124316"/>
-          </a:xfrm>
-          <a:prstGeom prst="line">
-            <a:avLst/>
-          </a:prstGeom>
-        </p:spPr>
-        <p:style>
-          <a:lnRef idx="1">
-            <a:schemeClr val="accent1"/>
-          </a:lnRef>
-          <a:fillRef idx="0">
-            <a:schemeClr val="accent1"/>
-          </a:fillRef>
-          <a:effectRef idx="0">
-            <a:schemeClr val="accent1"/>
-          </a:effectRef>
-          <a:fontRef idx="minor">
-            <a:schemeClr val="tx1"/>
-          </a:fontRef>
-        </p:style>
-      </p:cxnSp>
-      <p:cxnSp>
-        <p:nvCxnSpPr>
-          <p:cNvPr id="73" name="Прямая соединительная линия 72"/>
-          <p:cNvCxnSpPr>
-            <a:stCxn id="67" idx="5"/>
-            <a:endCxn id="69" idx="0"/>
-          </p:cNvCxnSpPr>
-          <p:nvPr/>
-        </p:nvCxnSpPr>
-        <p:spPr>
-          <a:xfrm>
-            <a:off x="7690280" y="5122185"/>
-            <a:ext cx="377079" cy="139687"/>
-          </a:xfrm>
-          <a:prstGeom prst="line">
-            <a:avLst/>
-          </a:prstGeom>
-        </p:spPr>
-        <p:style>
-          <a:lnRef idx="1">
-            <a:schemeClr val="accent1"/>
-          </a:lnRef>
-          <a:fillRef idx="0">
-            <a:schemeClr val="accent1"/>
-          </a:fillRef>
-          <a:effectRef idx="0">
-            <a:schemeClr val="accent1"/>
-          </a:effectRef>
-          <a:fontRef idx="minor">
-            <a:schemeClr val="tx1"/>
-          </a:fontRef>
-        </p:style>
-      </p:cxnSp>
-      <p:cxnSp>
-        <p:nvCxnSpPr>
-          <p:cNvPr id="74" name="Прямая соединительная линия 73"/>
-          <p:cNvCxnSpPr>
-            <a:stCxn id="68" idx="3"/>
-            <a:endCxn id="70" idx="0"/>
-          </p:cNvCxnSpPr>
-          <p:nvPr/>
-        </p:nvCxnSpPr>
-        <p:spPr>
-          <a:xfrm flipH="1">
-            <a:off x="6107930" y="5590574"/>
-            <a:ext cx="433233" cy="160018"/>
-          </a:xfrm>
-          <a:prstGeom prst="line">
-            <a:avLst/>
-          </a:prstGeom>
-        </p:spPr>
-        <p:style>
-          <a:lnRef idx="1">
-            <a:schemeClr val="accent1"/>
-          </a:lnRef>
-          <a:fillRef idx="0">
-            <a:schemeClr val="accent1"/>
-          </a:fillRef>
-          <a:effectRef idx="0">
-            <a:schemeClr val="accent1"/>
-          </a:effectRef>
-          <a:fontRef idx="minor">
-            <a:schemeClr val="tx1"/>
-          </a:fontRef>
-        </p:style>
-      </p:cxnSp>
-      <p:cxnSp>
-        <p:nvCxnSpPr>
-          <p:cNvPr id="75" name="Прямая соединительная линия 74"/>
-          <p:cNvCxnSpPr>
-            <a:stCxn id="69" idx="4"/>
-            <a:endCxn id="71" idx="0"/>
-          </p:cNvCxnSpPr>
-          <p:nvPr/>
-        </p:nvCxnSpPr>
-        <p:spPr>
-          <a:xfrm>
-            <a:off x="8067359" y="5664979"/>
-            <a:ext cx="456344" cy="81905"/>
-          </a:xfrm>
-          <a:prstGeom prst="line">
-            <a:avLst/>
-          </a:prstGeom>
-        </p:spPr>
-        <p:style>
-          <a:lnRef idx="1">
-            <a:schemeClr val="accent1"/>
-          </a:lnRef>
-          <a:fillRef idx="0">
-            <a:schemeClr val="accent1"/>
-          </a:fillRef>
-          <a:effectRef idx="0">
-            <a:schemeClr val="accent1"/>
-          </a:effectRef>
-          <a:fontRef idx="minor">
-            <a:schemeClr val="tx1"/>
-          </a:fontRef>
-        </p:style>
-      </p:cxnSp>
-      <p:sp>
-        <p:nvSpPr>
-          <p:cNvPr id="76" name="Овал 75"/>
-          <p:cNvSpPr/>
-          <p:nvPr/>
-        </p:nvSpPr>
-        <p:spPr>
-          <a:xfrm>
-            <a:off x="7206484" y="1687147"/>
-            <a:ext cx="711995" cy="394558"/>
-          </a:xfrm>
-          <a:prstGeom prst="ellipse">
-            <a:avLst/>
-          </a:prstGeom>
-        </p:spPr>
-        <p:style>
-          <a:lnRef idx="2">
-            <a:schemeClr val="accent1">
-              <a:shade val="50000"/>
-            </a:schemeClr>
-          </a:lnRef>
-          <a:fillRef idx="1">
-            <a:schemeClr val="accent1"/>
-          </a:fillRef>
-          <a:effectRef idx="0">
-            <a:schemeClr val="accent1"/>
-          </a:effectRef>
-          <a:fontRef idx="minor">
-            <a:schemeClr val="lt1"/>
-          </a:fontRef>
-        </p:style>
-        <p:txBody>
-          <a:bodyPr rtlCol="0" anchor="ctr"/>
-          <a:lstStyle/>
-          <a:p>
-            <a:pPr algn="ctr"/>
-            <a:r>
-              <a:rPr lang="ru-RU" dirty="0" smtClean="0">
-                <a:latin typeface="Arial" panose="020B0604020202020204" pitchFamily="34" charset="0"/>
-                <a:cs typeface="Arial" panose="020B0604020202020204" pitchFamily="34" charset="0"/>
-              </a:rPr>
-              <a:t>-</a:t>
-            </a:r>
-            <a:endParaRPr lang="ru-RU" dirty="0">
-              <a:latin typeface="Arial" panose="020B0604020202020204" pitchFamily="34" charset="0"/>
-              <a:cs typeface="Arial" panose="020B0604020202020204" pitchFamily="34" charset="0"/>
-            </a:endParaRPr>
-          </a:p>
-        </p:txBody>
-      </p:sp>
-      <p:sp>
-        <p:nvSpPr>
-          <p:cNvPr id="77" name="Овал 76"/>
-          <p:cNvSpPr/>
-          <p:nvPr/>
-        </p:nvSpPr>
-        <p:spPr>
-          <a:xfrm>
-            <a:off x="6533664" y="2159108"/>
-            <a:ext cx="860888" cy="403107"/>
-          </a:xfrm>
-          <a:prstGeom prst="ellipse">
-            <a:avLst/>
-          </a:prstGeom>
-        </p:spPr>
-        <p:style>
-          <a:lnRef idx="2">
-            <a:schemeClr val="accent1">
-              <a:shade val="50000"/>
-            </a:schemeClr>
-          </a:lnRef>
-          <a:fillRef idx="1">
-            <a:schemeClr val="accent1"/>
-          </a:fillRef>
-          <a:effectRef idx="0">
-            <a:schemeClr val="accent1"/>
-          </a:effectRef>
-          <a:fontRef idx="minor">
-            <a:schemeClr val="lt1"/>
-          </a:fontRef>
-        </p:style>
-        <p:txBody>
-          <a:bodyPr rtlCol="0" anchor="ctr"/>
-          <a:lstStyle/>
-          <a:p>
-            <a:pPr algn="ctr"/>
-            <a:r>
-              <a:rPr lang="en-US" dirty="0" smtClean="0">
-                <a:latin typeface="Arial" panose="020B0604020202020204" pitchFamily="34" charset="0"/>
-                <a:cs typeface="Arial" panose="020B0604020202020204" pitchFamily="34" charset="0"/>
-              </a:rPr>
-              <a:t>x2</a:t>
-            </a:r>
-            <a:endParaRPr lang="ru-RU" dirty="0">
-              <a:latin typeface="Arial" panose="020B0604020202020204" pitchFamily="34" charset="0"/>
-              <a:cs typeface="Arial" panose="020B0604020202020204" pitchFamily="34" charset="0"/>
-            </a:endParaRPr>
-          </a:p>
-        </p:txBody>
-      </p:sp>
-      <p:sp>
-        <p:nvSpPr>
-          <p:cNvPr id="78" name="Овал 77"/>
-          <p:cNvSpPr/>
-          <p:nvPr/>
-        </p:nvSpPr>
-        <p:spPr>
-          <a:xfrm>
-            <a:off x="7755802" y="2161797"/>
-            <a:ext cx="848646" cy="403107"/>
-          </a:xfrm>
-          <a:prstGeom prst="ellipse">
-            <a:avLst/>
-          </a:prstGeom>
-        </p:spPr>
-        <p:style>
-          <a:lnRef idx="2">
-            <a:schemeClr val="accent1">
-              <a:shade val="50000"/>
-            </a:schemeClr>
-          </a:lnRef>
-          <a:fillRef idx="1">
-            <a:schemeClr val="accent1"/>
-          </a:fillRef>
-          <a:effectRef idx="0">
-            <a:schemeClr val="accent1"/>
-          </a:effectRef>
-          <a:fontRef idx="minor">
-            <a:schemeClr val="lt1"/>
-          </a:fontRef>
-        </p:style>
-        <p:txBody>
-          <a:bodyPr rtlCol="0" anchor="ctr"/>
-          <a:lstStyle/>
-          <a:p>
-            <a:pPr algn="ctr"/>
-            <a:r>
-              <a:rPr lang="en-US" dirty="0" smtClean="0">
-                <a:latin typeface="Arial" panose="020B0604020202020204" pitchFamily="34" charset="0"/>
-                <a:cs typeface="Arial" panose="020B0604020202020204" pitchFamily="34" charset="0"/>
-              </a:rPr>
-              <a:t>x3</a:t>
-            </a:r>
-            <a:endParaRPr lang="ru-RU" dirty="0">
-              <a:latin typeface="Arial" panose="020B0604020202020204" pitchFamily="34" charset="0"/>
-              <a:cs typeface="Arial" panose="020B0604020202020204" pitchFamily="34" charset="0"/>
-            </a:endParaRPr>
-          </a:p>
-        </p:txBody>
-      </p:sp>
-      <p:cxnSp>
-        <p:nvCxnSpPr>
-          <p:cNvPr id="79" name="Прямая соединительная линия 78"/>
-          <p:cNvCxnSpPr>
-            <a:stCxn id="77" idx="0"/>
-            <a:endCxn id="76" idx="3"/>
-          </p:cNvCxnSpPr>
-          <p:nvPr/>
-        </p:nvCxnSpPr>
-        <p:spPr>
-          <a:xfrm flipV="1">
-            <a:off x="6964108" y="2023923"/>
-            <a:ext cx="346645" cy="135185"/>
-          </a:xfrm>
-          <a:prstGeom prst="line">
-            <a:avLst/>
-          </a:prstGeom>
-        </p:spPr>
-        <p:style>
-          <a:lnRef idx="1">
-            <a:schemeClr val="accent1"/>
-          </a:lnRef>
-          <a:fillRef idx="0">
-            <a:schemeClr val="accent1"/>
-          </a:fillRef>
-          <a:effectRef idx="0">
-            <a:schemeClr val="accent1"/>
-          </a:effectRef>
-          <a:fontRef idx="minor">
-            <a:schemeClr val="tx1"/>
-          </a:fontRef>
-        </p:style>
-      </p:cxnSp>
-      <p:cxnSp>
-        <p:nvCxnSpPr>
-          <p:cNvPr id="80" name="Прямая соединительная линия 79"/>
-          <p:cNvCxnSpPr>
-            <a:stCxn id="76" idx="5"/>
-            <a:endCxn id="78" idx="0"/>
-          </p:cNvCxnSpPr>
-          <p:nvPr/>
-        </p:nvCxnSpPr>
-        <p:spPr>
-          <a:xfrm>
-            <a:off x="7814210" y="2023923"/>
-            <a:ext cx="365915" cy="137874"/>
-          </a:xfrm>
-          <a:prstGeom prst="line">
-            <a:avLst/>
-          </a:prstGeom>
-        </p:spPr>
-        <p:style>
-          <a:lnRef idx="1">
-            <a:schemeClr val="accent1"/>
-          </a:lnRef>
-          <a:fillRef idx="0">
-            <a:schemeClr val="accent1"/>
-          </a:fillRef>
-          <a:effectRef idx="0">
-            <a:schemeClr val="accent1"/>
-          </a:effectRef>
-          <a:fontRef idx="minor">
-            <a:schemeClr val="tx1"/>
-          </a:fontRef>
-        </p:style>
-      </p:cxnSp>
-      <p:sp>
-        <p:nvSpPr>
-          <p:cNvPr id="81" name="Овал 80"/>
-          <p:cNvSpPr/>
-          <p:nvPr/>
-        </p:nvSpPr>
-        <p:spPr>
-          <a:xfrm>
-            <a:off x="6855131" y="5750592"/>
-            <a:ext cx="898260" cy="432538"/>
-          </a:xfrm>
-          <a:prstGeom prst="ellipse">
-            <a:avLst/>
-          </a:prstGeom>
-        </p:spPr>
-        <p:style>
-          <a:lnRef idx="2">
-            <a:schemeClr val="accent1">
-              <a:shade val="50000"/>
-            </a:schemeClr>
-          </a:lnRef>
-          <a:fillRef idx="1">
-            <a:schemeClr val="accent1"/>
-          </a:fillRef>
-          <a:effectRef idx="0">
-            <a:schemeClr val="accent1"/>
-          </a:effectRef>
-          <a:fontRef idx="minor">
-            <a:schemeClr val="lt1"/>
-          </a:fontRef>
-        </p:style>
-        <p:txBody>
-          <a:bodyPr rtlCol="0" anchor="ctr"/>
-          <a:lstStyle/>
-          <a:p>
-            <a:pPr algn="ctr"/>
-            <a:r>
-              <a:rPr lang="ru-RU" dirty="0" smtClean="0">
-                <a:latin typeface="Arial" panose="020B0604020202020204" pitchFamily="34" charset="0"/>
-                <a:cs typeface="Arial" panose="020B0604020202020204" pitchFamily="34" charset="0"/>
-              </a:rPr>
-              <a:t>3.4</a:t>
-            </a:r>
-            <a:endParaRPr lang="ru-RU" dirty="0">
-              <a:latin typeface="Arial" panose="020B0604020202020204" pitchFamily="34" charset="0"/>
-              <a:cs typeface="Arial" panose="020B0604020202020204" pitchFamily="34" charset="0"/>
-            </a:endParaRPr>
-          </a:p>
-        </p:txBody>
-      </p:sp>
-      <p:cxnSp>
-        <p:nvCxnSpPr>
-          <p:cNvPr id="82" name="Прямая соединительная линия 81"/>
-          <p:cNvCxnSpPr>
-            <a:stCxn id="68" idx="5"/>
-            <a:endCxn id="81" idx="0"/>
-          </p:cNvCxnSpPr>
-          <p:nvPr/>
-        </p:nvCxnSpPr>
-        <p:spPr>
-          <a:xfrm>
-            <a:off x="7078062" y="5590574"/>
-            <a:ext cx="226199" cy="160018"/>
-          </a:xfrm>
-          <a:prstGeom prst="line">
-            <a:avLst/>
-          </a:prstGeom>
-        </p:spPr>
-        <p:style>
-          <a:lnRef idx="1">
-            <a:schemeClr val="accent1"/>
-          </a:lnRef>
-          <a:fillRef idx="0">
-            <a:schemeClr val="accent1"/>
-          </a:fillRef>
-          <a:effectRef idx="0">
-            <a:schemeClr val="accent1"/>
-          </a:effectRef>
-          <a:fontRef idx="minor">
-            <a:schemeClr val="tx1"/>
-          </a:fontRef>
-        </p:style>
-      </p:cxnSp>
-      <p:sp>
-        <p:nvSpPr>
-          <p:cNvPr id="84" name="Скругленный прямоугольник 83"/>
-          <p:cNvSpPr/>
-          <p:nvPr/>
-        </p:nvSpPr>
-        <p:spPr>
-          <a:xfrm>
-            <a:off x="35496" y="1556792"/>
-            <a:ext cx="3380947" cy="5184576"/>
-          </a:xfrm>
-          <a:prstGeom prst="roundRect">
-            <a:avLst/>
-          </a:prstGeom>
-          <a:noFill/>
-        </p:spPr>
-        <p:style>
-          <a:lnRef idx="2">
-            <a:schemeClr val="accent1"/>
-          </a:lnRef>
-          <a:fillRef idx="1">
-            <a:schemeClr val="lt1"/>
-          </a:fillRef>
-          <a:effectRef idx="0">
-            <a:schemeClr val="accent1"/>
-          </a:effectRef>
-          <a:fontRef idx="minor">
-            <a:schemeClr val="dk1"/>
-          </a:fontRef>
-        </p:style>
-        <p:txBody>
-          <a:bodyPr rtlCol="0" anchor="ctr"/>
-          <a:lstStyle/>
-          <a:p>
-            <a:pPr algn="ctr"/>
-            <a:endParaRPr lang="ru-RU"/>
-          </a:p>
-        </p:txBody>
-      </p:sp>
-      <p:sp>
-        <p:nvSpPr>
-          <p:cNvPr id="85" name="Скругленный прямоугольник 84"/>
-          <p:cNvSpPr/>
-          <p:nvPr/>
-        </p:nvSpPr>
-        <p:spPr>
-          <a:xfrm>
-            <a:off x="5652120" y="1556792"/>
-            <a:ext cx="3380947" cy="5184576"/>
-          </a:xfrm>
-          <a:prstGeom prst="roundRect">
-            <a:avLst/>
-          </a:prstGeom>
-          <a:noFill/>
-        </p:spPr>
-        <p:style>
-          <a:lnRef idx="2">
-            <a:schemeClr val="accent1"/>
-          </a:lnRef>
-          <a:fillRef idx="1">
-            <a:schemeClr val="lt1"/>
-          </a:fillRef>
-          <a:effectRef idx="0">
-            <a:schemeClr val="accent1"/>
-          </a:effectRef>
-          <a:fontRef idx="minor">
-            <a:schemeClr val="dk1"/>
-          </a:fontRef>
-        </p:style>
-        <p:txBody>
-          <a:bodyPr rtlCol="0" anchor="ctr"/>
-          <a:lstStyle/>
-          <a:p>
-            <a:pPr algn="ctr"/>
-            <a:endParaRPr lang="ru-RU"/>
-          </a:p>
-        </p:txBody>
-      </p:sp>
-      <p:sp>
-        <p:nvSpPr>
-          <p:cNvPr id="87" name="Выноска 1 86"/>
-          <p:cNvSpPr/>
-          <p:nvPr/>
-        </p:nvSpPr>
-        <p:spPr>
-          <a:xfrm>
-            <a:off x="3960451" y="2081705"/>
-            <a:ext cx="1011541" cy="915248"/>
-          </a:xfrm>
-          <a:prstGeom prst="borderCallout1">
-            <a:avLst>
-              <a:gd name="adj1" fmla="val 56622"/>
-              <a:gd name="adj2" fmla="val 891"/>
-              <a:gd name="adj3" fmla="val 71923"/>
-              <a:gd name="adj4" fmla="val -54936"/>
-            </a:avLst>
-          </a:prstGeom>
-        </p:spPr>
-        <p:style>
-          <a:lnRef idx="2">
-            <a:schemeClr val="accent1">
-              <a:shade val="50000"/>
-            </a:schemeClr>
-          </a:lnRef>
-          <a:fillRef idx="1">
-            <a:schemeClr val="accent1"/>
-          </a:fillRef>
-          <a:effectRef idx="0">
-            <a:schemeClr val="accent1"/>
-          </a:effectRef>
-          <a:fontRef idx="minor">
-            <a:schemeClr val="lt1"/>
-          </a:fontRef>
-        </p:style>
-        <p:txBody>
-          <a:bodyPr rtlCol="0" anchor="ctr"/>
-          <a:lstStyle/>
-          <a:p>
-            <a:pPr algn="ctr"/>
-            <a:r>
-              <a:rPr lang="en-US" sz="3600" dirty="0" smtClean="0">
-                <a:latin typeface="Arial" panose="020B0604020202020204" pitchFamily="34" charset="0"/>
-                <a:cs typeface="Arial" panose="020B0604020202020204" pitchFamily="34" charset="0"/>
-              </a:rPr>
-              <a:t>K</a:t>
-            </a:r>
-            <a:r>
-              <a:rPr lang="en-US" sz="3600" baseline="-25000" dirty="0" smtClean="0">
-                <a:latin typeface="Arial" panose="020B0604020202020204" pitchFamily="34" charset="0"/>
-                <a:cs typeface="Arial" panose="020B0604020202020204" pitchFamily="34" charset="0"/>
-              </a:rPr>
-              <a:t>1</a:t>
-            </a:r>
-            <a:endParaRPr lang="ru-RU" baseline="-25000" dirty="0">
-              <a:latin typeface="Arial" panose="020B0604020202020204" pitchFamily="34" charset="0"/>
-              <a:cs typeface="Arial" panose="020B0604020202020204" pitchFamily="34" charset="0"/>
-            </a:endParaRPr>
-          </a:p>
-        </p:txBody>
-      </p:sp>
-      <p:sp>
-        <p:nvSpPr>
-          <p:cNvPr id="88" name="Выноска 1 87"/>
-          <p:cNvSpPr/>
-          <p:nvPr/>
-        </p:nvSpPr>
-        <p:spPr>
-          <a:xfrm>
-            <a:off x="3960451" y="4734360"/>
-            <a:ext cx="1011541" cy="915248"/>
-          </a:xfrm>
-          <a:prstGeom prst="borderCallout1">
-            <a:avLst>
-              <a:gd name="adj1" fmla="val 60700"/>
-              <a:gd name="adj2" fmla="val 98667"/>
-              <a:gd name="adj3" fmla="val 80079"/>
-              <a:gd name="adj4" fmla="val 166444"/>
-            </a:avLst>
-          </a:prstGeom>
-        </p:spPr>
-        <p:style>
-          <a:lnRef idx="2">
-            <a:schemeClr val="accent1">
-              <a:shade val="50000"/>
-            </a:schemeClr>
-          </a:lnRef>
-          <a:fillRef idx="1">
-            <a:schemeClr val="accent1"/>
-          </a:fillRef>
-          <a:effectRef idx="0">
-            <a:schemeClr val="accent1"/>
-          </a:effectRef>
-          <a:fontRef idx="minor">
-            <a:schemeClr val="lt1"/>
-          </a:fontRef>
-        </p:style>
-        <p:txBody>
-          <a:bodyPr rtlCol="0" anchor="ctr"/>
-          <a:lstStyle/>
-          <a:p>
-            <a:pPr algn="ctr"/>
-            <a:r>
-              <a:rPr lang="en-US" sz="3600" dirty="0" smtClean="0">
-                <a:latin typeface="Arial" panose="020B0604020202020204" pitchFamily="34" charset="0"/>
-                <a:cs typeface="Arial" panose="020B0604020202020204" pitchFamily="34" charset="0"/>
-              </a:rPr>
-              <a:t>K</a:t>
-            </a:r>
-            <a:r>
-              <a:rPr lang="en-US" sz="3600" baseline="-25000" dirty="0">
-                <a:latin typeface="Arial" panose="020B0604020202020204" pitchFamily="34" charset="0"/>
-                <a:cs typeface="Arial" panose="020B0604020202020204" pitchFamily="34" charset="0"/>
-              </a:rPr>
-              <a:t>2</a:t>
-            </a:r>
-            <a:endParaRPr lang="ru-RU" baseline="-25000" dirty="0">
-              <a:latin typeface="Arial" panose="020B0604020202020204" pitchFamily="34" charset="0"/>
-              <a:cs typeface="Arial" panose="020B0604020202020204" pitchFamily="34" charset="0"/>
-            </a:endParaRPr>
+              <a:t>Вычисляем отношение неправильно классифицированных объектов.</a:t>
+            </a:r>
           </a:p>
         </p:txBody>
       </p:sp>
     </p:spTree>
     <p:extLst>
       <p:ext uri="{BB962C8B-B14F-4D97-AF65-F5344CB8AC3E}">
-        <p14:creationId xmlns:p14="http://schemas.microsoft.com/office/powerpoint/2010/main" val="1030106871"/>
+        <p14:creationId xmlns:p14="http://schemas.microsoft.com/office/powerpoint/2010/main" val="3436671575"/>
       </p:ext>
     </p:extLst>
   </p:cSld>
@@ -12619,8 +12006,37 @@
         </p:nvSpPr>
         <p:spPr>
           <a:xfrm>
-            <a:off x="1335206" y="109182"/>
-            <a:ext cx="6781800" cy="1600200"/>
+            <a:off x="762000" y="0"/>
+            <a:ext cx="7543800" cy="1600200"/>
+          </a:xfrm>
+        </p:spPr>
+        <p:txBody>
+          <a:bodyPr/>
+          <a:lstStyle/>
+          <a:p>
+            <a:pPr algn="ctr"/>
+            <a:r>
+              <a:rPr lang="ru-RU" dirty="0" smtClean="0"/>
+              <a:t>Скрещивание</a:t>
+            </a:r>
+            <a:endParaRPr lang="ru-RU" dirty="0"/>
+          </a:p>
+        </p:txBody>
+      </p:sp>
+      <p:sp>
+        <p:nvSpPr>
+          <p:cNvPr id="3" name="Объект 2"/>
+          <p:cNvSpPr>
+            <a:spLocks noGrp="1"/>
+          </p:cNvSpPr>
+          <p:nvPr>
+            <p:ph idx="1"/>
+          </p:nvPr>
+        </p:nvSpPr>
+        <p:spPr>
+          <a:xfrm>
+            <a:off x="762000" y="1844824"/>
+            <a:ext cx="7543800" cy="3886200"/>
           </a:xfrm>
         </p:spPr>
         <p:txBody>
@@ -12629,69 +12045,42 @@
           </a:bodyPr>
           <a:lstStyle/>
           <a:p>
-            <a:pPr algn="ctr"/>
-            <a:r>
-              <a:rPr lang="ru-RU" dirty="0" smtClean="0"/>
-              <a:t>Репродукция</a:t>
-            </a:r>
-            <a:endParaRPr lang="ru-RU" dirty="0"/>
-          </a:p>
-        </p:txBody>
-      </p:sp>
-      <p:sp>
-        <p:nvSpPr>
-          <p:cNvPr id="3" name="Объект 2"/>
-          <p:cNvSpPr>
-            <a:spLocks noGrp="1"/>
-          </p:cNvSpPr>
-          <p:nvPr>
-            <p:ph idx="1"/>
-          </p:nvPr>
-        </p:nvSpPr>
-        <p:spPr>
-          <a:xfrm>
-            <a:off x="827584" y="1700808"/>
-            <a:ext cx="7848872" cy="4320480"/>
-          </a:xfrm>
-        </p:spPr>
-        <p:txBody>
-          <a:bodyPr>
-            <a:normAutofit/>
-          </a:bodyPr>
-          <a:lstStyle/>
-          <a:p>
-            <a:r>
-              <a:rPr lang="ru-RU" sz="3200" dirty="0" smtClean="0">
+            <a:r>
+              <a:rPr lang="ru-RU" sz="4800" dirty="0" smtClean="0">
                 <a:latin typeface="Arial" panose="020B0604020202020204" pitchFamily="34" charset="0"/>
                 <a:cs typeface="Arial" panose="020B0604020202020204" pitchFamily="34" charset="0"/>
               </a:rPr>
-              <a:t>Приспособленность – ошибка классификации.</a:t>
-            </a:r>
-          </a:p>
-          <a:p>
-            <a:r>
-              <a:rPr lang="ru-RU" sz="3200" dirty="0" smtClean="0">
+              <a:t>Обмен ветвей.</a:t>
+            </a:r>
+          </a:p>
+          <a:p>
+            <a:r>
+              <a:rPr lang="ru-RU" sz="4800" dirty="0" smtClean="0">
                 <a:latin typeface="Arial" panose="020B0604020202020204" pitchFamily="34" charset="0"/>
                 <a:cs typeface="Arial" panose="020B0604020202020204" pitchFamily="34" charset="0"/>
               </a:rPr>
-              <a:t>Классификатор предсказывает значение класса для всех объектов обучающей выборки.</a:t>
-            </a:r>
-          </a:p>
-          <a:p>
-            <a:r>
-              <a:rPr lang="ru-RU" sz="3200" dirty="0" smtClean="0">
+              <a:t>Обмен деревьев.</a:t>
+            </a:r>
+          </a:p>
+          <a:p>
+            <a:r>
+              <a:rPr lang="ru-RU" sz="4800" dirty="0" smtClean="0">
                 <a:latin typeface="Arial" panose="020B0604020202020204" pitchFamily="34" charset="0"/>
                 <a:cs typeface="Arial" panose="020B0604020202020204" pitchFamily="34" charset="0"/>
               </a:rPr>
-              <a:t>Вычисляем отношение неправильно классифицированных объектов.</a:t>
-            </a:r>
+              <a:t>Обмен лесов.</a:t>
+            </a:r>
+            <a:endParaRPr lang="ru-RU" sz="4800" dirty="0">
+              <a:latin typeface="Arial" panose="020B0604020202020204" pitchFamily="34" charset="0"/>
+              <a:cs typeface="Arial" panose="020B0604020202020204" pitchFamily="34" charset="0"/>
+            </a:endParaRPr>
           </a:p>
         </p:txBody>
       </p:sp>
     </p:spTree>
     <p:extLst>
       <p:ext uri="{BB962C8B-B14F-4D97-AF65-F5344CB8AC3E}">
-        <p14:creationId xmlns:p14="http://schemas.microsoft.com/office/powerpoint/2010/main" val="3436671575"/>
+        <p14:creationId xmlns:p14="http://schemas.microsoft.com/office/powerpoint/2010/main" val="2009686925"/>
       </p:ext>
     </p:extLst>
   </p:cSld>
@@ -12769,7 +12158,7 @@
         <p:spPr>
           <a:xfrm>
             <a:off x="251520" y="2924944"/>
-            <a:ext cx="4957608" cy="3364632"/>
+            <a:ext cx="4680520" cy="3364632"/>
           </a:xfrm>
         </p:spPr>
         <p:txBody>
@@ -12778,8 +12167,9 @@
           </a:bodyPr>
           <a:lstStyle/>
           <a:p>
-            <a:r>
-              <a:rPr lang="ru-RU" sz="3200" dirty="0" smtClean="0">
+            <a:pPr algn="just"/>
+            <a:r>
+              <a:rPr lang="ru-RU" sz="3300" dirty="0" smtClean="0">
                 <a:latin typeface="Arial" panose="020B0604020202020204" pitchFamily="34" charset="0"/>
                 <a:ea typeface="Cambria Math" panose="02040503050406030204" pitchFamily="18" charset="0"/>
                 <a:cs typeface="Arial" panose="020B0604020202020204" pitchFamily="34" charset="0"/>
@@ -12787,7 +12177,7 @@
               <a:t>Обучающая и тестовая выборки медицинских изображений из ресурса </a:t>
             </a:r>
             <a:r>
-              <a:rPr lang="en-US" sz="3200" dirty="0">
+              <a:rPr lang="en-US" sz="3300" dirty="0">
                 <a:latin typeface="Arial" panose="020B0604020202020204" pitchFamily="34" charset="0"/>
                 <a:ea typeface="Cambria Math" panose="02040503050406030204" pitchFamily="18" charset="0"/>
                 <a:cs typeface="Arial" panose="020B0604020202020204" pitchFamily="34" charset="0"/>
@@ -12795,7 +12185,7 @@
               <a:t>LIDC-IDRI</a:t>
             </a:r>
             <a:r>
-              <a:rPr lang="ru-RU" sz="3200" dirty="0" smtClean="0">
+              <a:rPr lang="ru-RU" sz="3300" dirty="0" smtClean="0">
                 <a:latin typeface="Arial" panose="020B0604020202020204" pitchFamily="34" charset="0"/>
                 <a:ea typeface="Cambria Math" panose="02040503050406030204" pitchFamily="18" charset="0"/>
                 <a:cs typeface="Arial" panose="020B0604020202020204" pitchFamily="34" charset="0"/>
@@ -12804,8 +12194,9 @@
             </a:r>
           </a:p>
           <a:p>
-            <a:r>
-              <a:rPr lang="ru-RU" sz="3200" dirty="0" smtClean="0">
+            <a:pPr algn="just"/>
+            <a:r>
+              <a:rPr lang="ru-RU" sz="3300" dirty="0" smtClean="0">
                 <a:latin typeface="Arial" panose="020B0604020202020204" pitchFamily="34" charset="0"/>
                 <a:ea typeface="Cambria Math" panose="02040503050406030204" pitchFamily="18" charset="0"/>
                 <a:cs typeface="Arial" panose="020B0604020202020204" pitchFamily="34" charset="0"/>
@@ -12941,7 +12332,7 @@
         </p:nvSpPr>
         <p:spPr>
           <a:xfrm>
-            <a:off x="539552" y="1556792"/>
+            <a:off x="546076" y="1844824"/>
             <a:ext cx="4032448" cy="4392488"/>
           </a:xfrm>
         </p:spPr>
@@ -13092,8 +12483,8 @@
         </p:nvSpPr>
         <p:spPr>
           <a:xfrm>
-            <a:off x="395536" y="1844824"/>
-            <a:ext cx="8064896" cy="3886200"/>
+            <a:off x="755576" y="1844824"/>
+            <a:ext cx="7560840" cy="3886200"/>
           </a:xfrm>
         </p:spPr>
         <p:txBody>
@@ -13102,6 +12493,7 @@
           </a:bodyPr>
           <a:lstStyle/>
           <a:p>
+            <a:pPr algn="just"/>
             <a:r>
               <a:rPr lang="ru-RU" sz="3600" dirty="0" smtClean="0">
                 <a:latin typeface="Arial" panose="020B0604020202020204" pitchFamily="34" charset="0"/>
@@ -13144,6 +12536,7 @@
             </a:r>
           </a:p>
           <a:p>
+            <a:pPr algn="just"/>
             <a:r>
               <a:rPr lang="ru-RU" sz="3600" dirty="0" smtClean="0">
                 <a:latin typeface="Arial" panose="020B0604020202020204" pitchFamily="34" charset="0"/>
@@ -13154,6 +12547,7 @@
             </a:r>
           </a:p>
           <a:p>
+            <a:pPr algn="just"/>
             <a:r>
               <a:rPr lang="ru-RU" sz="3600" dirty="0" smtClean="0">
                 <a:latin typeface="Arial" panose="020B0604020202020204" pitchFamily="34" charset="0"/>
@@ -13809,17 +13203,20 @@
           <a:p>
             <a:pPr algn="ctr"/>
             <a:r>
-              <a:rPr lang="ru-RU" sz="2400" dirty="0">
+              <a:rPr lang="ru-RU" sz="2400" b="1" dirty="0">
                 <a:solidFill>
                   <a:schemeClr val="bg1"/>
                 </a:solidFill>
-                <a:latin typeface="Adobe Arabic" charset="0"/>
+                <a:latin typeface="Arial" panose="020B0604020202020204" pitchFamily="34" charset="0"/>
                 <a:ea typeface="Adobe Arabic" charset="0"/>
-                <a:cs typeface="Adobe Arabic" charset="0"/>
+                <a:cs typeface="Arial" panose="020B0604020202020204" pitchFamily="34" charset="0"/>
               </a:rPr>
               <a:t>Диагностика</a:t>
             </a:r>
-            <a:endParaRPr lang="ru-RU" sz="2400" dirty="0"/>
+            <a:endParaRPr lang="ru-RU" sz="2400" b="1" dirty="0">
+              <a:latin typeface="Arial" panose="020B0604020202020204" pitchFamily="34" charset="0"/>
+              <a:cs typeface="Arial" panose="020B0604020202020204" pitchFamily="34" charset="0"/>
+            </a:endParaRPr>
           </a:p>
         </p:txBody>
       </p:sp>
@@ -14617,6 +14014,13 @@
   <p:clrMapOvr>
     <a:masterClrMapping/>
   </p:clrMapOvr>
+  <p:timing>
+    <p:tnLst>
+      <p:par>
+        <p:cTn id="1" dur="indefinite" restart="never" nodeType="tmRoot"/>
+      </p:par>
+    </p:tnLst>
+  </p:timing>
 </p:sld>
 </file>
 
@@ -15515,8 +14919,8 @@
         </p:nvSpPr>
         <p:spPr>
           <a:xfrm>
-            <a:off x="683568" y="1772816"/>
-            <a:ext cx="7776864" cy="4174232"/>
+            <a:off x="755576" y="1772816"/>
+            <a:ext cx="7560840" cy="4174232"/>
           </a:xfrm>
         </p:spPr>
         <p:txBody>
@@ -15670,8 +15074,8 @@
         </p:nvSpPr>
         <p:spPr>
           <a:xfrm>
-            <a:off x="395536" y="1628800"/>
-            <a:ext cx="8496944" cy="4392488"/>
+            <a:off x="827584" y="1628800"/>
+            <a:ext cx="7488832" cy="4392488"/>
           </a:xfrm>
         </p:spPr>
         <p:txBody>

--- a/Диплом/Магистратура.Ибакаева.pptx
+++ b/Диплом/Магистратура.Ибакаева.pptx
@@ -259,7 +259,7 @@
           <a:p>
             <a:fld id="{7B7B9815-AEE5-4F4C-8445-8ECE3DD7735C}" type="datetimeFigureOut">
               <a:rPr lang="ru-RU" smtClean="0"/>
-              <a:t>12.06.2017</a:t>
+              <a:t>13.06.2017</a:t>
             </a:fld>
             <a:endParaRPr lang="ru-RU"/>
           </a:p>
@@ -572,15 +572,7 @@
           <a:lstStyle/>
           <a:p>
             <a:r>
-              <a:rPr lang="ru-RU" dirty="0" smtClean="0"/>
-              <a:t>Здравствуйте, меня зовут Ибакаева </a:t>
-            </a:r>
-            <a:r>
-              <a:rPr lang="ru-RU" dirty="0" err="1" smtClean="0"/>
-              <a:t>А.А.</a:t>
-            </a:r>
-            <a:r>
-              <a:rPr lang="ru-RU" sz="1200" kern="1200" dirty="0" err="1" smtClean="0">
+              <a:rPr lang="ru-RU" sz="1200" kern="1200" smtClean="0">
                 <a:solidFill>
                   <a:schemeClr val="tx1"/>
                 </a:solidFill>
@@ -589,7 +581,7 @@
                 <a:ea typeface="+mn-ea"/>
                 <a:cs typeface="+mn-cs"/>
               </a:rPr>
-              <a:t>Тема</a:t>
+              <a:t>Тема </a:t>
             </a:r>
             <a:r>
               <a:rPr lang="ru-RU" sz="1200" kern="1200" dirty="0" smtClean="0">
@@ -601,7 +593,7 @@
                 <a:ea typeface="+mn-ea"/>
                 <a:cs typeface="+mn-cs"/>
               </a:rPr>
-              <a:t> моего исследования – построение признаков для классификации медицинских изображений посредством генетического программирования.</a:t>
+              <a:t>моего исследования – построение признаков для классификации медицинских изображений посредством генетического программирования.</a:t>
             </a:r>
             <a:endParaRPr lang="ru-RU" sz="1200" kern="1200" dirty="0">
               <a:solidFill>
@@ -3014,7 +3006,7 @@
           <a:p>
             <a:fld id="{3A437E1B-BF00-41EC-9089-A3D2CF1C3BF5}" type="datetimeFigureOut">
               <a:rPr lang="ru-RU" smtClean="0"/>
-              <a:t>12.06.2017</a:t>
+              <a:t>13.06.2017</a:t>
             </a:fld>
             <a:endParaRPr lang="ru-RU" dirty="0"/>
           </a:p>
@@ -3227,7 +3219,7 @@
           <a:p>
             <a:fld id="{3A437E1B-BF00-41EC-9089-A3D2CF1C3BF5}" type="datetimeFigureOut">
               <a:rPr lang="ru-RU" smtClean="0"/>
-              <a:t>12.06.2017</a:t>
+              <a:t>13.06.2017</a:t>
             </a:fld>
             <a:endParaRPr lang="ru-RU" dirty="0"/>
           </a:p>
@@ -3402,7 +3394,7 @@
           <a:p>
             <a:fld id="{3A437E1B-BF00-41EC-9089-A3D2CF1C3BF5}" type="datetimeFigureOut">
               <a:rPr lang="ru-RU" smtClean="0"/>
-              <a:t>12.06.2017</a:t>
+              <a:t>13.06.2017</a:t>
             </a:fld>
             <a:endParaRPr lang="ru-RU" dirty="0"/>
           </a:p>
@@ -3567,7 +3559,7 @@
           <a:p>
             <a:fld id="{3A437E1B-BF00-41EC-9089-A3D2CF1C3BF5}" type="datetimeFigureOut">
               <a:rPr lang="ru-RU" smtClean="0"/>
-              <a:t>12.06.2017</a:t>
+              <a:t>13.06.2017</a:t>
             </a:fld>
             <a:endParaRPr lang="ru-RU" dirty="0"/>
           </a:p>
@@ -3851,7 +3843,7 @@
           <a:p>
             <a:fld id="{3A437E1B-BF00-41EC-9089-A3D2CF1C3BF5}" type="datetimeFigureOut">
               <a:rPr lang="ru-RU" smtClean="0"/>
-              <a:t>12.06.2017</a:t>
+              <a:t>13.06.2017</a:t>
             </a:fld>
             <a:endParaRPr lang="ru-RU" dirty="0"/>
           </a:p>
@@ -4177,7 +4169,7 @@
           <a:p>
             <a:fld id="{3A437E1B-BF00-41EC-9089-A3D2CF1C3BF5}" type="datetimeFigureOut">
               <a:rPr lang="ru-RU" smtClean="0"/>
-              <a:t>12.06.2017</a:t>
+              <a:t>13.06.2017</a:t>
             </a:fld>
             <a:endParaRPr lang="ru-RU" dirty="0"/>
           </a:p>
@@ -4602,7 +4594,7 @@
           <a:p>
             <a:fld id="{3A437E1B-BF00-41EC-9089-A3D2CF1C3BF5}" type="datetimeFigureOut">
               <a:rPr lang="ru-RU" smtClean="0"/>
-              <a:t>12.06.2017</a:t>
+              <a:t>13.06.2017</a:t>
             </a:fld>
             <a:endParaRPr lang="ru-RU" dirty="0"/>
           </a:p>
@@ -4775,7 +4767,7 @@
           <a:p>
             <a:fld id="{3A437E1B-BF00-41EC-9089-A3D2CF1C3BF5}" type="datetimeFigureOut">
               <a:rPr lang="ru-RU" smtClean="0"/>
-              <a:t>12.06.2017</a:t>
+              <a:t>13.06.2017</a:t>
             </a:fld>
             <a:endParaRPr lang="ru-RU" dirty="0"/>
           </a:p>
@@ -4865,7 +4857,7 @@
           <a:p>
             <a:fld id="{3A437E1B-BF00-41EC-9089-A3D2CF1C3BF5}" type="datetimeFigureOut">
               <a:rPr lang="ru-RU" smtClean="0"/>
-              <a:t>12.06.2017</a:t>
+              <a:t>13.06.2017</a:t>
             </a:fld>
             <a:endParaRPr lang="ru-RU" dirty="0"/>
           </a:p>
@@ -5145,7 +5137,7 @@
           <a:p>
             <a:fld id="{3A437E1B-BF00-41EC-9089-A3D2CF1C3BF5}" type="datetimeFigureOut">
               <a:rPr lang="ru-RU" smtClean="0"/>
-              <a:t>12.06.2017</a:t>
+              <a:t>13.06.2017</a:t>
             </a:fld>
             <a:endParaRPr lang="ru-RU" dirty="0"/>
           </a:p>
@@ -5444,7 +5436,7 @@
           <a:p>
             <a:fld id="{3A437E1B-BF00-41EC-9089-A3D2CF1C3BF5}" type="datetimeFigureOut">
               <a:rPr lang="ru-RU" smtClean="0"/>
-              <a:t>12.06.2017</a:t>
+              <a:t>13.06.2017</a:t>
             </a:fld>
             <a:endParaRPr lang="ru-RU" dirty="0"/>
           </a:p>
@@ -5654,7 +5646,7 @@
           <a:p>
             <a:fld id="{3A437E1B-BF00-41EC-9089-A3D2CF1C3BF5}" type="datetimeFigureOut">
               <a:rPr lang="ru-RU" smtClean="0"/>
-              <a:t>12.06.2017</a:t>
+              <a:t>13.06.2017</a:t>
             </a:fld>
             <a:endParaRPr lang="ru-RU" dirty="0"/>
           </a:p>

--- a/Диплом/Магистратура.Ибакаева.pptx
+++ b/Диплом/Магистратура.Ибакаева.pptx
@@ -259,7 +259,7 @@
           <a:p>
             <a:fld id="{7B7B9815-AEE5-4F4C-8445-8ECE3DD7735C}" type="datetimeFigureOut">
               <a:rPr lang="ru-RU" smtClean="0"/>
-              <a:t>13.06.2017</a:t>
+              <a:t>16.06.17</a:t>
             </a:fld>
             <a:endParaRPr lang="ru-RU"/>
           </a:p>
@@ -1652,6 +1652,23 @@
           <a:bodyPr/>
           <a:lstStyle/>
           <a:p>
+            <a:pPr marL="0" marR="0" indent="0" algn="l" defTabSz="914400" rtl="0" eaLnBrk="1" fontAlgn="auto" latinLnBrk="0" hangingPunct="1">
+              <a:lnSpc>
+                <a:spcPct val="100000"/>
+              </a:lnSpc>
+              <a:spcBef>
+                <a:spcPts val="0"/>
+              </a:spcBef>
+              <a:spcAft>
+                <a:spcPts val="0"/>
+              </a:spcAft>
+              <a:buClrTx/>
+              <a:buSzTx/>
+              <a:buFontTx/>
+              <a:buNone/>
+              <a:tabLst/>
+              <a:defRPr/>
+            </a:pPr>
             <a:r>
               <a:rPr lang="ru-RU" sz="1200" kern="1200" dirty="0" smtClean="0">
                 <a:solidFill>
@@ -1662,21 +1679,7 @@
                 <a:ea typeface="+mn-ea"/>
                 <a:cs typeface="+mn-cs"/>
               </a:rPr>
-              <a:t>Результаты. Была разработана программа, которая позволяет получить набор построенных признаков данных посредством генетического программирования. Для проверки ее работы был проведен эксперимент. </a:t>
-            </a:r>
-          </a:p>
-          <a:p>
-            <a:r>
-              <a:rPr lang="ru-RU" sz="1200" kern="1200" dirty="0" smtClean="0">
-                <a:solidFill>
-                  <a:schemeClr val="tx1"/>
-                </a:solidFill>
-                <a:effectLst/>
-                <a:latin typeface="+mn-lt"/>
-                <a:ea typeface="+mn-ea"/>
-                <a:cs typeface="+mn-cs"/>
-              </a:rPr>
-              <a:t>Заданы обучающая и тестовая выборки медицинских изображений. Они были получены из доступного в интернете ресурса и представляют собой КТ снимки легких с отмеченными областями поражения.</a:t>
+              <a:t>Скрещивание может выполняться несколькими способами с разной долей вероятности: возможен обмен ветвей между деревьями внутри одного леса, обмен деревьев между лесами, а также обмен лесами между разными наборами лесов.</a:t>
             </a:r>
           </a:p>
           <a:p>
@@ -1701,7 +1704,7 @@
           <a:p>
             <a:fld id="{067F537F-45F3-8142-965F-E742B23B0064}" type="slidenum">
               <a:rPr lang="ru-RU" smtClean="0"/>
-              <a:t>19</a:t>
+              <a:t>18</a:t>
             </a:fld>
             <a:endParaRPr lang="ru-RU"/>
           </a:p>
@@ -1710,7 +1713,7 @@
     </p:spTree>
     <p:extLst>
       <p:ext uri="{BB962C8B-B14F-4D97-AF65-F5344CB8AC3E}">
-        <p14:creationId xmlns:p14="http://schemas.microsoft.com/office/powerpoint/2010/main" val="2685789095"/>
+        <p14:creationId xmlns:p14="http://schemas.microsoft.com/office/powerpoint/2010/main" val="2071628190"/>
       </p:ext>
     </p:extLst>
   </p:cSld>
@@ -1774,20 +1777,10 @@
                 <a:ea typeface="+mn-ea"/>
                 <a:cs typeface="+mn-cs"/>
               </a:rPr>
-              <a:t>Определен набор классификаторов: классификатор ближайшего соседа, метод опорных векторов, алгоритм </a:t>
-            </a:r>
-            <a:r>
-              <a:rPr lang="en-US" sz="1200" kern="1200" dirty="0" smtClean="0">
-                <a:solidFill>
-                  <a:schemeClr val="tx1"/>
-                </a:solidFill>
-                <a:effectLst/>
-                <a:latin typeface="+mn-lt"/>
-                <a:ea typeface="+mn-ea"/>
-                <a:cs typeface="+mn-cs"/>
-              </a:rPr>
-              <a:t>C</a:t>
-            </a:r>
+              <a:t>Результаты. Была разработана программа, которая позволяет получить набор построенных признаков данных посредством генетического программирования. Для проверки ее работы был проведен эксперимент. </a:t>
+            </a:r>
+          </a:p>
+          <a:p>
             <a:r>
               <a:rPr lang="ru-RU" sz="1200" kern="1200" dirty="0" smtClean="0">
                 <a:solidFill>
@@ -1798,7 +1791,7 @@
                 <a:ea typeface="+mn-ea"/>
                 <a:cs typeface="+mn-cs"/>
               </a:rPr>
-              <a:t>4.5 деревьев решений, наивный байесовский классификатор, искусственная нейронная сеть. И задано множество исходных признаков. Максимальная ошибка классификации для прекращения работы программы была выбрана равной 0.1.</a:t>
+              <a:t>Заданы обучающая и тестовая выборки медицинских изображений. Они были получены из доступного в интернете ресурса и представляют собой КТ снимки легких с отмеченными областями поражения.</a:t>
             </a:r>
           </a:p>
           <a:p>
@@ -1823,7 +1816,7 @@
           <a:p>
             <a:fld id="{067F537F-45F3-8142-965F-E742B23B0064}" type="slidenum">
               <a:rPr lang="ru-RU" smtClean="0"/>
-              <a:t>20</a:t>
+              <a:t>19</a:t>
             </a:fld>
             <a:endParaRPr lang="ru-RU"/>
           </a:p>
@@ -1832,7 +1825,7 @@
     </p:spTree>
     <p:extLst>
       <p:ext uri="{BB962C8B-B14F-4D97-AF65-F5344CB8AC3E}">
-        <p14:creationId xmlns:p14="http://schemas.microsoft.com/office/powerpoint/2010/main" val="3681463401"/>
+        <p14:creationId xmlns:p14="http://schemas.microsoft.com/office/powerpoint/2010/main" val="2685789095"/>
       </p:ext>
     </p:extLst>
   </p:cSld>
@@ -1947,6 +1940,128 @@
 </file>
 
 <file path=ppt/notesSlides/notesSlide20.xml><?xml version="1.0" encoding="utf-8"?>
+<p:notes xmlns:a="http://schemas.openxmlformats.org/drawingml/2006/main" xmlns:r="http://schemas.openxmlformats.org/officeDocument/2006/relationships" xmlns:p="http://schemas.openxmlformats.org/presentationml/2006/main">
+  <p:cSld>
+    <p:spTree>
+      <p:nvGrpSpPr>
+        <p:cNvPr id="1" name=""/>
+        <p:cNvGrpSpPr/>
+        <p:nvPr/>
+      </p:nvGrpSpPr>
+      <p:grpSpPr>
+        <a:xfrm>
+          <a:off x="0" y="0"/>
+          <a:ext cx="0" cy="0"/>
+          <a:chOff x="0" y="0"/>
+          <a:chExt cx="0" cy="0"/>
+        </a:xfrm>
+      </p:grpSpPr>
+      <p:sp>
+        <p:nvSpPr>
+          <p:cNvPr id="2" name="Образ слайда 1"/>
+          <p:cNvSpPr>
+            <a:spLocks noGrp="1" noRot="1" noChangeAspect="1"/>
+          </p:cNvSpPr>
+          <p:nvPr>
+            <p:ph type="sldImg"/>
+          </p:nvPr>
+        </p:nvSpPr>
+        <p:spPr/>
+      </p:sp>
+      <p:sp>
+        <p:nvSpPr>
+          <p:cNvPr id="3" name="Заметки 2"/>
+          <p:cNvSpPr>
+            <a:spLocks noGrp="1"/>
+          </p:cNvSpPr>
+          <p:nvPr>
+            <p:ph type="body" idx="1"/>
+          </p:nvPr>
+        </p:nvSpPr>
+        <p:spPr/>
+        <p:txBody>
+          <a:bodyPr/>
+          <a:lstStyle/>
+          <a:p>
+            <a:r>
+              <a:rPr lang="ru-RU" sz="1200" kern="1200" dirty="0" smtClean="0">
+                <a:solidFill>
+                  <a:schemeClr val="tx1"/>
+                </a:solidFill>
+                <a:effectLst/>
+                <a:latin typeface="+mn-lt"/>
+                <a:ea typeface="+mn-ea"/>
+                <a:cs typeface="+mn-cs"/>
+              </a:rPr>
+              <a:t>Определен набор классификаторов: классификатор ближайшего соседа, метод опорных векторов, алгоритм </a:t>
+            </a:r>
+            <a:r>
+              <a:rPr lang="en-US" sz="1200" kern="1200" dirty="0" smtClean="0">
+                <a:solidFill>
+                  <a:schemeClr val="tx1"/>
+                </a:solidFill>
+                <a:effectLst/>
+                <a:latin typeface="+mn-lt"/>
+                <a:ea typeface="+mn-ea"/>
+                <a:cs typeface="+mn-cs"/>
+              </a:rPr>
+              <a:t>C</a:t>
+            </a:r>
+            <a:r>
+              <a:rPr lang="ru-RU" sz="1200" kern="1200" dirty="0" smtClean="0">
+                <a:solidFill>
+                  <a:schemeClr val="tx1"/>
+                </a:solidFill>
+                <a:effectLst/>
+                <a:latin typeface="+mn-lt"/>
+                <a:ea typeface="+mn-ea"/>
+                <a:cs typeface="+mn-cs"/>
+              </a:rPr>
+              <a:t>4.5 деревьев решений, наивный байесовский классификатор, искусственная нейронная сеть. И задано множество исходных признаков. Максимальная ошибка классификации для прекращения работы программы была выбрана равной 0.1.</a:t>
+            </a:r>
+          </a:p>
+          <a:p>
+            <a:endParaRPr lang="ru-RU" dirty="0"/>
+          </a:p>
+        </p:txBody>
+      </p:sp>
+      <p:sp>
+        <p:nvSpPr>
+          <p:cNvPr id="4" name="Номер слайда 3"/>
+          <p:cNvSpPr>
+            <a:spLocks noGrp="1"/>
+          </p:cNvSpPr>
+          <p:nvPr>
+            <p:ph type="sldNum" sz="quarter" idx="10"/>
+          </p:nvPr>
+        </p:nvSpPr>
+        <p:spPr/>
+        <p:txBody>
+          <a:bodyPr/>
+          <a:lstStyle/>
+          <a:p>
+            <a:fld id="{067F537F-45F3-8142-965F-E742B23B0064}" type="slidenum">
+              <a:rPr lang="ru-RU" smtClean="0"/>
+              <a:t>20</a:t>
+            </a:fld>
+            <a:endParaRPr lang="ru-RU"/>
+          </a:p>
+        </p:txBody>
+      </p:sp>
+    </p:spTree>
+    <p:extLst>
+      <p:ext uri="{BB962C8B-B14F-4D97-AF65-F5344CB8AC3E}">
+        <p14:creationId xmlns:p14="http://schemas.microsoft.com/office/powerpoint/2010/main" val="3681463401"/>
+      </p:ext>
+    </p:extLst>
+  </p:cSld>
+  <p:clrMapOvr>
+    <a:masterClrMapping/>
+  </p:clrMapOvr>
+</p:notes>
+</file>
+
+<file path=ppt/notesSlides/notesSlide21.xml><?xml version="1.0" encoding="utf-8"?>
 <p:notes xmlns:a="http://schemas.openxmlformats.org/drawingml/2006/main" xmlns:r="http://schemas.openxmlformats.org/officeDocument/2006/relationships" xmlns:p="http://schemas.openxmlformats.org/presentationml/2006/main">
   <p:cSld>
     <p:spTree>
@@ -3006,7 +3121,7 @@
           <a:p>
             <a:fld id="{3A437E1B-BF00-41EC-9089-A3D2CF1C3BF5}" type="datetimeFigureOut">
               <a:rPr lang="ru-RU" smtClean="0"/>
-              <a:t>13.06.2017</a:t>
+              <a:t>16.06.17</a:t>
             </a:fld>
             <a:endParaRPr lang="ru-RU" dirty="0"/>
           </a:p>
@@ -3219,7 +3334,7 @@
           <a:p>
             <a:fld id="{3A437E1B-BF00-41EC-9089-A3D2CF1C3BF5}" type="datetimeFigureOut">
               <a:rPr lang="ru-RU" smtClean="0"/>
-              <a:t>13.06.2017</a:t>
+              <a:t>16.06.17</a:t>
             </a:fld>
             <a:endParaRPr lang="ru-RU" dirty="0"/>
           </a:p>
@@ -3394,7 +3509,7 @@
           <a:p>
             <a:fld id="{3A437E1B-BF00-41EC-9089-A3D2CF1C3BF5}" type="datetimeFigureOut">
               <a:rPr lang="ru-RU" smtClean="0"/>
-              <a:t>13.06.2017</a:t>
+              <a:t>16.06.17</a:t>
             </a:fld>
             <a:endParaRPr lang="ru-RU" dirty="0"/>
           </a:p>
@@ -3559,7 +3674,7 @@
           <a:p>
             <a:fld id="{3A437E1B-BF00-41EC-9089-A3D2CF1C3BF5}" type="datetimeFigureOut">
               <a:rPr lang="ru-RU" smtClean="0"/>
-              <a:t>13.06.2017</a:t>
+              <a:t>16.06.17</a:t>
             </a:fld>
             <a:endParaRPr lang="ru-RU" dirty="0"/>
           </a:p>
@@ -3843,7 +3958,7 @@
           <a:p>
             <a:fld id="{3A437E1B-BF00-41EC-9089-A3D2CF1C3BF5}" type="datetimeFigureOut">
               <a:rPr lang="ru-RU" smtClean="0"/>
-              <a:t>13.06.2017</a:t>
+              <a:t>16.06.17</a:t>
             </a:fld>
             <a:endParaRPr lang="ru-RU" dirty="0"/>
           </a:p>
@@ -4169,7 +4284,7 @@
           <a:p>
             <a:fld id="{3A437E1B-BF00-41EC-9089-A3D2CF1C3BF5}" type="datetimeFigureOut">
               <a:rPr lang="ru-RU" smtClean="0"/>
-              <a:t>13.06.2017</a:t>
+              <a:t>16.06.17</a:t>
             </a:fld>
             <a:endParaRPr lang="ru-RU" dirty="0"/>
           </a:p>
@@ -4594,7 +4709,7 @@
           <a:p>
             <a:fld id="{3A437E1B-BF00-41EC-9089-A3D2CF1C3BF5}" type="datetimeFigureOut">
               <a:rPr lang="ru-RU" smtClean="0"/>
-              <a:t>13.06.2017</a:t>
+              <a:t>16.06.17</a:t>
             </a:fld>
             <a:endParaRPr lang="ru-RU" dirty="0"/>
           </a:p>
@@ -4767,7 +4882,7 @@
           <a:p>
             <a:fld id="{3A437E1B-BF00-41EC-9089-A3D2CF1C3BF5}" type="datetimeFigureOut">
               <a:rPr lang="ru-RU" smtClean="0"/>
-              <a:t>13.06.2017</a:t>
+              <a:t>16.06.17</a:t>
             </a:fld>
             <a:endParaRPr lang="ru-RU" dirty="0"/>
           </a:p>
@@ -4857,7 +4972,7 @@
           <a:p>
             <a:fld id="{3A437E1B-BF00-41EC-9089-A3D2CF1C3BF5}" type="datetimeFigureOut">
               <a:rPr lang="ru-RU" smtClean="0"/>
-              <a:t>13.06.2017</a:t>
+              <a:t>16.06.17</a:t>
             </a:fld>
             <a:endParaRPr lang="ru-RU" dirty="0"/>
           </a:p>
@@ -5137,7 +5252,7 @@
           <a:p>
             <a:fld id="{3A437E1B-BF00-41EC-9089-A3D2CF1C3BF5}" type="datetimeFigureOut">
               <a:rPr lang="ru-RU" smtClean="0"/>
-              <a:t>13.06.2017</a:t>
+              <a:t>16.06.17</a:t>
             </a:fld>
             <a:endParaRPr lang="ru-RU" dirty="0"/>
           </a:p>
@@ -5436,7 +5551,7 @@
           <a:p>
             <a:fld id="{3A437E1B-BF00-41EC-9089-A3D2CF1C3BF5}" type="datetimeFigureOut">
               <a:rPr lang="ru-RU" smtClean="0"/>
-              <a:t>13.06.2017</a:t>
+              <a:t>16.06.17</a:t>
             </a:fld>
             <a:endParaRPr lang="ru-RU" dirty="0"/>
           </a:p>
@@ -5646,7 +5761,7 @@
           <a:p>
             <a:fld id="{3A437E1B-BF00-41EC-9089-A3D2CF1C3BF5}" type="datetimeFigureOut">
               <a:rPr lang="ru-RU" smtClean="0"/>
-              <a:t>13.06.2017</a:t>
+              <a:t>16.06.17</a:t>
             </a:fld>
             <a:endParaRPr lang="ru-RU" dirty="0"/>
           </a:p>
@@ -6706,7 +6821,7 @@
                       <m:sSupPr>
                         <m:ctrlPr>
                           <a:rPr lang="en-US" sz="4000" i="1" smtClean="0">
-                            <a:latin typeface="Cambria Math" panose="02040503050406030204" pitchFamily="18" charset="0"/>
+                            <a:latin typeface="Cambria Math" charset="0"/>
                           </a:rPr>
                         </m:ctrlPr>
                       </m:sSupPr>
@@ -6737,7 +6852,7 @@
                       <m:dPr>
                         <m:ctrlPr>
                           <a:rPr lang="en-US" sz="4000" b="0" i="1" smtClean="0">
-                            <a:latin typeface="Cambria Math" panose="02040503050406030204" pitchFamily="18" charset="0"/>
+                            <a:latin typeface="Cambria Math" charset="0"/>
                           </a:rPr>
                         </m:ctrlPr>
                       </m:dPr>
@@ -6746,7 +6861,7 @@
                           <m:sSubPr>
                             <m:ctrlPr>
                               <a:rPr lang="en-US" sz="4000" b="0" i="1" smtClean="0">
-                                <a:latin typeface="Cambria Math" panose="02040503050406030204" pitchFamily="18" charset="0"/>
+                                <a:latin typeface="Cambria Math" charset="0"/>
                               </a:rPr>
                             </m:ctrlPr>
                           </m:sSubPr>
@@ -6777,7 +6892,7 @@
                           <m:sSubPr>
                             <m:ctrlPr>
                               <a:rPr lang="en-US" sz="4000" b="0" i="1" smtClean="0">
-                                <a:latin typeface="Cambria Math" panose="02040503050406030204" pitchFamily="18" charset="0"/>
+                                <a:latin typeface="Cambria Math" charset="0"/>
                               </a:rPr>
                             </m:ctrlPr>
                           </m:sSubPr>
@@ -6810,7 +6925,7 @@
                       <m:sSubPr>
                         <m:ctrlPr>
                           <a:rPr lang="en-US" sz="4000" b="0" i="1" smtClean="0">
-                            <a:latin typeface="Cambria Math" panose="02040503050406030204" pitchFamily="18" charset="0"/>
+                            <a:latin typeface="Cambria Math" charset="0"/>
                           </a:rPr>
                         </m:ctrlPr>
                       </m:sSubPr>
@@ -6841,7 +6956,7 @@
                       <m:sSubPr>
                         <m:ctrlPr>
                           <a:rPr lang="en-US" sz="4000" b="0" i="1" smtClean="0">
-                            <a:latin typeface="Cambria Math" panose="02040503050406030204" pitchFamily="18" charset="0"/>
+                            <a:latin typeface="Cambria Math" charset="0"/>
                           </a:rPr>
                         </m:ctrlPr>
                       </m:sSubPr>
@@ -13800,7 +13915,7 @@
                           </m:mcs>
                           <m:ctrlPr>
                             <a:rPr lang="mr-IN" sz="3200" i="1" smtClean="0">
-                              <a:latin typeface="Cambria Math" panose="02040503050406030204" pitchFamily="18" charset="0"/>
+                              <a:latin typeface="Cambria Math" charset="0"/>
                               <a:ea typeface="Arial" charset="0"/>
                               <a:cs typeface="Arial" charset="0"/>
                             </a:rPr>
@@ -13855,7 +13970,7 @@
                                 </m:mcs>
                                 <m:ctrlPr>
                                   <a:rPr lang="mr-IN" sz="3200" i="1" smtClean="0">
-                                    <a:latin typeface="Cambria Math" panose="02040503050406030204" pitchFamily="18" charset="0"/>
+                                    <a:latin typeface="Cambria Math" charset="0"/>
                                     <a:ea typeface="Arial" charset="0"/>
                                     <a:cs typeface="Arial" charset="0"/>
                                   </a:rPr>
@@ -13902,7 +14017,7 @@
                                     <m:eqArrPr>
                                       <m:ctrlPr>
                                         <a:rPr lang="ru-RU" sz="3200" b="0" i="1" smtClean="0">
-                                          <a:latin typeface="Cambria Math" panose="02040503050406030204" pitchFamily="18" charset="0"/>
+                                          <a:latin typeface="Cambria Math" charset="0"/>
                                           <a:ea typeface="Arial" charset="0"/>
                                           <a:cs typeface="Arial" charset="0"/>
                                         </a:rPr>
